--- a/Weekly Meetings/HEP_Angular_Distributions_Presentation_21May2019.pptx
+++ b/Weekly Meetings/HEP_Angular_Distributions_Presentation_21May2019.pptx
@@ -5,12 +5,31 @@
     <p:sldMasterId id="2147483875" r:id="rId1"/>
   </p:sldMasterIdLst>
   <p:notesMasterIdLst>
-    <p:notesMasterId r:id="rId5"/>
+    <p:notesMasterId r:id="rId24"/>
   </p:notesMasterIdLst>
   <p:sldIdLst>
     <p:sldId id="256" r:id="rId2"/>
     <p:sldId id="257" r:id="rId3"/>
-    <p:sldId id="258" r:id="rId4"/>
+    <p:sldId id="259" r:id="rId4"/>
+    <p:sldId id="258" r:id="rId5"/>
+    <p:sldId id="262" r:id="rId6"/>
+    <p:sldId id="260" r:id="rId7"/>
+    <p:sldId id="264" r:id="rId8"/>
+    <p:sldId id="263" r:id="rId9"/>
+    <p:sldId id="261" r:id="rId10"/>
+    <p:sldId id="265" r:id="rId11"/>
+    <p:sldId id="266" r:id="rId12"/>
+    <p:sldId id="268" r:id="rId13"/>
+    <p:sldId id="267" r:id="rId14"/>
+    <p:sldId id="272" r:id="rId15"/>
+    <p:sldId id="269" r:id="rId16"/>
+    <p:sldId id="271" r:id="rId17"/>
+    <p:sldId id="273" r:id="rId18"/>
+    <p:sldId id="274" r:id="rId19"/>
+    <p:sldId id="275" r:id="rId20"/>
+    <p:sldId id="276" r:id="rId21"/>
+    <p:sldId id="277" r:id="rId22"/>
+    <p:sldId id="278" r:id="rId23"/>
   </p:sldIdLst>
   <p:sldSz cx="12192000" cy="6858000"/>
   <p:notesSz cx="6858000" cy="9144000"/>
@@ -199,7 +218,7 @@
           <a:p>
             <a:fld id="{E0F3FC76-411E-494E-BBF7-54618820D3D9}" type="datetimeFigureOut">
               <a:rPr lang="en-GB" smtClean="0"/>
-              <a:t>20/05/2019</a:t>
+              <a:t>21/05/2019</a:t>
             </a:fld>
             <a:endParaRPr lang="en-GB"/>
           </a:p>
@@ -551,6 +570,846 @@
 </p:notes>
 </file>
 
+<file path=ppt/notesSlides/notesSlide10.xml><?xml version="1.0" encoding="utf-8"?>
+<p:notes xmlns:a="http://schemas.openxmlformats.org/drawingml/2006/main" xmlns:r="http://schemas.openxmlformats.org/officeDocument/2006/relationships" xmlns:p="http://schemas.openxmlformats.org/presentationml/2006/main">
+  <p:cSld>
+    <p:spTree>
+      <p:nvGrpSpPr>
+        <p:cNvPr id="1" name=""/>
+        <p:cNvGrpSpPr/>
+        <p:nvPr/>
+      </p:nvGrpSpPr>
+      <p:grpSpPr>
+        <a:xfrm>
+          <a:off x="0" y="0"/>
+          <a:ext cx="0" cy="0"/>
+          <a:chOff x="0" y="0"/>
+          <a:chExt cx="0" cy="0"/>
+        </a:xfrm>
+      </p:grpSpPr>
+      <p:sp>
+        <p:nvSpPr>
+          <p:cNvPr id="2" name="Slide Image Placeholder 1"/>
+          <p:cNvSpPr>
+            <a:spLocks noGrp="1" noRot="1" noChangeAspect="1"/>
+          </p:cNvSpPr>
+          <p:nvPr>
+            <p:ph type="sldImg"/>
+          </p:nvPr>
+        </p:nvSpPr>
+        <p:spPr/>
+      </p:sp>
+      <p:sp>
+        <p:nvSpPr>
+          <p:cNvPr id="3" name="Notes Placeholder 2"/>
+          <p:cNvSpPr>
+            <a:spLocks noGrp="1"/>
+          </p:cNvSpPr>
+          <p:nvPr>
+            <p:ph type="body" idx="1"/>
+          </p:nvPr>
+        </p:nvSpPr>
+        <p:spPr/>
+        <p:txBody>
+          <a:bodyPr/>
+          <a:lstStyle/>
+          <a:p>
+            <a:endParaRPr lang="en-GB" dirty="0"/>
+          </a:p>
+        </p:txBody>
+      </p:sp>
+      <p:sp>
+        <p:nvSpPr>
+          <p:cNvPr id="4" name="Slide Number Placeholder 3"/>
+          <p:cNvSpPr>
+            <a:spLocks noGrp="1"/>
+          </p:cNvSpPr>
+          <p:nvPr>
+            <p:ph type="sldNum" sz="quarter" idx="10"/>
+          </p:nvPr>
+        </p:nvSpPr>
+        <p:spPr/>
+        <p:txBody>
+          <a:bodyPr/>
+          <a:lstStyle/>
+          <a:p>
+            <a:fld id="{DDE251E9-812E-4854-B6DD-3E1C329A13AA}" type="slidenum">
+              <a:rPr lang="en-GB" smtClean="0"/>
+              <a:t>12</a:t>
+            </a:fld>
+            <a:endParaRPr lang="en-GB"/>
+          </a:p>
+        </p:txBody>
+      </p:sp>
+    </p:spTree>
+    <p:extLst>
+      <p:ext uri="{BB962C8B-B14F-4D97-AF65-F5344CB8AC3E}">
+        <p14:creationId xmlns:p14="http://schemas.microsoft.com/office/powerpoint/2010/main" val="937287917"/>
+      </p:ext>
+    </p:extLst>
+  </p:cSld>
+  <p:clrMapOvr>
+    <a:masterClrMapping/>
+  </p:clrMapOvr>
+</p:notes>
+</file>
+
+<file path=ppt/notesSlides/notesSlide11.xml><?xml version="1.0" encoding="utf-8"?>
+<p:notes xmlns:a="http://schemas.openxmlformats.org/drawingml/2006/main" xmlns:r="http://schemas.openxmlformats.org/officeDocument/2006/relationships" xmlns:p="http://schemas.openxmlformats.org/presentationml/2006/main">
+  <p:cSld>
+    <p:spTree>
+      <p:nvGrpSpPr>
+        <p:cNvPr id="1" name=""/>
+        <p:cNvGrpSpPr/>
+        <p:nvPr/>
+      </p:nvGrpSpPr>
+      <p:grpSpPr>
+        <a:xfrm>
+          <a:off x="0" y="0"/>
+          <a:ext cx="0" cy="0"/>
+          <a:chOff x="0" y="0"/>
+          <a:chExt cx="0" cy="0"/>
+        </a:xfrm>
+      </p:grpSpPr>
+      <p:sp>
+        <p:nvSpPr>
+          <p:cNvPr id="2" name="Slide Image Placeholder 1"/>
+          <p:cNvSpPr>
+            <a:spLocks noGrp="1" noRot="1" noChangeAspect="1"/>
+          </p:cNvSpPr>
+          <p:nvPr>
+            <p:ph type="sldImg"/>
+          </p:nvPr>
+        </p:nvSpPr>
+        <p:spPr/>
+      </p:sp>
+      <p:sp>
+        <p:nvSpPr>
+          <p:cNvPr id="3" name="Notes Placeholder 2"/>
+          <p:cNvSpPr>
+            <a:spLocks noGrp="1"/>
+          </p:cNvSpPr>
+          <p:nvPr>
+            <p:ph type="body" idx="1"/>
+          </p:nvPr>
+        </p:nvSpPr>
+        <p:spPr/>
+        <p:txBody>
+          <a:bodyPr/>
+          <a:lstStyle/>
+          <a:p>
+            <a:endParaRPr lang="en-GB" dirty="0"/>
+          </a:p>
+        </p:txBody>
+      </p:sp>
+      <p:sp>
+        <p:nvSpPr>
+          <p:cNvPr id="4" name="Slide Number Placeholder 3"/>
+          <p:cNvSpPr>
+            <a:spLocks noGrp="1"/>
+          </p:cNvSpPr>
+          <p:nvPr>
+            <p:ph type="sldNum" sz="quarter" idx="10"/>
+          </p:nvPr>
+        </p:nvSpPr>
+        <p:spPr/>
+        <p:txBody>
+          <a:bodyPr/>
+          <a:lstStyle/>
+          <a:p>
+            <a:fld id="{DDE251E9-812E-4854-B6DD-3E1C329A13AA}" type="slidenum">
+              <a:rPr lang="en-GB" smtClean="0"/>
+              <a:t>13</a:t>
+            </a:fld>
+            <a:endParaRPr lang="en-GB"/>
+          </a:p>
+        </p:txBody>
+      </p:sp>
+    </p:spTree>
+    <p:extLst>
+      <p:ext uri="{BB962C8B-B14F-4D97-AF65-F5344CB8AC3E}">
+        <p14:creationId xmlns:p14="http://schemas.microsoft.com/office/powerpoint/2010/main" val="1502914712"/>
+      </p:ext>
+    </p:extLst>
+  </p:cSld>
+  <p:clrMapOvr>
+    <a:masterClrMapping/>
+  </p:clrMapOvr>
+</p:notes>
+</file>
+
+<file path=ppt/notesSlides/notesSlide12.xml><?xml version="1.0" encoding="utf-8"?>
+<p:notes xmlns:a="http://schemas.openxmlformats.org/drawingml/2006/main" xmlns:r="http://schemas.openxmlformats.org/officeDocument/2006/relationships" xmlns:p="http://schemas.openxmlformats.org/presentationml/2006/main">
+  <p:cSld>
+    <p:spTree>
+      <p:nvGrpSpPr>
+        <p:cNvPr id="1" name=""/>
+        <p:cNvGrpSpPr/>
+        <p:nvPr/>
+      </p:nvGrpSpPr>
+      <p:grpSpPr>
+        <a:xfrm>
+          <a:off x="0" y="0"/>
+          <a:ext cx="0" cy="0"/>
+          <a:chOff x="0" y="0"/>
+          <a:chExt cx="0" cy="0"/>
+        </a:xfrm>
+      </p:grpSpPr>
+      <p:sp>
+        <p:nvSpPr>
+          <p:cNvPr id="2" name="Slide Image Placeholder 1"/>
+          <p:cNvSpPr>
+            <a:spLocks noGrp="1" noRot="1" noChangeAspect="1"/>
+          </p:cNvSpPr>
+          <p:nvPr>
+            <p:ph type="sldImg"/>
+          </p:nvPr>
+        </p:nvSpPr>
+        <p:spPr/>
+      </p:sp>
+      <p:sp>
+        <p:nvSpPr>
+          <p:cNvPr id="3" name="Notes Placeholder 2"/>
+          <p:cNvSpPr>
+            <a:spLocks noGrp="1"/>
+          </p:cNvSpPr>
+          <p:nvPr>
+            <p:ph type="body" idx="1"/>
+          </p:nvPr>
+        </p:nvSpPr>
+        <p:spPr/>
+        <p:txBody>
+          <a:bodyPr/>
+          <a:lstStyle/>
+          <a:p>
+            <a:endParaRPr lang="en-GB" dirty="0"/>
+          </a:p>
+        </p:txBody>
+      </p:sp>
+      <p:sp>
+        <p:nvSpPr>
+          <p:cNvPr id="4" name="Slide Number Placeholder 3"/>
+          <p:cNvSpPr>
+            <a:spLocks noGrp="1"/>
+          </p:cNvSpPr>
+          <p:nvPr>
+            <p:ph type="sldNum" sz="quarter" idx="10"/>
+          </p:nvPr>
+        </p:nvSpPr>
+        <p:spPr/>
+        <p:txBody>
+          <a:bodyPr/>
+          <a:lstStyle/>
+          <a:p>
+            <a:fld id="{DDE251E9-812E-4854-B6DD-3E1C329A13AA}" type="slidenum">
+              <a:rPr lang="en-GB" smtClean="0"/>
+              <a:t>14</a:t>
+            </a:fld>
+            <a:endParaRPr lang="en-GB"/>
+          </a:p>
+        </p:txBody>
+      </p:sp>
+    </p:spTree>
+    <p:extLst>
+      <p:ext uri="{BB962C8B-B14F-4D97-AF65-F5344CB8AC3E}">
+        <p14:creationId xmlns:p14="http://schemas.microsoft.com/office/powerpoint/2010/main" val="860722630"/>
+      </p:ext>
+    </p:extLst>
+  </p:cSld>
+  <p:clrMapOvr>
+    <a:masterClrMapping/>
+  </p:clrMapOvr>
+</p:notes>
+</file>
+
+<file path=ppt/notesSlides/notesSlide13.xml><?xml version="1.0" encoding="utf-8"?>
+<p:notes xmlns:a="http://schemas.openxmlformats.org/drawingml/2006/main" xmlns:r="http://schemas.openxmlformats.org/officeDocument/2006/relationships" xmlns:p="http://schemas.openxmlformats.org/presentationml/2006/main">
+  <p:cSld>
+    <p:spTree>
+      <p:nvGrpSpPr>
+        <p:cNvPr id="1" name=""/>
+        <p:cNvGrpSpPr/>
+        <p:nvPr/>
+      </p:nvGrpSpPr>
+      <p:grpSpPr>
+        <a:xfrm>
+          <a:off x="0" y="0"/>
+          <a:ext cx="0" cy="0"/>
+          <a:chOff x="0" y="0"/>
+          <a:chExt cx="0" cy="0"/>
+        </a:xfrm>
+      </p:grpSpPr>
+      <p:sp>
+        <p:nvSpPr>
+          <p:cNvPr id="2" name="Slide Image Placeholder 1"/>
+          <p:cNvSpPr>
+            <a:spLocks noGrp="1" noRot="1" noChangeAspect="1"/>
+          </p:cNvSpPr>
+          <p:nvPr>
+            <p:ph type="sldImg"/>
+          </p:nvPr>
+        </p:nvSpPr>
+        <p:spPr/>
+      </p:sp>
+      <p:sp>
+        <p:nvSpPr>
+          <p:cNvPr id="3" name="Notes Placeholder 2"/>
+          <p:cNvSpPr>
+            <a:spLocks noGrp="1"/>
+          </p:cNvSpPr>
+          <p:nvPr>
+            <p:ph type="body" idx="1"/>
+          </p:nvPr>
+        </p:nvSpPr>
+        <p:spPr/>
+        <p:txBody>
+          <a:bodyPr/>
+          <a:lstStyle/>
+          <a:p>
+            <a:endParaRPr lang="en-GB" dirty="0"/>
+          </a:p>
+        </p:txBody>
+      </p:sp>
+      <p:sp>
+        <p:nvSpPr>
+          <p:cNvPr id="4" name="Slide Number Placeholder 3"/>
+          <p:cNvSpPr>
+            <a:spLocks noGrp="1"/>
+          </p:cNvSpPr>
+          <p:nvPr>
+            <p:ph type="sldNum" sz="quarter" idx="10"/>
+          </p:nvPr>
+        </p:nvSpPr>
+        <p:spPr/>
+        <p:txBody>
+          <a:bodyPr/>
+          <a:lstStyle/>
+          <a:p>
+            <a:fld id="{DDE251E9-812E-4854-B6DD-3E1C329A13AA}" type="slidenum">
+              <a:rPr lang="en-GB" smtClean="0"/>
+              <a:t>15</a:t>
+            </a:fld>
+            <a:endParaRPr lang="en-GB"/>
+          </a:p>
+        </p:txBody>
+      </p:sp>
+    </p:spTree>
+    <p:extLst>
+      <p:ext uri="{BB962C8B-B14F-4D97-AF65-F5344CB8AC3E}">
+        <p14:creationId xmlns:p14="http://schemas.microsoft.com/office/powerpoint/2010/main" val="1407183250"/>
+      </p:ext>
+    </p:extLst>
+  </p:cSld>
+  <p:clrMapOvr>
+    <a:masterClrMapping/>
+  </p:clrMapOvr>
+</p:notes>
+</file>
+
+<file path=ppt/notesSlides/notesSlide14.xml><?xml version="1.0" encoding="utf-8"?>
+<p:notes xmlns:a="http://schemas.openxmlformats.org/drawingml/2006/main" xmlns:r="http://schemas.openxmlformats.org/officeDocument/2006/relationships" xmlns:p="http://schemas.openxmlformats.org/presentationml/2006/main">
+  <p:cSld>
+    <p:spTree>
+      <p:nvGrpSpPr>
+        <p:cNvPr id="1" name=""/>
+        <p:cNvGrpSpPr/>
+        <p:nvPr/>
+      </p:nvGrpSpPr>
+      <p:grpSpPr>
+        <a:xfrm>
+          <a:off x="0" y="0"/>
+          <a:ext cx="0" cy="0"/>
+          <a:chOff x="0" y="0"/>
+          <a:chExt cx="0" cy="0"/>
+        </a:xfrm>
+      </p:grpSpPr>
+      <p:sp>
+        <p:nvSpPr>
+          <p:cNvPr id="2" name="Slide Image Placeholder 1"/>
+          <p:cNvSpPr>
+            <a:spLocks noGrp="1" noRot="1" noChangeAspect="1"/>
+          </p:cNvSpPr>
+          <p:nvPr>
+            <p:ph type="sldImg"/>
+          </p:nvPr>
+        </p:nvSpPr>
+        <p:spPr/>
+      </p:sp>
+      <p:sp>
+        <p:nvSpPr>
+          <p:cNvPr id="3" name="Notes Placeholder 2"/>
+          <p:cNvSpPr>
+            <a:spLocks noGrp="1"/>
+          </p:cNvSpPr>
+          <p:nvPr>
+            <p:ph type="body" idx="1"/>
+          </p:nvPr>
+        </p:nvSpPr>
+        <p:spPr/>
+        <p:txBody>
+          <a:bodyPr/>
+          <a:lstStyle/>
+          <a:p>
+            <a:endParaRPr lang="en-GB" dirty="0"/>
+          </a:p>
+        </p:txBody>
+      </p:sp>
+      <p:sp>
+        <p:nvSpPr>
+          <p:cNvPr id="4" name="Slide Number Placeholder 3"/>
+          <p:cNvSpPr>
+            <a:spLocks noGrp="1"/>
+          </p:cNvSpPr>
+          <p:nvPr>
+            <p:ph type="sldNum" sz="quarter" idx="10"/>
+          </p:nvPr>
+        </p:nvSpPr>
+        <p:spPr/>
+        <p:txBody>
+          <a:bodyPr/>
+          <a:lstStyle/>
+          <a:p>
+            <a:fld id="{DDE251E9-812E-4854-B6DD-3E1C329A13AA}" type="slidenum">
+              <a:rPr lang="en-GB" smtClean="0"/>
+              <a:t>16</a:t>
+            </a:fld>
+            <a:endParaRPr lang="en-GB"/>
+          </a:p>
+        </p:txBody>
+      </p:sp>
+    </p:spTree>
+    <p:extLst>
+      <p:ext uri="{BB962C8B-B14F-4D97-AF65-F5344CB8AC3E}">
+        <p14:creationId xmlns:p14="http://schemas.microsoft.com/office/powerpoint/2010/main" val="3139741897"/>
+      </p:ext>
+    </p:extLst>
+  </p:cSld>
+  <p:clrMapOvr>
+    <a:masterClrMapping/>
+  </p:clrMapOvr>
+</p:notes>
+</file>
+
+<file path=ppt/notesSlides/notesSlide15.xml><?xml version="1.0" encoding="utf-8"?>
+<p:notes xmlns:a="http://schemas.openxmlformats.org/drawingml/2006/main" xmlns:r="http://schemas.openxmlformats.org/officeDocument/2006/relationships" xmlns:p="http://schemas.openxmlformats.org/presentationml/2006/main">
+  <p:cSld>
+    <p:spTree>
+      <p:nvGrpSpPr>
+        <p:cNvPr id="1" name=""/>
+        <p:cNvGrpSpPr/>
+        <p:nvPr/>
+      </p:nvGrpSpPr>
+      <p:grpSpPr>
+        <a:xfrm>
+          <a:off x="0" y="0"/>
+          <a:ext cx="0" cy="0"/>
+          <a:chOff x="0" y="0"/>
+          <a:chExt cx="0" cy="0"/>
+        </a:xfrm>
+      </p:grpSpPr>
+      <p:sp>
+        <p:nvSpPr>
+          <p:cNvPr id="2" name="Slide Image Placeholder 1"/>
+          <p:cNvSpPr>
+            <a:spLocks noGrp="1" noRot="1" noChangeAspect="1"/>
+          </p:cNvSpPr>
+          <p:nvPr>
+            <p:ph type="sldImg"/>
+          </p:nvPr>
+        </p:nvSpPr>
+        <p:spPr/>
+      </p:sp>
+      <p:sp>
+        <p:nvSpPr>
+          <p:cNvPr id="3" name="Notes Placeholder 2"/>
+          <p:cNvSpPr>
+            <a:spLocks noGrp="1"/>
+          </p:cNvSpPr>
+          <p:nvPr>
+            <p:ph type="body" idx="1"/>
+          </p:nvPr>
+        </p:nvSpPr>
+        <p:spPr/>
+        <p:txBody>
+          <a:bodyPr/>
+          <a:lstStyle/>
+          <a:p>
+            <a:endParaRPr lang="en-GB" dirty="0"/>
+          </a:p>
+        </p:txBody>
+      </p:sp>
+      <p:sp>
+        <p:nvSpPr>
+          <p:cNvPr id="4" name="Slide Number Placeholder 3"/>
+          <p:cNvSpPr>
+            <a:spLocks noGrp="1"/>
+          </p:cNvSpPr>
+          <p:nvPr>
+            <p:ph type="sldNum" sz="quarter" idx="10"/>
+          </p:nvPr>
+        </p:nvSpPr>
+        <p:spPr/>
+        <p:txBody>
+          <a:bodyPr/>
+          <a:lstStyle/>
+          <a:p>
+            <a:fld id="{DDE251E9-812E-4854-B6DD-3E1C329A13AA}" type="slidenum">
+              <a:rPr lang="en-GB" smtClean="0"/>
+              <a:t>17</a:t>
+            </a:fld>
+            <a:endParaRPr lang="en-GB"/>
+          </a:p>
+        </p:txBody>
+      </p:sp>
+    </p:spTree>
+    <p:extLst>
+      <p:ext uri="{BB962C8B-B14F-4D97-AF65-F5344CB8AC3E}">
+        <p14:creationId xmlns:p14="http://schemas.microsoft.com/office/powerpoint/2010/main" val="1276963487"/>
+      </p:ext>
+    </p:extLst>
+  </p:cSld>
+  <p:clrMapOvr>
+    <a:masterClrMapping/>
+  </p:clrMapOvr>
+</p:notes>
+</file>
+
+<file path=ppt/notesSlides/notesSlide16.xml><?xml version="1.0" encoding="utf-8"?>
+<p:notes xmlns:a="http://schemas.openxmlformats.org/drawingml/2006/main" xmlns:r="http://schemas.openxmlformats.org/officeDocument/2006/relationships" xmlns:p="http://schemas.openxmlformats.org/presentationml/2006/main">
+  <p:cSld>
+    <p:spTree>
+      <p:nvGrpSpPr>
+        <p:cNvPr id="1" name=""/>
+        <p:cNvGrpSpPr/>
+        <p:nvPr/>
+      </p:nvGrpSpPr>
+      <p:grpSpPr>
+        <a:xfrm>
+          <a:off x="0" y="0"/>
+          <a:ext cx="0" cy="0"/>
+          <a:chOff x="0" y="0"/>
+          <a:chExt cx="0" cy="0"/>
+        </a:xfrm>
+      </p:grpSpPr>
+      <p:sp>
+        <p:nvSpPr>
+          <p:cNvPr id="2" name="Slide Image Placeholder 1"/>
+          <p:cNvSpPr>
+            <a:spLocks noGrp="1" noRot="1" noChangeAspect="1"/>
+          </p:cNvSpPr>
+          <p:nvPr>
+            <p:ph type="sldImg"/>
+          </p:nvPr>
+        </p:nvSpPr>
+        <p:spPr/>
+      </p:sp>
+      <p:sp>
+        <p:nvSpPr>
+          <p:cNvPr id="3" name="Notes Placeholder 2"/>
+          <p:cNvSpPr>
+            <a:spLocks noGrp="1"/>
+          </p:cNvSpPr>
+          <p:nvPr>
+            <p:ph type="body" idx="1"/>
+          </p:nvPr>
+        </p:nvSpPr>
+        <p:spPr/>
+        <p:txBody>
+          <a:bodyPr/>
+          <a:lstStyle/>
+          <a:p>
+            <a:endParaRPr lang="en-GB" dirty="0"/>
+          </a:p>
+        </p:txBody>
+      </p:sp>
+      <p:sp>
+        <p:nvSpPr>
+          <p:cNvPr id="4" name="Slide Number Placeholder 3"/>
+          <p:cNvSpPr>
+            <a:spLocks noGrp="1"/>
+          </p:cNvSpPr>
+          <p:nvPr>
+            <p:ph type="sldNum" sz="quarter" idx="10"/>
+          </p:nvPr>
+        </p:nvSpPr>
+        <p:spPr/>
+        <p:txBody>
+          <a:bodyPr/>
+          <a:lstStyle/>
+          <a:p>
+            <a:fld id="{DDE251E9-812E-4854-B6DD-3E1C329A13AA}" type="slidenum">
+              <a:rPr lang="en-GB" smtClean="0"/>
+              <a:t>18</a:t>
+            </a:fld>
+            <a:endParaRPr lang="en-GB"/>
+          </a:p>
+        </p:txBody>
+      </p:sp>
+    </p:spTree>
+    <p:extLst>
+      <p:ext uri="{BB962C8B-B14F-4D97-AF65-F5344CB8AC3E}">
+        <p14:creationId xmlns:p14="http://schemas.microsoft.com/office/powerpoint/2010/main" val="3305835749"/>
+      </p:ext>
+    </p:extLst>
+  </p:cSld>
+  <p:clrMapOvr>
+    <a:masterClrMapping/>
+  </p:clrMapOvr>
+</p:notes>
+</file>
+
+<file path=ppt/notesSlides/notesSlide17.xml><?xml version="1.0" encoding="utf-8"?>
+<p:notes xmlns:a="http://schemas.openxmlformats.org/drawingml/2006/main" xmlns:r="http://schemas.openxmlformats.org/officeDocument/2006/relationships" xmlns:p="http://schemas.openxmlformats.org/presentationml/2006/main">
+  <p:cSld>
+    <p:spTree>
+      <p:nvGrpSpPr>
+        <p:cNvPr id="1" name=""/>
+        <p:cNvGrpSpPr/>
+        <p:nvPr/>
+      </p:nvGrpSpPr>
+      <p:grpSpPr>
+        <a:xfrm>
+          <a:off x="0" y="0"/>
+          <a:ext cx="0" cy="0"/>
+          <a:chOff x="0" y="0"/>
+          <a:chExt cx="0" cy="0"/>
+        </a:xfrm>
+      </p:grpSpPr>
+      <p:sp>
+        <p:nvSpPr>
+          <p:cNvPr id="2" name="Slide Image Placeholder 1"/>
+          <p:cNvSpPr>
+            <a:spLocks noGrp="1" noRot="1" noChangeAspect="1"/>
+          </p:cNvSpPr>
+          <p:nvPr>
+            <p:ph type="sldImg"/>
+          </p:nvPr>
+        </p:nvSpPr>
+        <p:spPr/>
+      </p:sp>
+      <p:sp>
+        <p:nvSpPr>
+          <p:cNvPr id="3" name="Notes Placeholder 2"/>
+          <p:cNvSpPr>
+            <a:spLocks noGrp="1"/>
+          </p:cNvSpPr>
+          <p:nvPr>
+            <p:ph type="body" idx="1"/>
+          </p:nvPr>
+        </p:nvSpPr>
+        <p:spPr/>
+        <p:txBody>
+          <a:bodyPr/>
+          <a:lstStyle/>
+          <a:p>
+            <a:endParaRPr lang="en-GB" dirty="0"/>
+          </a:p>
+        </p:txBody>
+      </p:sp>
+      <p:sp>
+        <p:nvSpPr>
+          <p:cNvPr id="4" name="Slide Number Placeholder 3"/>
+          <p:cNvSpPr>
+            <a:spLocks noGrp="1"/>
+          </p:cNvSpPr>
+          <p:nvPr>
+            <p:ph type="sldNum" sz="quarter" idx="10"/>
+          </p:nvPr>
+        </p:nvSpPr>
+        <p:spPr/>
+        <p:txBody>
+          <a:bodyPr/>
+          <a:lstStyle/>
+          <a:p>
+            <a:fld id="{DDE251E9-812E-4854-B6DD-3E1C329A13AA}" type="slidenum">
+              <a:rPr lang="en-GB" smtClean="0"/>
+              <a:t>19</a:t>
+            </a:fld>
+            <a:endParaRPr lang="en-GB"/>
+          </a:p>
+        </p:txBody>
+      </p:sp>
+    </p:spTree>
+    <p:extLst>
+      <p:ext uri="{BB962C8B-B14F-4D97-AF65-F5344CB8AC3E}">
+        <p14:creationId xmlns:p14="http://schemas.microsoft.com/office/powerpoint/2010/main" val="4240262448"/>
+      </p:ext>
+    </p:extLst>
+  </p:cSld>
+  <p:clrMapOvr>
+    <a:masterClrMapping/>
+  </p:clrMapOvr>
+</p:notes>
+</file>
+
+<file path=ppt/notesSlides/notesSlide18.xml><?xml version="1.0" encoding="utf-8"?>
+<p:notes xmlns:a="http://schemas.openxmlformats.org/drawingml/2006/main" xmlns:r="http://schemas.openxmlformats.org/officeDocument/2006/relationships" xmlns:p="http://schemas.openxmlformats.org/presentationml/2006/main">
+  <p:cSld>
+    <p:spTree>
+      <p:nvGrpSpPr>
+        <p:cNvPr id="1" name=""/>
+        <p:cNvGrpSpPr/>
+        <p:nvPr/>
+      </p:nvGrpSpPr>
+      <p:grpSpPr>
+        <a:xfrm>
+          <a:off x="0" y="0"/>
+          <a:ext cx="0" cy="0"/>
+          <a:chOff x="0" y="0"/>
+          <a:chExt cx="0" cy="0"/>
+        </a:xfrm>
+      </p:grpSpPr>
+      <p:sp>
+        <p:nvSpPr>
+          <p:cNvPr id="2" name="Slide Image Placeholder 1"/>
+          <p:cNvSpPr>
+            <a:spLocks noGrp="1" noRot="1" noChangeAspect="1"/>
+          </p:cNvSpPr>
+          <p:nvPr>
+            <p:ph type="sldImg"/>
+          </p:nvPr>
+        </p:nvSpPr>
+        <p:spPr/>
+      </p:sp>
+      <p:sp>
+        <p:nvSpPr>
+          <p:cNvPr id="3" name="Notes Placeholder 2"/>
+          <p:cNvSpPr>
+            <a:spLocks noGrp="1"/>
+          </p:cNvSpPr>
+          <p:nvPr>
+            <p:ph type="body" idx="1"/>
+          </p:nvPr>
+        </p:nvSpPr>
+        <p:spPr/>
+        <p:txBody>
+          <a:bodyPr/>
+          <a:lstStyle/>
+          <a:p>
+            <a:endParaRPr lang="en-GB" dirty="0"/>
+          </a:p>
+        </p:txBody>
+      </p:sp>
+      <p:sp>
+        <p:nvSpPr>
+          <p:cNvPr id="4" name="Slide Number Placeholder 3"/>
+          <p:cNvSpPr>
+            <a:spLocks noGrp="1"/>
+          </p:cNvSpPr>
+          <p:nvPr>
+            <p:ph type="sldNum" sz="quarter" idx="10"/>
+          </p:nvPr>
+        </p:nvSpPr>
+        <p:spPr/>
+        <p:txBody>
+          <a:bodyPr/>
+          <a:lstStyle/>
+          <a:p>
+            <a:fld id="{DDE251E9-812E-4854-B6DD-3E1C329A13AA}" type="slidenum">
+              <a:rPr lang="en-GB" smtClean="0"/>
+              <a:t>20</a:t>
+            </a:fld>
+            <a:endParaRPr lang="en-GB"/>
+          </a:p>
+        </p:txBody>
+      </p:sp>
+    </p:spTree>
+    <p:extLst>
+      <p:ext uri="{BB962C8B-B14F-4D97-AF65-F5344CB8AC3E}">
+        <p14:creationId xmlns:p14="http://schemas.microsoft.com/office/powerpoint/2010/main" val="3778741497"/>
+      </p:ext>
+    </p:extLst>
+  </p:cSld>
+  <p:clrMapOvr>
+    <a:masterClrMapping/>
+  </p:clrMapOvr>
+</p:notes>
+</file>
+
+<file path=ppt/notesSlides/notesSlide19.xml><?xml version="1.0" encoding="utf-8"?>
+<p:notes xmlns:a="http://schemas.openxmlformats.org/drawingml/2006/main" xmlns:r="http://schemas.openxmlformats.org/officeDocument/2006/relationships" xmlns:p="http://schemas.openxmlformats.org/presentationml/2006/main">
+  <p:cSld>
+    <p:spTree>
+      <p:nvGrpSpPr>
+        <p:cNvPr id="1" name=""/>
+        <p:cNvGrpSpPr/>
+        <p:nvPr/>
+      </p:nvGrpSpPr>
+      <p:grpSpPr>
+        <a:xfrm>
+          <a:off x="0" y="0"/>
+          <a:ext cx="0" cy="0"/>
+          <a:chOff x="0" y="0"/>
+          <a:chExt cx="0" cy="0"/>
+        </a:xfrm>
+      </p:grpSpPr>
+      <p:sp>
+        <p:nvSpPr>
+          <p:cNvPr id="2" name="Slide Image Placeholder 1"/>
+          <p:cNvSpPr>
+            <a:spLocks noGrp="1" noRot="1" noChangeAspect="1"/>
+          </p:cNvSpPr>
+          <p:nvPr>
+            <p:ph type="sldImg"/>
+          </p:nvPr>
+        </p:nvSpPr>
+        <p:spPr/>
+      </p:sp>
+      <p:sp>
+        <p:nvSpPr>
+          <p:cNvPr id="3" name="Notes Placeholder 2"/>
+          <p:cNvSpPr>
+            <a:spLocks noGrp="1"/>
+          </p:cNvSpPr>
+          <p:nvPr>
+            <p:ph type="body" idx="1"/>
+          </p:nvPr>
+        </p:nvSpPr>
+        <p:spPr/>
+        <p:txBody>
+          <a:bodyPr/>
+          <a:lstStyle/>
+          <a:p>
+            <a:endParaRPr lang="en-GB" dirty="0"/>
+          </a:p>
+        </p:txBody>
+      </p:sp>
+      <p:sp>
+        <p:nvSpPr>
+          <p:cNvPr id="4" name="Slide Number Placeholder 3"/>
+          <p:cNvSpPr>
+            <a:spLocks noGrp="1"/>
+          </p:cNvSpPr>
+          <p:nvPr>
+            <p:ph type="sldNum" sz="quarter" idx="10"/>
+          </p:nvPr>
+        </p:nvSpPr>
+        <p:spPr/>
+        <p:txBody>
+          <a:bodyPr/>
+          <a:lstStyle/>
+          <a:p>
+            <a:fld id="{DDE251E9-812E-4854-B6DD-3E1C329A13AA}" type="slidenum">
+              <a:rPr lang="en-GB" smtClean="0"/>
+              <a:t>21</a:t>
+            </a:fld>
+            <a:endParaRPr lang="en-GB"/>
+          </a:p>
+        </p:txBody>
+      </p:sp>
+    </p:spTree>
+    <p:extLst>
+      <p:ext uri="{BB962C8B-B14F-4D97-AF65-F5344CB8AC3E}">
+        <p14:creationId xmlns:p14="http://schemas.microsoft.com/office/powerpoint/2010/main" val="2829047766"/>
+      </p:ext>
+    </p:extLst>
+  </p:cSld>
+  <p:clrMapOvr>
+    <a:masterClrMapping/>
+  </p:clrMapOvr>
+</p:notes>
+</file>
+
 <file path=ppt/notesSlides/notesSlide2.xml><?xml version="1.0" encoding="utf-8"?>
 <p:notes xmlns:a="http://schemas.openxmlformats.org/drawingml/2006/main" xmlns:r="http://schemas.openxmlformats.org/officeDocument/2006/relationships" xmlns:p="http://schemas.openxmlformats.org/presentationml/2006/main">
   <p:cSld>
@@ -616,7 +1475,7 @@
           <a:p>
             <a:fld id="{DDE251E9-812E-4854-B6DD-3E1C329A13AA}" type="slidenum">
               <a:rPr lang="en-GB" smtClean="0"/>
-              <a:t>3</a:t>
+              <a:t>4</a:t>
             </a:fld>
             <a:endParaRPr lang="en-GB"/>
           </a:p>
@@ -626,6 +1485,678 @@
     <p:extLst>
       <p:ext uri="{BB962C8B-B14F-4D97-AF65-F5344CB8AC3E}">
         <p14:creationId xmlns:p14="http://schemas.microsoft.com/office/powerpoint/2010/main" val="2036346156"/>
+      </p:ext>
+    </p:extLst>
+  </p:cSld>
+  <p:clrMapOvr>
+    <a:masterClrMapping/>
+  </p:clrMapOvr>
+</p:notes>
+</file>
+
+<file path=ppt/notesSlides/notesSlide20.xml><?xml version="1.0" encoding="utf-8"?>
+<p:notes xmlns:a="http://schemas.openxmlformats.org/drawingml/2006/main" xmlns:r="http://schemas.openxmlformats.org/officeDocument/2006/relationships" xmlns:p="http://schemas.openxmlformats.org/presentationml/2006/main">
+  <p:cSld>
+    <p:spTree>
+      <p:nvGrpSpPr>
+        <p:cNvPr id="1" name=""/>
+        <p:cNvGrpSpPr/>
+        <p:nvPr/>
+      </p:nvGrpSpPr>
+      <p:grpSpPr>
+        <a:xfrm>
+          <a:off x="0" y="0"/>
+          <a:ext cx="0" cy="0"/>
+          <a:chOff x="0" y="0"/>
+          <a:chExt cx="0" cy="0"/>
+        </a:xfrm>
+      </p:grpSpPr>
+      <p:sp>
+        <p:nvSpPr>
+          <p:cNvPr id="2" name="Slide Image Placeholder 1"/>
+          <p:cNvSpPr>
+            <a:spLocks noGrp="1" noRot="1" noChangeAspect="1"/>
+          </p:cNvSpPr>
+          <p:nvPr>
+            <p:ph type="sldImg"/>
+          </p:nvPr>
+        </p:nvSpPr>
+        <p:spPr/>
+      </p:sp>
+      <p:sp>
+        <p:nvSpPr>
+          <p:cNvPr id="3" name="Notes Placeholder 2"/>
+          <p:cNvSpPr>
+            <a:spLocks noGrp="1"/>
+          </p:cNvSpPr>
+          <p:nvPr>
+            <p:ph type="body" idx="1"/>
+          </p:nvPr>
+        </p:nvSpPr>
+        <p:spPr/>
+        <p:txBody>
+          <a:bodyPr/>
+          <a:lstStyle/>
+          <a:p>
+            <a:endParaRPr lang="en-GB" dirty="0"/>
+          </a:p>
+        </p:txBody>
+      </p:sp>
+      <p:sp>
+        <p:nvSpPr>
+          <p:cNvPr id="4" name="Slide Number Placeholder 3"/>
+          <p:cNvSpPr>
+            <a:spLocks noGrp="1"/>
+          </p:cNvSpPr>
+          <p:nvPr>
+            <p:ph type="sldNum" sz="quarter" idx="10"/>
+          </p:nvPr>
+        </p:nvSpPr>
+        <p:spPr/>
+        <p:txBody>
+          <a:bodyPr/>
+          <a:lstStyle/>
+          <a:p>
+            <a:fld id="{DDE251E9-812E-4854-B6DD-3E1C329A13AA}" type="slidenum">
+              <a:rPr lang="en-GB" smtClean="0"/>
+              <a:t>22</a:t>
+            </a:fld>
+            <a:endParaRPr lang="en-GB"/>
+          </a:p>
+        </p:txBody>
+      </p:sp>
+    </p:spTree>
+    <p:extLst>
+      <p:ext uri="{BB962C8B-B14F-4D97-AF65-F5344CB8AC3E}">
+        <p14:creationId xmlns:p14="http://schemas.microsoft.com/office/powerpoint/2010/main" val="791324011"/>
+      </p:ext>
+    </p:extLst>
+  </p:cSld>
+  <p:clrMapOvr>
+    <a:masterClrMapping/>
+  </p:clrMapOvr>
+</p:notes>
+</file>
+
+<file path=ppt/notesSlides/notesSlide3.xml><?xml version="1.0" encoding="utf-8"?>
+<p:notes xmlns:a="http://schemas.openxmlformats.org/drawingml/2006/main" xmlns:r="http://schemas.openxmlformats.org/officeDocument/2006/relationships" xmlns:p="http://schemas.openxmlformats.org/presentationml/2006/main">
+  <p:cSld>
+    <p:spTree>
+      <p:nvGrpSpPr>
+        <p:cNvPr id="1" name=""/>
+        <p:cNvGrpSpPr/>
+        <p:nvPr/>
+      </p:nvGrpSpPr>
+      <p:grpSpPr>
+        <a:xfrm>
+          <a:off x="0" y="0"/>
+          <a:ext cx="0" cy="0"/>
+          <a:chOff x="0" y="0"/>
+          <a:chExt cx="0" cy="0"/>
+        </a:xfrm>
+      </p:grpSpPr>
+      <p:sp>
+        <p:nvSpPr>
+          <p:cNvPr id="2" name="Slide Image Placeholder 1"/>
+          <p:cNvSpPr>
+            <a:spLocks noGrp="1" noRot="1" noChangeAspect="1"/>
+          </p:cNvSpPr>
+          <p:nvPr>
+            <p:ph type="sldImg"/>
+          </p:nvPr>
+        </p:nvSpPr>
+        <p:spPr/>
+      </p:sp>
+      <p:sp>
+        <p:nvSpPr>
+          <p:cNvPr id="3" name="Notes Placeholder 2"/>
+          <p:cNvSpPr>
+            <a:spLocks noGrp="1"/>
+          </p:cNvSpPr>
+          <p:nvPr>
+            <p:ph type="body" idx="1"/>
+          </p:nvPr>
+        </p:nvSpPr>
+        <p:spPr/>
+        <p:txBody>
+          <a:bodyPr/>
+          <a:lstStyle/>
+          <a:p>
+            <a:endParaRPr lang="en-GB" dirty="0"/>
+          </a:p>
+        </p:txBody>
+      </p:sp>
+      <p:sp>
+        <p:nvSpPr>
+          <p:cNvPr id="4" name="Slide Number Placeholder 3"/>
+          <p:cNvSpPr>
+            <a:spLocks noGrp="1"/>
+          </p:cNvSpPr>
+          <p:nvPr>
+            <p:ph type="sldNum" sz="quarter" idx="10"/>
+          </p:nvPr>
+        </p:nvSpPr>
+        <p:spPr/>
+        <p:txBody>
+          <a:bodyPr/>
+          <a:lstStyle/>
+          <a:p>
+            <a:fld id="{DDE251E9-812E-4854-B6DD-3E1C329A13AA}" type="slidenum">
+              <a:rPr lang="en-GB" smtClean="0"/>
+              <a:t>5</a:t>
+            </a:fld>
+            <a:endParaRPr lang="en-GB"/>
+          </a:p>
+        </p:txBody>
+      </p:sp>
+    </p:spTree>
+    <p:extLst>
+      <p:ext uri="{BB962C8B-B14F-4D97-AF65-F5344CB8AC3E}">
+        <p14:creationId xmlns:p14="http://schemas.microsoft.com/office/powerpoint/2010/main" val="3512343676"/>
+      </p:ext>
+    </p:extLst>
+  </p:cSld>
+  <p:clrMapOvr>
+    <a:masterClrMapping/>
+  </p:clrMapOvr>
+</p:notes>
+</file>
+
+<file path=ppt/notesSlides/notesSlide4.xml><?xml version="1.0" encoding="utf-8"?>
+<p:notes xmlns:a="http://schemas.openxmlformats.org/drawingml/2006/main" xmlns:r="http://schemas.openxmlformats.org/officeDocument/2006/relationships" xmlns:p="http://schemas.openxmlformats.org/presentationml/2006/main">
+  <p:cSld>
+    <p:spTree>
+      <p:nvGrpSpPr>
+        <p:cNvPr id="1" name=""/>
+        <p:cNvGrpSpPr/>
+        <p:nvPr/>
+      </p:nvGrpSpPr>
+      <p:grpSpPr>
+        <a:xfrm>
+          <a:off x="0" y="0"/>
+          <a:ext cx="0" cy="0"/>
+          <a:chOff x="0" y="0"/>
+          <a:chExt cx="0" cy="0"/>
+        </a:xfrm>
+      </p:grpSpPr>
+      <p:sp>
+        <p:nvSpPr>
+          <p:cNvPr id="2" name="Slide Image Placeholder 1"/>
+          <p:cNvSpPr>
+            <a:spLocks noGrp="1" noRot="1" noChangeAspect="1"/>
+          </p:cNvSpPr>
+          <p:nvPr>
+            <p:ph type="sldImg"/>
+          </p:nvPr>
+        </p:nvSpPr>
+        <p:spPr/>
+      </p:sp>
+      <p:sp>
+        <p:nvSpPr>
+          <p:cNvPr id="3" name="Notes Placeholder 2"/>
+          <p:cNvSpPr>
+            <a:spLocks noGrp="1"/>
+          </p:cNvSpPr>
+          <p:nvPr>
+            <p:ph type="body" idx="1"/>
+          </p:nvPr>
+        </p:nvSpPr>
+        <p:spPr/>
+        <p:txBody>
+          <a:bodyPr/>
+          <a:lstStyle/>
+          <a:p>
+            <a:endParaRPr lang="en-GB" dirty="0"/>
+          </a:p>
+        </p:txBody>
+      </p:sp>
+      <p:sp>
+        <p:nvSpPr>
+          <p:cNvPr id="4" name="Slide Number Placeholder 3"/>
+          <p:cNvSpPr>
+            <a:spLocks noGrp="1"/>
+          </p:cNvSpPr>
+          <p:nvPr>
+            <p:ph type="sldNum" sz="quarter" idx="10"/>
+          </p:nvPr>
+        </p:nvSpPr>
+        <p:spPr/>
+        <p:txBody>
+          <a:bodyPr/>
+          <a:lstStyle/>
+          <a:p>
+            <a:fld id="{DDE251E9-812E-4854-B6DD-3E1C329A13AA}" type="slidenum">
+              <a:rPr lang="en-GB" smtClean="0"/>
+              <a:t>6</a:t>
+            </a:fld>
+            <a:endParaRPr lang="en-GB"/>
+          </a:p>
+        </p:txBody>
+      </p:sp>
+    </p:spTree>
+    <p:extLst>
+      <p:ext uri="{BB962C8B-B14F-4D97-AF65-F5344CB8AC3E}">
+        <p14:creationId xmlns:p14="http://schemas.microsoft.com/office/powerpoint/2010/main" val="1618072391"/>
+      </p:ext>
+    </p:extLst>
+  </p:cSld>
+  <p:clrMapOvr>
+    <a:masterClrMapping/>
+  </p:clrMapOvr>
+</p:notes>
+</file>
+
+<file path=ppt/notesSlides/notesSlide5.xml><?xml version="1.0" encoding="utf-8"?>
+<p:notes xmlns:a="http://schemas.openxmlformats.org/drawingml/2006/main" xmlns:r="http://schemas.openxmlformats.org/officeDocument/2006/relationships" xmlns:p="http://schemas.openxmlformats.org/presentationml/2006/main">
+  <p:cSld>
+    <p:spTree>
+      <p:nvGrpSpPr>
+        <p:cNvPr id="1" name=""/>
+        <p:cNvGrpSpPr/>
+        <p:nvPr/>
+      </p:nvGrpSpPr>
+      <p:grpSpPr>
+        <a:xfrm>
+          <a:off x="0" y="0"/>
+          <a:ext cx="0" cy="0"/>
+          <a:chOff x="0" y="0"/>
+          <a:chExt cx="0" cy="0"/>
+        </a:xfrm>
+      </p:grpSpPr>
+      <p:sp>
+        <p:nvSpPr>
+          <p:cNvPr id="2" name="Slide Image Placeholder 1"/>
+          <p:cNvSpPr>
+            <a:spLocks noGrp="1" noRot="1" noChangeAspect="1"/>
+          </p:cNvSpPr>
+          <p:nvPr>
+            <p:ph type="sldImg"/>
+          </p:nvPr>
+        </p:nvSpPr>
+        <p:spPr/>
+      </p:sp>
+      <p:sp>
+        <p:nvSpPr>
+          <p:cNvPr id="3" name="Notes Placeholder 2"/>
+          <p:cNvSpPr>
+            <a:spLocks noGrp="1"/>
+          </p:cNvSpPr>
+          <p:nvPr>
+            <p:ph type="body" idx="1"/>
+          </p:nvPr>
+        </p:nvSpPr>
+        <p:spPr/>
+        <p:txBody>
+          <a:bodyPr/>
+          <a:lstStyle/>
+          <a:p>
+            <a:endParaRPr lang="en-GB" dirty="0"/>
+          </a:p>
+        </p:txBody>
+      </p:sp>
+      <p:sp>
+        <p:nvSpPr>
+          <p:cNvPr id="4" name="Slide Number Placeholder 3"/>
+          <p:cNvSpPr>
+            <a:spLocks noGrp="1"/>
+          </p:cNvSpPr>
+          <p:nvPr>
+            <p:ph type="sldNum" sz="quarter" idx="10"/>
+          </p:nvPr>
+        </p:nvSpPr>
+        <p:spPr/>
+        <p:txBody>
+          <a:bodyPr/>
+          <a:lstStyle/>
+          <a:p>
+            <a:fld id="{DDE251E9-812E-4854-B6DD-3E1C329A13AA}" type="slidenum">
+              <a:rPr lang="en-GB" smtClean="0"/>
+              <a:t>7</a:t>
+            </a:fld>
+            <a:endParaRPr lang="en-GB"/>
+          </a:p>
+        </p:txBody>
+      </p:sp>
+    </p:spTree>
+    <p:extLst>
+      <p:ext uri="{BB962C8B-B14F-4D97-AF65-F5344CB8AC3E}">
+        <p14:creationId xmlns:p14="http://schemas.microsoft.com/office/powerpoint/2010/main" val="1827399829"/>
+      </p:ext>
+    </p:extLst>
+  </p:cSld>
+  <p:clrMapOvr>
+    <a:masterClrMapping/>
+  </p:clrMapOvr>
+</p:notes>
+</file>
+
+<file path=ppt/notesSlides/notesSlide6.xml><?xml version="1.0" encoding="utf-8"?>
+<p:notes xmlns:a="http://schemas.openxmlformats.org/drawingml/2006/main" xmlns:r="http://schemas.openxmlformats.org/officeDocument/2006/relationships" xmlns:p="http://schemas.openxmlformats.org/presentationml/2006/main">
+  <p:cSld>
+    <p:spTree>
+      <p:nvGrpSpPr>
+        <p:cNvPr id="1" name=""/>
+        <p:cNvGrpSpPr/>
+        <p:nvPr/>
+      </p:nvGrpSpPr>
+      <p:grpSpPr>
+        <a:xfrm>
+          <a:off x="0" y="0"/>
+          <a:ext cx="0" cy="0"/>
+          <a:chOff x="0" y="0"/>
+          <a:chExt cx="0" cy="0"/>
+        </a:xfrm>
+      </p:grpSpPr>
+      <p:sp>
+        <p:nvSpPr>
+          <p:cNvPr id="2" name="Slide Image Placeholder 1"/>
+          <p:cNvSpPr>
+            <a:spLocks noGrp="1" noRot="1" noChangeAspect="1"/>
+          </p:cNvSpPr>
+          <p:nvPr>
+            <p:ph type="sldImg"/>
+          </p:nvPr>
+        </p:nvSpPr>
+        <p:spPr/>
+      </p:sp>
+      <p:sp>
+        <p:nvSpPr>
+          <p:cNvPr id="3" name="Notes Placeholder 2"/>
+          <p:cNvSpPr>
+            <a:spLocks noGrp="1"/>
+          </p:cNvSpPr>
+          <p:nvPr>
+            <p:ph type="body" idx="1"/>
+          </p:nvPr>
+        </p:nvSpPr>
+        <p:spPr/>
+        <p:txBody>
+          <a:bodyPr/>
+          <a:lstStyle/>
+          <a:p>
+            <a:endParaRPr lang="en-GB" dirty="0"/>
+          </a:p>
+        </p:txBody>
+      </p:sp>
+      <p:sp>
+        <p:nvSpPr>
+          <p:cNvPr id="4" name="Slide Number Placeholder 3"/>
+          <p:cNvSpPr>
+            <a:spLocks noGrp="1"/>
+          </p:cNvSpPr>
+          <p:nvPr>
+            <p:ph type="sldNum" sz="quarter" idx="10"/>
+          </p:nvPr>
+        </p:nvSpPr>
+        <p:spPr/>
+        <p:txBody>
+          <a:bodyPr/>
+          <a:lstStyle/>
+          <a:p>
+            <a:fld id="{DDE251E9-812E-4854-B6DD-3E1C329A13AA}" type="slidenum">
+              <a:rPr lang="en-GB" smtClean="0"/>
+              <a:t>8</a:t>
+            </a:fld>
+            <a:endParaRPr lang="en-GB"/>
+          </a:p>
+        </p:txBody>
+      </p:sp>
+    </p:spTree>
+    <p:extLst>
+      <p:ext uri="{BB962C8B-B14F-4D97-AF65-F5344CB8AC3E}">
+        <p14:creationId xmlns:p14="http://schemas.microsoft.com/office/powerpoint/2010/main" val="4011377631"/>
+      </p:ext>
+    </p:extLst>
+  </p:cSld>
+  <p:clrMapOvr>
+    <a:masterClrMapping/>
+  </p:clrMapOvr>
+</p:notes>
+</file>
+
+<file path=ppt/notesSlides/notesSlide7.xml><?xml version="1.0" encoding="utf-8"?>
+<p:notes xmlns:a="http://schemas.openxmlformats.org/drawingml/2006/main" xmlns:r="http://schemas.openxmlformats.org/officeDocument/2006/relationships" xmlns:p="http://schemas.openxmlformats.org/presentationml/2006/main">
+  <p:cSld>
+    <p:spTree>
+      <p:nvGrpSpPr>
+        <p:cNvPr id="1" name=""/>
+        <p:cNvGrpSpPr/>
+        <p:nvPr/>
+      </p:nvGrpSpPr>
+      <p:grpSpPr>
+        <a:xfrm>
+          <a:off x="0" y="0"/>
+          <a:ext cx="0" cy="0"/>
+          <a:chOff x="0" y="0"/>
+          <a:chExt cx="0" cy="0"/>
+        </a:xfrm>
+      </p:grpSpPr>
+      <p:sp>
+        <p:nvSpPr>
+          <p:cNvPr id="2" name="Slide Image Placeholder 1"/>
+          <p:cNvSpPr>
+            <a:spLocks noGrp="1" noRot="1" noChangeAspect="1"/>
+          </p:cNvSpPr>
+          <p:nvPr>
+            <p:ph type="sldImg"/>
+          </p:nvPr>
+        </p:nvSpPr>
+        <p:spPr/>
+      </p:sp>
+      <p:sp>
+        <p:nvSpPr>
+          <p:cNvPr id="3" name="Notes Placeholder 2"/>
+          <p:cNvSpPr>
+            <a:spLocks noGrp="1"/>
+          </p:cNvSpPr>
+          <p:nvPr>
+            <p:ph type="body" idx="1"/>
+          </p:nvPr>
+        </p:nvSpPr>
+        <p:spPr/>
+        <p:txBody>
+          <a:bodyPr/>
+          <a:lstStyle/>
+          <a:p>
+            <a:endParaRPr lang="en-GB" dirty="0"/>
+          </a:p>
+        </p:txBody>
+      </p:sp>
+      <p:sp>
+        <p:nvSpPr>
+          <p:cNvPr id="4" name="Slide Number Placeholder 3"/>
+          <p:cNvSpPr>
+            <a:spLocks noGrp="1"/>
+          </p:cNvSpPr>
+          <p:nvPr>
+            <p:ph type="sldNum" sz="quarter" idx="10"/>
+          </p:nvPr>
+        </p:nvSpPr>
+        <p:spPr/>
+        <p:txBody>
+          <a:bodyPr/>
+          <a:lstStyle/>
+          <a:p>
+            <a:fld id="{DDE251E9-812E-4854-B6DD-3E1C329A13AA}" type="slidenum">
+              <a:rPr lang="en-GB" smtClean="0"/>
+              <a:t>9</a:t>
+            </a:fld>
+            <a:endParaRPr lang="en-GB"/>
+          </a:p>
+        </p:txBody>
+      </p:sp>
+    </p:spTree>
+    <p:extLst>
+      <p:ext uri="{BB962C8B-B14F-4D97-AF65-F5344CB8AC3E}">
+        <p14:creationId xmlns:p14="http://schemas.microsoft.com/office/powerpoint/2010/main" val="317376880"/>
+      </p:ext>
+    </p:extLst>
+  </p:cSld>
+  <p:clrMapOvr>
+    <a:masterClrMapping/>
+  </p:clrMapOvr>
+</p:notes>
+</file>
+
+<file path=ppt/notesSlides/notesSlide8.xml><?xml version="1.0" encoding="utf-8"?>
+<p:notes xmlns:a="http://schemas.openxmlformats.org/drawingml/2006/main" xmlns:r="http://schemas.openxmlformats.org/officeDocument/2006/relationships" xmlns:p="http://schemas.openxmlformats.org/presentationml/2006/main">
+  <p:cSld>
+    <p:spTree>
+      <p:nvGrpSpPr>
+        <p:cNvPr id="1" name=""/>
+        <p:cNvGrpSpPr/>
+        <p:nvPr/>
+      </p:nvGrpSpPr>
+      <p:grpSpPr>
+        <a:xfrm>
+          <a:off x="0" y="0"/>
+          <a:ext cx="0" cy="0"/>
+          <a:chOff x="0" y="0"/>
+          <a:chExt cx="0" cy="0"/>
+        </a:xfrm>
+      </p:grpSpPr>
+      <p:sp>
+        <p:nvSpPr>
+          <p:cNvPr id="2" name="Slide Image Placeholder 1"/>
+          <p:cNvSpPr>
+            <a:spLocks noGrp="1" noRot="1" noChangeAspect="1"/>
+          </p:cNvSpPr>
+          <p:nvPr>
+            <p:ph type="sldImg"/>
+          </p:nvPr>
+        </p:nvSpPr>
+        <p:spPr/>
+      </p:sp>
+      <p:sp>
+        <p:nvSpPr>
+          <p:cNvPr id="3" name="Notes Placeholder 2"/>
+          <p:cNvSpPr>
+            <a:spLocks noGrp="1"/>
+          </p:cNvSpPr>
+          <p:nvPr>
+            <p:ph type="body" idx="1"/>
+          </p:nvPr>
+        </p:nvSpPr>
+        <p:spPr/>
+        <p:txBody>
+          <a:bodyPr/>
+          <a:lstStyle/>
+          <a:p>
+            <a:endParaRPr lang="en-GB" dirty="0"/>
+          </a:p>
+        </p:txBody>
+      </p:sp>
+      <p:sp>
+        <p:nvSpPr>
+          <p:cNvPr id="4" name="Slide Number Placeholder 3"/>
+          <p:cNvSpPr>
+            <a:spLocks noGrp="1"/>
+          </p:cNvSpPr>
+          <p:nvPr>
+            <p:ph type="sldNum" sz="quarter" idx="10"/>
+          </p:nvPr>
+        </p:nvSpPr>
+        <p:spPr/>
+        <p:txBody>
+          <a:bodyPr/>
+          <a:lstStyle/>
+          <a:p>
+            <a:fld id="{DDE251E9-812E-4854-B6DD-3E1C329A13AA}" type="slidenum">
+              <a:rPr lang="en-GB" smtClean="0"/>
+              <a:t>10</a:t>
+            </a:fld>
+            <a:endParaRPr lang="en-GB"/>
+          </a:p>
+        </p:txBody>
+      </p:sp>
+    </p:spTree>
+    <p:extLst>
+      <p:ext uri="{BB962C8B-B14F-4D97-AF65-F5344CB8AC3E}">
+        <p14:creationId xmlns:p14="http://schemas.microsoft.com/office/powerpoint/2010/main" val="1616917495"/>
+      </p:ext>
+    </p:extLst>
+  </p:cSld>
+  <p:clrMapOvr>
+    <a:masterClrMapping/>
+  </p:clrMapOvr>
+</p:notes>
+</file>
+
+<file path=ppt/notesSlides/notesSlide9.xml><?xml version="1.0" encoding="utf-8"?>
+<p:notes xmlns:a="http://schemas.openxmlformats.org/drawingml/2006/main" xmlns:r="http://schemas.openxmlformats.org/officeDocument/2006/relationships" xmlns:p="http://schemas.openxmlformats.org/presentationml/2006/main">
+  <p:cSld>
+    <p:spTree>
+      <p:nvGrpSpPr>
+        <p:cNvPr id="1" name=""/>
+        <p:cNvGrpSpPr/>
+        <p:nvPr/>
+      </p:nvGrpSpPr>
+      <p:grpSpPr>
+        <a:xfrm>
+          <a:off x="0" y="0"/>
+          <a:ext cx="0" cy="0"/>
+          <a:chOff x="0" y="0"/>
+          <a:chExt cx="0" cy="0"/>
+        </a:xfrm>
+      </p:grpSpPr>
+      <p:sp>
+        <p:nvSpPr>
+          <p:cNvPr id="2" name="Slide Image Placeholder 1"/>
+          <p:cNvSpPr>
+            <a:spLocks noGrp="1" noRot="1" noChangeAspect="1"/>
+          </p:cNvSpPr>
+          <p:nvPr>
+            <p:ph type="sldImg"/>
+          </p:nvPr>
+        </p:nvSpPr>
+        <p:spPr/>
+      </p:sp>
+      <p:sp>
+        <p:nvSpPr>
+          <p:cNvPr id="3" name="Notes Placeholder 2"/>
+          <p:cNvSpPr>
+            <a:spLocks noGrp="1"/>
+          </p:cNvSpPr>
+          <p:nvPr>
+            <p:ph type="body" idx="1"/>
+          </p:nvPr>
+        </p:nvSpPr>
+        <p:spPr/>
+        <p:txBody>
+          <a:bodyPr/>
+          <a:lstStyle/>
+          <a:p>
+            <a:endParaRPr lang="en-GB" dirty="0"/>
+          </a:p>
+        </p:txBody>
+      </p:sp>
+      <p:sp>
+        <p:nvSpPr>
+          <p:cNvPr id="4" name="Slide Number Placeholder 3"/>
+          <p:cNvSpPr>
+            <a:spLocks noGrp="1"/>
+          </p:cNvSpPr>
+          <p:nvPr>
+            <p:ph type="sldNum" sz="quarter" idx="10"/>
+          </p:nvPr>
+        </p:nvSpPr>
+        <p:spPr/>
+        <p:txBody>
+          <a:bodyPr/>
+          <a:lstStyle/>
+          <a:p>
+            <a:fld id="{DDE251E9-812E-4854-B6DD-3E1C329A13AA}" type="slidenum">
+              <a:rPr lang="en-GB" smtClean="0"/>
+              <a:t>11</a:t>
+            </a:fld>
+            <a:endParaRPr lang="en-GB"/>
+          </a:p>
+        </p:txBody>
+      </p:sp>
+    </p:spTree>
+    <p:extLst>
+      <p:ext uri="{BB962C8B-B14F-4D97-AF65-F5344CB8AC3E}">
+        <p14:creationId xmlns:p14="http://schemas.microsoft.com/office/powerpoint/2010/main" val="3856935353"/>
       </p:ext>
     </p:extLst>
   </p:cSld>
@@ -884,7 +2415,7 @@
           <a:p>
             <a:r>
               <a:rPr lang="fi-FI" smtClean="0"/>
-              <a:t>NTUA I. Papakrivopoulos, G. Bakas</a:t>
+              <a:t>NTUA, G. Bakas</a:t>
             </a:r>
             <a:endParaRPr lang="en-US"/>
           </a:p>
@@ -1096,7 +2627,7 @@
           <a:p>
             <a:r>
               <a:rPr lang="fi-FI" smtClean="0"/>
-              <a:t>NTUA I. Papakrivopoulos, G. Bakas</a:t>
+              <a:t>NTUA, G. Bakas</a:t>
             </a:r>
             <a:endParaRPr lang="en-US"/>
           </a:p>
@@ -1356,7 +2887,7 @@
           <a:p>
             <a:r>
               <a:rPr lang="fi-FI" smtClean="0"/>
-              <a:t>NTUA I. Papakrivopoulos, G. Bakas</a:t>
+              <a:t>NTUA, G. Bakas</a:t>
             </a:r>
             <a:endParaRPr lang="en-US"/>
           </a:p>
@@ -1530,7 +3061,7 @@
           <a:p>
             <a:r>
               <a:rPr lang="fi-FI" smtClean="0"/>
-              <a:t>NTUA I. Papakrivopoulos, G. Bakas</a:t>
+              <a:t>NTUA, G. Bakas</a:t>
             </a:r>
             <a:endParaRPr lang="en-US"/>
           </a:p>
@@ -1877,7 +3408,7 @@
           <a:p>
             <a:r>
               <a:rPr lang="fi-FI" smtClean="0"/>
-              <a:t>NTUA I. Papakrivopoulos, G. Bakas</a:t>
+              <a:t>NTUA, G. Bakas</a:t>
             </a:r>
             <a:endParaRPr lang="en-US"/>
           </a:p>
@@ -2156,7 +3687,7 @@
           <a:p>
             <a:r>
               <a:rPr lang="fi-FI" smtClean="0"/>
-              <a:t>NTUA I. Papakrivopoulos, G. Bakas</a:t>
+              <a:t>NTUA, G. Bakas</a:t>
             </a:r>
             <a:endParaRPr lang="en-US"/>
           </a:p>
@@ -2539,7 +4070,7 @@
           <a:p>
             <a:r>
               <a:rPr lang="fi-FI" smtClean="0"/>
-              <a:t>NTUA I. Papakrivopoulos, G. Bakas</a:t>
+              <a:t>NTUA, G. Bakas</a:t>
             </a:r>
             <a:endParaRPr lang="en-US"/>
           </a:p>
@@ -2661,7 +4192,7 @@
           <a:p>
             <a:r>
               <a:rPr lang="fi-FI" smtClean="0"/>
-              <a:t>NTUA I. Papakrivopoulos, G. Bakas</a:t>
+              <a:t>NTUA, G. Bakas</a:t>
             </a:r>
             <a:endParaRPr lang="en-US"/>
           </a:p>
@@ -2844,7 +4375,7 @@
           <a:p>
             <a:r>
               <a:rPr lang="fi-FI" smtClean="0"/>
-              <a:t>NTUA I. Papakrivopoulos, G. Bakas</a:t>
+              <a:t>NTUA, G. Bakas</a:t>
             </a:r>
             <a:endParaRPr lang="en-US"/>
           </a:p>
@@ -3207,7 +4738,7 @@
           <a:p>
             <a:r>
               <a:rPr lang="fi-FI" smtClean="0"/>
-              <a:t>NTUA I. Papakrivopoulos, G. Bakas</a:t>
+              <a:t>NTUA, G. Bakas</a:t>
             </a:r>
             <a:endParaRPr lang="en-US"/>
           </a:p>
@@ -3575,7 +5106,7 @@
           <a:p>
             <a:r>
               <a:rPr lang="fi-FI" smtClean="0"/>
-              <a:t>NTUA I. Papakrivopoulos, G. Bakas</a:t>
+              <a:t>NTUA, G. Bakas</a:t>
             </a:r>
             <a:endParaRPr lang="en-US"/>
           </a:p>
@@ -3882,7 +5413,7 @@
           <a:p>
             <a:r>
               <a:rPr lang="fi-FI" smtClean="0"/>
-              <a:t>NTUA I. Papakrivopoulos, G. Bakas</a:t>
+              <a:t>NTUA, G. Bakas</a:t>
             </a:r>
             <a:endParaRPr lang="en-US"/>
           </a:p>
@@ -4402,26 +5933,34 @@
           <a:p>
             <a:pPr algn="ctr"/>
             <a:r>
+              <a:rPr lang="en-US" sz="4500" dirty="0"/>
+              <a:t>Status Report</a:t>
+            </a:r>
+            <a:br>
+              <a:rPr lang="en-US" sz="4500" dirty="0"/>
+            </a:br>
+            <a:r>
               <a:rPr lang="en-US" sz="4500" dirty="0" err="1" smtClean="0"/>
               <a:t>TTbar</a:t>
             </a:r>
             <a:r>
               <a:rPr lang="en-US" sz="4500" dirty="0" smtClean="0"/>
-              <a:t> resonances</a:t>
+              <a:t> </a:t>
+            </a:r>
+            <a:r>
+              <a:rPr lang="en-US" sz="4500" dirty="0" smtClean="0"/>
+              <a:t>resonances</a:t>
             </a:r>
             <a:br>
               <a:rPr lang="en-US" sz="4500" dirty="0" smtClean="0"/>
             </a:br>
             <a:r>
               <a:rPr lang="en-US" sz="4500" dirty="0" smtClean="0"/>
-              <a:t>Angular Distributions</a:t>
-            </a:r>
-            <a:br>
+              <a:t>Angular </a:t>
+            </a:r>
+            <a:r>
               <a:rPr lang="en-US" sz="4500" dirty="0" smtClean="0"/>
-            </a:br>
-            <a:r>
-              <a:rPr lang="en-US" sz="4500" dirty="0" smtClean="0"/>
-              <a:t>Status Report</a:t>
+              <a:t>Distributions</a:t>
             </a:r>
             <a:r>
               <a:rPr lang="en-US" sz="4500" dirty="0" smtClean="0"/>
@@ -4566,6 +6105,1672 @@
 </p:sld>
 </file>
 
+<file path=ppt/slides/slide10.xml><?xml version="1.0" encoding="utf-8"?>
+<p:sld xmlns:a="http://schemas.openxmlformats.org/drawingml/2006/main" xmlns:r="http://schemas.openxmlformats.org/officeDocument/2006/relationships" xmlns:p="http://schemas.openxmlformats.org/presentationml/2006/main">
+  <p:cSld>
+    <p:spTree>
+      <p:nvGrpSpPr>
+        <p:cNvPr id="1" name=""/>
+        <p:cNvGrpSpPr/>
+        <p:nvPr/>
+      </p:nvGrpSpPr>
+      <p:grpSpPr>
+        <a:xfrm>
+          <a:off x="0" y="0"/>
+          <a:ext cx="0" cy="0"/>
+          <a:chOff x="0" y="0"/>
+          <a:chExt cx="0" cy="0"/>
+        </a:xfrm>
+      </p:grpSpPr>
+      <p:sp>
+        <p:nvSpPr>
+          <p:cNvPr id="2" name="Date Placeholder 1"/>
+          <p:cNvSpPr>
+            <a:spLocks noGrp="1"/>
+          </p:cNvSpPr>
+          <p:nvPr>
+            <p:ph type="dt" sz="half" idx="10"/>
+          </p:nvPr>
+        </p:nvSpPr>
+        <p:spPr/>
+        <p:txBody>
+          <a:bodyPr/>
+          <a:lstStyle/>
+          <a:p>
+            <a:r>
+              <a:rPr lang="en-US" smtClean="0"/>
+              <a:t>1/4/2019</a:t>
+            </a:r>
+            <a:endParaRPr lang="en-US"/>
+          </a:p>
+        </p:txBody>
+      </p:sp>
+      <p:sp>
+        <p:nvSpPr>
+          <p:cNvPr id="3" name="Footer Placeholder 2"/>
+          <p:cNvSpPr>
+            <a:spLocks noGrp="1"/>
+          </p:cNvSpPr>
+          <p:nvPr>
+            <p:ph type="ftr" sz="quarter" idx="11"/>
+          </p:nvPr>
+        </p:nvSpPr>
+        <p:spPr/>
+        <p:txBody>
+          <a:bodyPr/>
+          <a:lstStyle/>
+          <a:p>
+            <a:r>
+              <a:rPr lang="fi-FI" smtClean="0"/>
+              <a:t>NTUA, G. Bakas</a:t>
+            </a:r>
+            <a:endParaRPr lang="en-US"/>
+          </a:p>
+        </p:txBody>
+      </p:sp>
+      <p:sp>
+        <p:nvSpPr>
+          <p:cNvPr id="5" name="TextBox 4"/>
+          <p:cNvSpPr txBox="1"/>
+          <p:nvPr/>
+        </p:nvSpPr>
+        <p:spPr>
+          <a:xfrm>
+            <a:off x="233265" y="155941"/>
+            <a:ext cx="11243388" cy="369332"/>
+          </a:xfrm>
+          <a:prstGeom prst="rect">
+            <a:avLst/>
+          </a:prstGeom>
+          <a:noFill/>
+        </p:spPr>
+        <p:txBody>
+          <a:bodyPr wrap="square" rtlCol="0">
+            <a:spAutoFit/>
+          </a:bodyPr>
+          <a:lstStyle/>
+          <a:p>
+            <a:pPr algn="ctr"/>
+            <a:r>
+              <a:rPr lang="el-GR" dirty="0" smtClean="0"/>
+              <a:t>χ</a:t>
+            </a:r>
+            <a:r>
+              <a:rPr lang="en-US" dirty="0" smtClean="0"/>
+              <a:t> distribution for </a:t>
+            </a:r>
+            <a:r>
+              <a:rPr lang="en-US" dirty="0" err="1" smtClean="0"/>
+              <a:t>Mtt</a:t>
+            </a:r>
+            <a:r>
+              <a:rPr lang="en-US" dirty="0" smtClean="0"/>
+              <a:t> sample (1000-Inf) and </a:t>
+            </a:r>
+            <a:r>
+              <a:rPr lang="en-US" dirty="0" err="1" smtClean="0"/>
+              <a:t>Zprime</a:t>
+            </a:r>
+            <a:r>
+              <a:rPr lang="en-US" dirty="0" smtClean="0"/>
+              <a:t> samples with M</a:t>
+            </a:r>
+            <a:r>
+              <a:rPr lang="en-US" baseline="-25000" dirty="0" smtClean="0"/>
+              <a:t>Z’ </a:t>
+            </a:r>
+            <a:r>
+              <a:rPr lang="en-US" dirty="0" smtClean="0"/>
+              <a:t> = 2TeV and different widths </a:t>
+            </a:r>
+            <a:endParaRPr lang="en-GB" dirty="0"/>
+          </a:p>
+        </p:txBody>
+      </p:sp>
+      <p:pic>
+        <p:nvPicPr>
+          <p:cNvPr id="4" name="Picture 3"/>
+          <p:cNvPicPr>
+            <a:picLocks noChangeAspect="1"/>
+          </p:cNvPicPr>
+          <p:nvPr/>
+        </p:nvPicPr>
+        <p:blipFill>
+          <a:blip r:embed="rId3">
+            <a:extLst>
+              <a:ext uri="{28A0092B-C50C-407E-A947-70E740481C1C}">
+                <a14:useLocalDpi xmlns:a14="http://schemas.microsoft.com/office/drawing/2010/main" val="0"/>
+              </a:ext>
+            </a:extLst>
+          </a:blip>
+          <a:stretch>
+            <a:fillRect/>
+          </a:stretch>
+        </p:blipFill>
+        <p:spPr>
+          <a:xfrm>
+            <a:off x="1819275" y="700087"/>
+            <a:ext cx="8553450" cy="5457825"/>
+          </a:xfrm>
+          <a:prstGeom prst="rect">
+            <a:avLst/>
+          </a:prstGeom>
+        </p:spPr>
+      </p:pic>
+    </p:spTree>
+    <p:extLst>
+      <p:ext uri="{BB962C8B-B14F-4D97-AF65-F5344CB8AC3E}">
+        <p14:creationId xmlns:p14="http://schemas.microsoft.com/office/powerpoint/2010/main" val="4284081526"/>
+      </p:ext>
+    </p:extLst>
+  </p:cSld>
+  <p:clrMapOvr>
+    <a:masterClrMapping/>
+  </p:clrMapOvr>
+</p:sld>
+</file>
+
+<file path=ppt/slides/slide11.xml><?xml version="1.0" encoding="utf-8"?>
+<p:sld xmlns:a="http://schemas.openxmlformats.org/drawingml/2006/main" xmlns:r="http://schemas.openxmlformats.org/officeDocument/2006/relationships" xmlns:p="http://schemas.openxmlformats.org/presentationml/2006/main">
+  <p:cSld>
+    <p:spTree>
+      <p:nvGrpSpPr>
+        <p:cNvPr id="1" name=""/>
+        <p:cNvGrpSpPr/>
+        <p:nvPr/>
+      </p:nvGrpSpPr>
+      <p:grpSpPr>
+        <a:xfrm>
+          <a:off x="0" y="0"/>
+          <a:ext cx="0" cy="0"/>
+          <a:chOff x="0" y="0"/>
+          <a:chExt cx="0" cy="0"/>
+        </a:xfrm>
+      </p:grpSpPr>
+      <p:sp>
+        <p:nvSpPr>
+          <p:cNvPr id="2" name="Date Placeholder 1"/>
+          <p:cNvSpPr>
+            <a:spLocks noGrp="1"/>
+          </p:cNvSpPr>
+          <p:nvPr>
+            <p:ph type="dt" sz="half" idx="10"/>
+          </p:nvPr>
+        </p:nvSpPr>
+        <p:spPr/>
+        <p:txBody>
+          <a:bodyPr/>
+          <a:lstStyle/>
+          <a:p>
+            <a:r>
+              <a:rPr lang="en-US" smtClean="0"/>
+              <a:t>1/4/2019</a:t>
+            </a:r>
+            <a:endParaRPr lang="en-US"/>
+          </a:p>
+        </p:txBody>
+      </p:sp>
+      <p:sp>
+        <p:nvSpPr>
+          <p:cNvPr id="3" name="Footer Placeholder 2"/>
+          <p:cNvSpPr>
+            <a:spLocks noGrp="1"/>
+          </p:cNvSpPr>
+          <p:nvPr>
+            <p:ph type="ftr" sz="quarter" idx="11"/>
+          </p:nvPr>
+        </p:nvSpPr>
+        <p:spPr/>
+        <p:txBody>
+          <a:bodyPr/>
+          <a:lstStyle/>
+          <a:p>
+            <a:r>
+              <a:rPr lang="fi-FI" smtClean="0"/>
+              <a:t>NTUA, G. Bakas</a:t>
+            </a:r>
+            <a:endParaRPr lang="en-US"/>
+          </a:p>
+        </p:txBody>
+      </p:sp>
+      <p:sp>
+        <p:nvSpPr>
+          <p:cNvPr id="5" name="TextBox 4"/>
+          <p:cNvSpPr txBox="1"/>
+          <p:nvPr/>
+        </p:nvSpPr>
+        <p:spPr>
+          <a:xfrm>
+            <a:off x="233265" y="155941"/>
+            <a:ext cx="11243388" cy="369332"/>
+          </a:xfrm>
+          <a:prstGeom prst="rect">
+            <a:avLst/>
+          </a:prstGeom>
+          <a:noFill/>
+        </p:spPr>
+        <p:txBody>
+          <a:bodyPr wrap="square" rtlCol="0">
+            <a:spAutoFit/>
+          </a:bodyPr>
+          <a:lstStyle/>
+          <a:p>
+            <a:pPr algn="ctr"/>
+            <a:r>
+              <a:rPr lang="el-GR" dirty="0" smtClean="0"/>
+              <a:t>χ</a:t>
+            </a:r>
+            <a:r>
+              <a:rPr lang="en-US" dirty="0" smtClean="0"/>
+              <a:t> distribution for </a:t>
+            </a:r>
+            <a:r>
+              <a:rPr lang="en-US" dirty="0" err="1" smtClean="0"/>
+              <a:t>Mtt</a:t>
+            </a:r>
+            <a:r>
+              <a:rPr lang="en-US" dirty="0" smtClean="0"/>
+              <a:t> sample (1000-Inf) and </a:t>
+            </a:r>
+            <a:r>
+              <a:rPr lang="en-US" dirty="0" err="1" smtClean="0"/>
+              <a:t>Zprime</a:t>
+            </a:r>
+            <a:r>
+              <a:rPr lang="en-US" dirty="0" smtClean="0"/>
+              <a:t> samples with M</a:t>
+            </a:r>
+            <a:r>
+              <a:rPr lang="en-US" baseline="-25000" dirty="0" smtClean="0"/>
+              <a:t>Z’ </a:t>
+            </a:r>
+            <a:r>
+              <a:rPr lang="en-US" dirty="0" smtClean="0"/>
+              <a:t> = 2TeV and different widths </a:t>
+            </a:r>
+            <a:endParaRPr lang="en-GB" dirty="0"/>
+          </a:p>
+        </p:txBody>
+      </p:sp>
+      <p:pic>
+        <p:nvPicPr>
+          <p:cNvPr id="6" name="Picture 5"/>
+          <p:cNvPicPr>
+            <a:picLocks noChangeAspect="1"/>
+          </p:cNvPicPr>
+          <p:nvPr/>
+        </p:nvPicPr>
+        <p:blipFill>
+          <a:blip r:embed="rId3">
+            <a:extLst>
+              <a:ext uri="{28A0092B-C50C-407E-A947-70E740481C1C}">
+                <a14:useLocalDpi xmlns:a14="http://schemas.microsoft.com/office/drawing/2010/main" val="0"/>
+              </a:ext>
+            </a:extLst>
+          </a:blip>
+          <a:stretch>
+            <a:fillRect/>
+          </a:stretch>
+        </p:blipFill>
+        <p:spPr>
+          <a:xfrm>
+            <a:off x="1819275" y="700087"/>
+            <a:ext cx="8553450" cy="5457825"/>
+          </a:xfrm>
+          <a:prstGeom prst="rect">
+            <a:avLst/>
+          </a:prstGeom>
+        </p:spPr>
+      </p:pic>
+    </p:spTree>
+    <p:extLst>
+      <p:ext uri="{BB962C8B-B14F-4D97-AF65-F5344CB8AC3E}">
+        <p14:creationId xmlns:p14="http://schemas.microsoft.com/office/powerpoint/2010/main" val="2706419449"/>
+      </p:ext>
+    </p:extLst>
+  </p:cSld>
+  <p:clrMapOvr>
+    <a:masterClrMapping/>
+  </p:clrMapOvr>
+</p:sld>
+</file>
+
+<file path=ppt/slides/slide12.xml><?xml version="1.0" encoding="utf-8"?>
+<p:sld xmlns:a="http://schemas.openxmlformats.org/drawingml/2006/main" xmlns:r="http://schemas.openxmlformats.org/officeDocument/2006/relationships" xmlns:p="http://schemas.openxmlformats.org/presentationml/2006/main">
+  <p:cSld>
+    <p:spTree>
+      <p:nvGrpSpPr>
+        <p:cNvPr id="1" name=""/>
+        <p:cNvGrpSpPr/>
+        <p:nvPr/>
+      </p:nvGrpSpPr>
+      <p:grpSpPr>
+        <a:xfrm>
+          <a:off x="0" y="0"/>
+          <a:ext cx="0" cy="0"/>
+          <a:chOff x="0" y="0"/>
+          <a:chExt cx="0" cy="0"/>
+        </a:xfrm>
+      </p:grpSpPr>
+      <p:sp>
+        <p:nvSpPr>
+          <p:cNvPr id="2" name="Date Placeholder 1"/>
+          <p:cNvSpPr>
+            <a:spLocks noGrp="1"/>
+          </p:cNvSpPr>
+          <p:nvPr>
+            <p:ph type="dt" sz="half" idx="10"/>
+          </p:nvPr>
+        </p:nvSpPr>
+        <p:spPr/>
+        <p:txBody>
+          <a:bodyPr/>
+          <a:lstStyle/>
+          <a:p>
+            <a:r>
+              <a:rPr lang="en-US" smtClean="0"/>
+              <a:t>1/4/2019</a:t>
+            </a:r>
+            <a:endParaRPr lang="en-US"/>
+          </a:p>
+        </p:txBody>
+      </p:sp>
+      <p:sp>
+        <p:nvSpPr>
+          <p:cNvPr id="3" name="Footer Placeholder 2"/>
+          <p:cNvSpPr>
+            <a:spLocks noGrp="1"/>
+          </p:cNvSpPr>
+          <p:nvPr>
+            <p:ph type="ftr" sz="quarter" idx="11"/>
+          </p:nvPr>
+        </p:nvSpPr>
+        <p:spPr/>
+        <p:txBody>
+          <a:bodyPr/>
+          <a:lstStyle/>
+          <a:p>
+            <a:r>
+              <a:rPr lang="fi-FI" smtClean="0"/>
+              <a:t>NTUA, G. Bakas</a:t>
+            </a:r>
+            <a:endParaRPr lang="en-US"/>
+          </a:p>
+        </p:txBody>
+      </p:sp>
+      <p:sp>
+        <p:nvSpPr>
+          <p:cNvPr id="5" name="TextBox 4"/>
+          <p:cNvSpPr txBox="1"/>
+          <p:nvPr/>
+        </p:nvSpPr>
+        <p:spPr>
+          <a:xfrm>
+            <a:off x="233265" y="155941"/>
+            <a:ext cx="11243388" cy="369332"/>
+          </a:xfrm>
+          <a:prstGeom prst="rect">
+            <a:avLst/>
+          </a:prstGeom>
+          <a:noFill/>
+        </p:spPr>
+        <p:txBody>
+          <a:bodyPr wrap="square" rtlCol="0">
+            <a:spAutoFit/>
+          </a:bodyPr>
+          <a:lstStyle/>
+          <a:p>
+            <a:pPr algn="ctr"/>
+            <a:r>
+              <a:rPr lang="el-GR" dirty="0" smtClean="0"/>
+              <a:t>χ</a:t>
+            </a:r>
+            <a:r>
+              <a:rPr lang="en-US" dirty="0" smtClean="0"/>
+              <a:t> distribution for </a:t>
+            </a:r>
+            <a:r>
+              <a:rPr lang="en-US" dirty="0" err="1" smtClean="0"/>
+              <a:t>Mtt</a:t>
+            </a:r>
+            <a:r>
+              <a:rPr lang="en-US" dirty="0" smtClean="0"/>
+              <a:t> sample (1000-Inf) and </a:t>
+            </a:r>
+            <a:r>
+              <a:rPr lang="en-US" dirty="0" err="1" smtClean="0"/>
+              <a:t>Zprime</a:t>
+            </a:r>
+            <a:r>
+              <a:rPr lang="en-US" dirty="0" smtClean="0"/>
+              <a:t> samples with M</a:t>
+            </a:r>
+            <a:r>
+              <a:rPr lang="en-US" baseline="-25000" dirty="0" smtClean="0"/>
+              <a:t>Z’ </a:t>
+            </a:r>
+            <a:r>
+              <a:rPr lang="en-US" dirty="0" smtClean="0"/>
+              <a:t> = 2.5TeV and different widths </a:t>
+            </a:r>
+            <a:endParaRPr lang="en-GB" dirty="0"/>
+          </a:p>
+        </p:txBody>
+      </p:sp>
+      <p:pic>
+        <p:nvPicPr>
+          <p:cNvPr id="4" name="Picture 3"/>
+          <p:cNvPicPr>
+            <a:picLocks noChangeAspect="1"/>
+          </p:cNvPicPr>
+          <p:nvPr/>
+        </p:nvPicPr>
+        <p:blipFill>
+          <a:blip r:embed="rId3">
+            <a:extLst>
+              <a:ext uri="{28A0092B-C50C-407E-A947-70E740481C1C}">
+                <a14:useLocalDpi xmlns:a14="http://schemas.microsoft.com/office/drawing/2010/main" val="0"/>
+              </a:ext>
+            </a:extLst>
+          </a:blip>
+          <a:stretch>
+            <a:fillRect/>
+          </a:stretch>
+        </p:blipFill>
+        <p:spPr>
+          <a:xfrm>
+            <a:off x="1819275" y="700087"/>
+            <a:ext cx="8553450" cy="5457825"/>
+          </a:xfrm>
+          <a:prstGeom prst="rect">
+            <a:avLst/>
+          </a:prstGeom>
+        </p:spPr>
+      </p:pic>
+    </p:spTree>
+    <p:extLst>
+      <p:ext uri="{BB962C8B-B14F-4D97-AF65-F5344CB8AC3E}">
+        <p14:creationId xmlns:p14="http://schemas.microsoft.com/office/powerpoint/2010/main" val="3169884669"/>
+      </p:ext>
+    </p:extLst>
+  </p:cSld>
+  <p:clrMapOvr>
+    <a:masterClrMapping/>
+  </p:clrMapOvr>
+</p:sld>
+</file>
+
+<file path=ppt/slides/slide13.xml><?xml version="1.0" encoding="utf-8"?>
+<p:sld xmlns:a="http://schemas.openxmlformats.org/drawingml/2006/main" xmlns:r="http://schemas.openxmlformats.org/officeDocument/2006/relationships" xmlns:p="http://schemas.openxmlformats.org/presentationml/2006/main">
+  <p:cSld>
+    <p:spTree>
+      <p:nvGrpSpPr>
+        <p:cNvPr id="1" name=""/>
+        <p:cNvGrpSpPr/>
+        <p:nvPr/>
+      </p:nvGrpSpPr>
+      <p:grpSpPr>
+        <a:xfrm>
+          <a:off x="0" y="0"/>
+          <a:ext cx="0" cy="0"/>
+          <a:chOff x="0" y="0"/>
+          <a:chExt cx="0" cy="0"/>
+        </a:xfrm>
+      </p:grpSpPr>
+      <p:sp>
+        <p:nvSpPr>
+          <p:cNvPr id="2" name="Date Placeholder 1"/>
+          <p:cNvSpPr>
+            <a:spLocks noGrp="1"/>
+          </p:cNvSpPr>
+          <p:nvPr>
+            <p:ph type="dt" sz="half" idx="10"/>
+          </p:nvPr>
+        </p:nvSpPr>
+        <p:spPr/>
+        <p:txBody>
+          <a:bodyPr/>
+          <a:lstStyle/>
+          <a:p>
+            <a:r>
+              <a:rPr lang="en-US" smtClean="0"/>
+              <a:t>1/4/2019</a:t>
+            </a:r>
+            <a:endParaRPr lang="en-US"/>
+          </a:p>
+        </p:txBody>
+      </p:sp>
+      <p:sp>
+        <p:nvSpPr>
+          <p:cNvPr id="3" name="Footer Placeholder 2"/>
+          <p:cNvSpPr>
+            <a:spLocks noGrp="1"/>
+          </p:cNvSpPr>
+          <p:nvPr>
+            <p:ph type="ftr" sz="quarter" idx="11"/>
+          </p:nvPr>
+        </p:nvSpPr>
+        <p:spPr/>
+        <p:txBody>
+          <a:bodyPr/>
+          <a:lstStyle/>
+          <a:p>
+            <a:r>
+              <a:rPr lang="fi-FI" smtClean="0"/>
+              <a:t>NTUA, G. Bakas</a:t>
+            </a:r>
+            <a:endParaRPr lang="en-US"/>
+          </a:p>
+        </p:txBody>
+      </p:sp>
+      <p:sp>
+        <p:nvSpPr>
+          <p:cNvPr id="5" name="TextBox 4"/>
+          <p:cNvSpPr txBox="1"/>
+          <p:nvPr/>
+        </p:nvSpPr>
+        <p:spPr>
+          <a:xfrm>
+            <a:off x="233265" y="155941"/>
+            <a:ext cx="11243388" cy="369332"/>
+          </a:xfrm>
+          <a:prstGeom prst="rect">
+            <a:avLst/>
+          </a:prstGeom>
+          <a:noFill/>
+        </p:spPr>
+        <p:txBody>
+          <a:bodyPr wrap="square" rtlCol="0">
+            <a:spAutoFit/>
+          </a:bodyPr>
+          <a:lstStyle/>
+          <a:p>
+            <a:pPr algn="ctr"/>
+            <a:r>
+              <a:rPr lang="el-GR" dirty="0" smtClean="0"/>
+              <a:t>χ</a:t>
+            </a:r>
+            <a:r>
+              <a:rPr lang="en-US" dirty="0" smtClean="0"/>
+              <a:t> distribution for </a:t>
+            </a:r>
+            <a:r>
+              <a:rPr lang="en-US" dirty="0" err="1" smtClean="0"/>
+              <a:t>Mtt</a:t>
+            </a:r>
+            <a:r>
+              <a:rPr lang="en-US" dirty="0" smtClean="0"/>
+              <a:t> sample (1000-Inf) and </a:t>
+            </a:r>
+            <a:r>
+              <a:rPr lang="en-US" dirty="0" err="1" smtClean="0"/>
+              <a:t>Zprime</a:t>
+            </a:r>
+            <a:r>
+              <a:rPr lang="en-US" dirty="0" smtClean="0"/>
+              <a:t> samples with M</a:t>
+            </a:r>
+            <a:r>
+              <a:rPr lang="en-US" baseline="-25000" dirty="0" smtClean="0"/>
+              <a:t>Z’ </a:t>
+            </a:r>
+            <a:r>
+              <a:rPr lang="en-US" dirty="0" smtClean="0"/>
+              <a:t> = 2.5TeV and different widths </a:t>
+            </a:r>
+            <a:endParaRPr lang="en-GB" dirty="0"/>
+          </a:p>
+        </p:txBody>
+      </p:sp>
+      <p:pic>
+        <p:nvPicPr>
+          <p:cNvPr id="6" name="Picture 5"/>
+          <p:cNvPicPr>
+            <a:picLocks noChangeAspect="1"/>
+          </p:cNvPicPr>
+          <p:nvPr/>
+        </p:nvPicPr>
+        <p:blipFill>
+          <a:blip r:embed="rId3">
+            <a:extLst>
+              <a:ext uri="{28A0092B-C50C-407E-A947-70E740481C1C}">
+                <a14:useLocalDpi xmlns:a14="http://schemas.microsoft.com/office/drawing/2010/main" val="0"/>
+              </a:ext>
+            </a:extLst>
+          </a:blip>
+          <a:stretch>
+            <a:fillRect/>
+          </a:stretch>
+        </p:blipFill>
+        <p:spPr>
+          <a:xfrm>
+            <a:off x="1819275" y="700087"/>
+            <a:ext cx="8553450" cy="5457825"/>
+          </a:xfrm>
+          <a:prstGeom prst="rect">
+            <a:avLst/>
+          </a:prstGeom>
+        </p:spPr>
+      </p:pic>
+    </p:spTree>
+    <p:extLst>
+      <p:ext uri="{BB962C8B-B14F-4D97-AF65-F5344CB8AC3E}">
+        <p14:creationId xmlns:p14="http://schemas.microsoft.com/office/powerpoint/2010/main" val="2673668630"/>
+      </p:ext>
+    </p:extLst>
+  </p:cSld>
+  <p:clrMapOvr>
+    <a:masterClrMapping/>
+  </p:clrMapOvr>
+</p:sld>
+</file>
+
+<file path=ppt/slides/slide14.xml><?xml version="1.0" encoding="utf-8"?>
+<p:sld xmlns:a="http://schemas.openxmlformats.org/drawingml/2006/main" xmlns:r="http://schemas.openxmlformats.org/officeDocument/2006/relationships" xmlns:p="http://schemas.openxmlformats.org/presentationml/2006/main">
+  <p:cSld>
+    <p:spTree>
+      <p:nvGrpSpPr>
+        <p:cNvPr id="1" name=""/>
+        <p:cNvGrpSpPr/>
+        <p:nvPr/>
+      </p:nvGrpSpPr>
+      <p:grpSpPr>
+        <a:xfrm>
+          <a:off x="0" y="0"/>
+          <a:ext cx="0" cy="0"/>
+          <a:chOff x="0" y="0"/>
+          <a:chExt cx="0" cy="0"/>
+        </a:xfrm>
+      </p:grpSpPr>
+      <p:sp>
+        <p:nvSpPr>
+          <p:cNvPr id="2" name="Date Placeholder 1"/>
+          <p:cNvSpPr>
+            <a:spLocks noGrp="1"/>
+          </p:cNvSpPr>
+          <p:nvPr>
+            <p:ph type="dt" sz="half" idx="10"/>
+          </p:nvPr>
+        </p:nvSpPr>
+        <p:spPr/>
+        <p:txBody>
+          <a:bodyPr/>
+          <a:lstStyle/>
+          <a:p>
+            <a:r>
+              <a:rPr lang="en-US" smtClean="0"/>
+              <a:t>1/4/2019</a:t>
+            </a:r>
+            <a:endParaRPr lang="en-US"/>
+          </a:p>
+        </p:txBody>
+      </p:sp>
+      <p:sp>
+        <p:nvSpPr>
+          <p:cNvPr id="3" name="Footer Placeholder 2"/>
+          <p:cNvSpPr>
+            <a:spLocks noGrp="1"/>
+          </p:cNvSpPr>
+          <p:nvPr>
+            <p:ph type="ftr" sz="quarter" idx="11"/>
+          </p:nvPr>
+        </p:nvSpPr>
+        <p:spPr/>
+        <p:txBody>
+          <a:bodyPr/>
+          <a:lstStyle/>
+          <a:p>
+            <a:r>
+              <a:rPr lang="fi-FI" smtClean="0"/>
+              <a:t>NTUA, G. Bakas</a:t>
+            </a:r>
+            <a:endParaRPr lang="en-US"/>
+          </a:p>
+        </p:txBody>
+      </p:sp>
+      <p:sp>
+        <p:nvSpPr>
+          <p:cNvPr id="5" name="TextBox 4"/>
+          <p:cNvSpPr txBox="1"/>
+          <p:nvPr/>
+        </p:nvSpPr>
+        <p:spPr>
+          <a:xfrm>
+            <a:off x="233265" y="155941"/>
+            <a:ext cx="11243388" cy="369332"/>
+          </a:xfrm>
+          <a:prstGeom prst="rect">
+            <a:avLst/>
+          </a:prstGeom>
+          <a:noFill/>
+        </p:spPr>
+        <p:txBody>
+          <a:bodyPr wrap="square" rtlCol="0">
+            <a:spAutoFit/>
+          </a:bodyPr>
+          <a:lstStyle/>
+          <a:p>
+            <a:pPr algn="ctr"/>
+            <a:r>
+              <a:rPr lang="el-GR" dirty="0" smtClean="0"/>
+              <a:t>χ</a:t>
+            </a:r>
+            <a:r>
+              <a:rPr lang="en-US" dirty="0" smtClean="0"/>
+              <a:t> distribution for </a:t>
+            </a:r>
+            <a:r>
+              <a:rPr lang="en-US" dirty="0" err="1" smtClean="0"/>
+              <a:t>Mtt</a:t>
+            </a:r>
+            <a:r>
+              <a:rPr lang="en-US" dirty="0" smtClean="0"/>
+              <a:t> sample (1000-Inf) and </a:t>
+            </a:r>
+            <a:r>
+              <a:rPr lang="en-US" dirty="0" err="1" smtClean="0"/>
+              <a:t>Zprime</a:t>
+            </a:r>
+            <a:r>
+              <a:rPr lang="en-US" dirty="0" smtClean="0"/>
+              <a:t> samples with M</a:t>
+            </a:r>
+            <a:r>
+              <a:rPr lang="en-US" baseline="-25000" dirty="0" smtClean="0"/>
+              <a:t>Z’ </a:t>
+            </a:r>
+            <a:r>
+              <a:rPr lang="en-US" dirty="0" smtClean="0"/>
+              <a:t> = 3TeV and different widths </a:t>
+            </a:r>
+            <a:endParaRPr lang="en-GB" dirty="0"/>
+          </a:p>
+        </p:txBody>
+      </p:sp>
+      <p:pic>
+        <p:nvPicPr>
+          <p:cNvPr id="4" name="Picture 3"/>
+          <p:cNvPicPr>
+            <a:picLocks noChangeAspect="1"/>
+          </p:cNvPicPr>
+          <p:nvPr/>
+        </p:nvPicPr>
+        <p:blipFill>
+          <a:blip r:embed="rId3">
+            <a:extLst>
+              <a:ext uri="{28A0092B-C50C-407E-A947-70E740481C1C}">
+                <a14:useLocalDpi xmlns:a14="http://schemas.microsoft.com/office/drawing/2010/main" val="0"/>
+              </a:ext>
+            </a:extLst>
+          </a:blip>
+          <a:stretch>
+            <a:fillRect/>
+          </a:stretch>
+        </p:blipFill>
+        <p:spPr>
+          <a:xfrm>
+            <a:off x="1819275" y="700087"/>
+            <a:ext cx="8553450" cy="5457825"/>
+          </a:xfrm>
+          <a:prstGeom prst="rect">
+            <a:avLst/>
+          </a:prstGeom>
+        </p:spPr>
+      </p:pic>
+    </p:spTree>
+    <p:extLst>
+      <p:ext uri="{BB962C8B-B14F-4D97-AF65-F5344CB8AC3E}">
+        <p14:creationId xmlns:p14="http://schemas.microsoft.com/office/powerpoint/2010/main" val="3308490941"/>
+      </p:ext>
+    </p:extLst>
+  </p:cSld>
+  <p:clrMapOvr>
+    <a:masterClrMapping/>
+  </p:clrMapOvr>
+</p:sld>
+</file>
+
+<file path=ppt/slides/slide15.xml><?xml version="1.0" encoding="utf-8"?>
+<p:sld xmlns:a="http://schemas.openxmlformats.org/drawingml/2006/main" xmlns:r="http://schemas.openxmlformats.org/officeDocument/2006/relationships" xmlns:p="http://schemas.openxmlformats.org/presentationml/2006/main">
+  <p:cSld>
+    <p:spTree>
+      <p:nvGrpSpPr>
+        <p:cNvPr id="1" name=""/>
+        <p:cNvGrpSpPr/>
+        <p:nvPr/>
+      </p:nvGrpSpPr>
+      <p:grpSpPr>
+        <a:xfrm>
+          <a:off x="0" y="0"/>
+          <a:ext cx="0" cy="0"/>
+          <a:chOff x="0" y="0"/>
+          <a:chExt cx="0" cy="0"/>
+        </a:xfrm>
+      </p:grpSpPr>
+      <p:sp>
+        <p:nvSpPr>
+          <p:cNvPr id="2" name="Date Placeholder 1"/>
+          <p:cNvSpPr>
+            <a:spLocks noGrp="1"/>
+          </p:cNvSpPr>
+          <p:nvPr>
+            <p:ph type="dt" sz="half" idx="10"/>
+          </p:nvPr>
+        </p:nvSpPr>
+        <p:spPr/>
+        <p:txBody>
+          <a:bodyPr/>
+          <a:lstStyle/>
+          <a:p>
+            <a:r>
+              <a:rPr lang="en-US" smtClean="0"/>
+              <a:t>1/4/2019</a:t>
+            </a:r>
+            <a:endParaRPr lang="en-US"/>
+          </a:p>
+        </p:txBody>
+      </p:sp>
+      <p:sp>
+        <p:nvSpPr>
+          <p:cNvPr id="3" name="Footer Placeholder 2"/>
+          <p:cNvSpPr>
+            <a:spLocks noGrp="1"/>
+          </p:cNvSpPr>
+          <p:nvPr>
+            <p:ph type="ftr" sz="quarter" idx="11"/>
+          </p:nvPr>
+        </p:nvSpPr>
+        <p:spPr/>
+        <p:txBody>
+          <a:bodyPr/>
+          <a:lstStyle/>
+          <a:p>
+            <a:r>
+              <a:rPr lang="fi-FI" smtClean="0"/>
+              <a:t>NTUA, G. Bakas</a:t>
+            </a:r>
+            <a:endParaRPr lang="en-US"/>
+          </a:p>
+        </p:txBody>
+      </p:sp>
+      <p:sp>
+        <p:nvSpPr>
+          <p:cNvPr id="5" name="TextBox 4"/>
+          <p:cNvSpPr txBox="1"/>
+          <p:nvPr/>
+        </p:nvSpPr>
+        <p:spPr>
+          <a:xfrm>
+            <a:off x="233265" y="155941"/>
+            <a:ext cx="11243388" cy="369332"/>
+          </a:xfrm>
+          <a:prstGeom prst="rect">
+            <a:avLst/>
+          </a:prstGeom>
+          <a:noFill/>
+        </p:spPr>
+        <p:txBody>
+          <a:bodyPr wrap="square" rtlCol="0">
+            <a:spAutoFit/>
+          </a:bodyPr>
+          <a:lstStyle/>
+          <a:p>
+            <a:pPr algn="ctr"/>
+            <a:r>
+              <a:rPr lang="el-GR" dirty="0" smtClean="0"/>
+              <a:t>χ</a:t>
+            </a:r>
+            <a:r>
+              <a:rPr lang="en-US" dirty="0" smtClean="0"/>
+              <a:t> distribution for </a:t>
+            </a:r>
+            <a:r>
+              <a:rPr lang="en-US" dirty="0" err="1" smtClean="0"/>
+              <a:t>Mtt</a:t>
+            </a:r>
+            <a:r>
+              <a:rPr lang="en-US" dirty="0" smtClean="0"/>
+              <a:t> sample (1000-Inf) and </a:t>
+            </a:r>
+            <a:r>
+              <a:rPr lang="en-US" dirty="0" err="1" smtClean="0"/>
+              <a:t>Zprime</a:t>
+            </a:r>
+            <a:r>
+              <a:rPr lang="en-US" dirty="0" smtClean="0"/>
+              <a:t> samples with M</a:t>
+            </a:r>
+            <a:r>
+              <a:rPr lang="en-US" baseline="-25000" dirty="0" smtClean="0"/>
+              <a:t>Z’ </a:t>
+            </a:r>
+            <a:r>
+              <a:rPr lang="en-US" dirty="0" smtClean="0"/>
+              <a:t> = 3TeV and different widths </a:t>
+            </a:r>
+            <a:endParaRPr lang="en-GB" dirty="0"/>
+          </a:p>
+        </p:txBody>
+      </p:sp>
+      <p:pic>
+        <p:nvPicPr>
+          <p:cNvPr id="4" name="Picture 3"/>
+          <p:cNvPicPr>
+            <a:picLocks noChangeAspect="1"/>
+          </p:cNvPicPr>
+          <p:nvPr/>
+        </p:nvPicPr>
+        <p:blipFill>
+          <a:blip r:embed="rId3">
+            <a:extLst>
+              <a:ext uri="{28A0092B-C50C-407E-A947-70E740481C1C}">
+                <a14:useLocalDpi xmlns:a14="http://schemas.microsoft.com/office/drawing/2010/main" val="0"/>
+              </a:ext>
+            </a:extLst>
+          </a:blip>
+          <a:stretch>
+            <a:fillRect/>
+          </a:stretch>
+        </p:blipFill>
+        <p:spPr>
+          <a:xfrm>
+            <a:off x="1819275" y="700087"/>
+            <a:ext cx="8553450" cy="5457825"/>
+          </a:xfrm>
+          <a:prstGeom prst="rect">
+            <a:avLst/>
+          </a:prstGeom>
+        </p:spPr>
+      </p:pic>
+    </p:spTree>
+    <p:extLst>
+      <p:ext uri="{BB962C8B-B14F-4D97-AF65-F5344CB8AC3E}">
+        <p14:creationId xmlns:p14="http://schemas.microsoft.com/office/powerpoint/2010/main" val="2935453518"/>
+      </p:ext>
+    </p:extLst>
+  </p:cSld>
+  <p:clrMapOvr>
+    <a:masterClrMapping/>
+  </p:clrMapOvr>
+</p:sld>
+</file>
+
+<file path=ppt/slides/slide16.xml><?xml version="1.0" encoding="utf-8"?>
+<p:sld xmlns:a="http://schemas.openxmlformats.org/drawingml/2006/main" xmlns:r="http://schemas.openxmlformats.org/officeDocument/2006/relationships" xmlns:p="http://schemas.openxmlformats.org/presentationml/2006/main">
+  <p:cSld>
+    <p:spTree>
+      <p:nvGrpSpPr>
+        <p:cNvPr id="1" name=""/>
+        <p:cNvGrpSpPr/>
+        <p:nvPr/>
+      </p:nvGrpSpPr>
+      <p:grpSpPr>
+        <a:xfrm>
+          <a:off x="0" y="0"/>
+          <a:ext cx="0" cy="0"/>
+          <a:chOff x="0" y="0"/>
+          <a:chExt cx="0" cy="0"/>
+        </a:xfrm>
+      </p:grpSpPr>
+      <p:sp>
+        <p:nvSpPr>
+          <p:cNvPr id="2" name="Date Placeholder 1"/>
+          <p:cNvSpPr>
+            <a:spLocks noGrp="1"/>
+          </p:cNvSpPr>
+          <p:nvPr>
+            <p:ph type="dt" sz="half" idx="10"/>
+          </p:nvPr>
+        </p:nvSpPr>
+        <p:spPr/>
+        <p:txBody>
+          <a:bodyPr/>
+          <a:lstStyle/>
+          <a:p>
+            <a:r>
+              <a:rPr lang="en-US" smtClean="0"/>
+              <a:t>1/4/2019</a:t>
+            </a:r>
+            <a:endParaRPr lang="en-US"/>
+          </a:p>
+        </p:txBody>
+      </p:sp>
+      <p:sp>
+        <p:nvSpPr>
+          <p:cNvPr id="3" name="Footer Placeholder 2"/>
+          <p:cNvSpPr>
+            <a:spLocks noGrp="1"/>
+          </p:cNvSpPr>
+          <p:nvPr>
+            <p:ph type="ftr" sz="quarter" idx="11"/>
+          </p:nvPr>
+        </p:nvSpPr>
+        <p:spPr/>
+        <p:txBody>
+          <a:bodyPr/>
+          <a:lstStyle/>
+          <a:p>
+            <a:r>
+              <a:rPr lang="fi-FI" smtClean="0"/>
+              <a:t>NTUA, G. Bakas</a:t>
+            </a:r>
+            <a:endParaRPr lang="en-US"/>
+          </a:p>
+        </p:txBody>
+      </p:sp>
+      <p:sp>
+        <p:nvSpPr>
+          <p:cNvPr id="5" name="TextBox 4"/>
+          <p:cNvSpPr txBox="1"/>
+          <p:nvPr/>
+        </p:nvSpPr>
+        <p:spPr>
+          <a:xfrm>
+            <a:off x="233265" y="155941"/>
+            <a:ext cx="11243388" cy="369332"/>
+          </a:xfrm>
+          <a:prstGeom prst="rect">
+            <a:avLst/>
+          </a:prstGeom>
+          <a:noFill/>
+        </p:spPr>
+        <p:txBody>
+          <a:bodyPr wrap="square" rtlCol="0">
+            <a:spAutoFit/>
+          </a:bodyPr>
+          <a:lstStyle/>
+          <a:p>
+            <a:pPr algn="ctr"/>
+            <a:r>
+              <a:rPr lang="el-GR" dirty="0" smtClean="0"/>
+              <a:t>χ</a:t>
+            </a:r>
+            <a:r>
+              <a:rPr lang="en-US" dirty="0" smtClean="0"/>
+              <a:t> distribution for </a:t>
+            </a:r>
+            <a:r>
+              <a:rPr lang="en-US" dirty="0" err="1" smtClean="0"/>
+              <a:t>Mtt</a:t>
+            </a:r>
+            <a:r>
+              <a:rPr lang="en-US" dirty="0" smtClean="0"/>
+              <a:t> sample (1000-Inf) and </a:t>
+            </a:r>
+            <a:r>
+              <a:rPr lang="en-US" dirty="0" err="1" smtClean="0"/>
+              <a:t>Zprime</a:t>
+            </a:r>
+            <a:r>
+              <a:rPr lang="en-US" dirty="0" smtClean="0"/>
+              <a:t> samples with M</a:t>
+            </a:r>
+            <a:r>
+              <a:rPr lang="en-US" baseline="-25000" dirty="0" smtClean="0"/>
+              <a:t>Z’ </a:t>
+            </a:r>
+            <a:r>
+              <a:rPr lang="en-US" dirty="0" smtClean="0"/>
+              <a:t> = 3TeV and different widths </a:t>
+            </a:r>
+            <a:endParaRPr lang="en-GB" dirty="0"/>
+          </a:p>
+        </p:txBody>
+      </p:sp>
+      <p:pic>
+        <p:nvPicPr>
+          <p:cNvPr id="4" name="Picture 3"/>
+          <p:cNvPicPr>
+            <a:picLocks noChangeAspect="1"/>
+          </p:cNvPicPr>
+          <p:nvPr/>
+        </p:nvPicPr>
+        <p:blipFill>
+          <a:blip r:embed="rId3">
+            <a:extLst>
+              <a:ext uri="{28A0092B-C50C-407E-A947-70E740481C1C}">
+                <a14:useLocalDpi xmlns:a14="http://schemas.microsoft.com/office/drawing/2010/main" val="0"/>
+              </a:ext>
+            </a:extLst>
+          </a:blip>
+          <a:stretch>
+            <a:fillRect/>
+          </a:stretch>
+        </p:blipFill>
+        <p:spPr>
+          <a:xfrm>
+            <a:off x="1819275" y="700087"/>
+            <a:ext cx="8553450" cy="5457825"/>
+          </a:xfrm>
+          <a:prstGeom prst="rect">
+            <a:avLst/>
+          </a:prstGeom>
+        </p:spPr>
+      </p:pic>
+    </p:spTree>
+    <p:extLst>
+      <p:ext uri="{BB962C8B-B14F-4D97-AF65-F5344CB8AC3E}">
+        <p14:creationId xmlns:p14="http://schemas.microsoft.com/office/powerpoint/2010/main" val="180688378"/>
+      </p:ext>
+    </p:extLst>
+  </p:cSld>
+  <p:clrMapOvr>
+    <a:masterClrMapping/>
+  </p:clrMapOvr>
+</p:sld>
+</file>
+
+<file path=ppt/slides/slide17.xml><?xml version="1.0" encoding="utf-8"?>
+<p:sld xmlns:a="http://schemas.openxmlformats.org/drawingml/2006/main" xmlns:r="http://schemas.openxmlformats.org/officeDocument/2006/relationships" xmlns:p="http://schemas.openxmlformats.org/presentationml/2006/main">
+  <p:cSld>
+    <p:spTree>
+      <p:nvGrpSpPr>
+        <p:cNvPr id="1" name=""/>
+        <p:cNvGrpSpPr/>
+        <p:nvPr/>
+      </p:nvGrpSpPr>
+      <p:grpSpPr>
+        <a:xfrm>
+          <a:off x="0" y="0"/>
+          <a:ext cx="0" cy="0"/>
+          <a:chOff x="0" y="0"/>
+          <a:chExt cx="0" cy="0"/>
+        </a:xfrm>
+      </p:grpSpPr>
+      <p:sp>
+        <p:nvSpPr>
+          <p:cNvPr id="2" name="Date Placeholder 1"/>
+          <p:cNvSpPr>
+            <a:spLocks noGrp="1"/>
+          </p:cNvSpPr>
+          <p:nvPr>
+            <p:ph type="dt" sz="half" idx="10"/>
+          </p:nvPr>
+        </p:nvSpPr>
+        <p:spPr/>
+        <p:txBody>
+          <a:bodyPr/>
+          <a:lstStyle/>
+          <a:p>
+            <a:r>
+              <a:rPr lang="en-US" smtClean="0"/>
+              <a:t>1/4/2019</a:t>
+            </a:r>
+            <a:endParaRPr lang="en-US"/>
+          </a:p>
+        </p:txBody>
+      </p:sp>
+      <p:sp>
+        <p:nvSpPr>
+          <p:cNvPr id="3" name="Footer Placeholder 2"/>
+          <p:cNvSpPr>
+            <a:spLocks noGrp="1"/>
+          </p:cNvSpPr>
+          <p:nvPr>
+            <p:ph type="ftr" sz="quarter" idx="11"/>
+          </p:nvPr>
+        </p:nvSpPr>
+        <p:spPr/>
+        <p:txBody>
+          <a:bodyPr/>
+          <a:lstStyle/>
+          <a:p>
+            <a:r>
+              <a:rPr lang="fi-FI" smtClean="0"/>
+              <a:t>NTUA, G. Bakas</a:t>
+            </a:r>
+            <a:endParaRPr lang="en-US"/>
+          </a:p>
+        </p:txBody>
+      </p:sp>
+      <p:sp>
+        <p:nvSpPr>
+          <p:cNvPr id="5" name="TextBox 4"/>
+          <p:cNvSpPr txBox="1"/>
+          <p:nvPr/>
+        </p:nvSpPr>
+        <p:spPr>
+          <a:xfrm>
+            <a:off x="233265" y="155941"/>
+            <a:ext cx="11243388" cy="369332"/>
+          </a:xfrm>
+          <a:prstGeom prst="rect">
+            <a:avLst/>
+          </a:prstGeom>
+          <a:noFill/>
+        </p:spPr>
+        <p:txBody>
+          <a:bodyPr wrap="square" rtlCol="0">
+            <a:spAutoFit/>
+          </a:bodyPr>
+          <a:lstStyle/>
+          <a:p>
+            <a:pPr algn="ctr"/>
+            <a:r>
+              <a:rPr lang="el-GR" dirty="0" smtClean="0"/>
+              <a:t>χ</a:t>
+            </a:r>
+            <a:r>
+              <a:rPr lang="en-US" dirty="0" smtClean="0"/>
+              <a:t> distribution for </a:t>
+            </a:r>
+            <a:r>
+              <a:rPr lang="en-US" dirty="0" err="1" smtClean="0"/>
+              <a:t>Mtt</a:t>
+            </a:r>
+            <a:r>
+              <a:rPr lang="en-US" dirty="0" smtClean="0"/>
+              <a:t> sample (1000-Inf) and </a:t>
+            </a:r>
+            <a:r>
+              <a:rPr lang="en-US" dirty="0" err="1" smtClean="0"/>
+              <a:t>Zprime</a:t>
+            </a:r>
+            <a:r>
+              <a:rPr lang="en-US" dirty="0" smtClean="0"/>
+              <a:t> samples with M</a:t>
+            </a:r>
+            <a:r>
+              <a:rPr lang="en-US" baseline="-25000" dirty="0" smtClean="0"/>
+              <a:t>Z’ </a:t>
+            </a:r>
+            <a:r>
+              <a:rPr lang="en-US" dirty="0" smtClean="0"/>
+              <a:t> = 4TeV and different widths </a:t>
+            </a:r>
+            <a:endParaRPr lang="en-GB" dirty="0"/>
+          </a:p>
+        </p:txBody>
+      </p:sp>
+      <p:pic>
+        <p:nvPicPr>
+          <p:cNvPr id="6" name="Picture 5"/>
+          <p:cNvPicPr>
+            <a:picLocks noChangeAspect="1"/>
+          </p:cNvPicPr>
+          <p:nvPr/>
+        </p:nvPicPr>
+        <p:blipFill>
+          <a:blip r:embed="rId3">
+            <a:extLst>
+              <a:ext uri="{28A0092B-C50C-407E-A947-70E740481C1C}">
+                <a14:useLocalDpi xmlns:a14="http://schemas.microsoft.com/office/drawing/2010/main" val="0"/>
+              </a:ext>
+            </a:extLst>
+          </a:blip>
+          <a:stretch>
+            <a:fillRect/>
+          </a:stretch>
+        </p:blipFill>
+        <p:spPr>
+          <a:xfrm>
+            <a:off x="1819275" y="700087"/>
+            <a:ext cx="8553450" cy="5457825"/>
+          </a:xfrm>
+          <a:prstGeom prst="rect">
+            <a:avLst/>
+          </a:prstGeom>
+        </p:spPr>
+      </p:pic>
+    </p:spTree>
+    <p:extLst>
+      <p:ext uri="{BB962C8B-B14F-4D97-AF65-F5344CB8AC3E}">
+        <p14:creationId xmlns:p14="http://schemas.microsoft.com/office/powerpoint/2010/main" val="3736598815"/>
+      </p:ext>
+    </p:extLst>
+  </p:cSld>
+  <p:clrMapOvr>
+    <a:masterClrMapping/>
+  </p:clrMapOvr>
+</p:sld>
+</file>
+
+<file path=ppt/slides/slide18.xml><?xml version="1.0" encoding="utf-8"?>
+<p:sld xmlns:a="http://schemas.openxmlformats.org/drawingml/2006/main" xmlns:r="http://schemas.openxmlformats.org/officeDocument/2006/relationships" xmlns:p="http://schemas.openxmlformats.org/presentationml/2006/main">
+  <p:cSld>
+    <p:spTree>
+      <p:nvGrpSpPr>
+        <p:cNvPr id="1" name=""/>
+        <p:cNvGrpSpPr/>
+        <p:nvPr/>
+      </p:nvGrpSpPr>
+      <p:grpSpPr>
+        <a:xfrm>
+          <a:off x="0" y="0"/>
+          <a:ext cx="0" cy="0"/>
+          <a:chOff x="0" y="0"/>
+          <a:chExt cx="0" cy="0"/>
+        </a:xfrm>
+      </p:grpSpPr>
+      <p:sp>
+        <p:nvSpPr>
+          <p:cNvPr id="2" name="Date Placeholder 1"/>
+          <p:cNvSpPr>
+            <a:spLocks noGrp="1"/>
+          </p:cNvSpPr>
+          <p:nvPr>
+            <p:ph type="dt" sz="half" idx="10"/>
+          </p:nvPr>
+        </p:nvSpPr>
+        <p:spPr/>
+        <p:txBody>
+          <a:bodyPr/>
+          <a:lstStyle/>
+          <a:p>
+            <a:r>
+              <a:rPr lang="en-US" smtClean="0"/>
+              <a:t>1/4/2019</a:t>
+            </a:r>
+            <a:endParaRPr lang="en-US"/>
+          </a:p>
+        </p:txBody>
+      </p:sp>
+      <p:sp>
+        <p:nvSpPr>
+          <p:cNvPr id="3" name="Footer Placeholder 2"/>
+          <p:cNvSpPr>
+            <a:spLocks noGrp="1"/>
+          </p:cNvSpPr>
+          <p:nvPr>
+            <p:ph type="ftr" sz="quarter" idx="11"/>
+          </p:nvPr>
+        </p:nvSpPr>
+        <p:spPr/>
+        <p:txBody>
+          <a:bodyPr/>
+          <a:lstStyle/>
+          <a:p>
+            <a:r>
+              <a:rPr lang="fi-FI" smtClean="0"/>
+              <a:t>NTUA, G. Bakas</a:t>
+            </a:r>
+            <a:endParaRPr lang="en-US"/>
+          </a:p>
+        </p:txBody>
+      </p:sp>
+      <p:sp>
+        <p:nvSpPr>
+          <p:cNvPr id="5" name="TextBox 4"/>
+          <p:cNvSpPr txBox="1"/>
+          <p:nvPr/>
+        </p:nvSpPr>
+        <p:spPr>
+          <a:xfrm>
+            <a:off x="233265" y="155941"/>
+            <a:ext cx="11243388" cy="369332"/>
+          </a:xfrm>
+          <a:prstGeom prst="rect">
+            <a:avLst/>
+          </a:prstGeom>
+          <a:noFill/>
+        </p:spPr>
+        <p:txBody>
+          <a:bodyPr wrap="square" rtlCol="0">
+            <a:spAutoFit/>
+          </a:bodyPr>
+          <a:lstStyle/>
+          <a:p>
+            <a:pPr algn="ctr"/>
+            <a:r>
+              <a:rPr lang="el-GR" dirty="0" smtClean="0"/>
+              <a:t>χ</a:t>
+            </a:r>
+            <a:r>
+              <a:rPr lang="en-US" dirty="0" smtClean="0"/>
+              <a:t> distribution for </a:t>
+            </a:r>
+            <a:r>
+              <a:rPr lang="en-US" dirty="0" err="1" smtClean="0"/>
+              <a:t>Mtt</a:t>
+            </a:r>
+            <a:r>
+              <a:rPr lang="en-US" dirty="0" smtClean="0"/>
+              <a:t> sample (1000-Inf) and </a:t>
+            </a:r>
+            <a:r>
+              <a:rPr lang="en-US" dirty="0" err="1" smtClean="0"/>
+              <a:t>Zprime</a:t>
+            </a:r>
+            <a:r>
+              <a:rPr lang="en-US" dirty="0" smtClean="0"/>
+              <a:t> samples with M</a:t>
+            </a:r>
+            <a:r>
+              <a:rPr lang="en-US" baseline="-25000" dirty="0" smtClean="0"/>
+              <a:t>Z’ </a:t>
+            </a:r>
+            <a:r>
+              <a:rPr lang="en-US" dirty="0" smtClean="0"/>
+              <a:t> </a:t>
+            </a:r>
+            <a:r>
+              <a:rPr lang="en-US" smtClean="0"/>
+              <a:t>= 4TeV </a:t>
+            </a:r>
+            <a:r>
+              <a:rPr lang="en-US" dirty="0" smtClean="0"/>
+              <a:t>and different widths </a:t>
+            </a:r>
+            <a:endParaRPr lang="en-GB" dirty="0"/>
+          </a:p>
+        </p:txBody>
+      </p:sp>
+      <p:pic>
+        <p:nvPicPr>
+          <p:cNvPr id="4" name="Picture 3"/>
+          <p:cNvPicPr>
+            <a:picLocks noChangeAspect="1"/>
+          </p:cNvPicPr>
+          <p:nvPr/>
+        </p:nvPicPr>
+        <p:blipFill>
+          <a:blip r:embed="rId3">
+            <a:extLst>
+              <a:ext uri="{28A0092B-C50C-407E-A947-70E740481C1C}">
+                <a14:useLocalDpi xmlns:a14="http://schemas.microsoft.com/office/drawing/2010/main" val="0"/>
+              </a:ext>
+            </a:extLst>
+          </a:blip>
+          <a:stretch>
+            <a:fillRect/>
+          </a:stretch>
+        </p:blipFill>
+        <p:spPr>
+          <a:xfrm>
+            <a:off x="1819275" y="700087"/>
+            <a:ext cx="8553450" cy="5457825"/>
+          </a:xfrm>
+          <a:prstGeom prst="rect">
+            <a:avLst/>
+          </a:prstGeom>
+        </p:spPr>
+      </p:pic>
+    </p:spTree>
+    <p:extLst>
+      <p:ext uri="{BB962C8B-B14F-4D97-AF65-F5344CB8AC3E}">
+        <p14:creationId xmlns:p14="http://schemas.microsoft.com/office/powerpoint/2010/main" val="2481565454"/>
+      </p:ext>
+    </p:extLst>
+  </p:cSld>
+  <p:clrMapOvr>
+    <a:masterClrMapping/>
+  </p:clrMapOvr>
+</p:sld>
+</file>
+
+<file path=ppt/slides/slide19.xml><?xml version="1.0" encoding="utf-8"?>
+<p:sld xmlns:a="http://schemas.openxmlformats.org/drawingml/2006/main" xmlns:r="http://schemas.openxmlformats.org/officeDocument/2006/relationships" xmlns:p="http://schemas.openxmlformats.org/presentationml/2006/main">
+  <p:cSld>
+    <p:spTree>
+      <p:nvGrpSpPr>
+        <p:cNvPr id="1" name=""/>
+        <p:cNvGrpSpPr/>
+        <p:nvPr/>
+      </p:nvGrpSpPr>
+      <p:grpSpPr>
+        <a:xfrm>
+          <a:off x="0" y="0"/>
+          <a:ext cx="0" cy="0"/>
+          <a:chOff x="0" y="0"/>
+          <a:chExt cx="0" cy="0"/>
+        </a:xfrm>
+      </p:grpSpPr>
+      <p:sp>
+        <p:nvSpPr>
+          <p:cNvPr id="2" name="Date Placeholder 1"/>
+          <p:cNvSpPr>
+            <a:spLocks noGrp="1"/>
+          </p:cNvSpPr>
+          <p:nvPr>
+            <p:ph type="dt" sz="half" idx="10"/>
+          </p:nvPr>
+        </p:nvSpPr>
+        <p:spPr/>
+        <p:txBody>
+          <a:bodyPr/>
+          <a:lstStyle/>
+          <a:p>
+            <a:r>
+              <a:rPr lang="en-US" smtClean="0"/>
+              <a:t>1/4/2019</a:t>
+            </a:r>
+            <a:endParaRPr lang="en-US"/>
+          </a:p>
+        </p:txBody>
+      </p:sp>
+      <p:sp>
+        <p:nvSpPr>
+          <p:cNvPr id="3" name="Footer Placeholder 2"/>
+          <p:cNvSpPr>
+            <a:spLocks noGrp="1"/>
+          </p:cNvSpPr>
+          <p:nvPr>
+            <p:ph type="ftr" sz="quarter" idx="11"/>
+          </p:nvPr>
+        </p:nvSpPr>
+        <p:spPr/>
+        <p:txBody>
+          <a:bodyPr/>
+          <a:lstStyle/>
+          <a:p>
+            <a:r>
+              <a:rPr lang="fi-FI" smtClean="0"/>
+              <a:t>NTUA, G. Bakas</a:t>
+            </a:r>
+            <a:endParaRPr lang="en-US"/>
+          </a:p>
+        </p:txBody>
+      </p:sp>
+      <p:sp>
+        <p:nvSpPr>
+          <p:cNvPr id="5" name="TextBox 4"/>
+          <p:cNvSpPr txBox="1"/>
+          <p:nvPr/>
+        </p:nvSpPr>
+        <p:spPr>
+          <a:xfrm>
+            <a:off x="233265" y="155941"/>
+            <a:ext cx="11243388" cy="369332"/>
+          </a:xfrm>
+          <a:prstGeom prst="rect">
+            <a:avLst/>
+          </a:prstGeom>
+          <a:noFill/>
+        </p:spPr>
+        <p:txBody>
+          <a:bodyPr wrap="square" rtlCol="0">
+            <a:spAutoFit/>
+          </a:bodyPr>
+          <a:lstStyle/>
+          <a:p>
+            <a:pPr algn="ctr"/>
+            <a:r>
+              <a:rPr lang="el-GR" dirty="0" smtClean="0"/>
+              <a:t>χ</a:t>
+            </a:r>
+            <a:r>
+              <a:rPr lang="en-US" dirty="0" smtClean="0"/>
+              <a:t> distribution for </a:t>
+            </a:r>
+            <a:r>
+              <a:rPr lang="en-US" dirty="0" err="1" smtClean="0"/>
+              <a:t>Mtt</a:t>
+            </a:r>
+            <a:r>
+              <a:rPr lang="en-US" dirty="0" smtClean="0"/>
+              <a:t> sample (1000-Inf) and </a:t>
+            </a:r>
+            <a:r>
+              <a:rPr lang="en-US" dirty="0" err="1" smtClean="0"/>
+              <a:t>Zprime</a:t>
+            </a:r>
+            <a:r>
+              <a:rPr lang="en-US" dirty="0" smtClean="0"/>
+              <a:t> samples with M</a:t>
+            </a:r>
+            <a:r>
+              <a:rPr lang="en-US" baseline="-25000" dirty="0" smtClean="0"/>
+              <a:t>Z’ </a:t>
+            </a:r>
+            <a:r>
+              <a:rPr lang="en-US" dirty="0" smtClean="0"/>
+              <a:t> </a:t>
+            </a:r>
+            <a:r>
+              <a:rPr lang="en-US" smtClean="0"/>
+              <a:t>= 4TeV </a:t>
+            </a:r>
+            <a:r>
+              <a:rPr lang="en-US" dirty="0" smtClean="0"/>
+              <a:t>and different widths </a:t>
+            </a:r>
+            <a:endParaRPr lang="en-GB" dirty="0"/>
+          </a:p>
+        </p:txBody>
+      </p:sp>
+      <p:pic>
+        <p:nvPicPr>
+          <p:cNvPr id="4" name="Picture 3"/>
+          <p:cNvPicPr>
+            <a:picLocks noChangeAspect="1"/>
+          </p:cNvPicPr>
+          <p:nvPr/>
+        </p:nvPicPr>
+        <p:blipFill>
+          <a:blip r:embed="rId3">
+            <a:extLst>
+              <a:ext uri="{28A0092B-C50C-407E-A947-70E740481C1C}">
+                <a14:useLocalDpi xmlns:a14="http://schemas.microsoft.com/office/drawing/2010/main" val="0"/>
+              </a:ext>
+            </a:extLst>
+          </a:blip>
+          <a:stretch>
+            <a:fillRect/>
+          </a:stretch>
+        </p:blipFill>
+        <p:spPr>
+          <a:xfrm>
+            <a:off x="1819275" y="700087"/>
+            <a:ext cx="8553450" cy="5457825"/>
+          </a:xfrm>
+          <a:prstGeom prst="rect">
+            <a:avLst/>
+          </a:prstGeom>
+        </p:spPr>
+      </p:pic>
+    </p:spTree>
+    <p:extLst>
+      <p:ext uri="{BB962C8B-B14F-4D97-AF65-F5344CB8AC3E}">
+        <p14:creationId xmlns:p14="http://schemas.microsoft.com/office/powerpoint/2010/main" val="1502675573"/>
+      </p:ext>
+    </p:extLst>
+  </p:cSld>
+  <p:clrMapOvr>
+    <a:masterClrMapping/>
+  </p:clrMapOvr>
+</p:sld>
+</file>
+
 <file path=ppt/slides/slide2.xml><?xml version="1.0" encoding="utf-8"?>
 <p:sld xmlns:a="http://schemas.openxmlformats.org/drawingml/2006/main" xmlns:r="http://schemas.openxmlformats.org/officeDocument/2006/relationships" xmlns:p="http://schemas.openxmlformats.org/presentationml/2006/main">
   <p:cSld>
@@ -4622,10 +7827,10 @@
           <a:lstStyle/>
           <a:p>
             <a:r>
-              <a:rPr lang="fi-FI" smtClean="0"/>
-              <a:t>NTUA I. Papakrivopoulos, G. Bakas</a:t>
-            </a:r>
-            <a:endParaRPr lang="en-US"/>
+              <a:rPr lang="fi-FI" dirty="0" smtClean="0"/>
+              <a:t>NTUA, G. Bakas</a:t>
+            </a:r>
+            <a:endParaRPr lang="en-US" dirty="0"/>
           </a:p>
         </p:txBody>
       </p:sp>
@@ -4637,8 +7842,8 @@
         </p:nvSpPr>
         <p:spPr>
           <a:xfrm>
-            <a:off x="260131" y="157656"/>
-            <a:ext cx="10846676" cy="369332"/>
+            <a:off x="222294" y="0"/>
+            <a:ext cx="10846676" cy="461665"/>
           </a:xfrm>
           <a:prstGeom prst="rect">
             <a:avLst/>
@@ -4652,18 +7857,10 @@
           <a:lstStyle/>
           <a:p>
             <a:r>
-              <a:rPr lang="en-US" u="sng" dirty="0" smtClean="0"/>
-              <a:t>Search for top-</a:t>
-            </a:r>
-            <a:r>
-              <a:rPr lang="en-US" u="sng" dirty="0" err="1" smtClean="0"/>
-              <a:t>antitop</a:t>
-            </a:r>
-            <a:r>
-              <a:rPr lang="en-US" u="sng" dirty="0" smtClean="0"/>
-              <a:t> resonances</a:t>
-            </a:r>
-            <a:endParaRPr lang="en-GB" u="sng" dirty="0"/>
+              <a:rPr lang="en-US" sz="2400" u="sng" dirty="0" smtClean="0"/>
+              <a:t>Progress Report</a:t>
+            </a:r>
+            <a:endParaRPr lang="en-GB" sz="2400" u="sng" dirty="0"/>
           </a:p>
         </p:txBody>
       </p:sp>
@@ -4675,8 +7872,8 @@
         </p:nvSpPr>
         <p:spPr>
           <a:xfrm>
-            <a:off x="346841" y="717331"/>
-            <a:ext cx="11690131" cy="4524315"/>
+            <a:off x="222294" y="526988"/>
+            <a:ext cx="10971223" cy="5755422"/>
           </a:xfrm>
           <a:prstGeom prst="rect">
             <a:avLst/>
@@ -4694,9 +7891,136 @@
               <a:buChar char="•"/>
             </a:pPr>
             <a:r>
-              <a:rPr lang="en-US" dirty="0" smtClean="0"/>
-              <a:t>Numerous extensions of the SM predict the existence of new interactions with enhanced couplings to third generation quarks, especially the top quark</a:t>
-            </a:r>
+              <a:rPr lang="en-US" sz="1600" dirty="0" smtClean="0"/>
+              <a:t>DCS</a:t>
+            </a:r>
+          </a:p>
+          <a:p>
+            <a:pPr marL="742950" lvl="1" indent="-285750">
+              <a:buFont typeface="Arial" panose="020B0604020202020204" pitchFamily="34" charset="0"/>
+              <a:buChar char="•"/>
+            </a:pPr>
+            <a:r>
+              <a:rPr lang="en-US" sz="1600" dirty="0" err="1" smtClean="0"/>
+              <a:t>fwInstallationUtils</a:t>
+            </a:r>
+            <a:r>
+              <a:rPr lang="en-GB" sz="1600" dirty="0" smtClean="0"/>
+              <a:t>: </a:t>
+            </a:r>
+          </a:p>
+          <a:p>
+            <a:pPr marL="1200150" lvl="2" indent="-285750">
+              <a:buFont typeface="Arial" panose="020B0604020202020204" pitchFamily="34" charset="0"/>
+              <a:buChar char="•"/>
+            </a:pPr>
+            <a:r>
+              <a:rPr lang="en-US" sz="1600" dirty="0" smtClean="0"/>
+              <a:t>Deploy the component</a:t>
+            </a:r>
+          </a:p>
+          <a:p>
+            <a:pPr marL="1200150" lvl="2" indent="-285750">
+              <a:buFont typeface="Arial" panose="020B0604020202020204" pitchFamily="34" charset="0"/>
+              <a:buChar char="•"/>
+            </a:pPr>
+            <a:r>
+              <a:rPr lang="en-US" sz="1600" dirty="0" smtClean="0"/>
+              <a:t>Changes in the database</a:t>
+            </a:r>
+            <a:r>
+              <a:rPr lang="en-US" sz="1600" dirty="0"/>
+              <a:t> </a:t>
+            </a:r>
+            <a:r>
+              <a:rPr lang="en-US" sz="1600" dirty="0" smtClean="0"/>
+              <a:t>(create new tables </a:t>
+            </a:r>
+            <a:r>
+              <a:rPr lang="en-US" sz="1600" dirty="0" err="1" smtClean="0"/>
+              <a:t>etc</a:t>
+            </a:r>
+            <a:r>
+              <a:rPr lang="en-US" sz="1600" dirty="0" smtClean="0"/>
+              <a:t>)</a:t>
+            </a:r>
+          </a:p>
+          <a:p>
+            <a:pPr marL="1200150" lvl="2" indent="-285750">
+              <a:buFont typeface="Arial" panose="020B0604020202020204" pitchFamily="34" charset="0"/>
+              <a:buChar char="•"/>
+            </a:pPr>
+            <a:r>
+              <a:rPr lang="en-US" sz="1600" dirty="0" smtClean="0"/>
+              <a:t>Test that the tool works both when being operated with user credentials and when being operated without user credentials</a:t>
+            </a:r>
+          </a:p>
+          <a:p>
+            <a:pPr marL="1200150" lvl="2" indent="-285750">
+              <a:buFont typeface="Arial" panose="020B0604020202020204" pitchFamily="34" charset="0"/>
+              <a:buChar char="•"/>
+            </a:pPr>
+            <a:r>
+              <a:rPr lang="en-US" sz="1600" dirty="0" smtClean="0"/>
+              <a:t>Trying to Figure multiple scenarios that may go wrong</a:t>
+            </a:r>
+          </a:p>
+          <a:p>
+            <a:pPr marL="742950" lvl="1" indent="-285750">
+              <a:buFont typeface="Arial" panose="020B0604020202020204" pitchFamily="34" charset="0"/>
+              <a:buChar char="•"/>
+            </a:pPr>
+            <a:r>
+              <a:rPr lang="en-US" sz="1600" dirty="0" err="1" smtClean="0"/>
+              <a:t>CMSfwInstallUtils</a:t>
+            </a:r>
+            <a:endParaRPr lang="en-US" sz="1600" dirty="0" smtClean="0"/>
+          </a:p>
+          <a:p>
+            <a:pPr marL="1200150" lvl="2" indent="-285750">
+              <a:buFont typeface="Arial" panose="020B0604020202020204" pitchFamily="34" charset="0"/>
+              <a:buChar char="•"/>
+            </a:pPr>
+            <a:r>
+              <a:rPr lang="en-US" sz="1600" dirty="0" err="1" smtClean="0"/>
+              <a:t>Conf</a:t>
+            </a:r>
+            <a:r>
+              <a:rPr lang="en-US" sz="1600" dirty="0" smtClean="0"/>
+              <a:t> DB checks tool </a:t>
+            </a:r>
+          </a:p>
+          <a:p>
+            <a:pPr marL="1200150" lvl="2" indent="-285750">
+              <a:buFont typeface="Arial" panose="020B0604020202020204" pitchFamily="34" charset="0"/>
+              <a:buChar char="•"/>
+            </a:pPr>
+            <a:r>
+              <a:rPr lang="en-US" sz="1600" dirty="0" smtClean="0"/>
+              <a:t>Why it takes so long to apply checks between project and </a:t>
+            </a:r>
+            <a:r>
+              <a:rPr lang="en-US" sz="1600" dirty="0" err="1" smtClean="0"/>
+              <a:t>db</a:t>
+            </a:r>
+            <a:endParaRPr lang="en-US" sz="1600" dirty="0"/>
+          </a:p>
+          <a:p>
+            <a:pPr marL="1200150" lvl="2" indent="-285750">
+              <a:buFont typeface="Arial" panose="020B0604020202020204" pitchFamily="34" charset="0"/>
+              <a:buChar char="•"/>
+            </a:pPr>
+            <a:r>
+              <a:rPr lang="en-US" sz="1600" dirty="0" smtClean="0"/>
+              <a:t>Make the tool as generic as possible</a:t>
+            </a:r>
+          </a:p>
+          <a:p>
+            <a:pPr marL="1200150" lvl="2" indent="-285750">
+              <a:buFont typeface="Arial" panose="020B0604020202020204" pitchFamily="34" charset="0"/>
+              <a:buChar char="•"/>
+            </a:pPr>
+            <a:endParaRPr lang="en-US" sz="1600" dirty="0"/>
           </a:p>
           <a:p>
             <a:pPr marL="285750" indent="-285750">
@@ -4704,265 +8028,126 @@
               <a:buChar char="•"/>
             </a:pPr>
             <a:r>
-              <a:rPr lang="en-US" dirty="0" smtClean="0"/>
-              <a:t>The associated new particle </a:t>
-            </a:r>
-            <a:r>
-              <a:rPr lang="en-US" dirty="0" smtClean="0">
-                <a:sym typeface="Wingdings" panose="05000000000000000000" pitchFamily="2" charset="2"/>
-              </a:rPr>
-              <a:t> observation as a </a:t>
-            </a:r>
-            <a:r>
-              <a:rPr lang="en-US" dirty="0" err="1" smtClean="0">
-                <a:sym typeface="Wingdings" panose="05000000000000000000" pitchFamily="2" charset="2"/>
-              </a:rPr>
-              <a:t>ttbar</a:t>
-            </a:r>
-            <a:r>
-              <a:rPr lang="en-US" dirty="0" smtClean="0">
-                <a:sym typeface="Wingdings" panose="05000000000000000000" pitchFamily="2" charset="2"/>
-              </a:rPr>
-              <a:t> resonance </a:t>
-            </a:r>
-          </a:p>
-          <a:p>
-            <a:pPr marL="285750" indent="-285750">
+              <a:rPr lang="en-US" sz="1600" dirty="0" smtClean="0"/>
+              <a:t>Analysis:</a:t>
+            </a:r>
+          </a:p>
+          <a:p>
+            <a:pPr marL="742950" lvl="1" indent="-285750">
               <a:buFont typeface="Arial" panose="020B0604020202020204" pitchFamily="34" charset="0"/>
               <a:buChar char="•"/>
             </a:pPr>
             <a:r>
-              <a:rPr lang="en-US" dirty="0" smtClean="0">
-                <a:sym typeface="Wingdings" panose="05000000000000000000" pitchFamily="2" charset="2"/>
-              </a:rPr>
-              <a:t>Examples of such resonances:</a:t>
-            </a:r>
-          </a:p>
-          <a:p>
-            <a:pPr marL="800100" lvl="1" indent="-342900">
-              <a:buFont typeface="+mj-lt"/>
-              <a:buAutoNum type="arabicPeriod"/>
-            </a:pPr>
-            <a:r>
-              <a:rPr lang="en-US" dirty="0" smtClean="0">
-                <a:sym typeface="Wingdings" panose="05000000000000000000" pitchFamily="2" charset="2"/>
-              </a:rPr>
-              <a:t>Massive Color-singlet Z like bosons (Z’)</a:t>
-            </a:r>
-          </a:p>
-          <a:p>
-            <a:pPr marL="800100" lvl="1" indent="-342900">
-              <a:buFont typeface="+mj-lt"/>
-              <a:buAutoNum type="arabicPeriod"/>
-            </a:pPr>
-            <a:r>
-              <a:rPr lang="en-US" dirty="0" err="1" smtClean="0">
-                <a:sym typeface="Wingdings" panose="05000000000000000000" pitchFamily="2" charset="2"/>
-              </a:rPr>
-              <a:t>Colorons</a:t>
-            </a:r>
-            <a:endParaRPr lang="en-US" dirty="0" smtClean="0">
-              <a:sym typeface="Wingdings" panose="05000000000000000000" pitchFamily="2" charset="2"/>
-            </a:endParaRPr>
-          </a:p>
-          <a:p>
-            <a:pPr marL="800100" lvl="1" indent="-342900">
-              <a:buFont typeface="+mj-lt"/>
-              <a:buAutoNum type="arabicPeriod"/>
-            </a:pPr>
-            <a:r>
-              <a:rPr lang="en-US" dirty="0" err="1" smtClean="0">
-                <a:sym typeface="Wingdings" panose="05000000000000000000" pitchFamily="2" charset="2"/>
-              </a:rPr>
-              <a:t>Axigluons</a:t>
-            </a:r>
-            <a:endParaRPr lang="en-US" dirty="0" smtClean="0">
-              <a:sym typeface="Wingdings" panose="05000000000000000000" pitchFamily="2" charset="2"/>
-            </a:endParaRPr>
-          </a:p>
-          <a:p>
-            <a:pPr marL="800100" lvl="1" indent="-342900">
-              <a:buFont typeface="+mj-lt"/>
-              <a:buAutoNum type="arabicPeriod"/>
-            </a:pPr>
-            <a:r>
-              <a:rPr lang="en-US" dirty="0" smtClean="0">
-                <a:sym typeface="Wingdings" panose="05000000000000000000" pitchFamily="2" charset="2"/>
-              </a:rPr>
-              <a:t>Heavier Higgs siblings</a:t>
-            </a:r>
-          </a:p>
-          <a:p>
-            <a:pPr marL="800100" lvl="1" indent="-342900">
-              <a:buFont typeface="+mj-lt"/>
-              <a:buAutoNum type="arabicPeriod"/>
-            </a:pPr>
-            <a:r>
-              <a:rPr lang="en-US" dirty="0" err="1" smtClean="0">
-                <a:sym typeface="Wingdings" panose="05000000000000000000" pitchFamily="2" charset="2"/>
-              </a:rPr>
-              <a:t>Kaluza</a:t>
-            </a:r>
-            <a:r>
-              <a:rPr lang="en-US" dirty="0" smtClean="0">
-                <a:sym typeface="Wingdings" panose="05000000000000000000" pitchFamily="2" charset="2"/>
-              </a:rPr>
-              <a:t>-Klein excitations of gluons</a:t>
-            </a:r>
-          </a:p>
-          <a:p>
-            <a:pPr marL="800100" lvl="1" indent="-342900">
-              <a:buFont typeface="+mj-lt"/>
-              <a:buAutoNum type="arabicPeriod"/>
-            </a:pPr>
-            <a:r>
-              <a:rPr lang="en-US" dirty="0" smtClean="0">
-                <a:sym typeface="Wingdings" panose="05000000000000000000" pitchFamily="2" charset="2"/>
-              </a:rPr>
-              <a:t>Electroweak gauge bosons</a:t>
-            </a:r>
-          </a:p>
-          <a:p>
-            <a:pPr marL="800100" lvl="1" indent="-342900">
-              <a:buFont typeface="+mj-lt"/>
-              <a:buAutoNum type="arabicPeriod"/>
-            </a:pPr>
-            <a:r>
-              <a:rPr lang="en-US" dirty="0" smtClean="0">
-                <a:sym typeface="Wingdings" panose="05000000000000000000" pitchFamily="2" charset="2"/>
-              </a:rPr>
-              <a:t>Gravitons in various extensions of the </a:t>
-            </a:r>
-            <a:r>
-              <a:rPr lang="en-US" dirty="0" smtClean="0">
-                <a:sym typeface="Wingdings" panose="05000000000000000000" pitchFamily="2" charset="2"/>
-              </a:rPr>
-              <a:t>Randall-</a:t>
-            </a:r>
-            <a:r>
-              <a:rPr lang="en-US" dirty="0" err="1" smtClean="0">
-                <a:sym typeface="Wingdings" panose="05000000000000000000" pitchFamily="2" charset="2"/>
-              </a:rPr>
-              <a:t>Sundrum</a:t>
-            </a:r>
-            <a:r>
-              <a:rPr lang="en-US" dirty="0" smtClean="0">
-                <a:sym typeface="Wingdings" panose="05000000000000000000" pitchFamily="2" charset="2"/>
-              </a:rPr>
-              <a:t> model</a:t>
-            </a:r>
-          </a:p>
-          <a:p>
-            <a:pPr marL="800100" lvl="1" indent="-342900">
-              <a:buFont typeface="+mj-lt"/>
-              <a:buAutoNum type="arabicPeriod"/>
-            </a:pPr>
-            <a:endParaRPr lang="en-US" dirty="0">
-              <a:sym typeface="Wingdings" panose="05000000000000000000" pitchFamily="2" charset="2"/>
-            </a:endParaRPr>
-          </a:p>
-          <a:p>
-            <a:pPr marL="342900" indent="-342900">
+              <a:rPr lang="en-US" sz="1600" dirty="0" err="1" smtClean="0"/>
+              <a:t>TTbar</a:t>
+            </a:r>
+            <a:r>
+              <a:rPr lang="en-US" sz="1600" dirty="0" smtClean="0"/>
+              <a:t> Angular distributions for several mass values of Z’</a:t>
+            </a:r>
+          </a:p>
+          <a:p>
+            <a:pPr marL="742950" lvl="1" indent="-285750">
               <a:buFont typeface="Arial" panose="020B0604020202020204" pitchFamily="34" charset="0"/>
               <a:buChar char="•"/>
             </a:pPr>
             <a:r>
-              <a:rPr lang="en-US" dirty="0" smtClean="0">
-                <a:sym typeface="Wingdings" panose="05000000000000000000" pitchFamily="2" charset="2"/>
-              </a:rPr>
-              <a:t>All of the above predict the existence of </a:t>
-            </a:r>
-            <a:r>
-              <a:rPr lang="en-US" dirty="0" err="1" smtClean="0">
-                <a:sym typeface="Wingdings" panose="05000000000000000000" pitchFamily="2" charset="2"/>
-              </a:rPr>
-              <a:t>TeV</a:t>
-            </a:r>
-            <a:r>
-              <a:rPr lang="en-US" dirty="0" smtClean="0">
-                <a:sym typeface="Wingdings" panose="05000000000000000000" pitchFamily="2" charset="2"/>
-              </a:rPr>
-              <a:t>-scale resonances  with a cross section of a few </a:t>
-            </a:r>
-            <a:r>
-              <a:rPr lang="en-US" dirty="0" err="1" smtClean="0">
-                <a:sym typeface="Wingdings" panose="05000000000000000000" pitchFamily="2" charset="2"/>
-              </a:rPr>
-              <a:t>pb’s</a:t>
-            </a:r>
-            <a:endParaRPr lang="en-US" dirty="0" smtClean="0">
-              <a:sym typeface="Wingdings" panose="05000000000000000000" pitchFamily="2" charset="2"/>
-            </a:endParaRPr>
-          </a:p>
-          <a:p>
-            <a:pPr marL="342900" indent="-342900">
+              <a:rPr lang="en-US" sz="1600" dirty="0" smtClean="0"/>
+              <a:t>Hands on 2017 MC’s. </a:t>
+            </a:r>
+          </a:p>
+          <a:p>
+            <a:pPr marL="1200150" lvl="2" indent="-285750">
               <a:buFont typeface="Arial" panose="020B0604020202020204" pitchFamily="34" charset="0"/>
               <a:buChar char="•"/>
             </a:pPr>
             <a:r>
-              <a:rPr lang="en-US" dirty="0" smtClean="0">
-                <a:sym typeface="Wingdings" panose="05000000000000000000" pitchFamily="2" charset="2"/>
-              </a:rPr>
-              <a:t>Resonant </a:t>
-            </a:r>
-            <a:r>
-              <a:rPr lang="en-US" dirty="0" err="1" smtClean="0">
-                <a:sym typeface="Wingdings" panose="05000000000000000000" pitchFamily="2" charset="2"/>
-              </a:rPr>
-              <a:t>ttbar</a:t>
-            </a:r>
-            <a:r>
-              <a:rPr lang="en-US" dirty="0" smtClean="0">
-                <a:sym typeface="Wingdings" panose="05000000000000000000" pitchFamily="2" charset="2"/>
-              </a:rPr>
-              <a:t> production would be observable in the reconstructed invariant mass of the </a:t>
-            </a:r>
-            <a:r>
-              <a:rPr lang="en-US" dirty="0" err="1" smtClean="0">
-                <a:sym typeface="Wingdings" panose="05000000000000000000" pitchFamily="2" charset="2"/>
-              </a:rPr>
-              <a:t>ttbar</a:t>
-            </a:r>
-            <a:r>
-              <a:rPr lang="en-US" dirty="0" smtClean="0">
-                <a:sym typeface="Wingdings" panose="05000000000000000000" pitchFamily="2" charset="2"/>
-              </a:rPr>
-              <a:t> system</a:t>
-            </a:r>
-          </a:p>
-          <a:p>
-            <a:pPr marL="342900" indent="-342900">
+              <a:rPr lang="en-US" sz="1600" dirty="0" smtClean="0"/>
+              <a:t>Much more samples for the </a:t>
+            </a:r>
+            <a:r>
+              <a:rPr lang="en-US" sz="1600" dirty="0" err="1" smtClean="0"/>
+              <a:t>Zprime</a:t>
+            </a:r>
+            <a:r>
+              <a:rPr lang="en-US" sz="1600" dirty="0" smtClean="0"/>
+              <a:t> masses </a:t>
+            </a:r>
+          </a:p>
+          <a:p>
+            <a:pPr marL="742950" lvl="1" indent="-285750">
               <a:buFont typeface="Arial" panose="020B0604020202020204" pitchFamily="34" charset="0"/>
               <a:buChar char="•"/>
             </a:pPr>
-            <a:endParaRPr lang="en-US" dirty="0">
-              <a:sym typeface="Wingdings" panose="05000000000000000000" pitchFamily="2" charset="2"/>
-            </a:endParaRPr>
-          </a:p>
-          <a:p>
-            <a:pPr marL="342900" indent="-342900">
+            <a:r>
+              <a:rPr lang="en-US" sz="1600" dirty="0" smtClean="0"/>
+              <a:t>Production of QCD and </a:t>
+            </a:r>
+            <a:r>
+              <a:rPr lang="en-US" sz="1600" dirty="0" err="1" smtClean="0"/>
+              <a:t>Mtt</a:t>
+            </a:r>
+            <a:r>
+              <a:rPr lang="en-US" sz="1600" dirty="0" smtClean="0"/>
+              <a:t> samples</a:t>
+            </a:r>
+          </a:p>
+          <a:p>
+            <a:pPr marL="1200150" lvl="2" indent="-285750">
               <a:buFont typeface="Arial" panose="020B0604020202020204" pitchFamily="34" charset="0"/>
               <a:buChar char="•"/>
             </a:pPr>
             <a:r>
-              <a:rPr lang="en-US" dirty="0" smtClean="0">
-                <a:sym typeface="Wingdings" panose="05000000000000000000" pitchFamily="2" charset="2"/>
-              </a:rPr>
-              <a:t>Most analyses search for peaks in the invariant </a:t>
-            </a:r>
-            <a:r>
-              <a:rPr lang="en-US" dirty="0" err="1" smtClean="0">
-                <a:sym typeface="Wingdings" panose="05000000000000000000" pitchFamily="2" charset="2"/>
-              </a:rPr>
-              <a:t>ttbar</a:t>
-            </a:r>
-            <a:r>
-              <a:rPr lang="en-US" dirty="0" smtClean="0">
-                <a:sym typeface="Wingdings" panose="05000000000000000000" pitchFamily="2" charset="2"/>
-              </a:rPr>
-              <a:t> mass</a:t>
-            </a:r>
-            <a:endParaRPr lang="en-GB" dirty="0"/>
+              <a:rPr lang="en-US" sz="1600" dirty="0" smtClean="0"/>
+              <a:t>Re-train and check outputs between 2016 and 2017</a:t>
+            </a:r>
+          </a:p>
+          <a:p>
+            <a:pPr marL="1200150" lvl="2" indent="-285750">
+              <a:buFont typeface="Arial" panose="020B0604020202020204" pitchFamily="34" charset="0"/>
+              <a:buChar char="•"/>
+            </a:pPr>
+            <a:r>
+              <a:rPr lang="en-US" sz="1600" dirty="0" smtClean="0"/>
+              <a:t>Waiting for the cross sections for the </a:t>
+            </a:r>
+            <a:r>
+              <a:rPr lang="en-US" sz="1600" dirty="0" err="1" smtClean="0"/>
+              <a:t>Mtt</a:t>
+            </a:r>
+            <a:r>
+              <a:rPr lang="en-US" sz="1600" dirty="0" smtClean="0"/>
+              <a:t> samples. The </a:t>
+            </a:r>
+            <a:r>
+              <a:rPr lang="en-US" sz="1600" dirty="0" err="1" smtClean="0"/>
+              <a:t>XsecDB</a:t>
+            </a:r>
+            <a:r>
+              <a:rPr lang="en-US" sz="1600" dirty="0" smtClean="0"/>
+              <a:t> does not include all the cross sections for the samples that I need</a:t>
+            </a:r>
+          </a:p>
+          <a:p>
+            <a:pPr marL="742950" lvl="1" indent="-285750">
+              <a:buFont typeface="Arial" panose="020B0604020202020204" pitchFamily="34" charset="0"/>
+              <a:buChar char="•"/>
+            </a:pPr>
+            <a:r>
+              <a:rPr lang="en-US" sz="1600" dirty="0" smtClean="0"/>
+              <a:t>Deep AK8: Lisa sent an email, waiting for Working Points</a:t>
+            </a:r>
+          </a:p>
+          <a:p>
+            <a:pPr lvl="1"/>
+            <a:endParaRPr lang="en-US" sz="1600" dirty="0" smtClean="0"/>
+          </a:p>
+          <a:p>
+            <a:pPr marL="742950" lvl="1" indent="-285750">
+              <a:buFont typeface="Arial" panose="020B0604020202020204" pitchFamily="34" charset="0"/>
+              <a:buChar char="•"/>
+            </a:pPr>
+            <a:endParaRPr lang="en-US" sz="1600" dirty="0" smtClean="0"/>
           </a:p>
         </p:txBody>
       </p:sp>
@@ -4970,6 +8155,517 @@
     <p:extLst>
       <p:ext uri="{BB962C8B-B14F-4D97-AF65-F5344CB8AC3E}">
         <p14:creationId xmlns:p14="http://schemas.microsoft.com/office/powerpoint/2010/main" val="3609540907"/>
+      </p:ext>
+    </p:extLst>
+  </p:cSld>
+  <p:clrMapOvr>
+    <a:masterClrMapping/>
+  </p:clrMapOvr>
+</p:sld>
+</file>
+
+<file path=ppt/slides/slide20.xml><?xml version="1.0" encoding="utf-8"?>
+<p:sld xmlns:a="http://schemas.openxmlformats.org/drawingml/2006/main" xmlns:r="http://schemas.openxmlformats.org/officeDocument/2006/relationships" xmlns:p="http://schemas.openxmlformats.org/presentationml/2006/main">
+  <p:cSld>
+    <p:spTree>
+      <p:nvGrpSpPr>
+        <p:cNvPr id="1" name=""/>
+        <p:cNvGrpSpPr/>
+        <p:nvPr/>
+      </p:nvGrpSpPr>
+      <p:grpSpPr>
+        <a:xfrm>
+          <a:off x="0" y="0"/>
+          <a:ext cx="0" cy="0"/>
+          <a:chOff x="0" y="0"/>
+          <a:chExt cx="0" cy="0"/>
+        </a:xfrm>
+      </p:grpSpPr>
+      <p:sp>
+        <p:nvSpPr>
+          <p:cNvPr id="2" name="Date Placeholder 1"/>
+          <p:cNvSpPr>
+            <a:spLocks noGrp="1"/>
+          </p:cNvSpPr>
+          <p:nvPr>
+            <p:ph type="dt" sz="half" idx="10"/>
+          </p:nvPr>
+        </p:nvSpPr>
+        <p:spPr/>
+        <p:txBody>
+          <a:bodyPr/>
+          <a:lstStyle/>
+          <a:p>
+            <a:r>
+              <a:rPr lang="en-US" smtClean="0"/>
+              <a:t>1/4/2019</a:t>
+            </a:r>
+            <a:endParaRPr lang="en-US"/>
+          </a:p>
+        </p:txBody>
+      </p:sp>
+      <p:sp>
+        <p:nvSpPr>
+          <p:cNvPr id="3" name="Footer Placeholder 2"/>
+          <p:cNvSpPr>
+            <a:spLocks noGrp="1"/>
+          </p:cNvSpPr>
+          <p:nvPr>
+            <p:ph type="ftr" sz="quarter" idx="11"/>
+          </p:nvPr>
+        </p:nvSpPr>
+        <p:spPr/>
+        <p:txBody>
+          <a:bodyPr/>
+          <a:lstStyle/>
+          <a:p>
+            <a:r>
+              <a:rPr lang="fi-FI" smtClean="0"/>
+              <a:t>NTUA, G. Bakas</a:t>
+            </a:r>
+            <a:endParaRPr lang="en-US"/>
+          </a:p>
+        </p:txBody>
+      </p:sp>
+      <p:sp>
+        <p:nvSpPr>
+          <p:cNvPr id="5" name="TextBox 4"/>
+          <p:cNvSpPr txBox="1"/>
+          <p:nvPr/>
+        </p:nvSpPr>
+        <p:spPr>
+          <a:xfrm>
+            <a:off x="233265" y="155941"/>
+            <a:ext cx="11243388" cy="369332"/>
+          </a:xfrm>
+          <a:prstGeom prst="rect">
+            <a:avLst/>
+          </a:prstGeom>
+          <a:noFill/>
+        </p:spPr>
+        <p:txBody>
+          <a:bodyPr wrap="square" rtlCol="0">
+            <a:spAutoFit/>
+          </a:bodyPr>
+          <a:lstStyle/>
+          <a:p>
+            <a:pPr algn="ctr"/>
+            <a:r>
+              <a:rPr lang="el-GR" dirty="0" smtClean="0"/>
+              <a:t>χ</a:t>
+            </a:r>
+            <a:r>
+              <a:rPr lang="en-US" dirty="0" smtClean="0"/>
+              <a:t> distribution for </a:t>
+            </a:r>
+            <a:r>
+              <a:rPr lang="en-US" dirty="0" err="1" smtClean="0"/>
+              <a:t>Mtt</a:t>
+            </a:r>
+            <a:r>
+              <a:rPr lang="en-US" dirty="0" smtClean="0"/>
+              <a:t> sample (1000-Inf) and </a:t>
+            </a:r>
+            <a:r>
+              <a:rPr lang="en-US" dirty="0" err="1" smtClean="0"/>
+              <a:t>Zprime</a:t>
+            </a:r>
+            <a:r>
+              <a:rPr lang="en-US" dirty="0" smtClean="0"/>
+              <a:t> samples with M</a:t>
+            </a:r>
+            <a:r>
+              <a:rPr lang="en-US" baseline="-25000" dirty="0" smtClean="0"/>
+              <a:t>Z’ </a:t>
+            </a:r>
+            <a:r>
+              <a:rPr lang="en-US" dirty="0" smtClean="0"/>
+              <a:t> = 5TeV and different widths </a:t>
+            </a:r>
+            <a:endParaRPr lang="en-GB" dirty="0"/>
+          </a:p>
+        </p:txBody>
+      </p:sp>
+      <p:pic>
+        <p:nvPicPr>
+          <p:cNvPr id="6" name="Picture 5"/>
+          <p:cNvPicPr>
+            <a:picLocks noChangeAspect="1"/>
+          </p:cNvPicPr>
+          <p:nvPr/>
+        </p:nvPicPr>
+        <p:blipFill>
+          <a:blip r:embed="rId3">
+            <a:extLst>
+              <a:ext uri="{28A0092B-C50C-407E-A947-70E740481C1C}">
+                <a14:useLocalDpi xmlns:a14="http://schemas.microsoft.com/office/drawing/2010/main" val="0"/>
+              </a:ext>
+            </a:extLst>
+          </a:blip>
+          <a:stretch>
+            <a:fillRect/>
+          </a:stretch>
+        </p:blipFill>
+        <p:spPr>
+          <a:xfrm>
+            <a:off x="1819275" y="700087"/>
+            <a:ext cx="8553450" cy="5457825"/>
+          </a:xfrm>
+          <a:prstGeom prst="rect">
+            <a:avLst/>
+          </a:prstGeom>
+        </p:spPr>
+      </p:pic>
+    </p:spTree>
+    <p:extLst>
+      <p:ext uri="{BB962C8B-B14F-4D97-AF65-F5344CB8AC3E}">
+        <p14:creationId xmlns:p14="http://schemas.microsoft.com/office/powerpoint/2010/main" val="4279610355"/>
+      </p:ext>
+    </p:extLst>
+  </p:cSld>
+  <p:clrMapOvr>
+    <a:masterClrMapping/>
+  </p:clrMapOvr>
+</p:sld>
+</file>
+
+<file path=ppt/slides/slide21.xml><?xml version="1.0" encoding="utf-8"?>
+<p:sld xmlns:a="http://schemas.openxmlformats.org/drawingml/2006/main" xmlns:r="http://schemas.openxmlformats.org/officeDocument/2006/relationships" xmlns:p="http://schemas.openxmlformats.org/presentationml/2006/main">
+  <p:cSld>
+    <p:spTree>
+      <p:nvGrpSpPr>
+        <p:cNvPr id="1" name=""/>
+        <p:cNvGrpSpPr/>
+        <p:nvPr/>
+      </p:nvGrpSpPr>
+      <p:grpSpPr>
+        <a:xfrm>
+          <a:off x="0" y="0"/>
+          <a:ext cx="0" cy="0"/>
+          <a:chOff x="0" y="0"/>
+          <a:chExt cx="0" cy="0"/>
+        </a:xfrm>
+      </p:grpSpPr>
+      <p:sp>
+        <p:nvSpPr>
+          <p:cNvPr id="2" name="Date Placeholder 1"/>
+          <p:cNvSpPr>
+            <a:spLocks noGrp="1"/>
+          </p:cNvSpPr>
+          <p:nvPr>
+            <p:ph type="dt" sz="half" idx="10"/>
+          </p:nvPr>
+        </p:nvSpPr>
+        <p:spPr/>
+        <p:txBody>
+          <a:bodyPr/>
+          <a:lstStyle/>
+          <a:p>
+            <a:r>
+              <a:rPr lang="en-US" smtClean="0"/>
+              <a:t>1/4/2019</a:t>
+            </a:r>
+            <a:endParaRPr lang="en-US"/>
+          </a:p>
+        </p:txBody>
+      </p:sp>
+      <p:sp>
+        <p:nvSpPr>
+          <p:cNvPr id="3" name="Footer Placeholder 2"/>
+          <p:cNvSpPr>
+            <a:spLocks noGrp="1"/>
+          </p:cNvSpPr>
+          <p:nvPr>
+            <p:ph type="ftr" sz="quarter" idx="11"/>
+          </p:nvPr>
+        </p:nvSpPr>
+        <p:spPr/>
+        <p:txBody>
+          <a:bodyPr/>
+          <a:lstStyle/>
+          <a:p>
+            <a:r>
+              <a:rPr lang="fi-FI" smtClean="0"/>
+              <a:t>NTUA, G. Bakas</a:t>
+            </a:r>
+            <a:endParaRPr lang="en-US"/>
+          </a:p>
+        </p:txBody>
+      </p:sp>
+      <p:sp>
+        <p:nvSpPr>
+          <p:cNvPr id="5" name="TextBox 4"/>
+          <p:cNvSpPr txBox="1"/>
+          <p:nvPr/>
+        </p:nvSpPr>
+        <p:spPr>
+          <a:xfrm>
+            <a:off x="233265" y="155941"/>
+            <a:ext cx="11243388" cy="369332"/>
+          </a:xfrm>
+          <a:prstGeom prst="rect">
+            <a:avLst/>
+          </a:prstGeom>
+          <a:noFill/>
+        </p:spPr>
+        <p:txBody>
+          <a:bodyPr wrap="square" rtlCol="0">
+            <a:spAutoFit/>
+          </a:bodyPr>
+          <a:lstStyle/>
+          <a:p>
+            <a:pPr algn="ctr"/>
+            <a:r>
+              <a:rPr lang="el-GR" dirty="0" smtClean="0"/>
+              <a:t>χ</a:t>
+            </a:r>
+            <a:r>
+              <a:rPr lang="en-US" dirty="0" smtClean="0"/>
+              <a:t> distribution for </a:t>
+            </a:r>
+            <a:r>
+              <a:rPr lang="en-US" dirty="0" err="1" smtClean="0"/>
+              <a:t>Mtt</a:t>
+            </a:r>
+            <a:r>
+              <a:rPr lang="en-US" dirty="0" smtClean="0"/>
+              <a:t> sample (1000-Inf) and </a:t>
+            </a:r>
+            <a:r>
+              <a:rPr lang="en-US" dirty="0" err="1" smtClean="0"/>
+              <a:t>Zprime</a:t>
+            </a:r>
+            <a:r>
+              <a:rPr lang="en-US" dirty="0" smtClean="0"/>
+              <a:t> samples with M</a:t>
+            </a:r>
+            <a:r>
+              <a:rPr lang="en-US" baseline="-25000" dirty="0" smtClean="0"/>
+              <a:t>Z’ </a:t>
+            </a:r>
+            <a:r>
+              <a:rPr lang="en-US" dirty="0" smtClean="0"/>
+              <a:t> </a:t>
+            </a:r>
+            <a:r>
+              <a:rPr lang="en-US" smtClean="0"/>
+              <a:t>= 5TeV </a:t>
+            </a:r>
+            <a:r>
+              <a:rPr lang="en-US" dirty="0" smtClean="0"/>
+              <a:t>and different widths </a:t>
+            </a:r>
+            <a:endParaRPr lang="en-GB" dirty="0"/>
+          </a:p>
+        </p:txBody>
+      </p:sp>
+      <p:pic>
+        <p:nvPicPr>
+          <p:cNvPr id="4" name="Picture 3"/>
+          <p:cNvPicPr>
+            <a:picLocks noChangeAspect="1"/>
+          </p:cNvPicPr>
+          <p:nvPr/>
+        </p:nvPicPr>
+        <p:blipFill>
+          <a:blip r:embed="rId3">
+            <a:extLst>
+              <a:ext uri="{28A0092B-C50C-407E-A947-70E740481C1C}">
+                <a14:useLocalDpi xmlns:a14="http://schemas.microsoft.com/office/drawing/2010/main" val="0"/>
+              </a:ext>
+            </a:extLst>
+          </a:blip>
+          <a:stretch>
+            <a:fillRect/>
+          </a:stretch>
+        </p:blipFill>
+        <p:spPr>
+          <a:xfrm>
+            <a:off x="1819275" y="700087"/>
+            <a:ext cx="8553450" cy="5457825"/>
+          </a:xfrm>
+          <a:prstGeom prst="rect">
+            <a:avLst/>
+          </a:prstGeom>
+        </p:spPr>
+      </p:pic>
+    </p:spTree>
+    <p:extLst>
+      <p:ext uri="{BB962C8B-B14F-4D97-AF65-F5344CB8AC3E}">
+        <p14:creationId xmlns:p14="http://schemas.microsoft.com/office/powerpoint/2010/main" val="1177017225"/>
+      </p:ext>
+    </p:extLst>
+  </p:cSld>
+  <p:clrMapOvr>
+    <a:masterClrMapping/>
+  </p:clrMapOvr>
+</p:sld>
+</file>
+
+<file path=ppt/slides/slide22.xml><?xml version="1.0" encoding="utf-8"?>
+<p:sld xmlns:a="http://schemas.openxmlformats.org/drawingml/2006/main" xmlns:r="http://schemas.openxmlformats.org/officeDocument/2006/relationships" xmlns:p="http://schemas.openxmlformats.org/presentationml/2006/main">
+  <p:cSld>
+    <p:spTree>
+      <p:nvGrpSpPr>
+        <p:cNvPr id="1" name=""/>
+        <p:cNvGrpSpPr/>
+        <p:nvPr/>
+      </p:nvGrpSpPr>
+      <p:grpSpPr>
+        <a:xfrm>
+          <a:off x="0" y="0"/>
+          <a:ext cx="0" cy="0"/>
+          <a:chOff x="0" y="0"/>
+          <a:chExt cx="0" cy="0"/>
+        </a:xfrm>
+      </p:grpSpPr>
+      <p:sp>
+        <p:nvSpPr>
+          <p:cNvPr id="2" name="Date Placeholder 1"/>
+          <p:cNvSpPr>
+            <a:spLocks noGrp="1"/>
+          </p:cNvSpPr>
+          <p:nvPr>
+            <p:ph type="dt" sz="half" idx="10"/>
+          </p:nvPr>
+        </p:nvSpPr>
+        <p:spPr/>
+        <p:txBody>
+          <a:bodyPr/>
+          <a:lstStyle/>
+          <a:p>
+            <a:r>
+              <a:rPr lang="en-US" smtClean="0"/>
+              <a:t>1/4/2019</a:t>
+            </a:r>
+            <a:endParaRPr lang="en-US"/>
+          </a:p>
+        </p:txBody>
+      </p:sp>
+      <p:sp>
+        <p:nvSpPr>
+          <p:cNvPr id="3" name="Footer Placeholder 2"/>
+          <p:cNvSpPr>
+            <a:spLocks noGrp="1"/>
+          </p:cNvSpPr>
+          <p:nvPr>
+            <p:ph type="ftr" sz="quarter" idx="11"/>
+          </p:nvPr>
+        </p:nvSpPr>
+        <p:spPr/>
+        <p:txBody>
+          <a:bodyPr/>
+          <a:lstStyle/>
+          <a:p>
+            <a:r>
+              <a:rPr lang="fi-FI" smtClean="0"/>
+              <a:t>NTUA, G. Bakas</a:t>
+            </a:r>
+            <a:endParaRPr lang="en-US"/>
+          </a:p>
+        </p:txBody>
+      </p:sp>
+      <p:sp>
+        <p:nvSpPr>
+          <p:cNvPr id="5" name="TextBox 4"/>
+          <p:cNvSpPr txBox="1"/>
+          <p:nvPr/>
+        </p:nvSpPr>
+        <p:spPr>
+          <a:xfrm>
+            <a:off x="233265" y="155941"/>
+            <a:ext cx="11243388" cy="369332"/>
+          </a:xfrm>
+          <a:prstGeom prst="rect">
+            <a:avLst/>
+          </a:prstGeom>
+          <a:noFill/>
+        </p:spPr>
+        <p:txBody>
+          <a:bodyPr wrap="square" rtlCol="0">
+            <a:spAutoFit/>
+          </a:bodyPr>
+          <a:lstStyle/>
+          <a:p>
+            <a:pPr algn="ctr"/>
+            <a:r>
+              <a:rPr lang="el-GR" dirty="0" smtClean="0"/>
+              <a:t>χ</a:t>
+            </a:r>
+            <a:r>
+              <a:rPr lang="en-US" dirty="0" smtClean="0"/>
+              <a:t> distribution for </a:t>
+            </a:r>
+            <a:r>
+              <a:rPr lang="en-US" dirty="0" err="1" smtClean="0"/>
+              <a:t>Mtt</a:t>
+            </a:r>
+            <a:r>
+              <a:rPr lang="en-US" dirty="0" smtClean="0"/>
+              <a:t> sample (1000-Inf) and </a:t>
+            </a:r>
+            <a:r>
+              <a:rPr lang="en-US" dirty="0" err="1" smtClean="0"/>
+              <a:t>Zprime</a:t>
+            </a:r>
+            <a:r>
+              <a:rPr lang="en-US" dirty="0" smtClean="0"/>
+              <a:t> samples with M</a:t>
+            </a:r>
+            <a:r>
+              <a:rPr lang="en-US" baseline="-25000" dirty="0" smtClean="0"/>
+              <a:t>Z’ </a:t>
+            </a:r>
+            <a:r>
+              <a:rPr lang="en-US" dirty="0" smtClean="0"/>
+              <a:t> </a:t>
+            </a:r>
+            <a:r>
+              <a:rPr lang="en-US" smtClean="0"/>
+              <a:t>= 5TeV </a:t>
+            </a:r>
+            <a:r>
+              <a:rPr lang="en-US" dirty="0" smtClean="0"/>
+              <a:t>and different widths </a:t>
+            </a:r>
+            <a:endParaRPr lang="en-GB" dirty="0"/>
+          </a:p>
+        </p:txBody>
+      </p:sp>
+      <p:pic>
+        <p:nvPicPr>
+          <p:cNvPr id="4" name="Picture 3"/>
+          <p:cNvPicPr>
+            <a:picLocks noChangeAspect="1"/>
+          </p:cNvPicPr>
+          <p:nvPr/>
+        </p:nvPicPr>
+        <p:blipFill>
+          <a:blip r:embed="rId3">
+            <a:extLst>
+              <a:ext uri="{28A0092B-C50C-407E-A947-70E740481C1C}">
+                <a14:useLocalDpi xmlns:a14="http://schemas.microsoft.com/office/drawing/2010/main" val="0"/>
+              </a:ext>
+            </a:extLst>
+          </a:blip>
+          <a:stretch>
+            <a:fillRect/>
+          </a:stretch>
+        </p:blipFill>
+        <p:spPr>
+          <a:xfrm>
+            <a:off x="1819275" y="700087"/>
+            <a:ext cx="8553450" cy="5457825"/>
+          </a:xfrm>
+          <a:prstGeom prst="rect">
+            <a:avLst/>
+          </a:prstGeom>
+        </p:spPr>
+      </p:pic>
+    </p:spTree>
+    <p:extLst>
+      <p:ext uri="{BB962C8B-B14F-4D97-AF65-F5344CB8AC3E}">
+        <p14:creationId xmlns:p14="http://schemas.microsoft.com/office/powerpoint/2010/main" val="719688175"/>
       </p:ext>
     </p:extLst>
   </p:cSld>
@@ -4998,6 +8694,413 @@
       </p:grpSpPr>
       <p:sp>
         <p:nvSpPr>
+          <p:cNvPr id="4" name="Date Placeholder 3"/>
+          <p:cNvSpPr>
+            <a:spLocks noGrp="1"/>
+          </p:cNvSpPr>
+          <p:nvPr>
+            <p:ph type="dt" sz="half" idx="10"/>
+          </p:nvPr>
+        </p:nvSpPr>
+        <p:spPr/>
+        <p:txBody>
+          <a:bodyPr/>
+          <a:lstStyle/>
+          <a:p>
+            <a:r>
+              <a:rPr lang="en-US" smtClean="0"/>
+              <a:t>1/4/2019</a:t>
+            </a:r>
+            <a:endParaRPr lang="en-US"/>
+          </a:p>
+        </p:txBody>
+      </p:sp>
+      <p:sp>
+        <p:nvSpPr>
+          <p:cNvPr id="5" name="Footer Placeholder 4"/>
+          <p:cNvSpPr>
+            <a:spLocks noGrp="1"/>
+          </p:cNvSpPr>
+          <p:nvPr>
+            <p:ph type="ftr" sz="quarter" idx="11"/>
+          </p:nvPr>
+        </p:nvSpPr>
+        <p:spPr/>
+        <p:txBody>
+          <a:bodyPr/>
+          <a:lstStyle/>
+          <a:p>
+            <a:r>
+              <a:rPr lang="fi-FI" smtClean="0"/>
+              <a:t>NTUA, G. Bakas</a:t>
+            </a:r>
+            <a:endParaRPr lang="en-US"/>
+          </a:p>
+        </p:txBody>
+      </p:sp>
+      <p:sp>
+        <p:nvSpPr>
+          <p:cNvPr id="7" name="TextBox 6"/>
+          <p:cNvSpPr txBox="1"/>
+          <p:nvPr/>
+        </p:nvSpPr>
+        <p:spPr>
+          <a:xfrm>
+            <a:off x="260131" y="157656"/>
+            <a:ext cx="10846676" cy="369332"/>
+          </a:xfrm>
+          <a:prstGeom prst="rect">
+            <a:avLst/>
+          </a:prstGeom>
+          <a:noFill/>
+        </p:spPr>
+        <p:txBody>
+          <a:bodyPr wrap="square" rtlCol="0">
+            <a:spAutoFit/>
+          </a:bodyPr>
+          <a:lstStyle/>
+          <a:p>
+            <a:r>
+              <a:rPr lang="en-US" u="sng" dirty="0" smtClean="0"/>
+              <a:t>Search for top-</a:t>
+            </a:r>
+            <a:r>
+              <a:rPr lang="en-US" u="sng" dirty="0" err="1" smtClean="0"/>
+              <a:t>antitop</a:t>
+            </a:r>
+            <a:r>
+              <a:rPr lang="en-US" u="sng" dirty="0" smtClean="0"/>
+              <a:t> resonances</a:t>
+            </a:r>
+            <a:endParaRPr lang="en-GB" u="sng" dirty="0"/>
+          </a:p>
+        </p:txBody>
+      </p:sp>
+      <p:sp>
+        <p:nvSpPr>
+          <p:cNvPr id="8" name="TextBox 7"/>
+          <p:cNvSpPr txBox="1"/>
+          <p:nvPr/>
+        </p:nvSpPr>
+        <p:spPr>
+          <a:xfrm>
+            <a:off x="346841" y="717331"/>
+            <a:ext cx="11690131" cy="4524315"/>
+          </a:xfrm>
+          <a:prstGeom prst="rect">
+            <a:avLst/>
+          </a:prstGeom>
+          <a:noFill/>
+        </p:spPr>
+        <p:txBody>
+          <a:bodyPr wrap="square" rtlCol="0">
+            <a:spAutoFit/>
+          </a:bodyPr>
+          <a:lstStyle/>
+          <a:p>
+            <a:pPr marL="285750" indent="-285750">
+              <a:buFont typeface="Arial" panose="020B0604020202020204" pitchFamily="34" charset="0"/>
+              <a:buChar char="•"/>
+            </a:pPr>
+            <a:r>
+              <a:rPr lang="en-US" dirty="0" smtClean="0"/>
+              <a:t>Numerous extensions of the SM predict the existence of new interactions with enhanced couplings to third generation quarks, especially the top quark</a:t>
+            </a:r>
+          </a:p>
+          <a:p>
+            <a:pPr marL="285750" indent="-285750">
+              <a:buFont typeface="Arial" panose="020B0604020202020204" pitchFamily="34" charset="0"/>
+              <a:buChar char="•"/>
+            </a:pPr>
+            <a:r>
+              <a:rPr lang="en-US" dirty="0" smtClean="0"/>
+              <a:t>The associated new particle </a:t>
+            </a:r>
+            <a:r>
+              <a:rPr lang="en-US" dirty="0" smtClean="0">
+                <a:sym typeface="Wingdings" panose="05000000000000000000" pitchFamily="2" charset="2"/>
+              </a:rPr>
+              <a:t> observation as a </a:t>
+            </a:r>
+            <a:r>
+              <a:rPr lang="en-US" dirty="0" err="1" smtClean="0">
+                <a:sym typeface="Wingdings" panose="05000000000000000000" pitchFamily="2" charset="2"/>
+              </a:rPr>
+              <a:t>ttbar</a:t>
+            </a:r>
+            <a:r>
+              <a:rPr lang="en-US" dirty="0" smtClean="0">
+                <a:sym typeface="Wingdings" panose="05000000000000000000" pitchFamily="2" charset="2"/>
+              </a:rPr>
+              <a:t> resonance </a:t>
+            </a:r>
+          </a:p>
+          <a:p>
+            <a:pPr marL="285750" indent="-285750">
+              <a:buFont typeface="Arial" panose="020B0604020202020204" pitchFamily="34" charset="0"/>
+              <a:buChar char="•"/>
+            </a:pPr>
+            <a:r>
+              <a:rPr lang="en-US" dirty="0" smtClean="0">
+                <a:sym typeface="Wingdings" panose="05000000000000000000" pitchFamily="2" charset="2"/>
+              </a:rPr>
+              <a:t>Examples of such resonances:</a:t>
+            </a:r>
+          </a:p>
+          <a:p>
+            <a:pPr marL="800100" lvl="1" indent="-342900">
+              <a:buFont typeface="+mj-lt"/>
+              <a:buAutoNum type="arabicPeriod"/>
+            </a:pPr>
+            <a:r>
+              <a:rPr lang="en-US" dirty="0" smtClean="0">
+                <a:sym typeface="Wingdings" panose="05000000000000000000" pitchFamily="2" charset="2"/>
+              </a:rPr>
+              <a:t>Massive Color-singlet Z like bosons (Z’)</a:t>
+            </a:r>
+          </a:p>
+          <a:p>
+            <a:pPr marL="800100" lvl="1" indent="-342900">
+              <a:buFont typeface="+mj-lt"/>
+              <a:buAutoNum type="arabicPeriod"/>
+            </a:pPr>
+            <a:r>
+              <a:rPr lang="en-US" dirty="0" err="1" smtClean="0">
+                <a:sym typeface="Wingdings" panose="05000000000000000000" pitchFamily="2" charset="2"/>
+              </a:rPr>
+              <a:t>Colorons</a:t>
+            </a:r>
+            <a:endParaRPr lang="en-US" dirty="0" smtClean="0">
+              <a:sym typeface="Wingdings" panose="05000000000000000000" pitchFamily="2" charset="2"/>
+            </a:endParaRPr>
+          </a:p>
+          <a:p>
+            <a:pPr marL="800100" lvl="1" indent="-342900">
+              <a:buFont typeface="+mj-lt"/>
+              <a:buAutoNum type="arabicPeriod"/>
+            </a:pPr>
+            <a:r>
+              <a:rPr lang="en-US" dirty="0" err="1" smtClean="0">
+                <a:sym typeface="Wingdings" panose="05000000000000000000" pitchFamily="2" charset="2"/>
+              </a:rPr>
+              <a:t>Axigluons</a:t>
+            </a:r>
+            <a:endParaRPr lang="en-US" dirty="0" smtClean="0">
+              <a:sym typeface="Wingdings" panose="05000000000000000000" pitchFamily="2" charset="2"/>
+            </a:endParaRPr>
+          </a:p>
+          <a:p>
+            <a:pPr marL="800100" lvl="1" indent="-342900">
+              <a:buFont typeface="+mj-lt"/>
+              <a:buAutoNum type="arabicPeriod"/>
+            </a:pPr>
+            <a:r>
+              <a:rPr lang="en-US" dirty="0" smtClean="0">
+                <a:sym typeface="Wingdings" panose="05000000000000000000" pitchFamily="2" charset="2"/>
+              </a:rPr>
+              <a:t>Heavier Higgs siblings</a:t>
+            </a:r>
+          </a:p>
+          <a:p>
+            <a:pPr marL="800100" lvl="1" indent="-342900">
+              <a:buFont typeface="+mj-lt"/>
+              <a:buAutoNum type="arabicPeriod"/>
+            </a:pPr>
+            <a:r>
+              <a:rPr lang="en-US" dirty="0" err="1" smtClean="0">
+                <a:sym typeface="Wingdings" panose="05000000000000000000" pitchFamily="2" charset="2"/>
+              </a:rPr>
+              <a:t>Kaluza</a:t>
+            </a:r>
+            <a:r>
+              <a:rPr lang="en-US" dirty="0" smtClean="0">
+                <a:sym typeface="Wingdings" panose="05000000000000000000" pitchFamily="2" charset="2"/>
+              </a:rPr>
+              <a:t>-Klein excitations of gluons</a:t>
+            </a:r>
+          </a:p>
+          <a:p>
+            <a:pPr marL="800100" lvl="1" indent="-342900">
+              <a:buFont typeface="+mj-lt"/>
+              <a:buAutoNum type="arabicPeriod"/>
+            </a:pPr>
+            <a:r>
+              <a:rPr lang="en-US" dirty="0" smtClean="0">
+                <a:sym typeface="Wingdings" panose="05000000000000000000" pitchFamily="2" charset="2"/>
+              </a:rPr>
+              <a:t>Electroweak gauge bosons</a:t>
+            </a:r>
+          </a:p>
+          <a:p>
+            <a:pPr marL="800100" lvl="1" indent="-342900">
+              <a:buFont typeface="+mj-lt"/>
+              <a:buAutoNum type="arabicPeriod"/>
+            </a:pPr>
+            <a:r>
+              <a:rPr lang="en-US" dirty="0" smtClean="0">
+                <a:sym typeface="Wingdings" panose="05000000000000000000" pitchFamily="2" charset="2"/>
+              </a:rPr>
+              <a:t>Gravitons in various extensions of the Randall-</a:t>
+            </a:r>
+            <a:r>
+              <a:rPr lang="en-US" dirty="0" err="1" smtClean="0">
+                <a:sym typeface="Wingdings" panose="05000000000000000000" pitchFamily="2" charset="2"/>
+              </a:rPr>
+              <a:t>Sundrum</a:t>
+            </a:r>
+            <a:r>
+              <a:rPr lang="en-US" dirty="0" smtClean="0">
+                <a:sym typeface="Wingdings" panose="05000000000000000000" pitchFamily="2" charset="2"/>
+              </a:rPr>
+              <a:t> model</a:t>
+            </a:r>
+          </a:p>
+          <a:p>
+            <a:pPr marL="800100" lvl="1" indent="-342900">
+              <a:buFont typeface="+mj-lt"/>
+              <a:buAutoNum type="arabicPeriod"/>
+            </a:pPr>
+            <a:endParaRPr lang="en-US" dirty="0">
+              <a:sym typeface="Wingdings" panose="05000000000000000000" pitchFamily="2" charset="2"/>
+            </a:endParaRPr>
+          </a:p>
+          <a:p>
+            <a:pPr marL="342900" indent="-342900">
+              <a:buFont typeface="Arial" panose="020B0604020202020204" pitchFamily="34" charset="0"/>
+              <a:buChar char="•"/>
+            </a:pPr>
+            <a:r>
+              <a:rPr lang="en-US" dirty="0" smtClean="0">
+                <a:sym typeface="Wingdings" panose="05000000000000000000" pitchFamily="2" charset="2"/>
+              </a:rPr>
+              <a:t>All of the above predict the existence of </a:t>
+            </a:r>
+            <a:r>
+              <a:rPr lang="en-US" dirty="0" err="1" smtClean="0">
+                <a:sym typeface="Wingdings" panose="05000000000000000000" pitchFamily="2" charset="2"/>
+              </a:rPr>
+              <a:t>TeV</a:t>
+            </a:r>
+            <a:r>
+              <a:rPr lang="en-US" dirty="0" smtClean="0">
+                <a:sym typeface="Wingdings" panose="05000000000000000000" pitchFamily="2" charset="2"/>
+              </a:rPr>
+              <a:t>-scale resonances  with a cross section of a few </a:t>
+            </a:r>
+            <a:r>
+              <a:rPr lang="en-US" dirty="0" err="1" smtClean="0">
+                <a:sym typeface="Wingdings" panose="05000000000000000000" pitchFamily="2" charset="2"/>
+              </a:rPr>
+              <a:t>pb’s</a:t>
+            </a:r>
+            <a:endParaRPr lang="en-US" dirty="0" smtClean="0">
+              <a:sym typeface="Wingdings" panose="05000000000000000000" pitchFamily="2" charset="2"/>
+            </a:endParaRPr>
+          </a:p>
+          <a:p>
+            <a:pPr marL="342900" indent="-342900">
+              <a:buFont typeface="Arial" panose="020B0604020202020204" pitchFamily="34" charset="0"/>
+              <a:buChar char="•"/>
+            </a:pPr>
+            <a:r>
+              <a:rPr lang="en-US" dirty="0" smtClean="0">
+                <a:sym typeface="Wingdings" panose="05000000000000000000" pitchFamily="2" charset="2"/>
+              </a:rPr>
+              <a:t>Resonant </a:t>
+            </a:r>
+            <a:r>
+              <a:rPr lang="en-US" dirty="0" err="1" smtClean="0">
+                <a:sym typeface="Wingdings" panose="05000000000000000000" pitchFamily="2" charset="2"/>
+              </a:rPr>
+              <a:t>ttbar</a:t>
+            </a:r>
+            <a:r>
+              <a:rPr lang="en-US" dirty="0" smtClean="0">
+                <a:sym typeface="Wingdings" panose="05000000000000000000" pitchFamily="2" charset="2"/>
+              </a:rPr>
+              <a:t> production would be observable in the reconstructed invariant mass of the </a:t>
+            </a:r>
+            <a:r>
+              <a:rPr lang="en-US" dirty="0" err="1" smtClean="0">
+                <a:sym typeface="Wingdings" panose="05000000000000000000" pitchFamily="2" charset="2"/>
+              </a:rPr>
+              <a:t>ttbar</a:t>
+            </a:r>
+            <a:r>
+              <a:rPr lang="en-US" dirty="0" smtClean="0">
+                <a:sym typeface="Wingdings" panose="05000000000000000000" pitchFamily="2" charset="2"/>
+              </a:rPr>
+              <a:t> system</a:t>
+            </a:r>
+          </a:p>
+          <a:p>
+            <a:pPr marL="342900" indent="-342900">
+              <a:buFont typeface="Arial" panose="020B0604020202020204" pitchFamily="34" charset="0"/>
+              <a:buChar char="•"/>
+            </a:pPr>
+            <a:endParaRPr lang="en-US" dirty="0">
+              <a:sym typeface="Wingdings" panose="05000000000000000000" pitchFamily="2" charset="2"/>
+            </a:endParaRPr>
+          </a:p>
+          <a:p>
+            <a:pPr marL="342900" indent="-342900">
+              <a:buFont typeface="Arial" panose="020B0604020202020204" pitchFamily="34" charset="0"/>
+              <a:buChar char="•"/>
+            </a:pPr>
+            <a:r>
+              <a:rPr lang="en-US" dirty="0" smtClean="0">
+                <a:sym typeface="Wingdings" panose="05000000000000000000" pitchFamily="2" charset="2"/>
+              </a:rPr>
+              <a:t>Most analyses search for peaks in the invariant </a:t>
+            </a:r>
+            <a:r>
+              <a:rPr lang="en-US" dirty="0" err="1" smtClean="0">
+                <a:sym typeface="Wingdings" panose="05000000000000000000" pitchFamily="2" charset="2"/>
+              </a:rPr>
+              <a:t>ttbar</a:t>
+            </a:r>
+            <a:r>
+              <a:rPr lang="en-US" dirty="0" smtClean="0">
+                <a:sym typeface="Wingdings" panose="05000000000000000000" pitchFamily="2" charset="2"/>
+              </a:rPr>
+              <a:t> mass</a:t>
+            </a:r>
+            <a:endParaRPr lang="en-GB" dirty="0"/>
+          </a:p>
+        </p:txBody>
+      </p:sp>
+    </p:spTree>
+    <p:extLst>
+      <p:ext uri="{BB962C8B-B14F-4D97-AF65-F5344CB8AC3E}">
+        <p14:creationId xmlns:p14="http://schemas.microsoft.com/office/powerpoint/2010/main" val="290509387"/>
+      </p:ext>
+    </p:extLst>
+  </p:cSld>
+  <p:clrMapOvr>
+    <a:masterClrMapping/>
+  </p:clrMapOvr>
+</p:sld>
+</file>
+
+<file path=ppt/slides/slide4.xml><?xml version="1.0" encoding="utf-8"?>
+<p:sld xmlns:a="http://schemas.openxmlformats.org/drawingml/2006/main" xmlns:r="http://schemas.openxmlformats.org/officeDocument/2006/relationships" xmlns:p="http://schemas.openxmlformats.org/presentationml/2006/main">
+  <p:cSld>
+    <p:spTree>
+      <p:nvGrpSpPr>
+        <p:cNvPr id="1" name=""/>
+        <p:cNvGrpSpPr/>
+        <p:nvPr/>
+      </p:nvGrpSpPr>
+      <p:grpSpPr>
+        <a:xfrm>
+          <a:off x="0" y="0"/>
+          <a:ext cx="0" cy="0"/>
+          <a:chOff x="0" y="0"/>
+          <a:chExt cx="0" cy="0"/>
+        </a:xfrm>
+      </p:grpSpPr>
+      <p:sp>
+        <p:nvSpPr>
           <p:cNvPr id="2" name="Date Placeholder 1"/>
           <p:cNvSpPr>
             <a:spLocks noGrp="1"/>
@@ -5036,7 +9139,7 @@
           <a:p>
             <a:r>
               <a:rPr lang="fi-FI" smtClean="0"/>
-              <a:t>NTUA I. Papakrivopoulos, G. Bakas</a:t>
+              <a:t>NTUA, G. Bakas</a:t>
             </a:r>
             <a:endParaRPr lang="en-US"/>
           </a:p>
@@ -5052,8 +9155,8 @@
             </p:nvSpPr>
             <p:spPr>
               <a:xfrm>
-                <a:off x="346841" y="717331"/>
-                <a:ext cx="11690131" cy="6788012"/>
+                <a:off x="346842" y="717331"/>
+                <a:ext cx="11633664" cy="6782882"/>
               </a:xfrm>
               <a:prstGeom prst="rect">
                 <a:avLst/>
@@ -5071,31 +9174,31 @@
                   <a:buChar char="•"/>
                 </a:pPr>
                 <a:r>
-                  <a:rPr lang="en-US" dirty="0" smtClean="0"/>
+                  <a:rPr lang="en-US" sz="1600" dirty="0" smtClean="0"/>
                   <a:t>We employ the </a:t>
                 </a:r>
                 <a:r>
-                  <a:rPr lang="en-US" dirty="0" err="1" smtClean="0"/>
+                  <a:rPr lang="en-US" sz="1600" dirty="0" err="1" smtClean="0"/>
                   <a:t>dijet</a:t>
                 </a:r>
                 <a:r>
-                  <a:rPr lang="en-US" dirty="0" smtClean="0"/>
+                  <a:rPr lang="en-US" sz="1600" dirty="0" smtClean="0"/>
                   <a:t> angular variable </a:t>
                 </a:r>
                 <a:r>
-                  <a:rPr lang="el-GR" dirty="0" smtClean="0"/>
+                  <a:rPr lang="el-GR" sz="1600" dirty="0" smtClean="0"/>
                   <a:t>χ </a:t>
                 </a:r>
                 <a:r>
-                  <a:rPr lang="en-US" dirty="0" smtClean="0"/>
+                  <a:rPr lang="en-US" sz="1600" dirty="0" smtClean="0"/>
                   <a:t>from the </a:t>
                 </a:r>
                 <a:r>
-                  <a:rPr lang="en-US" dirty="0" err="1" smtClean="0"/>
+                  <a:rPr lang="en-US" sz="1600" dirty="0" err="1" smtClean="0"/>
                   <a:t>rapidities</a:t>
                 </a:r>
                 <a:r>
-                  <a:rPr lang="en-US" dirty="0" smtClean="0"/>
+                  <a:rPr lang="en-US" sz="1600" dirty="0" smtClean="0"/>
                   <a:t> of the two leading jets</a:t>
                 </a:r>
               </a:p>
@@ -5105,15 +9208,15 @@
                   <a:buChar char="•"/>
                 </a:pPr>
                 <a:r>
-                  <a:rPr lang="en-US" dirty="0" smtClean="0"/>
+                  <a:rPr lang="en-US" sz="1600" dirty="0" smtClean="0"/>
                   <a:t>Why </a:t>
                 </a:r>
                 <a:r>
-                  <a:rPr lang="el-GR" dirty="0" smtClean="0"/>
+                  <a:rPr lang="el-GR" sz="1600" dirty="0" smtClean="0"/>
                   <a:t>χ</a:t>
                 </a:r>
                 <a:r>
-                  <a:rPr lang="en-US" dirty="0" smtClean="0"/>
+                  <a:rPr lang="en-US" sz="1600" dirty="0" smtClean="0"/>
                   <a:t>?</a:t>
                 </a:r>
               </a:p>
@@ -5123,7 +9226,7 @@
                   <a:buChar char="•"/>
                 </a:pPr>
                 <a:r>
-                  <a:rPr lang="en-US" dirty="0" smtClean="0"/>
+                  <a:rPr lang="en-US" sz="1600" dirty="0" smtClean="0"/>
                   <a:t>The distributions associated with the final states produced via QCD interactions are relatively flat in comparison with the distributions of the BSM models or new particles, which typically peak at low values of x</a:t>
                 </a:r>
               </a:p>
@@ -5132,7 +9235,7 @@
                   <a:buFont typeface="Arial" panose="020B0604020202020204" pitchFamily="34" charset="0"/>
                   <a:buChar char="•"/>
                 </a:pPr>
-                <a:endParaRPr lang="en-US" dirty="0"/>
+                <a:endParaRPr lang="en-US" sz="1600" dirty="0"/>
               </a:p>
               <a:p>
                 <a:pPr marL="285750" indent="-285750">
@@ -5140,34 +9243,34 @@
                   <a:buChar char="•"/>
                 </a:pPr>
                 <a:r>
-                  <a:rPr lang="en-US" dirty="0" smtClean="0"/>
+                  <a:rPr lang="en-US" sz="1600" dirty="0" smtClean="0"/>
                   <a:t>We can measure the variable </a:t>
                 </a:r>
                 <a:r>
-                  <a:rPr lang="el-GR" dirty="0" smtClean="0"/>
+                  <a:rPr lang="el-GR" sz="1600" dirty="0" smtClean="0"/>
                   <a:t>χ </a:t>
                 </a:r>
                 <a:r>
-                  <a:rPr lang="en-US" dirty="0" smtClean="0"/>
+                  <a:rPr lang="en-US" sz="1600" dirty="0" smtClean="0"/>
                   <a:t>in two ways </a:t>
                 </a:r>
               </a:p>
               <a:p>
                 <a:pPr lvl="1"/>
-                <a:endParaRPr lang="en-US" dirty="0"/>
+                <a:endParaRPr lang="en-US" sz="1600" dirty="0"/>
               </a:p>
               <a:p>
                 <a:pPr lvl="1"/>
                 <a:r>
-                  <a:rPr lang="en-US" dirty="0" smtClean="0"/>
+                  <a:rPr lang="en-US" sz="1600" dirty="0" smtClean="0"/>
                   <a:t>1. By measuring the difference of the </a:t>
                 </a:r>
                 <a:r>
-                  <a:rPr lang="en-US" dirty="0" err="1" smtClean="0"/>
+                  <a:rPr lang="en-US" sz="1600" dirty="0" err="1" smtClean="0"/>
                   <a:t>rapidities</a:t>
                 </a:r>
                 <a:r>
-                  <a:rPr lang="en-US" dirty="0" smtClean="0"/>
+                  <a:rPr lang="en-US" sz="1600" dirty="0" smtClean="0"/>
                   <a:t> of the two leading jets such as the corresponding rapidity in the ZMF is: 									   </a:t>
                 </a:r>
                 <a14:m>
@@ -5175,14 +9278,14 @@
                     <m:sSup>
                       <m:sSupPr>
                         <m:ctrlPr>
-                          <a:rPr lang="en-US" b="0" i="1" smtClean="0">
+                          <a:rPr lang="en-US" sz="1600" b="0" i="1" smtClean="0">
                             <a:latin typeface="Cambria Math" panose="02040503050406030204" pitchFamily="18" charset="0"/>
                           </a:rPr>
                         </m:ctrlPr>
                       </m:sSupPr>
                       <m:e>
                         <m:r>
-                          <a:rPr lang="en-US" b="0" i="1" smtClean="0">
+                          <a:rPr lang="en-US" sz="1600" b="0" i="1" smtClean="0">
                             <a:latin typeface="Cambria Math" panose="02040503050406030204" pitchFamily="18" charset="0"/>
                           </a:rPr>
                           <m:t>𝑦</m:t>
@@ -5190,7 +9293,7 @@
                       </m:e>
                       <m:sup>
                         <m:r>
-                          <a:rPr lang="en-US" b="0" i="1" smtClean="0">
+                          <a:rPr lang="en-US" sz="1600" b="0" i="1" smtClean="0">
                             <a:latin typeface="Cambria Math" panose="02040503050406030204" pitchFamily="18" charset="0"/>
                           </a:rPr>
                           <m:t>∗</m:t>
@@ -5198,7 +9301,7 @@
                       </m:sup>
                     </m:sSup>
                     <m:r>
-                      <a:rPr lang="en-US" b="0" i="1" smtClean="0">
+                      <a:rPr lang="en-US" sz="1600" b="0" i="1" smtClean="0">
                         <a:latin typeface="Cambria Math" panose="02040503050406030204" pitchFamily="18" charset="0"/>
                       </a:rPr>
                       <m:t>=</m:t>
@@ -5206,14 +9309,14 @@
                     <m:f>
                       <m:fPr>
                         <m:ctrlPr>
-                          <a:rPr lang="en-US" b="0" i="1" smtClean="0">
+                          <a:rPr lang="en-US" sz="1600" b="0" i="1" smtClean="0">
                             <a:latin typeface="Cambria Math" panose="02040503050406030204" pitchFamily="18" charset="0"/>
                           </a:rPr>
                         </m:ctrlPr>
                       </m:fPr>
                       <m:num>
                         <m:r>
-                          <a:rPr lang="en-US" b="0" i="1" smtClean="0">
+                          <a:rPr lang="en-US" sz="1600" b="0" i="1" smtClean="0">
                             <a:latin typeface="Cambria Math" panose="02040503050406030204" pitchFamily="18" charset="0"/>
                           </a:rPr>
                           <m:t>1</m:t>
@@ -5221,7 +9324,7 @@
                       </m:num>
                       <m:den>
                         <m:r>
-                          <a:rPr lang="en-US" b="0" i="1" smtClean="0">
+                          <a:rPr lang="en-US" sz="1600" b="0" i="1" smtClean="0">
                             <a:latin typeface="Cambria Math" panose="02040503050406030204" pitchFamily="18" charset="0"/>
                           </a:rPr>
                           <m:t>2</m:t>
@@ -5229,7 +9332,7 @@
                       </m:den>
                     </m:f>
                     <m:r>
-                      <a:rPr lang="en-US" b="0" i="1" smtClean="0">
+                      <a:rPr lang="en-US" sz="1600" b="0" i="1" smtClean="0">
                         <a:latin typeface="Cambria Math" panose="02040503050406030204" pitchFamily="18" charset="0"/>
                       </a:rPr>
                       <m:t>(</m:t>
@@ -5237,14 +9340,14 @@
                     <m:sSub>
                       <m:sSubPr>
                         <m:ctrlPr>
-                          <a:rPr lang="en-US" b="0" i="1" smtClean="0">
+                          <a:rPr lang="en-US" sz="1600" b="0" i="1" smtClean="0">
                             <a:latin typeface="Cambria Math" panose="02040503050406030204" pitchFamily="18" charset="0"/>
                           </a:rPr>
                         </m:ctrlPr>
                       </m:sSubPr>
                       <m:e>
                         <m:r>
-                          <a:rPr lang="en-US" b="0" i="1" smtClean="0">
+                          <a:rPr lang="en-US" sz="1600" b="0" i="1" smtClean="0">
                             <a:latin typeface="Cambria Math" panose="02040503050406030204" pitchFamily="18" charset="0"/>
                           </a:rPr>
                           <m:t>𝑦</m:t>
@@ -5252,7 +9355,7 @@
                       </m:e>
                       <m:sub>
                         <m:r>
-                          <a:rPr lang="en-US" b="0" i="1" smtClean="0">
+                          <a:rPr lang="en-US" sz="1600" b="0" i="1" smtClean="0">
                             <a:latin typeface="Cambria Math" panose="02040503050406030204" pitchFamily="18" charset="0"/>
                           </a:rPr>
                           <m:t>1</m:t>
@@ -5260,7 +9363,7 @@
                       </m:sub>
                     </m:sSub>
                     <m:r>
-                      <a:rPr lang="en-US" b="0" i="1" smtClean="0">
+                      <a:rPr lang="en-US" sz="1600" b="0" i="1" smtClean="0">
                         <a:latin typeface="Cambria Math" panose="02040503050406030204" pitchFamily="18" charset="0"/>
                       </a:rPr>
                       <m:t>+</m:t>
@@ -5268,14 +9371,14 @@
                     <m:sSub>
                       <m:sSubPr>
                         <m:ctrlPr>
-                          <a:rPr lang="en-US" b="0" i="1" smtClean="0">
+                          <a:rPr lang="en-US" sz="1600" b="0" i="1" smtClean="0">
                             <a:latin typeface="Cambria Math" panose="02040503050406030204" pitchFamily="18" charset="0"/>
                           </a:rPr>
                         </m:ctrlPr>
                       </m:sSubPr>
                       <m:e>
                         <m:r>
-                          <a:rPr lang="en-US" b="0" i="1" smtClean="0">
+                          <a:rPr lang="en-US" sz="1600" b="0" i="1" smtClean="0">
                             <a:latin typeface="Cambria Math" panose="02040503050406030204" pitchFamily="18" charset="0"/>
                           </a:rPr>
                           <m:t>𝑦</m:t>
@@ -5283,7 +9386,7 @@
                       </m:e>
                       <m:sub>
                         <m:r>
-                          <a:rPr lang="en-US" b="0" i="1" smtClean="0">
+                          <a:rPr lang="en-US" sz="1600" b="0" i="1" smtClean="0">
                             <a:latin typeface="Cambria Math" panose="02040503050406030204" pitchFamily="18" charset="0"/>
                           </a:rPr>
                           <m:t>2</m:t>
@@ -5291,39 +9394,39 @@
                       </m:sub>
                     </m:sSub>
                     <m:r>
-                      <a:rPr lang="en-US" b="0" i="1" smtClean="0">
+                      <a:rPr lang="en-US" sz="1600" b="0" i="1" smtClean="0">
                         <a:latin typeface="Cambria Math" panose="02040503050406030204" pitchFamily="18" charset="0"/>
                       </a:rPr>
                       <m:t>)</m:t>
                     </m:r>
                   </m:oMath>
                 </a14:m>
-                <a:endParaRPr lang="en-US" dirty="0" smtClean="0"/>
+                <a:endParaRPr lang="en-US" sz="1600" dirty="0" smtClean="0"/>
               </a:p>
               <a:p>
                 <a:pPr lvl="1"/>
-                <a:endParaRPr lang="en-US" dirty="0"/>
+                <a:endParaRPr lang="en-US" sz="1600" dirty="0"/>
               </a:p>
               <a:p>
                 <a:pPr lvl="1"/>
                 <a:r>
-                  <a:rPr lang="el-GR" dirty="0" smtClean="0"/>
+                  <a:rPr lang="el-GR" sz="1600" dirty="0" smtClean="0"/>
                   <a:t>Χ </a:t>
                 </a:r>
                 <a:r>
-                  <a:rPr lang="en-US" dirty="0" smtClean="0"/>
+                  <a:rPr lang="en-US" sz="1600" dirty="0" smtClean="0"/>
                   <a:t>is defined as </a:t>
                 </a:r>
                 <a14:m>
                   <m:oMath xmlns:m="http://schemas.openxmlformats.org/officeDocument/2006/math">
                     <m:r>
-                      <a:rPr lang="el-GR" b="0" i="1" smtClean="0">
+                      <a:rPr lang="el-GR" sz="1600" b="0" i="1" smtClean="0">
                         <a:latin typeface="Cambria Math" panose="02040503050406030204" pitchFamily="18" charset="0"/>
                       </a:rPr>
                       <m:t>𝜒</m:t>
                     </m:r>
                     <m:r>
-                      <a:rPr lang="el-GR" b="0" i="1" smtClean="0">
+                      <a:rPr lang="el-GR" sz="1600" b="0" i="1" smtClean="0">
                         <a:latin typeface="Cambria Math" panose="02040503050406030204" pitchFamily="18" charset="0"/>
                       </a:rPr>
                       <m:t>=</m:t>
@@ -5331,14 +9434,14 @@
                     <m:sSup>
                       <m:sSupPr>
                         <m:ctrlPr>
-                          <a:rPr lang="en-US" b="0" i="1" smtClean="0">
+                          <a:rPr lang="en-US" sz="1600" b="0" i="1" smtClean="0">
                             <a:latin typeface="Cambria Math" panose="02040503050406030204" pitchFamily="18" charset="0"/>
                           </a:rPr>
                         </m:ctrlPr>
                       </m:sSupPr>
                       <m:e>
                         <m:r>
-                          <a:rPr lang="en-US" b="0" i="1" smtClean="0">
+                          <a:rPr lang="en-US" sz="1600" b="0" i="1" smtClean="0">
                             <a:latin typeface="Cambria Math" panose="02040503050406030204" pitchFamily="18" charset="0"/>
                           </a:rPr>
                           <m:t>𝑒</m:t>
@@ -5348,14 +9451,14 @@
                         <m:sSup>
                           <m:sSupPr>
                             <m:ctrlPr>
-                              <a:rPr lang="en-US" b="0" i="1" smtClean="0">
+                              <a:rPr lang="en-US" sz="1600" b="0" i="1" smtClean="0">
                                 <a:latin typeface="Cambria Math" panose="02040503050406030204" pitchFamily="18" charset="0"/>
                               </a:rPr>
                             </m:ctrlPr>
                           </m:sSupPr>
                           <m:e>
                             <m:r>
-                              <a:rPr lang="en-US" b="0" i="1" smtClean="0">
+                              <a:rPr lang="en-US" sz="1600" b="0" i="1" smtClean="0">
                                 <a:latin typeface="Cambria Math" panose="02040503050406030204" pitchFamily="18" charset="0"/>
                               </a:rPr>
                               <m:t>𝑦</m:t>
@@ -5363,7 +9466,7 @@
                           </m:e>
                           <m:sup>
                             <m:r>
-                              <a:rPr lang="en-US" b="0" i="1" smtClean="0">
+                              <a:rPr lang="en-US" sz="1600" b="0" i="1" smtClean="0">
                                 <a:latin typeface="Cambria Math" panose="02040503050406030204" pitchFamily="18" charset="0"/>
                               </a:rPr>
                               <m:t>∗</m:t>
@@ -5373,7 +9476,7 @@
                       </m:sup>
                     </m:sSup>
                     <m:r>
-                      <a:rPr lang="en-US" b="0" i="1" smtClean="0">
+                      <a:rPr lang="en-US" sz="1600" b="0" i="1" smtClean="0">
                         <a:latin typeface="Cambria Math" panose="02040503050406030204" pitchFamily="18" charset="0"/>
                       </a:rPr>
                       <m:t>=</m:t>
@@ -5381,14 +9484,14 @@
                     <m:sSup>
                       <m:sSupPr>
                         <m:ctrlPr>
-                          <a:rPr lang="en-US" b="0" i="1" smtClean="0">
+                          <a:rPr lang="en-US" sz="1600" b="0" i="1" smtClean="0">
                             <a:latin typeface="Cambria Math" panose="02040503050406030204" pitchFamily="18" charset="0"/>
                           </a:rPr>
                         </m:ctrlPr>
                       </m:sSupPr>
                       <m:e>
                         <m:r>
-                          <a:rPr lang="en-US" b="0" i="1" smtClean="0">
+                          <a:rPr lang="en-US" sz="1600" b="0" i="1" smtClean="0">
                             <a:latin typeface="Cambria Math" panose="02040503050406030204" pitchFamily="18" charset="0"/>
                           </a:rPr>
                           <m:t>𝑒</m:t>
@@ -5398,14 +9501,14 @@
                         <m:sSub>
                           <m:sSubPr>
                             <m:ctrlPr>
-                              <a:rPr lang="en-US" b="0" i="1" smtClean="0">
+                              <a:rPr lang="en-US" sz="1600" b="0" i="1" smtClean="0">
                                 <a:latin typeface="Cambria Math" panose="02040503050406030204" pitchFamily="18" charset="0"/>
                               </a:rPr>
                             </m:ctrlPr>
                           </m:sSubPr>
                           <m:e>
                             <m:r>
-                              <a:rPr lang="en-US" b="0" i="1" smtClean="0">
+                              <a:rPr lang="en-US" sz="1600" b="0" i="1" smtClean="0">
                                 <a:latin typeface="Cambria Math" panose="02040503050406030204" pitchFamily="18" charset="0"/>
                               </a:rPr>
                               <m:t>𝑦</m:t>
@@ -5413,7 +9516,7 @@
                           </m:e>
                           <m:sub>
                             <m:r>
-                              <a:rPr lang="en-US" b="0" i="1" smtClean="0">
+                              <a:rPr lang="en-US" sz="1600" b="0" i="1" smtClean="0">
                                 <a:latin typeface="Cambria Math" panose="02040503050406030204" pitchFamily="18" charset="0"/>
                               </a:rPr>
                               <m:t>1</m:t>
@@ -5421,7 +9524,7 @@
                           </m:sub>
                         </m:sSub>
                         <m:r>
-                          <a:rPr lang="en-US" b="0" i="1" smtClean="0">
+                          <a:rPr lang="en-US" sz="1600" b="0" i="1" smtClean="0">
                             <a:latin typeface="Cambria Math" panose="02040503050406030204" pitchFamily="18" charset="0"/>
                           </a:rPr>
                           <m:t>−</m:t>
@@ -5429,14 +9532,14 @@
                         <m:sSub>
                           <m:sSubPr>
                             <m:ctrlPr>
-                              <a:rPr lang="en-US" b="0" i="1" smtClean="0">
+                              <a:rPr lang="en-US" sz="1600" b="0" i="1" smtClean="0">
                                 <a:latin typeface="Cambria Math" panose="02040503050406030204" pitchFamily="18" charset="0"/>
                               </a:rPr>
                             </m:ctrlPr>
                           </m:sSubPr>
                           <m:e>
                             <m:r>
-                              <a:rPr lang="en-US" b="0" i="1" smtClean="0">
+                              <a:rPr lang="en-US" sz="1600" b="0" i="1" smtClean="0">
                                 <a:latin typeface="Cambria Math" panose="02040503050406030204" pitchFamily="18" charset="0"/>
                               </a:rPr>
                               <m:t>𝑦</m:t>
@@ -5444,7 +9547,7 @@
                           </m:e>
                           <m:sub>
                             <m:r>
-                              <a:rPr lang="en-US" b="0" i="1" smtClean="0">
+                              <a:rPr lang="en-US" sz="1600" b="0" i="1" smtClean="0">
                                 <a:latin typeface="Cambria Math" panose="02040503050406030204" pitchFamily="18" charset="0"/>
                               </a:rPr>
                               <m:t>2</m:t>
@@ -5456,45 +9559,45 @@
                   </m:oMath>
                 </a14:m>
                 <a:r>
-                  <a:rPr lang="en-US" dirty="0" smtClean="0"/>
+                  <a:rPr lang="en-US" sz="1600" dirty="0" smtClean="0"/>
                   <a:t> (1) and can be measured by creating the </a:t>
                 </a:r>
                 <a:r>
-                  <a:rPr lang="en-US" dirty="0" err="1" smtClean="0"/>
+                  <a:rPr lang="en-US" sz="1600" dirty="0" err="1" smtClean="0"/>
                   <a:t>TLorentzVector</a:t>
                 </a:r>
                 <a:r>
-                  <a:rPr lang="en-US" dirty="0" smtClean="0"/>
+                  <a:rPr lang="en-US" sz="1600" dirty="0" smtClean="0"/>
                   <a:t>, boost it to the ZMF and find the rapidity difference of the two leading jets</a:t>
                 </a:r>
               </a:p>
               <a:p>
                 <a:pPr lvl="1"/>
-                <a:endParaRPr lang="en-US" dirty="0" smtClean="0"/>
+                <a:endParaRPr lang="en-US" sz="1600" dirty="0" smtClean="0"/>
               </a:p>
               <a:p>
                 <a:pPr lvl="1"/>
                 <a:r>
-                  <a:rPr lang="en-US" dirty="0" smtClean="0"/>
+                  <a:rPr lang="en-US" sz="1600" dirty="0" smtClean="0"/>
                   <a:t>2. </a:t>
                 </a:r>
                 <a:r>
-                  <a:rPr lang="en-US" dirty="0"/>
+                  <a:rPr lang="en-US" sz="1600" dirty="0"/>
                   <a:t>By measuring the scattering angle </a:t>
                 </a:r>
                 <a:r>
-                  <a:rPr lang="el-GR" dirty="0"/>
+                  <a:rPr lang="el-GR" sz="1600" dirty="0"/>
                   <a:t>θ* (</a:t>
                 </a:r>
                 <a:r>
-                  <a:rPr lang="en-US" dirty="0"/>
+                  <a:rPr lang="en-US" sz="1600" dirty="0"/>
                   <a:t>angle between top quark and z-axis in the Zero Momentum Frame)</a:t>
                 </a:r>
               </a:p>
               <a:p>
                 <a:pPr lvl="1"/>
                 <a:r>
-                  <a:rPr lang="en-US" dirty="0"/>
+                  <a:rPr lang="en-US" sz="1600" dirty="0"/>
                   <a:t>We define as </a:t>
                 </a:r>
                 <a14:m>
@@ -5502,14 +9605,14 @@
                     <m:sSup>
                       <m:sSupPr>
                         <m:ctrlPr>
-                          <a:rPr lang="en-US" i="1">
+                          <a:rPr lang="en-US" sz="1600" i="1">
                             <a:latin typeface="Cambria Math" panose="02040503050406030204" pitchFamily="18" charset="0"/>
                           </a:rPr>
                         </m:ctrlPr>
                       </m:sSupPr>
                       <m:e>
                         <m:r>
-                          <a:rPr lang="en-US" i="1">
+                          <a:rPr lang="en-US" sz="1600" i="1">
                             <a:latin typeface="Cambria Math" panose="02040503050406030204" pitchFamily="18" charset="0"/>
                           </a:rPr>
                           <m:t>𝑦</m:t>
@@ -5517,7 +9620,7 @@
                       </m:e>
                       <m:sup>
                         <m:r>
-                          <a:rPr lang="en-US" i="1">
+                          <a:rPr lang="en-US" sz="1600" i="1">
                             <a:latin typeface="Cambria Math" panose="02040503050406030204" pitchFamily="18" charset="0"/>
                           </a:rPr>
                           <m:t>∗</m:t>
@@ -5525,7 +9628,7 @@
                       </m:sup>
                     </m:sSup>
                     <m:r>
-                      <a:rPr lang="en-US" i="1">
+                      <a:rPr lang="en-US" sz="1600" i="1">
                         <a:latin typeface="Cambria Math" panose="02040503050406030204" pitchFamily="18" charset="0"/>
                       </a:rPr>
                       <m:t>=</m:t>
@@ -5533,14 +9636,14 @@
                     <m:f>
                       <m:fPr>
                         <m:ctrlPr>
-                          <a:rPr lang="en-US" i="1">
+                          <a:rPr lang="en-US" sz="1600" i="1">
                             <a:latin typeface="Cambria Math" panose="02040503050406030204" pitchFamily="18" charset="0"/>
                           </a:rPr>
                         </m:ctrlPr>
                       </m:fPr>
                       <m:num>
                         <m:r>
-                          <a:rPr lang="en-US" i="1">
+                          <a:rPr lang="en-US" sz="1600" i="1">
                             <a:latin typeface="Cambria Math" panose="02040503050406030204" pitchFamily="18" charset="0"/>
                           </a:rPr>
                           <m:t>1</m:t>
@@ -5548,7 +9651,7 @@
                       </m:num>
                       <m:den>
                         <m:r>
-                          <a:rPr lang="en-US" i="1">
+                          <a:rPr lang="en-US" sz="1600" i="1">
                             <a:latin typeface="Cambria Math" panose="02040503050406030204" pitchFamily="18" charset="0"/>
                           </a:rPr>
                           <m:t>2</m:t>
@@ -5559,13 +9662,13 @@
                       <m:rPr>
                         <m:sty m:val="p"/>
                       </m:rPr>
-                      <a:rPr lang="en-US">
+                      <a:rPr lang="en-US" sz="1600">
                         <a:latin typeface="Cambria Math" panose="02040503050406030204" pitchFamily="18" charset="0"/>
                       </a:rPr>
                       <m:t>ln</m:t>
                     </m:r>
                     <m:r>
-                      <a:rPr lang="en-US" i="1">
+                      <a:rPr lang="en-US" sz="1600" i="1">
                         <a:latin typeface="Cambria Math" panose="02040503050406030204" pitchFamily="18" charset="0"/>
                       </a:rPr>
                       <m:t>⁡(</m:t>
@@ -5573,32 +9676,32 @@
                     <m:f>
                       <m:fPr>
                         <m:ctrlPr>
-                          <a:rPr lang="en-US" i="1">
+                          <a:rPr lang="en-US" sz="1600" i="1">
                             <a:latin typeface="Cambria Math" panose="02040503050406030204" pitchFamily="18" charset="0"/>
                           </a:rPr>
                         </m:ctrlPr>
                       </m:fPr>
                       <m:num>
                         <m:r>
-                          <a:rPr lang="en-US" i="1">
+                          <a:rPr lang="en-US" sz="1600" i="1">
                             <a:latin typeface="Cambria Math" panose="02040503050406030204" pitchFamily="18" charset="0"/>
                           </a:rPr>
                           <m:t>1</m:t>
                         </m:r>
                         <m:r>
-                          <a:rPr lang="el-GR" i="1">
+                          <a:rPr lang="el-GR" sz="1600" i="1">
                             <a:latin typeface="Cambria Math" panose="02040503050406030204" pitchFamily="18" charset="0"/>
                           </a:rPr>
                           <m:t>+</m:t>
                         </m:r>
                         <m:r>
-                          <a:rPr lang="en-US" i="1">
+                          <a:rPr lang="en-US" sz="1600" i="1">
                             <a:latin typeface="Cambria Math" panose="02040503050406030204" pitchFamily="18" charset="0"/>
                           </a:rPr>
                           <m:t>|</m:t>
                         </m:r>
                         <m:r>
-                          <a:rPr lang="en-US" i="1">
+                          <a:rPr lang="en-US" sz="1600" i="1">
                             <a:latin typeface="Cambria Math" panose="02040503050406030204" pitchFamily="18" charset="0"/>
                           </a:rPr>
                           <m:t>𝑐𝑜𝑠</m:t>
@@ -5606,7 +9709,7 @@
                         <m:sSup>
                           <m:sSupPr>
                             <m:ctrlPr>
-                              <a:rPr lang="el-GR" i="1">
+                              <a:rPr lang="el-GR" sz="1600" i="1">
                                 <a:latin typeface="Cambria Math" panose="02040503050406030204" pitchFamily="18" charset="0"/>
                               </a:rPr>
                             </m:ctrlPr>
@@ -5616,7 +9719,7 @@
                               <m:rPr>
                                 <m:sty m:val="p"/>
                               </m:rPr>
-                              <a:rPr lang="el-GR">
+                              <a:rPr lang="el-GR" sz="1600">
                                 <a:latin typeface="Cambria Math" panose="02040503050406030204" pitchFamily="18" charset="0"/>
                               </a:rPr>
                               <m:t>θ</m:t>
@@ -5624,7 +9727,7 @@
                           </m:e>
                           <m:sup>
                             <m:r>
-                              <a:rPr lang="el-GR">
+                              <a:rPr lang="el-GR" sz="1600">
                                 <a:latin typeface="Cambria Math" panose="02040503050406030204" pitchFamily="18" charset="0"/>
                               </a:rPr>
                               <m:t>∗</m:t>
@@ -5632,7 +9735,7 @@
                           </m:sup>
                         </m:sSup>
                         <m:r>
-                          <a:rPr lang="en-US" i="1">
+                          <a:rPr lang="en-US" sz="1600" i="1">
                             <a:latin typeface="Cambria Math" panose="02040503050406030204" pitchFamily="18" charset="0"/>
                           </a:rPr>
                           <m:t>|</m:t>
@@ -5640,19 +9743,19 @@
                       </m:num>
                       <m:den>
                         <m:r>
-                          <a:rPr lang="el-GR" i="1">
+                          <a:rPr lang="el-GR" sz="1600" i="1">
                             <a:latin typeface="Cambria Math" panose="02040503050406030204" pitchFamily="18" charset="0"/>
                           </a:rPr>
                           <m:t>1−</m:t>
                         </m:r>
                         <m:r>
-                          <a:rPr lang="en-US" i="1">
+                          <a:rPr lang="en-US" sz="1600" i="1">
                             <a:latin typeface="Cambria Math" panose="02040503050406030204" pitchFamily="18" charset="0"/>
                           </a:rPr>
                           <m:t>|</m:t>
                         </m:r>
                         <m:r>
-                          <a:rPr lang="en-US" i="1">
+                          <a:rPr lang="en-US" sz="1600" i="1">
                             <a:latin typeface="Cambria Math" panose="02040503050406030204" pitchFamily="18" charset="0"/>
                           </a:rPr>
                           <m:t>𝑐𝑜𝑠</m:t>
@@ -5660,14 +9763,14 @@
                         <m:sSup>
                           <m:sSupPr>
                             <m:ctrlPr>
-                              <a:rPr lang="el-GR" i="1">
+                              <a:rPr lang="el-GR" sz="1600" i="1">
                                 <a:latin typeface="Cambria Math" panose="02040503050406030204" pitchFamily="18" charset="0"/>
                               </a:rPr>
                             </m:ctrlPr>
                           </m:sSupPr>
                           <m:e>
                             <m:r>
-                              <a:rPr lang="el-GR" i="1">
+                              <a:rPr lang="el-GR" sz="1600" i="1">
                                 <a:latin typeface="Cambria Math" panose="02040503050406030204" pitchFamily="18" charset="0"/>
                               </a:rPr>
                               <m:t>𝜃</m:t>
@@ -5675,7 +9778,7 @@
                           </m:e>
                           <m:sup>
                             <m:r>
-                              <a:rPr lang="el-GR" i="1">
+                              <a:rPr lang="el-GR" sz="1600" i="1">
                                 <a:latin typeface="Cambria Math" panose="02040503050406030204" pitchFamily="18" charset="0"/>
                               </a:rPr>
                               <m:t>∗</m:t>
@@ -5683,7 +9786,7 @@
                           </m:sup>
                         </m:sSup>
                         <m:r>
-                          <a:rPr lang="en-US" i="1">
+                          <a:rPr lang="en-US" sz="1600" i="1">
                             <a:latin typeface="Cambria Math" panose="02040503050406030204" pitchFamily="18" charset="0"/>
                           </a:rPr>
                           <m:t>|</m:t>
@@ -5691,7 +9794,7 @@
                       </m:den>
                     </m:f>
                     <m:r>
-                      <a:rPr lang="en-US" i="1">
+                      <a:rPr lang="en-US" sz="1600" i="1">
                         <a:latin typeface="Cambria Math" panose="02040503050406030204" pitchFamily="18" charset="0"/>
                       </a:rPr>
                       <m:t>)</m:t>
@@ -5699,17 +9802,17 @@
                   </m:oMath>
                 </a14:m>
                 <a:r>
-                  <a:rPr lang="en-US" dirty="0"/>
+                  <a:rPr lang="en-US" sz="1600" dirty="0"/>
                   <a:t>  </a:t>
                 </a:r>
                 <a:r>
-                  <a:rPr lang="en-US" dirty="0" smtClean="0"/>
+                  <a:rPr lang="en-US" sz="1600" dirty="0" smtClean="0"/>
                   <a:t> and from (1) we can find that:</a:t>
                 </a:r>
               </a:p>
               <a:p>
                 <a:pPr lvl="1"/>
-                <a:endParaRPr lang="en-US" dirty="0"/>
+                <a:endParaRPr lang="en-US" sz="1600" dirty="0"/>
               </a:p>
               <a:p>
                 <a:pPr lvl="1"/>
@@ -5720,13 +9823,13 @@
                     </m:oMathParaPr>
                     <m:oMath xmlns:m="http://schemas.openxmlformats.org/officeDocument/2006/math">
                       <m:r>
-                        <a:rPr lang="el-GR" b="0" i="1" smtClean="0">
+                        <a:rPr lang="el-GR" sz="1600" b="0" i="1" smtClean="0">
                           <a:latin typeface="Cambria Math" panose="02040503050406030204" pitchFamily="18" charset="0"/>
                         </a:rPr>
                         <m:t>𝜒</m:t>
                       </m:r>
                       <m:r>
-                        <a:rPr lang="el-GR" b="0" i="1" smtClean="0">
+                        <a:rPr lang="el-GR" sz="1600" b="0" i="1" smtClean="0">
                           <a:latin typeface="Cambria Math" panose="02040503050406030204" pitchFamily="18" charset="0"/>
                         </a:rPr>
                         <m:t>= </m:t>
@@ -5734,26 +9837,26 @@
                       <m:f>
                         <m:fPr>
                           <m:ctrlPr>
-                            <a:rPr lang="el-GR" b="0" i="1" smtClean="0">
+                            <a:rPr lang="el-GR" sz="1600" b="0" i="1" smtClean="0">
                               <a:latin typeface="Cambria Math" panose="02040503050406030204" pitchFamily="18" charset="0"/>
                             </a:rPr>
                           </m:ctrlPr>
                         </m:fPr>
                         <m:num>
                           <m:r>
-                            <a:rPr lang="el-GR" b="0" i="1" smtClean="0">
+                            <a:rPr lang="el-GR" sz="1600" b="0" i="1" smtClean="0">
                               <a:latin typeface="Cambria Math" panose="02040503050406030204" pitchFamily="18" charset="0"/>
                             </a:rPr>
                             <m:t>1+</m:t>
                           </m:r>
                           <m:r>
-                            <a:rPr lang="en-US" b="0" i="1" smtClean="0">
+                            <a:rPr lang="en-US" sz="1600" b="0" i="1" smtClean="0">
                               <a:latin typeface="Cambria Math" panose="02040503050406030204" pitchFamily="18" charset="0"/>
                             </a:rPr>
                             <m:t>|</m:t>
                           </m:r>
                           <m:r>
-                            <a:rPr lang="en-US" b="0" i="1" smtClean="0">
+                            <a:rPr lang="en-US" sz="1600" b="0" i="1" smtClean="0">
                               <a:latin typeface="Cambria Math" panose="02040503050406030204" pitchFamily="18" charset="0"/>
                             </a:rPr>
                             <m:t>𝑐𝑜𝑠</m:t>
@@ -5761,14 +9864,14 @@
                           <m:sSup>
                             <m:sSupPr>
                               <m:ctrlPr>
-                                <a:rPr lang="el-GR" b="0" i="1" smtClean="0">
+                                <a:rPr lang="el-GR" sz="1600" b="0" i="1" smtClean="0">
                                   <a:latin typeface="Cambria Math" panose="02040503050406030204" pitchFamily="18" charset="0"/>
                                 </a:rPr>
                               </m:ctrlPr>
                             </m:sSupPr>
                             <m:e>
                               <m:r>
-                                <a:rPr lang="el-GR" b="0" i="1" smtClean="0">
+                                <a:rPr lang="el-GR" sz="1600" b="0" i="1" smtClean="0">
                                   <a:latin typeface="Cambria Math" panose="02040503050406030204" pitchFamily="18" charset="0"/>
                                 </a:rPr>
                                 <m:t>𝜃</m:t>
@@ -5776,7 +9879,7 @@
                             </m:e>
                             <m:sup>
                               <m:r>
-                                <a:rPr lang="el-GR" b="0" i="1" smtClean="0">
+                                <a:rPr lang="el-GR" sz="1600" b="0" i="1" smtClean="0">
                                   <a:latin typeface="Cambria Math" panose="02040503050406030204" pitchFamily="18" charset="0"/>
                                 </a:rPr>
                                 <m:t>∗</m:t>
@@ -5784,7 +9887,7 @@
                             </m:sup>
                           </m:sSup>
                           <m:r>
-                            <a:rPr lang="el-GR" b="0" i="1" smtClean="0">
+                            <a:rPr lang="el-GR" sz="1600" b="0" i="1" smtClean="0">
                               <a:latin typeface="Cambria Math" panose="02040503050406030204" pitchFamily="18" charset="0"/>
                             </a:rPr>
                             <m:t>|</m:t>
@@ -5792,13 +9895,13 @@
                         </m:num>
                         <m:den>
                           <m:r>
-                            <a:rPr lang="el-GR" b="0" i="1" smtClean="0">
+                            <a:rPr lang="el-GR" sz="1600" b="0" i="1" smtClean="0">
                               <a:latin typeface="Cambria Math" panose="02040503050406030204" pitchFamily="18" charset="0"/>
                             </a:rPr>
                             <m:t>1−|</m:t>
                           </m:r>
                           <m:r>
-                            <a:rPr lang="en-US" b="0" i="1" smtClean="0">
+                            <a:rPr lang="en-US" sz="1600" b="0" i="1" smtClean="0">
                               <a:latin typeface="Cambria Math" panose="02040503050406030204" pitchFamily="18" charset="0"/>
                             </a:rPr>
                             <m:t>𝑐𝑜𝑠</m:t>
@@ -5806,14 +9909,14 @@
                           <m:sSup>
                             <m:sSupPr>
                               <m:ctrlPr>
-                                <a:rPr lang="el-GR" b="0" i="1" smtClean="0">
+                                <a:rPr lang="el-GR" sz="1600" b="0" i="1" smtClean="0">
                                   <a:latin typeface="Cambria Math" panose="02040503050406030204" pitchFamily="18" charset="0"/>
                                 </a:rPr>
                               </m:ctrlPr>
                             </m:sSupPr>
                             <m:e>
                               <m:r>
-                                <a:rPr lang="el-GR" b="0" i="1" smtClean="0">
+                                <a:rPr lang="el-GR" sz="1600" b="0" i="1" smtClean="0">
                                   <a:latin typeface="Cambria Math" panose="02040503050406030204" pitchFamily="18" charset="0"/>
                                 </a:rPr>
                                 <m:t>𝜃</m:t>
@@ -5821,7 +9924,7 @@
                             </m:e>
                             <m:sup>
                               <m:r>
-                                <a:rPr lang="el-GR" b="0" i="1" smtClean="0">
+                                <a:rPr lang="el-GR" sz="1600" b="0" i="1" smtClean="0">
                                   <a:latin typeface="Cambria Math" panose="02040503050406030204" pitchFamily="18" charset="0"/>
                                 </a:rPr>
                                 <m:t>∗</m:t>
@@ -5829,7 +9932,7 @@
                             </m:sup>
                           </m:sSup>
                           <m:r>
-                            <a:rPr lang="el-GR" b="0" i="1" smtClean="0">
+                            <a:rPr lang="el-GR" sz="1600" b="0" i="1" smtClean="0">
                               <a:latin typeface="Cambria Math" panose="02040503050406030204" pitchFamily="18" charset="0"/>
                             </a:rPr>
                             <m:t>|</m:t>
@@ -5839,33 +9942,68 @@
                     </m:oMath>
                   </m:oMathPara>
                 </a14:m>
-                <a:endParaRPr lang="en-US" dirty="0"/>
+                <a:endParaRPr lang="en-US" sz="1600" dirty="0" smtClean="0"/>
               </a:p>
               <a:p>
                 <a:pPr lvl="1"/>
-                <a:endParaRPr lang="en-US" dirty="0"/>
+                <a:endParaRPr lang="en-US" sz="1600" dirty="0" smtClean="0"/>
               </a:p>
               <a:p>
                 <a:pPr lvl="1"/>
-                <a:endParaRPr lang="en-US" dirty="0" smtClean="0"/>
+                <a:r>
+                  <a:rPr lang="en-US" sz="1600" dirty="0" smtClean="0"/>
+                  <a:t>3. Distribution of the </a:t>
+                </a:r>
+                <a:r>
+                  <a:rPr lang="el-GR" sz="1600" dirty="0" smtClean="0"/>
+                  <a:t>χ </a:t>
+                </a:r>
+                <a:r>
+                  <a:rPr lang="en-US" sz="1600" dirty="0" smtClean="0"/>
+                  <a:t>variable for specific </a:t>
+                </a:r>
+                <a:r>
+                  <a:rPr lang="en-US" sz="1600" dirty="0" err="1" smtClean="0"/>
+                  <a:t>Mtt</a:t>
+                </a:r>
+                <a:r>
+                  <a:rPr lang="en-US" sz="1600" dirty="0" smtClean="0"/>
+                  <a:t> ranges: [1000-2500]GeV, [2500-3500]GeV, [3500-5000]GeV</a:t>
+                </a:r>
               </a:p>
               <a:p>
                 <a:pPr lvl="1"/>
-                <a:endParaRPr lang="en-US" dirty="0"/>
+                <a:r>
+                  <a:rPr lang="en-US" sz="1600" dirty="0"/>
+                  <a:t>	</a:t>
+                </a:r>
+                <a:endParaRPr lang="en-US" sz="1600" dirty="0"/>
+              </a:p>
+              <a:p>
+                <a:pPr lvl="1"/>
+                <a:endParaRPr lang="en-US" sz="1600" dirty="0"/>
+              </a:p>
+              <a:p>
+                <a:pPr lvl="1"/>
+                <a:endParaRPr lang="en-US" sz="1600" dirty="0" smtClean="0"/>
+              </a:p>
+              <a:p>
+                <a:pPr lvl="1"/>
+                <a:endParaRPr lang="en-US" sz="1600" dirty="0"/>
               </a:p>
               <a:p>
                 <a:pPr marL="800100" lvl="1" indent="-342900">
                   <a:buFont typeface="+mj-lt"/>
                   <a:buAutoNum type="arabicPeriod"/>
                 </a:pPr>
-                <a:endParaRPr lang="en-US" dirty="0"/>
+                <a:endParaRPr lang="en-US" sz="1600" dirty="0"/>
               </a:p>
               <a:p>
                 <a:pPr marL="285750" indent="-285750">
                   <a:buFont typeface="Arial" panose="020B0604020202020204" pitchFamily="34" charset="0"/>
                   <a:buChar char="•"/>
                 </a:pPr>
-                <a:endParaRPr lang="en-GB" dirty="0"/>
+                <a:endParaRPr lang="en-GB" sz="1600" dirty="0"/>
               </a:p>
             </p:txBody>
           </p:sp>
@@ -5881,8 +10019,8 @@
             </p:nvSpPr>
             <p:spPr>
               <a:xfrm>
-                <a:off x="346841" y="717331"/>
-                <a:ext cx="11690131" cy="6788012"/>
+                <a:off x="346842" y="717331"/>
+                <a:ext cx="11633664" cy="6782882"/>
               </a:xfrm>
               <a:prstGeom prst="rect">
                 <a:avLst/>
@@ -5890,7 +10028,7 @@
               <a:blipFill>
                 <a:blip r:embed="rId3"/>
                 <a:stretch>
-                  <a:fillRect l="-365" t="-539" r="-730"/>
+                  <a:fillRect l="-210" t="-270"/>
                 </a:stretch>
               </a:blipFill>
             </p:spPr>
@@ -5943,6 +10081,821 @@
     <p:extLst>
       <p:ext uri="{BB962C8B-B14F-4D97-AF65-F5344CB8AC3E}">
         <p14:creationId xmlns:p14="http://schemas.microsoft.com/office/powerpoint/2010/main" val="292727523"/>
+      </p:ext>
+    </p:extLst>
+  </p:cSld>
+  <p:clrMapOvr>
+    <a:masterClrMapping/>
+  </p:clrMapOvr>
+</p:sld>
+</file>
+
+<file path=ppt/slides/slide5.xml><?xml version="1.0" encoding="utf-8"?>
+<p:sld xmlns:a="http://schemas.openxmlformats.org/drawingml/2006/main" xmlns:r="http://schemas.openxmlformats.org/officeDocument/2006/relationships" xmlns:p="http://schemas.openxmlformats.org/presentationml/2006/main">
+  <p:cSld>
+    <p:spTree>
+      <p:nvGrpSpPr>
+        <p:cNvPr id="1" name=""/>
+        <p:cNvGrpSpPr/>
+        <p:nvPr/>
+      </p:nvGrpSpPr>
+      <p:grpSpPr>
+        <a:xfrm>
+          <a:off x="0" y="0"/>
+          <a:ext cx="0" cy="0"/>
+          <a:chOff x="0" y="0"/>
+          <a:chExt cx="0" cy="0"/>
+        </a:xfrm>
+      </p:grpSpPr>
+      <p:sp>
+        <p:nvSpPr>
+          <p:cNvPr id="2" name="Date Placeholder 1"/>
+          <p:cNvSpPr>
+            <a:spLocks noGrp="1"/>
+          </p:cNvSpPr>
+          <p:nvPr>
+            <p:ph type="dt" sz="half" idx="10"/>
+          </p:nvPr>
+        </p:nvSpPr>
+        <p:spPr/>
+        <p:txBody>
+          <a:bodyPr/>
+          <a:lstStyle/>
+          <a:p>
+            <a:r>
+              <a:rPr lang="en-US" smtClean="0"/>
+              <a:t>1/4/2019</a:t>
+            </a:r>
+            <a:endParaRPr lang="en-US"/>
+          </a:p>
+        </p:txBody>
+      </p:sp>
+      <p:sp>
+        <p:nvSpPr>
+          <p:cNvPr id="3" name="Footer Placeholder 2"/>
+          <p:cNvSpPr>
+            <a:spLocks noGrp="1"/>
+          </p:cNvSpPr>
+          <p:nvPr>
+            <p:ph type="ftr" sz="quarter" idx="11"/>
+          </p:nvPr>
+        </p:nvSpPr>
+        <p:spPr/>
+        <p:txBody>
+          <a:bodyPr/>
+          <a:lstStyle/>
+          <a:p>
+            <a:r>
+              <a:rPr lang="fi-FI" smtClean="0"/>
+              <a:t>NTUA, G. Bakas</a:t>
+            </a:r>
+            <a:endParaRPr lang="en-US"/>
+          </a:p>
+        </p:txBody>
+      </p:sp>
+      <p:pic>
+        <p:nvPicPr>
+          <p:cNvPr id="4" name="Picture 3"/>
+          <p:cNvPicPr>
+            <a:picLocks noChangeAspect="1"/>
+          </p:cNvPicPr>
+          <p:nvPr/>
+        </p:nvPicPr>
+        <p:blipFill>
+          <a:blip r:embed="rId3"/>
+          <a:stretch>
+            <a:fillRect/>
+          </a:stretch>
+        </p:blipFill>
+        <p:spPr>
+          <a:xfrm>
+            <a:off x="2235107" y="1028895"/>
+            <a:ext cx="7201524" cy="4595258"/>
+          </a:xfrm>
+          <a:prstGeom prst="rect">
+            <a:avLst/>
+          </a:prstGeom>
+        </p:spPr>
+      </p:pic>
+      <p:sp>
+        <p:nvSpPr>
+          <p:cNvPr id="5" name="TextBox 4"/>
+          <p:cNvSpPr txBox="1"/>
+          <p:nvPr/>
+        </p:nvSpPr>
+        <p:spPr>
+          <a:xfrm>
+            <a:off x="233265" y="155941"/>
+            <a:ext cx="11243388" cy="369332"/>
+          </a:xfrm>
+          <a:prstGeom prst="rect">
+            <a:avLst/>
+          </a:prstGeom>
+          <a:noFill/>
+        </p:spPr>
+        <p:txBody>
+          <a:bodyPr wrap="square" rtlCol="0">
+            <a:spAutoFit/>
+          </a:bodyPr>
+          <a:lstStyle/>
+          <a:p>
+            <a:pPr algn="ctr"/>
+            <a:r>
+              <a:rPr lang="en-US" dirty="0" err="1" smtClean="0"/>
+              <a:t>M</a:t>
+            </a:r>
+            <a:r>
+              <a:rPr lang="en-US" baseline="-25000" dirty="0" err="1" smtClean="0"/>
+              <a:t>tt</a:t>
+            </a:r>
+            <a:r>
+              <a:rPr lang="en-US" dirty="0" smtClean="0"/>
+              <a:t> distribution for </a:t>
+            </a:r>
+            <a:r>
+              <a:rPr lang="en-US" dirty="0" err="1" smtClean="0"/>
+              <a:t>Mtt</a:t>
+            </a:r>
+            <a:r>
+              <a:rPr lang="en-US" dirty="0" smtClean="0"/>
+              <a:t> sample (1000-Inf) and </a:t>
+            </a:r>
+            <a:r>
+              <a:rPr lang="en-US" dirty="0" err="1" smtClean="0"/>
+              <a:t>Zprime</a:t>
+            </a:r>
+            <a:r>
+              <a:rPr lang="en-US" dirty="0" smtClean="0"/>
+              <a:t> samples with M</a:t>
+            </a:r>
+            <a:r>
+              <a:rPr lang="en-US" baseline="-25000" dirty="0" smtClean="0"/>
+              <a:t>Z’ </a:t>
+            </a:r>
+            <a:r>
+              <a:rPr lang="en-US" dirty="0" smtClean="0"/>
+              <a:t> = 2TeV and different widths </a:t>
+            </a:r>
+            <a:endParaRPr lang="en-GB" dirty="0"/>
+          </a:p>
+        </p:txBody>
+      </p:sp>
+    </p:spTree>
+    <p:extLst>
+      <p:ext uri="{BB962C8B-B14F-4D97-AF65-F5344CB8AC3E}">
+        <p14:creationId xmlns:p14="http://schemas.microsoft.com/office/powerpoint/2010/main" val="3151324451"/>
+      </p:ext>
+    </p:extLst>
+  </p:cSld>
+  <p:clrMapOvr>
+    <a:masterClrMapping/>
+  </p:clrMapOvr>
+</p:sld>
+</file>
+
+<file path=ppt/slides/slide6.xml><?xml version="1.0" encoding="utf-8"?>
+<p:sld xmlns:a="http://schemas.openxmlformats.org/drawingml/2006/main" xmlns:r="http://schemas.openxmlformats.org/officeDocument/2006/relationships" xmlns:p="http://schemas.openxmlformats.org/presentationml/2006/main">
+  <p:cSld>
+    <p:spTree>
+      <p:nvGrpSpPr>
+        <p:cNvPr id="1" name=""/>
+        <p:cNvGrpSpPr/>
+        <p:nvPr/>
+      </p:nvGrpSpPr>
+      <p:grpSpPr>
+        <a:xfrm>
+          <a:off x="0" y="0"/>
+          <a:ext cx="0" cy="0"/>
+          <a:chOff x="0" y="0"/>
+          <a:chExt cx="0" cy="0"/>
+        </a:xfrm>
+      </p:grpSpPr>
+      <p:sp>
+        <p:nvSpPr>
+          <p:cNvPr id="2" name="Date Placeholder 1"/>
+          <p:cNvSpPr>
+            <a:spLocks noGrp="1"/>
+          </p:cNvSpPr>
+          <p:nvPr>
+            <p:ph type="dt" sz="half" idx="10"/>
+          </p:nvPr>
+        </p:nvSpPr>
+        <p:spPr/>
+        <p:txBody>
+          <a:bodyPr/>
+          <a:lstStyle/>
+          <a:p>
+            <a:r>
+              <a:rPr lang="en-US" smtClean="0"/>
+              <a:t>1/4/2019</a:t>
+            </a:r>
+            <a:endParaRPr lang="en-US"/>
+          </a:p>
+        </p:txBody>
+      </p:sp>
+      <p:sp>
+        <p:nvSpPr>
+          <p:cNvPr id="3" name="Footer Placeholder 2"/>
+          <p:cNvSpPr>
+            <a:spLocks noGrp="1"/>
+          </p:cNvSpPr>
+          <p:nvPr>
+            <p:ph type="ftr" sz="quarter" idx="11"/>
+          </p:nvPr>
+        </p:nvSpPr>
+        <p:spPr/>
+        <p:txBody>
+          <a:bodyPr/>
+          <a:lstStyle/>
+          <a:p>
+            <a:r>
+              <a:rPr lang="fi-FI" smtClean="0"/>
+              <a:t>NTUA, G. Bakas</a:t>
+            </a:r>
+            <a:endParaRPr lang="en-US"/>
+          </a:p>
+        </p:txBody>
+      </p:sp>
+      <p:pic>
+        <p:nvPicPr>
+          <p:cNvPr id="8" name="Picture 7"/>
+          <p:cNvPicPr>
+            <a:picLocks noChangeAspect="1"/>
+          </p:cNvPicPr>
+          <p:nvPr/>
+        </p:nvPicPr>
+        <p:blipFill>
+          <a:blip r:embed="rId3"/>
+          <a:stretch>
+            <a:fillRect/>
+          </a:stretch>
+        </p:blipFill>
+        <p:spPr>
+          <a:xfrm>
+            <a:off x="2231136" y="1033272"/>
+            <a:ext cx="7201524" cy="4595258"/>
+          </a:xfrm>
+          <a:prstGeom prst="rect">
+            <a:avLst/>
+          </a:prstGeom>
+        </p:spPr>
+      </p:pic>
+      <p:sp>
+        <p:nvSpPr>
+          <p:cNvPr id="9" name="TextBox 8"/>
+          <p:cNvSpPr txBox="1"/>
+          <p:nvPr/>
+        </p:nvSpPr>
+        <p:spPr>
+          <a:xfrm>
+            <a:off x="233265" y="155941"/>
+            <a:ext cx="11243388" cy="369332"/>
+          </a:xfrm>
+          <a:prstGeom prst="rect">
+            <a:avLst/>
+          </a:prstGeom>
+          <a:noFill/>
+        </p:spPr>
+        <p:txBody>
+          <a:bodyPr wrap="square" rtlCol="0">
+            <a:spAutoFit/>
+          </a:bodyPr>
+          <a:lstStyle/>
+          <a:p>
+            <a:pPr algn="ctr"/>
+            <a:r>
+              <a:rPr lang="en-US" dirty="0" err="1" smtClean="0"/>
+              <a:t>M</a:t>
+            </a:r>
+            <a:r>
+              <a:rPr lang="en-US" baseline="-25000" dirty="0" err="1" smtClean="0"/>
+              <a:t>tt</a:t>
+            </a:r>
+            <a:r>
+              <a:rPr lang="en-US" dirty="0" smtClean="0"/>
+              <a:t> distribution for </a:t>
+            </a:r>
+            <a:r>
+              <a:rPr lang="en-US" dirty="0" err="1" smtClean="0"/>
+              <a:t>Mtt</a:t>
+            </a:r>
+            <a:r>
+              <a:rPr lang="en-US" dirty="0" smtClean="0"/>
+              <a:t> sample (1000-Inf) and </a:t>
+            </a:r>
+            <a:r>
+              <a:rPr lang="en-US" dirty="0" err="1" smtClean="0"/>
+              <a:t>Zprime</a:t>
+            </a:r>
+            <a:r>
+              <a:rPr lang="en-US" dirty="0" smtClean="0"/>
+              <a:t> samples with M</a:t>
+            </a:r>
+            <a:r>
+              <a:rPr lang="en-US" baseline="-25000" dirty="0" smtClean="0"/>
+              <a:t>Z’ </a:t>
+            </a:r>
+            <a:r>
+              <a:rPr lang="en-US" dirty="0" smtClean="0"/>
+              <a:t> = 2.5TeV and different widths </a:t>
+            </a:r>
+            <a:endParaRPr lang="en-GB" dirty="0"/>
+          </a:p>
+        </p:txBody>
+      </p:sp>
+    </p:spTree>
+    <p:extLst>
+      <p:ext uri="{BB962C8B-B14F-4D97-AF65-F5344CB8AC3E}">
+        <p14:creationId xmlns:p14="http://schemas.microsoft.com/office/powerpoint/2010/main" val="1685077914"/>
+      </p:ext>
+    </p:extLst>
+  </p:cSld>
+  <p:clrMapOvr>
+    <a:masterClrMapping/>
+  </p:clrMapOvr>
+</p:sld>
+</file>
+
+<file path=ppt/slides/slide7.xml><?xml version="1.0" encoding="utf-8"?>
+<p:sld xmlns:a="http://schemas.openxmlformats.org/drawingml/2006/main" xmlns:r="http://schemas.openxmlformats.org/officeDocument/2006/relationships" xmlns:p="http://schemas.openxmlformats.org/presentationml/2006/main">
+  <p:cSld>
+    <p:spTree>
+      <p:nvGrpSpPr>
+        <p:cNvPr id="1" name=""/>
+        <p:cNvGrpSpPr/>
+        <p:nvPr/>
+      </p:nvGrpSpPr>
+      <p:grpSpPr>
+        <a:xfrm>
+          <a:off x="0" y="0"/>
+          <a:ext cx="0" cy="0"/>
+          <a:chOff x="0" y="0"/>
+          <a:chExt cx="0" cy="0"/>
+        </a:xfrm>
+      </p:grpSpPr>
+      <p:sp>
+        <p:nvSpPr>
+          <p:cNvPr id="2" name="Date Placeholder 1"/>
+          <p:cNvSpPr>
+            <a:spLocks noGrp="1"/>
+          </p:cNvSpPr>
+          <p:nvPr>
+            <p:ph type="dt" sz="half" idx="10"/>
+          </p:nvPr>
+        </p:nvSpPr>
+        <p:spPr/>
+        <p:txBody>
+          <a:bodyPr/>
+          <a:lstStyle/>
+          <a:p>
+            <a:r>
+              <a:rPr lang="en-US" smtClean="0"/>
+              <a:t>1/4/2019</a:t>
+            </a:r>
+            <a:endParaRPr lang="en-US"/>
+          </a:p>
+        </p:txBody>
+      </p:sp>
+      <p:sp>
+        <p:nvSpPr>
+          <p:cNvPr id="3" name="Footer Placeholder 2"/>
+          <p:cNvSpPr>
+            <a:spLocks noGrp="1"/>
+          </p:cNvSpPr>
+          <p:nvPr>
+            <p:ph type="ftr" sz="quarter" idx="11"/>
+          </p:nvPr>
+        </p:nvSpPr>
+        <p:spPr/>
+        <p:txBody>
+          <a:bodyPr/>
+          <a:lstStyle/>
+          <a:p>
+            <a:r>
+              <a:rPr lang="fi-FI" smtClean="0"/>
+              <a:t>NTUA, G. Bakas</a:t>
+            </a:r>
+            <a:endParaRPr lang="en-US"/>
+          </a:p>
+        </p:txBody>
+      </p:sp>
+      <p:pic>
+        <p:nvPicPr>
+          <p:cNvPr id="4" name="Picture 3"/>
+          <p:cNvPicPr>
+            <a:picLocks noChangeAspect="1"/>
+          </p:cNvPicPr>
+          <p:nvPr/>
+        </p:nvPicPr>
+        <p:blipFill>
+          <a:blip r:embed="rId3"/>
+          <a:stretch>
+            <a:fillRect/>
+          </a:stretch>
+        </p:blipFill>
+        <p:spPr>
+          <a:xfrm>
+            <a:off x="2231136" y="1033272"/>
+            <a:ext cx="7201524" cy="4595258"/>
+          </a:xfrm>
+          <a:prstGeom prst="rect">
+            <a:avLst/>
+          </a:prstGeom>
+        </p:spPr>
+      </p:pic>
+      <p:sp>
+        <p:nvSpPr>
+          <p:cNvPr id="6" name="TextBox 5"/>
+          <p:cNvSpPr txBox="1"/>
+          <p:nvPr/>
+        </p:nvSpPr>
+        <p:spPr>
+          <a:xfrm>
+            <a:off x="233265" y="155941"/>
+            <a:ext cx="11243388" cy="369332"/>
+          </a:xfrm>
+          <a:prstGeom prst="rect">
+            <a:avLst/>
+          </a:prstGeom>
+          <a:noFill/>
+        </p:spPr>
+        <p:txBody>
+          <a:bodyPr wrap="square" rtlCol="0">
+            <a:spAutoFit/>
+          </a:bodyPr>
+          <a:lstStyle/>
+          <a:p>
+            <a:pPr algn="ctr"/>
+            <a:r>
+              <a:rPr lang="en-US" dirty="0" err="1" smtClean="0"/>
+              <a:t>M</a:t>
+            </a:r>
+            <a:r>
+              <a:rPr lang="en-US" baseline="-25000" dirty="0" err="1" smtClean="0"/>
+              <a:t>tt</a:t>
+            </a:r>
+            <a:r>
+              <a:rPr lang="en-US" dirty="0" smtClean="0"/>
+              <a:t> distribution for </a:t>
+            </a:r>
+            <a:r>
+              <a:rPr lang="en-US" dirty="0" err="1" smtClean="0"/>
+              <a:t>Mtt</a:t>
+            </a:r>
+            <a:r>
+              <a:rPr lang="en-US" dirty="0" smtClean="0"/>
+              <a:t> sample (1000-Inf) and </a:t>
+            </a:r>
+            <a:r>
+              <a:rPr lang="en-US" dirty="0" err="1" smtClean="0"/>
+              <a:t>Zprime</a:t>
+            </a:r>
+            <a:r>
+              <a:rPr lang="en-US" dirty="0" smtClean="0"/>
+              <a:t> samples with M</a:t>
+            </a:r>
+            <a:r>
+              <a:rPr lang="en-US" baseline="-25000" dirty="0" smtClean="0"/>
+              <a:t>Z’ </a:t>
+            </a:r>
+            <a:r>
+              <a:rPr lang="en-US" dirty="0" smtClean="0"/>
+              <a:t> = 3TeV and different widths </a:t>
+            </a:r>
+            <a:endParaRPr lang="en-GB" dirty="0"/>
+          </a:p>
+        </p:txBody>
+      </p:sp>
+    </p:spTree>
+    <p:extLst>
+      <p:ext uri="{BB962C8B-B14F-4D97-AF65-F5344CB8AC3E}">
+        <p14:creationId xmlns:p14="http://schemas.microsoft.com/office/powerpoint/2010/main" val="1261836288"/>
+      </p:ext>
+    </p:extLst>
+  </p:cSld>
+  <p:clrMapOvr>
+    <a:masterClrMapping/>
+  </p:clrMapOvr>
+</p:sld>
+</file>
+
+<file path=ppt/slides/slide8.xml><?xml version="1.0" encoding="utf-8"?>
+<p:sld xmlns:a="http://schemas.openxmlformats.org/drawingml/2006/main" xmlns:r="http://schemas.openxmlformats.org/officeDocument/2006/relationships" xmlns:p="http://schemas.openxmlformats.org/presentationml/2006/main">
+  <p:cSld>
+    <p:spTree>
+      <p:nvGrpSpPr>
+        <p:cNvPr id="1" name=""/>
+        <p:cNvGrpSpPr/>
+        <p:nvPr/>
+      </p:nvGrpSpPr>
+      <p:grpSpPr>
+        <a:xfrm>
+          <a:off x="0" y="0"/>
+          <a:ext cx="0" cy="0"/>
+          <a:chOff x="0" y="0"/>
+          <a:chExt cx="0" cy="0"/>
+        </a:xfrm>
+      </p:grpSpPr>
+      <p:sp>
+        <p:nvSpPr>
+          <p:cNvPr id="2" name="Date Placeholder 1"/>
+          <p:cNvSpPr>
+            <a:spLocks noGrp="1"/>
+          </p:cNvSpPr>
+          <p:nvPr>
+            <p:ph type="dt" sz="half" idx="10"/>
+          </p:nvPr>
+        </p:nvSpPr>
+        <p:spPr/>
+        <p:txBody>
+          <a:bodyPr/>
+          <a:lstStyle/>
+          <a:p>
+            <a:r>
+              <a:rPr lang="en-US" smtClean="0"/>
+              <a:t>1/4/2019</a:t>
+            </a:r>
+            <a:endParaRPr lang="en-US"/>
+          </a:p>
+        </p:txBody>
+      </p:sp>
+      <p:sp>
+        <p:nvSpPr>
+          <p:cNvPr id="3" name="Footer Placeholder 2"/>
+          <p:cNvSpPr>
+            <a:spLocks noGrp="1"/>
+          </p:cNvSpPr>
+          <p:nvPr>
+            <p:ph type="ftr" sz="quarter" idx="11"/>
+          </p:nvPr>
+        </p:nvSpPr>
+        <p:spPr/>
+        <p:txBody>
+          <a:bodyPr/>
+          <a:lstStyle/>
+          <a:p>
+            <a:r>
+              <a:rPr lang="fi-FI" smtClean="0"/>
+              <a:t>NTUA, G. Bakas</a:t>
+            </a:r>
+            <a:endParaRPr lang="en-US"/>
+          </a:p>
+        </p:txBody>
+      </p:sp>
+      <p:pic>
+        <p:nvPicPr>
+          <p:cNvPr id="7" name="Picture 6"/>
+          <p:cNvPicPr>
+            <a:picLocks noChangeAspect="1"/>
+          </p:cNvPicPr>
+          <p:nvPr/>
+        </p:nvPicPr>
+        <p:blipFill>
+          <a:blip r:embed="rId3"/>
+          <a:stretch>
+            <a:fillRect/>
+          </a:stretch>
+        </p:blipFill>
+        <p:spPr>
+          <a:xfrm>
+            <a:off x="2231136" y="1033272"/>
+            <a:ext cx="7201524" cy="4595258"/>
+          </a:xfrm>
+          <a:prstGeom prst="rect">
+            <a:avLst/>
+          </a:prstGeom>
+        </p:spPr>
+      </p:pic>
+      <p:sp>
+        <p:nvSpPr>
+          <p:cNvPr id="5" name="TextBox 4"/>
+          <p:cNvSpPr txBox="1"/>
+          <p:nvPr/>
+        </p:nvSpPr>
+        <p:spPr>
+          <a:xfrm>
+            <a:off x="233265" y="155941"/>
+            <a:ext cx="11243388" cy="369332"/>
+          </a:xfrm>
+          <a:prstGeom prst="rect">
+            <a:avLst/>
+          </a:prstGeom>
+          <a:noFill/>
+        </p:spPr>
+        <p:txBody>
+          <a:bodyPr wrap="square" rtlCol="0">
+            <a:spAutoFit/>
+          </a:bodyPr>
+          <a:lstStyle/>
+          <a:p>
+            <a:pPr algn="ctr"/>
+            <a:r>
+              <a:rPr lang="en-US" dirty="0" err="1" smtClean="0"/>
+              <a:t>M</a:t>
+            </a:r>
+            <a:r>
+              <a:rPr lang="en-US" baseline="-25000" dirty="0" err="1" smtClean="0"/>
+              <a:t>tt</a:t>
+            </a:r>
+            <a:r>
+              <a:rPr lang="en-US" dirty="0" smtClean="0"/>
+              <a:t> distribution for </a:t>
+            </a:r>
+            <a:r>
+              <a:rPr lang="en-US" dirty="0" err="1" smtClean="0"/>
+              <a:t>Mtt</a:t>
+            </a:r>
+            <a:r>
+              <a:rPr lang="en-US" dirty="0" smtClean="0"/>
+              <a:t> sample (1000-Inf) and </a:t>
+            </a:r>
+            <a:r>
+              <a:rPr lang="en-US" dirty="0" err="1" smtClean="0"/>
+              <a:t>Zprime</a:t>
+            </a:r>
+            <a:r>
+              <a:rPr lang="en-US" dirty="0" smtClean="0"/>
+              <a:t> samples with M</a:t>
+            </a:r>
+            <a:r>
+              <a:rPr lang="en-US" baseline="-25000" dirty="0" smtClean="0"/>
+              <a:t>Z’ </a:t>
+            </a:r>
+            <a:r>
+              <a:rPr lang="en-US" dirty="0" smtClean="0"/>
+              <a:t> = 4TeV and different widths </a:t>
+            </a:r>
+            <a:endParaRPr lang="en-GB" dirty="0"/>
+          </a:p>
+        </p:txBody>
+      </p:sp>
+    </p:spTree>
+    <p:extLst>
+      <p:ext uri="{BB962C8B-B14F-4D97-AF65-F5344CB8AC3E}">
+        <p14:creationId xmlns:p14="http://schemas.microsoft.com/office/powerpoint/2010/main" val="3086570545"/>
+      </p:ext>
+    </p:extLst>
+  </p:cSld>
+  <p:clrMapOvr>
+    <a:masterClrMapping/>
+  </p:clrMapOvr>
+</p:sld>
+</file>
+
+<file path=ppt/slides/slide9.xml><?xml version="1.0" encoding="utf-8"?>
+<p:sld xmlns:a="http://schemas.openxmlformats.org/drawingml/2006/main" xmlns:r="http://schemas.openxmlformats.org/officeDocument/2006/relationships" xmlns:p="http://schemas.openxmlformats.org/presentationml/2006/main">
+  <p:cSld>
+    <p:spTree>
+      <p:nvGrpSpPr>
+        <p:cNvPr id="1" name=""/>
+        <p:cNvGrpSpPr/>
+        <p:nvPr/>
+      </p:nvGrpSpPr>
+      <p:grpSpPr>
+        <a:xfrm>
+          <a:off x="0" y="0"/>
+          <a:ext cx="0" cy="0"/>
+          <a:chOff x="0" y="0"/>
+          <a:chExt cx="0" cy="0"/>
+        </a:xfrm>
+      </p:grpSpPr>
+      <p:sp>
+        <p:nvSpPr>
+          <p:cNvPr id="2" name="Date Placeholder 1"/>
+          <p:cNvSpPr>
+            <a:spLocks noGrp="1"/>
+          </p:cNvSpPr>
+          <p:nvPr>
+            <p:ph type="dt" sz="half" idx="10"/>
+          </p:nvPr>
+        </p:nvSpPr>
+        <p:spPr/>
+        <p:txBody>
+          <a:bodyPr/>
+          <a:lstStyle/>
+          <a:p>
+            <a:r>
+              <a:rPr lang="en-US" smtClean="0"/>
+              <a:t>1/4/2019</a:t>
+            </a:r>
+            <a:endParaRPr lang="en-US"/>
+          </a:p>
+        </p:txBody>
+      </p:sp>
+      <p:sp>
+        <p:nvSpPr>
+          <p:cNvPr id="3" name="Footer Placeholder 2"/>
+          <p:cNvSpPr>
+            <a:spLocks noGrp="1"/>
+          </p:cNvSpPr>
+          <p:nvPr>
+            <p:ph type="ftr" sz="quarter" idx="11"/>
+          </p:nvPr>
+        </p:nvSpPr>
+        <p:spPr/>
+        <p:txBody>
+          <a:bodyPr/>
+          <a:lstStyle/>
+          <a:p>
+            <a:r>
+              <a:rPr lang="fi-FI" smtClean="0"/>
+              <a:t>NTUA, G. Bakas</a:t>
+            </a:r>
+            <a:endParaRPr lang="en-US"/>
+          </a:p>
+        </p:txBody>
+      </p:sp>
+      <p:pic>
+        <p:nvPicPr>
+          <p:cNvPr id="6" name="Picture 5"/>
+          <p:cNvPicPr>
+            <a:picLocks noChangeAspect="1"/>
+          </p:cNvPicPr>
+          <p:nvPr/>
+        </p:nvPicPr>
+        <p:blipFill>
+          <a:blip r:embed="rId3"/>
+          <a:stretch>
+            <a:fillRect/>
+          </a:stretch>
+        </p:blipFill>
+        <p:spPr>
+          <a:xfrm>
+            <a:off x="2231136" y="1033272"/>
+            <a:ext cx="7201524" cy="4595258"/>
+          </a:xfrm>
+          <a:prstGeom prst="rect">
+            <a:avLst/>
+          </a:prstGeom>
+        </p:spPr>
+      </p:pic>
+      <p:sp>
+        <p:nvSpPr>
+          <p:cNvPr id="5" name="TextBox 4"/>
+          <p:cNvSpPr txBox="1"/>
+          <p:nvPr/>
+        </p:nvSpPr>
+        <p:spPr>
+          <a:xfrm>
+            <a:off x="233265" y="155941"/>
+            <a:ext cx="11243388" cy="369332"/>
+          </a:xfrm>
+          <a:prstGeom prst="rect">
+            <a:avLst/>
+          </a:prstGeom>
+          <a:noFill/>
+        </p:spPr>
+        <p:txBody>
+          <a:bodyPr wrap="square" rtlCol="0">
+            <a:spAutoFit/>
+          </a:bodyPr>
+          <a:lstStyle/>
+          <a:p>
+            <a:pPr algn="ctr"/>
+            <a:r>
+              <a:rPr lang="en-US" dirty="0" err="1" smtClean="0"/>
+              <a:t>M</a:t>
+            </a:r>
+            <a:r>
+              <a:rPr lang="en-US" baseline="-25000" dirty="0" err="1" smtClean="0"/>
+              <a:t>tt</a:t>
+            </a:r>
+            <a:r>
+              <a:rPr lang="en-US" dirty="0" smtClean="0"/>
+              <a:t> distribution for </a:t>
+            </a:r>
+            <a:r>
+              <a:rPr lang="en-US" dirty="0" err="1" smtClean="0"/>
+              <a:t>Mtt</a:t>
+            </a:r>
+            <a:r>
+              <a:rPr lang="en-US" dirty="0" smtClean="0"/>
+              <a:t> sample (1000-Inf) and </a:t>
+            </a:r>
+            <a:r>
+              <a:rPr lang="en-US" dirty="0" err="1" smtClean="0"/>
+              <a:t>Zprime</a:t>
+            </a:r>
+            <a:r>
+              <a:rPr lang="en-US" dirty="0" smtClean="0"/>
+              <a:t> samples with M</a:t>
+            </a:r>
+            <a:r>
+              <a:rPr lang="en-US" baseline="-25000" dirty="0" smtClean="0"/>
+              <a:t>Z’ </a:t>
+            </a:r>
+            <a:r>
+              <a:rPr lang="en-US" dirty="0" smtClean="0"/>
+              <a:t> = 5TeV and different widths </a:t>
+            </a:r>
+            <a:endParaRPr lang="en-GB" dirty="0"/>
+          </a:p>
+        </p:txBody>
+      </p:sp>
+    </p:spTree>
+    <p:extLst>
+      <p:ext uri="{BB962C8B-B14F-4D97-AF65-F5344CB8AC3E}">
+        <p14:creationId xmlns:p14="http://schemas.microsoft.com/office/powerpoint/2010/main" val="2069250809"/>
       </p:ext>
     </p:extLst>
   </p:cSld>

--- a/Weekly Meetings/HEP_Angular_Distributions_Presentation_21May2019.pptx
+++ b/Weekly Meetings/HEP_Angular_Distributions_Presentation_21May2019.pptx
@@ -282,35 +282,35 @@
           <a:p>
             <a:pPr lvl="0"/>
             <a:r>
-              <a:rPr lang="en-US" smtClean="0"/>
+              <a:rPr lang="en-US"/>
               <a:t>Edit Master text styles</a:t>
             </a:r>
           </a:p>
           <a:p>
             <a:pPr lvl="1"/>
             <a:r>
-              <a:rPr lang="en-US" smtClean="0"/>
+              <a:rPr lang="en-US"/>
               <a:t>Second level</a:t>
             </a:r>
           </a:p>
           <a:p>
             <a:pPr lvl="2"/>
             <a:r>
-              <a:rPr lang="en-US" smtClean="0"/>
+              <a:rPr lang="en-US"/>
               <a:t>Third level</a:t>
             </a:r>
           </a:p>
           <a:p>
             <a:pPr lvl="3"/>
             <a:r>
-              <a:rPr lang="en-US" smtClean="0"/>
+              <a:rPr lang="en-US"/>
               <a:t>Fourth level</a:t>
             </a:r>
           </a:p>
           <a:p>
             <a:pPr lvl="4"/>
             <a:r>
-              <a:rPr lang="en-US" smtClean="0"/>
+              <a:rPr lang="en-US"/>
               <a:t>Fifth level</a:t>
             </a:r>
             <a:endParaRPr lang="en-GB"/>
@@ -2296,7 +2296,7 @@
           </a:lstStyle>
           <a:p>
             <a:r>
-              <a:rPr lang="en-US" smtClean="0"/>
+              <a:rPr lang="en-US"/>
               <a:t>Click to edit Master title style</a:t>
             </a:r>
             <a:endParaRPr lang="en-US" dirty="0"/>
@@ -2368,7 +2368,7 @@
           </a:lstStyle>
           <a:p>
             <a:r>
-              <a:rPr lang="en-US" smtClean="0"/>
+              <a:rPr lang="en-US"/>
               <a:t>Click to edit Master subtitle style</a:t>
             </a:r>
             <a:endParaRPr lang="en-US" dirty="0"/>
@@ -2391,10 +2391,9 @@
           <a:lstStyle/>
           <a:p>
             <a:r>
-              <a:rPr lang="en-US" smtClean="0"/>
+              <a:rPr lang="en-US"/>
               <a:t>1/4/2019</a:t>
             </a:r>
-            <a:endParaRPr lang="en-US"/>
           </a:p>
         </p:txBody>
       </p:sp>
@@ -2414,7 +2413,7 @@
           <a:lstStyle/>
           <a:p>
             <a:r>
-              <a:rPr lang="fi-FI" smtClean="0"/>
+              <a:rPr lang="fi-FI"/>
               <a:t>NTUA, G. Bakas</a:t>
             </a:r>
             <a:endParaRPr lang="en-US"/>
@@ -2528,7 +2527,7 @@
           <a:lstStyle/>
           <a:p>
             <a:r>
-              <a:rPr lang="en-US" smtClean="0"/>
+              <a:rPr lang="en-US"/>
               <a:t>Click to edit Master title style</a:t>
             </a:r>
             <a:endParaRPr lang="en-US" dirty="0"/>
@@ -2552,35 +2551,35 @@
           <a:p>
             <a:pPr lvl="0"/>
             <a:r>
-              <a:rPr lang="en-US" smtClean="0"/>
+              <a:rPr lang="en-US"/>
               <a:t>Edit Master text styles</a:t>
             </a:r>
           </a:p>
           <a:p>
             <a:pPr lvl="1"/>
             <a:r>
-              <a:rPr lang="en-US" smtClean="0"/>
+              <a:rPr lang="en-US"/>
               <a:t>Second level</a:t>
             </a:r>
           </a:p>
           <a:p>
             <a:pPr lvl="2"/>
             <a:r>
-              <a:rPr lang="en-US" smtClean="0"/>
+              <a:rPr lang="en-US"/>
               <a:t>Third level</a:t>
             </a:r>
           </a:p>
           <a:p>
             <a:pPr lvl="3"/>
             <a:r>
-              <a:rPr lang="en-US" smtClean="0"/>
+              <a:rPr lang="en-US"/>
               <a:t>Fourth level</a:t>
             </a:r>
           </a:p>
           <a:p>
             <a:pPr lvl="4"/>
             <a:r>
-              <a:rPr lang="en-US" smtClean="0"/>
+              <a:rPr lang="en-US"/>
               <a:t>Fifth level</a:t>
             </a:r>
             <a:endParaRPr lang="en-US" dirty="0"/>
@@ -2603,10 +2602,9 @@
           <a:lstStyle/>
           <a:p>
             <a:r>
-              <a:rPr lang="en-US" smtClean="0"/>
+              <a:rPr lang="en-US"/>
               <a:t>1/4/2019</a:t>
             </a:r>
-            <a:endParaRPr lang="en-US"/>
           </a:p>
         </p:txBody>
       </p:sp>
@@ -2626,7 +2624,7 @@
           <a:lstStyle/>
           <a:p>
             <a:r>
-              <a:rPr lang="fi-FI" smtClean="0"/>
+              <a:rPr lang="fi-FI"/>
               <a:t>NTUA, G. Bakas</a:t>
             </a:r>
             <a:endParaRPr lang="en-US"/>
@@ -2783,7 +2781,7 @@
           <a:lstStyle/>
           <a:p>
             <a:r>
-              <a:rPr lang="en-US" smtClean="0"/>
+              <a:rPr lang="en-US"/>
               <a:t>Click to edit Master title style</a:t>
             </a:r>
             <a:endParaRPr lang="en-US" dirty="0"/>
@@ -2812,35 +2810,35 @@
           <a:p>
             <a:pPr lvl="0"/>
             <a:r>
-              <a:rPr lang="en-US" smtClean="0"/>
+              <a:rPr lang="en-US"/>
               <a:t>Edit Master text styles</a:t>
             </a:r>
           </a:p>
           <a:p>
             <a:pPr lvl="1"/>
             <a:r>
-              <a:rPr lang="en-US" smtClean="0"/>
+              <a:rPr lang="en-US"/>
               <a:t>Second level</a:t>
             </a:r>
           </a:p>
           <a:p>
             <a:pPr lvl="2"/>
             <a:r>
-              <a:rPr lang="en-US" smtClean="0"/>
+              <a:rPr lang="en-US"/>
               <a:t>Third level</a:t>
             </a:r>
           </a:p>
           <a:p>
             <a:pPr lvl="3"/>
             <a:r>
-              <a:rPr lang="en-US" smtClean="0"/>
+              <a:rPr lang="en-US"/>
               <a:t>Fourth level</a:t>
             </a:r>
           </a:p>
           <a:p>
             <a:pPr lvl="4"/>
             <a:r>
-              <a:rPr lang="en-US" smtClean="0"/>
+              <a:rPr lang="en-US"/>
               <a:t>Fifth level</a:t>
             </a:r>
             <a:endParaRPr lang="en-US" dirty="0"/>
@@ -2863,10 +2861,9 @@
           <a:lstStyle/>
           <a:p>
             <a:r>
-              <a:rPr lang="en-US" smtClean="0"/>
+              <a:rPr lang="en-US"/>
               <a:t>1/4/2019</a:t>
             </a:r>
-            <a:endParaRPr lang="en-US"/>
           </a:p>
         </p:txBody>
       </p:sp>
@@ -2886,7 +2883,7 @@
           <a:lstStyle/>
           <a:p>
             <a:r>
-              <a:rPr lang="fi-FI" smtClean="0"/>
+              <a:rPr lang="fi-FI"/>
               <a:t>NTUA, G. Bakas</a:t>
             </a:r>
             <a:endParaRPr lang="en-US"/>
@@ -2962,7 +2959,7 @@
           <a:lstStyle/>
           <a:p>
             <a:r>
-              <a:rPr lang="en-US" smtClean="0"/>
+              <a:rPr lang="en-US"/>
               <a:t>Click to edit Master title style</a:t>
             </a:r>
             <a:endParaRPr lang="en-US" dirty="0"/>
@@ -2986,35 +2983,35 @@
           <a:p>
             <a:pPr lvl="0"/>
             <a:r>
-              <a:rPr lang="en-US" smtClean="0"/>
+              <a:rPr lang="en-US"/>
               <a:t>Edit Master text styles</a:t>
             </a:r>
           </a:p>
           <a:p>
             <a:pPr lvl="1"/>
             <a:r>
-              <a:rPr lang="en-US" smtClean="0"/>
+              <a:rPr lang="en-US"/>
               <a:t>Second level</a:t>
             </a:r>
           </a:p>
           <a:p>
             <a:pPr lvl="2"/>
             <a:r>
-              <a:rPr lang="en-US" smtClean="0"/>
+              <a:rPr lang="en-US"/>
               <a:t>Third level</a:t>
             </a:r>
           </a:p>
           <a:p>
             <a:pPr lvl="3"/>
             <a:r>
-              <a:rPr lang="en-US" smtClean="0"/>
+              <a:rPr lang="en-US"/>
               <a:t>Fourth level</a:t>
             </a:r>
           </a:p>
           <a:p>
             <a:pPr lvl="4"/>
             <a:r>
-              <a:rPr lang="en-US" smtClean="0"/>
+              <a:rPr lang="en-US"/>
               <a:t>Fifth level</a:t>
             </a:r>
             <a:endParaRPr lang="en-US" dirty="0"/>
@@ -3037,10 +3034,9 @@
           <a:lstStyle/>
           <a:p>
             <a:r>
-              <a:rPr lang="en-US" smtClean="0"/>
+              <a:rPr lang="en-US"/>
               <a:t>1/4/2019</a:t>
             </a:r>
-            <a:endParaRPr lang="en-US"/>
           </a:p>
         </p:txBody>
       </p:sp>
@@ -3060,7 +3056,7 @@
           <a:lstStyle/>
           <a:p>
             <a:r>
-              <a:rPr lang="fi-FI" smtClean="0"/>
+              <a:rPr lang="fi-FI"/>
               <a:t>NTUA, G. Bakas</a:t>
             </a:r>
             <a:endParaRPr lang="en-US"/>
@@ -3241,7 +3237,7 @@
           </a:lstStyle>
           <a:p>
             <a:r>
-              <a:rPr lang="en-US" smtClean="0"/>
+              <a:rPr lang="en-US"/>
               <a:t>Click to edit Master title style</a:t>
             </a:r>
             <a:endParaRPr lang="en-US" dirty="0"/>
@@ -3362,7 +3358,7 @@
           <a:p>
             <a:pPr lvl="0"/>
             <a:r>
-              <a:rPr lang="en-US" smtClean="0"/>
+              <a:rPr lang="en-US"/>
               <a:t>Edit Master text styles</a:t>
             </a:r>
           </a:p>
@@ -3384,10 +3380,9 @@
           <a:lstStyle/>
           <a:p>
             <a:r>
-              <a:rPr lang="en-US" smtClean="0"/>
+              <a:rPr lang="en-US"/>
               <a:t>1/4/2019</a:t>
             </a:r>
-            <a:endParaRPr lang="en-US"/>
           </a:p>
         </p:txBody>
       </p:sp>
@@ -3407,7 +3402,7 @@
           <a:lstStyle/>
           <a:p>
             <a:r>
-              <a:rPr lang="fi-FI" smtClean="0"/>
+              <a:rPr lang="fi-FI"/>
               <a:t>NTUA, G. Bakas</a:t>
             </a:r>
             <a:endParaRPr lang="en-US"/>
@@ -3526,7 +3521,7 @@
           <a:lstStyle/>
           <a:p>
             <a:r>
-              <a:rPr lang="en-US" smtClean="0"/>
+              <a:rPr lang="en-US"/>
               <a:t>Click to edit Master title style</a:t>
             </a:r>
             <a:endParaRPr lang="en-US" dirty="0"/>
@@ -3555,35 +3550,35 @@
           <a:p>
             <a:pPr lvl="0"/>
             <a:r>
-              <a:rPr lang="en-US" smtClean="0"/>
+              <a:rPr lang="en-US"/>
               <a:t>Edit Master text styles</a:t>
             </a:r>
           </a:p>
           <a:p>
             <a:pPr lvl="1"/>
             <a:r>
-              <a:rPr lang="en-US" smtClean="0"/>
+              <a:rPr lang="en-US"/>
               <a:t>Second level</a:t>
             </a:r>
           </a:p>
           <a:p>
             <a:pPr lvl="2"/>
             <a:r>
-              <a:rPr lang="en-US" smtClean="0"/>
+              <a:rPr lang="en-US"/>
               <a:t>Third level</a:t>
             </a:r>
           </a:p>
           <a:p>
             <a:pPr lvl="3"/>
             <a:r>
-              <a:rPr lang="en-US" smtClean="0"/>
+              <a:rPr lang="en-US"/>
               <a:t>Fourth level</a:t>
             </a:r>
           </a:p>
           <a:p>
             <a:pPr lvl="4"/>
             <a:r>
-              <a:rPr lang="en-US" smtClean="0"/>
+              <a:rPr lang="en-US"/>
               <a:t>Fifth level</a:t>
             </a:r>
             <a:endParaRPr lang="en-US" dirty="0"/>
@@ -3612,35 +3607,35 @@
           <a:p>
             <a:pPr lvl="0"/>
             <a:r>
-              <a:rPr lang="en-US" smtClean="0"/>
+              <a:rPr lang="en-US"/>
               <a:t>Edit Master text styles</a:t>
             </a:r>
           </a:p>
           <a:p>
             <a:pPr lvl="1"/>
             <a:r>
-              <a:rPr lang="en-US" smtClean="0"/>
+              <a:rPr lang="en-US"/>
               <a:t>Second level</a:t>
             </a:r>
           </a:p>
           <a:p>
             <a:pPr lvl="2"/>
             <a:r>
-              <a:rPr lang="en-US" smtClean="0"/>
+              <a:rPr lang="en-US"/>
               <a:t>Third level</a:t>
             </a:r>
           </a:p>
           <a:p>
             <a:pPr lvl="3"/>
             <a:r>
-              <a:rPr lang="en-US" smtClean="0"/>
+              <a:rPr lang="en-US"/>
               <a:t>Fourth level</a:t>
             </a:r>
           </a:p>
           <a:p>
             <a:pPr lvl="4"/>
             <a:r>
-              <a:rPr lang="en-US" smtClean="0"/>
+              <a:rPr lang="en-US"/>
               <a:t>Fifth level</a:t>
             </a:r>
             <a:endParaRPr lang="en-US" dirty="0"/>
@@ -3663,10 +3658,9 @@
           <a:lstStyle/>
           <a:p>
             <a:r>
-              <a:rPr lang="en-US" smtClean="0"/>
+              <a:rPr lang="en-US"/>
               <a:t>1/4/2019</a:t>
             </a:r>
-            <a:endParaRPr lang="en-US"/>
           </a:p>
         </p:txBody>
       </p:sp>
@@ -3686,7 +3680,7 @@
           <a:lstStyle/>
           <a:p>
             <a:r>
-              <a:rPr lang="fi-FI" smtClean="0"/>
+              <a:rPr lang="fi-FI"/>
               <a:t>NTUA, G. Bakas</a:t>
             </a:r>
             <a:endParaRPr lang="en-US"/>
@@ -3767,7 +3761,7 @@
           <a:lstStyle/>
           <a:p>
             <a:r>
-              <a:rPr lang="en-US" smtClean="0"/>
+              <a:rPr lang="en-US"/>
               <a:t>Click to edit Master title style</a:t>
             </a:r>
             <a:endParaRPr lang="en-US" dirty="0"/>
@@ -3839,7 +3833,7 @@
           <a:p>
             <a:pPr lvl="0"/>
             <a:r>
-              <a:rPr lang="en-US" smtClean="0"/>
+              <a:rPr lang="en-US"/>
               <a:t>Edit Master text styles</a:t>
             </a:r>
           </a:p>
@@ -3867,35 +3861,35 @@
           <a:p>
             <a:pPr lvl="0"/>
             <a:r>
-              <a:rPr lang="en-US" smtClean="0"/>
+              <a:rPr lang="en-US"/>
               <a:t>Edit Master text styles</a:t>
             </a:r>
           </a:p>
           <a:p>
             <a:pPr lvl="1"/>
             <a:r>
-              <a:rPr lang="en-US" smtClean="0"/>
+              <a:rPr lang="en-US"/>
               <a:t>Second level</a:t>
             </a:r>
           </a:p>
           <a:p>
             <a:pPr lvl="2"/>
             <a:r>
-              <a:rPr lang="en-US" smtClean="0"/>
+              <a:rPr lang="en-US"/>
               <a:t>Third level</a:t>
             </a:r>
           </a:p>
           <a:p>
             <a:pPr lvl="3"/>
             <a:r>
-              <a:rPr lang="en-US" smtClean="0"/>
+              <a:rPr lang="en-US"/>
               <a:t>Fourth level</a:t>
             </a:r>
           </a:p>
           <a:p>
             <a:pPr lvl="4"/>
             <a:r>
-              <a:rPr lang="en-US" smtClean="0"/>
+              <a:rPr lang="en-US"/>
               <a:t>Fifth level</a:t>
             </a:r>
             <a:endParaRPr lang="en-US" dirty="0"/>
@@ -3967,7 +3961,7 @@
           <a:p>
             <a:pPr lvl="0"/>
             <a:r>
-              <a:rPr lang="en-US" smtClean="0"/>
+              <a:rPr lang="en-US"/>
               <a:t>Edit Master text styles</a:t>
             </a:r>
           </a:p>
@@ -3995,35 +3989,35 @@
           <a:p>
             <a:pPr lvl="0"/>
             <a:r>
-              <a:rPr lang="en-US" smtClean="0"/>
+              <a:rPr lang="en-US"/>
               <a:t>Edit Master text styles</a:t>
             </a:r>
           </a:p>
           <a:p>
             <a:pPr lvl="1"/>
             <a:r>
-              <a:rPr lang="en-US" smtClean="0"/>
+              <a:rPr lang="en-US"/>
               <a:t>Second level</a:t>
             </a:r>
           </a:p>
           <a:p>
             <a:pPr lvl="2"/>
             <a:r>
-              <a:rPr lang="en-US" smtClean="0"/>
+              <a:rPr lang="en-US"/>
               <a:t>Third level</a:t>
             </a:r>
           </a:p>
           <a:p>
             <a:pPr lvl="3"/>
             <a:r>
-              <a:rPr lang="en-US" smtClean="0"/>
+              <a:rPr lang="en-US"/>
               <a:t>Fourth level</a:t>
             </a:r>
           </a:p>
           <a:p>
             <a:pPr lvl="4"/>
             <a:r>
-              <a:rPr lang="en-US" smtClean="0"/>
+              <a:rPr lang="en-US"/>
               <a:t>Fifth level</a:t>
             </a:r>
             <a:endParaRPr lang="en-US" dirty="0"/>
@@ -4046,10 +4040,9 @@
           <a:lstStyle/>
           <a:p>
             <a:r>
-              <a:rPr lang="en-US" smtClean="0"/>
+              <a:rPr lang="en-US"/>
               <a:t>1/4/2019</a:t>
             </a:r>
-            <a:endParaRPr lang="en-US"/>
           </a:p>
         </p:txBody>
       </p:sp>
@@ -4069,7 +4062,7 @@
           <a:lstStyle/>
           <a:p>
             <a:r>
-              <a:rPr lang="fi-FI" smtClean="0"/>
+              <a:rPr lang="fi-FI"/>
               <a:t>NTUA, G. Bakas</a:t>
             </a:r>
             <a:endParaRPr lang="en-US"/>
@@ -4145,7 +4138,7 @@
           <a:lstStyle/>
           <a:p>
             <a:r>
-              <a:rPr lang="en-US" smtClean="0"/>
+              <a:rPr lang="en-US"/>
               <a:t>Click to edit Master title style</a:t>
             </a:r>
             <a:endParaRPr lang="en-US" dirty="0"/>
@@ -4168,10 +4161,9 @@
           <a:lstStyle/>
           <a:p>
             <a:r>
-              <a:rPr lang="en-US" smtClean="0"/>
+              <a:rPr lang="en-US"/>
               <a:t>1/4/2019</a:t>
             </a:r>
-            <a:endParaRPr lang="en-US"/>
           </a:p>
         </p:txBody>
       </p:sp>
@@ -4191,7 +4183,7 @@
           <a:lstStyle/>
           <a:p>
             <a:r>
-              <a:rPr lang="fi-FI" smtClean="0"/>
+              <a:rPr lang="fi-FI"/>
               <a:t>NTUA, G. Bakas</a:t>
             </a:r>
             <a:endParaRPr lang="en-US"/>
@@ -4343,10 +4335,9 @@
           <a:lstStyle/>
           <a:p>
             <a:r>
-              <a:rPr lang="en-US" smtClean="0"/>
+              <a:rPr lang="en-US"/>
               <a:t>1/4/2019</a:t>
             </a:r>
-            <a:endParaRPr lang="en-US"/>
           </a:p>
         </p:txBody>
       </p:sp>
@@ -4374,7 +4365,7 @@
           </a:lstStyle>
           <a:p>
             <a:r>
-              <a:rPr lang="fi-FI" smtClean="0"/>
+              <a:rPr lang="fi-FI"/>
               <a:t>NTUA, G. Bakas</a:t>
             </a:r>
             <a:endParaRPr lang="en-US"/>
@@ -4541,7 +4532,7 @@
           </a:lstStyle>
           <a:p>
             <a:r>
-              <a:rPr lang="en-US" smtClean="0"/>
+              <a:rPr lang="en-US"/>
               <a:t>Click to edit Master title style</a:t>
             </a:r>
             <a:endParaRPr lang="en-US" dirty="0"/>
@@ -4570,35 +4561,35 @@
           <a:p>
             <a:pPr lvl="0"/>
             <a:r>
-              <a:rPr lang="en-US" smtClean="0"/>
+              <a:rPr lang="en-US"/>
               <a:t>Edit Master text styles</a:t>
             </a:r>
           </a:p>
           <a:p>
             <a:pPr lvl="1"/>
             <a:r>
-              <a:rPr lang="en-US" smtClean="0"/>
+              <a:rPr lang="en-US"/>
               <a:t>Second level</a:t>
             </a:r>
           </a:p>
           <a:p>
             <a:pPr lvl="2"/>
             <a:r>
-              <a:rPr lang="en-US" smtClean="0"/>
+              <a:rPr lang="en-US"/>
               <a:t>Third level</a:t>
             </a:r>
           </a:p>
           <a:p>
             <a:pPr lvl="3"/>
             <a:r>
-              <a:rPr lang="en-US" smtClean="0"/>
+              <a:rPr lang="en-US"/>
               <a:t>Fourth level</a:t>
             </a:r>
           </a:p>
           <a:p>
             <a:pPr lvl="4"/>
             <a:r>
-              <a:rPr lang="en-US" smtClean="0"/>
+              <a:rPr lang="en-US"/>
               <a:t>Fifth level</a:t>
             </a:r>
             <a:endParaRPr lang="en-US" dirty="0"/>
@@ -4670,7 +4661,7 @@
           <a:p>
             <a:pPr lvl="0"/>
             <a:r>
-              <a:rPr lang="en-US" smtClean="0"/>
+              <a:rPr lang="en-US"/>
               <a:t>Edit Master text styles</a:t>
             </a:r>
           </a:p>
@@ -4701,10 +4692,9 @@
           </a:lstStyle>
           <a:p>
             <a:r>
-              <a:rPr lang="en-US" smtClean="0"/>
+              <a:rPr lang="en-US"/>
               <a:t>1/4/2019</a:t>
             </a:r>
-            <a:endParaRPr lang="en-US"/>
           </a:p>
         </p:txBody>
       </p:sp>
@@ -4737,7 +4727,7 @@
           </a:lstStyle>
           <a:p>
             <a:r>
-              <a:rPr lang="fi-FI" smtClean="0"/>
+              <a:rPr lang="fi-FI"/>
               <a:t>NTUA, G. Bakas</a:t>
             </a:r>
             <a:endParaRPr lang="en-US"/>
@@ -4912,7 +4902,7 @@
           </a:lstStyle>
           <a:p>
             <a:r>
-              <a:rPr lang="en-US" smtClean="0"/>
+              <a:rPr lang="en-US"/>
               <a:t>Click to edit Master title style</a:t>
             </a:r>
             <a:endParaRPr lang="en-US" dirty="0"/>
@@ -4982,7 +4972,7 @@
           </a:lstStyle>
           <a:p>
             <a:r>
-              <a:rPr lang="en-US" smtClean="0"/>
+              <a:rPr lang="en-US"/>
               <a:t>Click icon to add picture</a:t>
             </a:r>
             <a:endParaRPr lang="en-US" dirty="0"/>
@@ -5060,7 +5050,7 @@
           <a:p>
             <a:pPr lvl="0"/>
             <a:r>
-              <a:rPr lang="en-US" smtClean="0"/>
+              <a:rPr lang="en-US"/>
               <a:t>Edit Master text styles</a:t>
             </a:r>
           </a:p>
@@ -5082,10 +5072,9 @@
           <a:lstStyle/>
           <a:p>
             <a:r>
-              <a:rPr lang="en-US" smtClean="0"/>
+              <a:rPr lang="en-US"/>
               <a:t>1/4/2019</a:t>
             </a:r>
-            <a:endParaRPr lang="en-US"/>
           </a:p>
         </p:txBody>
       </p:sp>
@@ -5105,7 +5094,7 @@
           <a:lstStyle/>
           <a:p>
             <a:r>
-              <a:rPr lang="fi-FI" smtClean="0"/>
+              <a:rPr lang="fi-FI"/>
               <a:t>NTUA, G. Bakas</a:t>
             </a:r>
             <a:endParaRPr lang="en-US"/>
@@ -5272,7 +5261,7 @@
           <a:lstStyle/>
           <a:p>
             <a:r>
-              <a:rPr lang="en-US" smtClean="0"/>
+              <a:rPr lang="en-US"/>
               <a:t>Click to edit Master title style</a:t>
             </a:r>
             <a:endParaRPr lang="en-US" dirty="0"/>
@@ -5306,35 +5295,35 @@
           <a:p>
             <a:pPr lvl="0"/>
             <a:r>
-              <a:rPr lang="en-US" smtClean="0"/>
+              <a:rPr lang="en-US"/>
               <a:t>Edit Master text styles</a:t>
             </a:r>
           </a:p>
           <a:p>
             <a:pPr lvl="1"/>
             <a:r>
-              <a:rPr lang="en-US" smtClean="0"/>
+              <a:rPr lang="en-US"/>
               <a:t>Second level</a:t>
             </a:r>
           </a:p>
           <a:p>
             <a:pPr lvl="2"/>
             <a:r>
-              <a:rPr lang="en-US" smtClean="0"/>
+              <a:rPr lang="en-US"/>
               <a:t>Third level</a:t>
             </a:r>
           </a:p>
           <a:p>
             <a:pPr lvl="3"/>
             <a:r>
-              <a:rPr lang="en-US" smtClean="0"/>
+              <a:rPr lang="en-US"/>
               <a:t>Fourth level</a:t>
             </a:r>
           </a:p>
           <a:p>
             <a:pPr lvl="4"/>
             <a:r>
-              <a:rPr lang="en-US" smtClean="0"/>
+              <a:rPr lang="en-US"/>
               <a:t>Fifth level</a:t>
             </a:r>
             <a:endParaRPr lang="en-US" dirty="0"/>
@@ -5373,10 +5362,9 @@
           </a:lstStyle>
           <a:p>
             <a:r>
-              <a:rPr lang="en-US" smtClean="0"/>
+              <a:rPr lang="en-US"/>
               <a:t>1/4/2019</a:t>
             </a:r>
-            <a:endParaRPr lang="en-US"/>
           </a:p>
         </p:txBody>
       </p:sp>
@@ -5412,7 +5400,7 @@
           </a:lstStyle>
           <a:p>
             <a:r>
-              <a:rPr lang="fi-FI" smtClean="0"/>
+              <a:rPr lang="fi-FI"/>
               <a:t>NTUA, G. Bakas</a:t>
             </a:r>
             <a:endParaRPr lang="en-US"/>
@@ -5940,47 +5928,30 @@
               <a:rPr lang="en-US" sz="4500" dirty="0"/>
             </a:br>
             <a:r>
-              <a:rPr lang="en-US" sz="4500" dirty="0" err="1" smtClean="0"/>
+              <a:rPr lang="en-US" sz="4500" dirty="0" err="1"/>
               <a:t>TTbar</a:t>
             </a:r>
             <a:r>
-              <a:rPr lang="en-US" sz="4500" dirty="0" smtClean="0"/>
-              <a:t> </a:t>
-            </a:r>
-            <a:r>
-              <a:rPr lang="en-US" sz="4500" dirty="0" smtClean="0"/>
-              <a:t>resonances</a:t>
+              <a:rPr lang="en-US" sz="4500" dirty="0"/>
+              <a:t> resonances</a:t>
             </a:r>
             <a:br>
-              <a:rPr lang="en-US" sz="4500" dirty="0" smtClean="0"/>
+              <a:rPr lang="en-US" sz="4500" dirty="0"/>
             </a:br>
             <a:r>
-              <a:rPr lang="en-US" sz="4500" dirty="0" smtClean="0"/>
-              <a:t>Angular </a:t>
-            </a:r>
-            <a:r>
-              <a:rPr lang="en-US" sz="4500" dirty="0" smtClean="0"/>
-              <a:t>Distributions</a:t>
-            </a:r>
-            <a:r>
-              <a:rPr lang="en-US" sz="4500" dirty="0" smtClean="0"/>
-              <a:t/>
+              <a:rPr lang="en-US" sz="4500" dirty="0"/>
+              <a:t>Angular Distributions</a:t>
             </a:r>
             <a:br>
-              <a:rPr lang="en-US" sz="4500" dirty="0" smtClean="0"/>
+              <a:rPr lang="en-US" sz="4500" dirty="0"/>
             </a:br>
-            <a:r>
-              <a:rPr lang="en-US" sz="4500" dirty="0" smtClean="0"/>
-              <a:t/>
-            </a:r>
             <a:br>
-              <a:rPr lang="en-US" sz="4500" dirty="0" smtClean="0"/>
+              <a:rPr lang="en-US" sz="4500" dirty="0"/>
             </a:br>
             <a:r>
-              <a:rPr lang="en-US" sz="4500" dirty="0" smtClean="0"/>
+              <a:rPr lang="en-US" sz="4500" dirty="0"/>
               <a:t>NTUA</a:t>
             </a:r>
-            <a:endParaRPr lang="en-US" sz="4500" dirty="0"/>
           </a:p>
         </p:txBody>
       </p:sp>
@@ -6011,12 +5982,8 @@
           <a:lstStyle/>
           <a:p>
             <a:r>
-              <a:rPr lang="en-US" dirty="0" smtClean="0"/>
-              <a:t>George </a:t>
-            </a:r>
-            <a:r>
               <a:rPr lang="en-US" dirty="0"/>
-              <a:t>Bakas</a:t>
+              <a:t>George Bakas</a:t>
             </a:r>
           </a:p>
         </p:txBody>
@@ -6138,10 +6105,9 @@
           <a:lstStyle/>
           <a:p>
             <a:r>
-              <a:rPr lang="en-US" smtClean="0"/>
+              <a:rPr lang="en-US"/>
               <a:t>1/4/2019</a:t>
             </a:r>
-            <a:endParaRPr lang="en-US"/>
           </a:p>
         </p:txBody>
       </p:sp>
@@ -6161,7 +6127,7 @@
           <a:lstStyle/>
           <a:p>
             <a:r>
-              <a:rPr lang="fi-FI" smtClean="0"/>
+              <a:rPr lang="fi-FI"/>
               <a:t>NTUA, G. Bakas</a:t>
             </a:r>
             <a:endParaRPr lang="en-US"/>
@@ -6192,35 +6158,35 @@
           <a:p>
             <a:pPr algn="ctr"/>
             <a:r>
-              <a:rPr lang="el-GR" dirty="0" smtClean="0"/>
+              <a:rPr lang="el-GR" dirty="0"/>
               <a:t>χ</a:t>
             </a:r>
             <a:r>
-              <a:rPr lang="en-US" dirty="0" smtClean="0"/>
+              <a:rPr lang="en-US" dirty="0"/>
               <a:t> distribution for </a:t>
             </a:r>
             <a:r>
-              <a:rPr lang="en-US" dirty="0" err="1" smtClean="0"/>
+              <a:rPr lang="en-US" dirty="0" err="1"/>
               <a:t>Mtt</a:t>
             </a:r>
             <a:r>
-              <a:rPr lang="en-US" dirty="0" smtClean="0"/>
+              <a:rPr lang="en-US" dirty="0"/>
               <a:t> sample (1000-Inf) and </a:t>
             </a:r>
             <a:r>
-              <a:rPr lang="en-US" dirty="0" err="1" smtClean="0"/>
+              <a:rPr lang="en-US" dirty="0" err="1"/>
               <a:t>Zprime</a:t>
             </a:r>
             <a:r>
-              <a:rPr lang="en-US" dirty="0" smtClean="0"/>
+              <a:rPr lang="en-US" dirty="0"/>
               <a:t> samples with M</a:t>
             </a:r>
             <a:r>
-              <a:rPr lang="en-US" baseline="-25000" dirty="0" smtClean="0"/>
+              <a:rPr lang="en-US" baseline="-25000" dirty="0"/>
               <a:t>Z’ </a:t>
             </a:r>
             <a:r>
-              <a:rPr lang="en-US" dirty="0" smtClean="0"/>
+              <a:rPr lang="en-US" dirty="0"/>
               <a:t> = 2TeV and different widths </a:t>
             </a:r>
             <a:endParaRPr lang="en-GB" dirty="0"/>
@@ -6303,10 +6269,9 @@
           <a:lstStyle/>
           <a:p>
             <a:r>
-              <a:rPr lang="en-US" smtClean="0"/>
+              <a:rPr lang="en-US"/>
               <a:t>1/4/2019</a:t>
             </a:r>
-            <a:endParaRPr lang="en-US"/>
           </a:p>
         </p:txBody>
       </p:sp>
@@ -6326,7 +6291,7 @@
           <a:lstStyle/>
           <a:p>
             <a:r>
-              <a:rPr lang="fi-FI" smtClean="0"/>
+              <a:rPr lang="fi-FI"/>
               <a:t>NTUA, G. Bakas</a:t>
             </a:r>
             <a:endParaRPr lang="en-US"/>
@@ -6357,35 +6322,35 @@
           <a:p>
             <a:pPr algn="ctr"/>
             <a:r>
-              <a:rPr lang="el-GR" dirty="0" smtClean="0"/>
+              <a:rPr lang="el-GR" dirty="0"/>
               <a:t>χ</a:t>
             </a:r>
             <a:r>
-              <a:rPr lang="en-US" dirty="0" smtClean="0"/>
+              <a:rPr lang="en-US" dirty="0"/>
               <a:t> distribution for </a:t>
             </a:r>
             <a:r>
-              <a:rPr lang="en-US" dirty="0" err="1" smtClean="0"/>
+              <a:rPr lang="en-US" dirty="0" err="1"/>
               <a:t>Mtt</a:t>
             </a:r>
             <a:r>
-              <a:rPr lang="en-US" dirty="0" smtClean="0"/>
+              <a:rPr lang="en-US" dirty="0"/>
               <a:t> sample (1000-Inf) and </a:t>
             </a:r>
             <a:r>
-              <a:rPr lang="en-US" dirty="0" err="1" smtClean="0"/>
+              <a:rPr lang="en-US" dirty="0" err="1"/>
               <a:t>Zprime</a:t>
             </a:r>
             <a:r>
-              <a:rPr lang="en-US" dirty="0" smtClean="0"/>
+              <a:rPr lang="en-US" dirty="0"/>
               <a:t> samples with M</a:t>
             </a:r>
             <a:r>
-              <a:rPr lang="en-US" baseline="-25000" dirty="0" smtClean="0"/>
+              <a:rPr lang="en-US" baseline="-25000" dirty="0"/>
               <a:t>Z’ </a:t>
             </a:r>
             <a:r>
-              <a:rPr lang="en-US" dirty="0" smtClean="0"/>
+              <a:rPr lang="en-US" dirty="0"/>
               <a:t> = 2TeV and different widths </a:t>
             </a:r>
             <a:endParaRPr lang="en-GB" dirty="0"/>
@@ -6468,10 +6433,9 @@
           <a:lstStyle/>
           <a:p>
             <a:r>
-              <a:rPr lang="en-US" smtClean="0"/>
+              <a:rPr lang="en-US"/>
               <a:t>1/4/2019</a:t>
             </a:r>
-            <a:endParaRPr lang="en-US"/>
           </a:p>
         </p:txBody>
       </p:sp>
@@ -6491,7 +6455,7 @@
           <a:lstStyle/>
           <a:p>
             <a:r>
-              <a:rPr lang="fi-FI" smtClean="0"/>
+              <a:rPr lang="fi-FI"/>
               <a:t>NTUA, G. Bakas</a:t>
             </a:r>
             <a:endParaRPr lang="en-US"/>
@@ -6522,35 +6486,35 @@
           <a:p>
             <a:pPr algn="ctr"/>
             <a:r>
-              <a:rPr lang="el-GR" dirty="0" smtClean="0"/>
+              <a:rPr lang="el-GR" dirty="0"/>
               <a:t>χ</a:t>
             </a:r>
             <a:r>
-              <a:rPr lang="en-US" dirty="0" smtClean="0"/>
+              <a:rPr lang="en-US" dirty="0"/>
               <a:t> distribution for </a:t>
             </a:r>
             <a:r>
-              <a:rPr lang="en-US" dirty="0" err="1" smtClean="0"/>
+              <a:rPr lang="en-US" dirty="0" err="1"/>
               <a:t>Mtt</a:t>
             </a:r>
             <a:r>
-              <a:rPr lang="en-US" dirty="0" smtClean="0"/>
+              <a:rPr lang="en-US" dirty="0"/>
               <a:t> sample (1000-Inf) and </a:t>
             </a:r>
             <a:r>
-              <a:rPr lang="en-US" dirty="0" err="1" smtClean="0"/>
+              <a:rPr lang="en-US" dirty="0" err="1"/>
               <a:t>Zprime</a:t>
             </a:r>
             <a:r>
-              <a:rPr lang="en-US" dirty="0" smtClean="0"/>
+              <a:rPr lang="en-US" dirty="0"/>
               <a:t> samples with M</a:t>
             </a:r>
             <a:r>
-              <a:rPr lang="en-US" baseline="-25000" dirty="0" smtClean="0"/>
+              <a:rPr lang="en-US" baseline="-25000" dirty="0"/>
               <a:t>Z’ </a:t>
             </a:r>
             <a:r>
-              <a:rPr lang="en-US" dirty="0" smtClean="0"/>
+              <a:rPr lang="en-US" dirty="0"/>
               <a:t> = 2.5TeV and different widths </a:t>
             </a:r>
             <a:endParaRPr lang="en-GB" dirty="0"/>
@@ -6633,10 +6597,9 @@
           <a:lstStyle/>
           <a:p>
             <a:r>
-              <a:rPr lang="en-US" smtClean="0"/>
+              <a:rPr lang="en-US"/>
               <a:t>1/4/2019</a:t>
             </a:r>
-            <a:endParaRPr lang="en-US"/>
           </a:p>
         </p:txBody>
       </p:sp>
@@ -6656,7 +6619,7 @@
           <a:lstStyle/>
           <a:p>
             <a:r>
-              <a:rPr lang="fi-FI" smtClean="0"/>
+              <a:rPr lang="fi-FI"/>
               <a:t>NTUA, G. Bakas</a:t>
             </a:r>
             <a:endParaRPr lang="en-US"/>
@@ -6687,35 +6650,35 @@
           <a:p>
             <a:pPr algn="ctr"/>
             <a:r>
-              <a:rPr lang="el-GR" dirty="0" smtClean="0"/>
+              <a:rPr lang="el-GR" dirty="0"/>
               <a:t>χ</a:t>
             </a:r>
             <a:r>
-              <a:rPr lang="en-US" dirty="0" smtClean="0"/>
+              <a:rPr lang="en-US" dirty="0"/>
               <a:t> distribution for </a:t>
             </a:r>
             <a:r>
-              <a:rPr lang="en-US" dirty="0" err="1" smtClean="0"/>
+              <a:rPr lang="en-US" dirty="0" err="1"/>
               <a:t>Mtt</a:t>
             </a:r>
             <a:r>
-              <a:rPr lang="en-US" dirty="0" smtClean="0"/>
+              <a:rPr lang="en-US" dirty="0"/>
               <a:t> sample (1000-Inf) and </a:t>
             </a:r>
             <a:r>
-              <a:rPr lang="en-US" dirty="0" err="1" smtClean="0"/>
+              <a:rPr lang="en-US" dirty="0" err="1"/>
               <a:t>Zprime</a:t>
             </a:r>
             <a:r>
-              <a:rPr lang="en-US" dirty="0" smtClean="0"/>
+              <a:rPr lang="en-US" dirty="0"/>
               <a:t> samples with M</a:t>
             </a:r>
             <a:r>
-              <a:rPr lang="en-US" baseline="-25000" dirty="0" smtClean="0"/>
+              <a:rPr lang="en-US" baseline="-25000" dirty="0"/>
               <a:t>Z’ </a:t>
             </a:r>
             <a:r>
-              <a:rPr lang="en-US" dirty="0" smtClean="0"/>
+              <a:rPr lang="en-US" dirty="0"/>
               <a:t> = 2.5TeV and different widths </a:t>
             </a:r>
             <a:endParaRPr lang="en-GB" dirty="0"/>
@@ -6798,10 +6761,9 @@
           <a:lstStyle/>
           <a:p>
             <a:r>
-              <a:rPr lang="en-US" smtClean="0"/>
+              <a:rPr lang="en-US"/>
               <a:t>1/4/2019</a:t>
             </a:r>
-            <a:endParaRPr lang="en-US"/>
           </a:p>
         </p:txBody>
       </p:sp>
@@ -6821,7 +6783,7 @@
           <a:lstStyle/>
           <a:p>
             <a:r>
-              <a:rPr lang="fi-FI" smtClean="0"/>
+              <a:rPr lang="fi-FI"/>
               <a:t>NTUA, G. Bakas</a:t>
             </a:r>
             <a:endParaRPr lang="en-US"/>
@@ -6852,35 +6814,35 @@
           <a:p>
             <a:pPr algn="ctr"/>
             <a:r>
-              <a:rPr lang="el-GR" dirty="0" smtClean="0"/>
+              <a:rPr lang="el-GR" dirty="0"/>
               <a:t>χ</a:t>
             </a:r>
             <a:r>
-              <a:rPr lang="en-US" dirty="0" smtClean="0"/>
+              <a:rPr lang="en-US" dirty="0"/>
               <a:t> distribution for </a:t>
             </a:r>
             <a:r>
-              <a:rPr lang="en-US" dirty="0" err="1" smtClean="0"/>
+              <a:rPr lang="en-US" dirty="0" err="1"/>
               <a:t>Mtt</a:t>
             </a:r>
             <a:r>
-              <a:rPr lang="en-US" dirty="0" smtClean="0"/>
+              <a:rPr lang="en-US" dirty="0"/>
               <a:t> sample (1000-Inf) and </a:t>
             </a:r>
             <a:r>
-              <a:rPr lang="en-US" dirty="0" err="1" smtClean="0"/>
+              <a:rPr lang="en-US" dirty="0" err="1"/>
               <a:t>Zprime</a:t>
             </a:r>
             <a:r>
-              <a:rPr lang="en-US" dirty="0" smtClean="0"/>
+              <a:rPr lang="en-US" dirty="0"/>
               <a:t> samples with M</a:t>
             </a:r>
             <a:r>
-              <a:rPr lang="en-US" baseline="-25000" dirty="0" smtClean="0"/>
+              <a:rPr lang="en-US" baseline="-25000" dirty="0"/>
               <a:t>Z’ </a:t>
             </a:r>
             <a:r>
-              <a:rPr lang="en-US" dirty="0" smtClean="0"/>
+              <a:rPr lang="en-US" dirty="0"/>
               <a:t> = 3TeV and different widths </a:t>
             </a:r>
             <a:endParaRPr lang="en-GB" dirty="0"/>
@@ -6963,10 +6925,9 @@
           <a:lstStyle/>
           <a:p>
             <a:r>
-              <a:rPr lang="en-US" smtClean="0"/>
+              <a:rPr lang="en-US"/>
               <a:t>1/4/2019</a:t>
             </a:r>
-            <a:endParaRPr lang="en-US"/>
           </a:p>
         </p:txBody>
       </p:sp>
@@ -6986,7 +6947,7 @@
           <a:lstStyle/>
           <a:p>
             <a:r>
-              <a:rPr lang="fi-FI" smtClean="0"/>
+              <a:rPr lang="fi-FI"/>
               <a:t>NTUA, G. Bakas</a:t>
             </a:r>
             <a:endParaRPr lang="en-US"/>
@@ -7017,35 +6978,35 @@
           <a:p>
             <a:pPr algn="ctr"/>
             <a:r>
-              <a:rPr lang="el-GR" dirty="0" smtClean="0"/>
+              <a:rPr lang="el-GR" dirty="0"/>
               <a:t>χ</a:t>
             </a:r>
             <a:r>
-              <a:rPr lang="en-US" dirty="0" smtClean="0"/>
+              <a:rPr lang="en-US" dirty="0"/>
               <a:t> distribution for </a:t>
             </a:r>
             <a:r>
-              <a:rPr lang="en-US" dirty="0" err="1" smtClean="0"/>
+              <a:rPr lang="en-US" dirty="0" err="1"/>
               <a:t>Mtt</a:t>
             </a:r>
             <a:r>
-              <a:rPr lang="en-US" dirty="0" smtClean="0"/>
+              <a:rPr lang="en-US" dirty="0"/>
               <a:t> sample (1000-Inf) and </a:t>
             </a:r>
             <a:r>
-              <a:rPr lang="en-US" dirty="0" err="1" smtClean="0"/>
+              <a:rPr lang="en-US" dirty="0" err="1"/>
               <a:t>Zprime</a:t>
             </a:r>
             <a:r>
-              <a:rPr lang="en-US" dirty="0" smtClean="0"/>
+              <a:rPr lang="en-US" dirty="0"/>
               <a:t> samples with M</a:t>
             </a:r>
             <a:r>
-              <a:rPr lang="en-US" baseline="-25000" dirty="0" smtClean="0"/>
+              <a:rPr lang="en-US" baseline="-25000" dirty="0"/>
               <a:t>Z’ </a:t>
             </a:r>
             <a:r>
-              <a:rPr lang="en-US" dirty="0" smtClean="0"/>
+              <a:rPr lang="en-US" dirty="0"/>
               <a:t> = 3TeV and different widths </a:t>
             </a:r>
             <a:endParaRPr lang="en-GB" dirty="0"/>
@@ -7128,10 +7089,9 @@
           <a:lstStyle/>
           <a:p>
             <a:r>
-              <a:rPr lang="en-US" smtClean="0"/>
+              <a:rPr lang="en-US"/>
               <a:t>1/4/2019</a:t>
             </a:r>
-            <a:endParaRPr lang="en-US"/>
           </a:p>
         </p:txBody>
       </p:sp>
@@ -7151,7 +7111,7 @@
           <a:lstStyle/>
           <a:p>
             <a:r>
-              <a:rPr lang="fi-FI" smtClean="0"/>
+              <a:rPr lang="fi-FI"/>
               <a:t>NTUA, G. Bakas</a:t>
             </a:r>
             <a:endParaRPr lang="en-US"/>
@@ -7182,35 +7142,35 @@
           <a:p>
             <a:pPr algn="ctr"/>
             <a:r>
-              <a:rPr lang="el-GR" dirty="0" smtClean="0"/>
+              <a:rPr lang="el-GR" dirty="0"/>
               <a:t>χ</a:t>
             </a:r>
             <a:r>
-              <a:rPr lang="en-US" dirty="0" smtClean="0"/>
+              <a:rPr lang="en-US" dirty="0"/>
               <a:t> distribution for </a:t>
             </a:r>
             <a:r>
-              <a:rPr lang="en-US" dirty="0" err="1" smtClean="0"/>
+              <a:rPr lang="en-US" dirty="0" err="1"/>
               <a:t>Mtt</a:t>
             </a:r>
             <a:r>
-              <a:rPr lang="en-US" dirty="0" smtClean="0"/>
+              <a:rPr lang="en-US" dirty="0"/>
               <a:t> sample (1000-Inf) and </a:t>
             </a:r>
             <a:r>
-              <a:rPr lang="en-US" dirty="0" err="1" smtClean="0"/>
+              <a:rPr lang="en-US" dirty="0" err="1"/>
               <a:t>Zprime</a:t>
             </a:r>
             <a:r>
-              <a:rPr lang="en-US" dirty="0" smtClean="0"/>
+              <a:rPr lang="en-US" dirty="0"/>
               <a:t> samples with M</a:t>
             </a:r>
             <a:r>
-              <a:rPr lang="en-US" baseline="-25000" dirty="0" smtClean="0"/>
+              <a:rPr lang="en-US" baseline="-25000" dirty="0"/>
               <a:t>Z’ </a:t>
             </a:r>
             <a:r>
-              <a:rPr lang="en-US" dirty="0" smtClean="0"/>
+              <a:rPr lang="en-US" dirty="0"/>
               <a:t> = 3TeV and different widths </a:t>
             </a:r>
             <a:endParaRPr lang="en-GB" dirty="0"/>
@@ -7293,10 +7253,9 @@
           <a:lstStyle/>
           <a:p>
             <a:r>
-              <a:rPr lang="en-US" smtClean="0"/>
+              <a:rPr lang="en-US"/>
               <a:t>1/4/2019</a:t>
             </a:r>
-            <a:endParaRPr lang="en-US"/>
           </a:p>
         </p:txBody>
       </p:sp>
@@ -7316,7 +7275,7 @@
           <a:lstStyle/>
           <a:p>
             <a:r>
-              <a:rPr lang="fi-FI" smtClean="0"/>
+              <a:rPr lang="fi-FI"/>
               <a:t>NTUA, G. Bakas</a:t>
             </a:r>
             <a:endParaRPr lang="en-US"/>
@@ -7347,35 +7306,35 @@
           <a:p>
             <a:pPr algn="ctr"/>
             <a:r>
-              <a:rPr lang="el-GR" dirty="0" smtClean="0"/>
+              <a:rPr lang="el-GR" dirty="0"/>
               <a:t>χ</a:t>
             </a:r>
             <a:r>
-              <a:rPr lang="en-US" dirty="0" smtClean="0"/>
+              <a:rPr lang="en-US" dirty="0"/>
               <a:t> distribution for </a:t>
             </a:r>
             <a:r>
-              <a:rPr lang="en-US" dirty="0" err="1" smtClean="0"/>
+              <a:rPr lang="en-US" dirty="0" err="1"/>
               <a:t>Mtt</a:t>
             </a:r>
             <a:r>
-              <a:rPr lang="en-US" dirty="0" smtClean="0"/>
+              <a:rPr lang="en-US" dirty="0"/>
               <a:t> sample (1000-Inf) and </a:t>
             </a:r>
             <a:r>
-              <a:rPr lang="en-US" dirty="0" err="1" smtClean="0"/>
+              <a:rPr lang="en-US" dirty="0" err="1"/>
               <a:t>Zprime</a:t>
             </a:r>
             <a:r>
-              <a:rPr lang="en-US" dirty="0" smtClean="0"/>
+              <a:rPr lang="en-US" dirty="0"/>
               <a:t> samples with M</a:t>
             </a:r>
             <a:r>
-              <a:rPr lang="en-US" baseline="-25000" dirty="0" smtClean="0"/>
+              <a:rPr lang="en-US" baseline="-25000" dirty="0"/>
               <a:t>Z’ </a:t>
             </a:r>
             <a:r>
-              <a:rPr lang="en-US" dirty="0" smtClean="0"/>
+              <a:rPr lang="en-US" dirty="0"/>
               <a:t> = 4TeV and different widths </a:t>
             </a:r>
             <a:endParaRPr lang="en-GB" dirty="0"/>
@@ -7458,10 +7417,9 @@
           <a:lstStyle/>
           <a:p>
             <a:r>
-              <a:rPr lang="en-US" smtClean="0"/>
+              <a:rPr lang="en-US"/>
               <a:t>1/4/2019</a:t>
             </a:r>
-            <a:endParaRPr lang="en-US"/>
           </a:p>
         </p:txBody>
       </p:sp>
@@ -7481,7 +7439,7 @@
           <a:lstStyle/>
           <a:p>
             <a:r>
-              <a:rPr lang="fi-FI" smtClean="0"/>
+              <a:rPr lang="fi-FI"/>
               <a:t>NTUA, G. Bakas</a:t>
             </a:r>
             <a:endParaRPr lang="en-US"/>
@@ -7512,43 +7470,43 @@
           <a:p>
             <a:pPr algn="ctr"/>
             <a:r>
-              <a:rPr lang="el-GR" dirty="0" smtClean="0"/>
+              <a:rPr lang="el-GR" dirty="0"/>
               <a:t>χ</a:t>
             </a:r>
             <a:r>
-              <a:rPr lang="en-US" dirty="0" smtClean="0"/>
+              <a:rPr lang="en-US" dirty="0"/>
               <a:t> distribution for </a:t>
             </a:r>
             <a:r>
-              <a:rPr lang="en-US" dirty="0" err="1" smtClean="0"/>
+              <a:rPr lang="en-US" dirty="0" err="1"/>
               <a:t>Mtt</a:t>
             </a:r>
             <a:r>
-              <a:rPr lang="en-US" dirty="0" smtClean="0"/>
+              <a:rPr lang="en-US" dirty="0"/>
               <a:t> sample (1000-Inf) and </a:t>
             </a:r>
             <a:r>
-              <a:rPr lang="en-US" dirty="0" err="1" smtClean="0"/>
+              <a:rPr lang="en-US" dirty="0" err="1"/>
               <a:t>Zprime</a:t>
             </a:r>
             <a:r>
-              <a:rPr lang="en-US" dirty="0" smtClean="0"/>
+              <a:rPr lang="en-US" dirty="0"/>
               <a:t> samples with M</a:t>
             </a:r>
             <a:r>
-              <a:rPr lang="en-US" baseline="-25000" dirty="0" smtClean="0"/>
+              <a:rPr lang="en-US" baseline="-25000" dirty="0"/>
               <a:t>Z’ </a:t>
             </a:r>
             <a:r>
-              <a:rPr lang="en-US" dirty="0" smtClean="0"/>
+              <a:rPr lang="en-US" dirty="0"/>
               <a:t> </a:t>
             </a:r>
             <a:r>
-              <a:rPr lang="en-US" smtClean="0"/>
+              <a:rPr lang="en-US"/>
               <a:t>= 4TeV </a:t>
             </a:r>
             <a:r>
-              <a:rPr lang="en-US" dirty="0" smtClean="0"/>
+              <a:rPr lang="en-US" dirty="0"/>
               <a:t>and different widths </a:t>
             </a:r>
             <a:endParaRPr lang="en-GB" dirty="0"/>
@@ -7631,10 +7589,9 @@
           <a:lstStyle/>
           <a:p>
             <a:r>
-              <a:rPr lang="en-US" smtClean="0"/>
+              <a:rPr lang="en-US"/>
               <a:t>1/4/2019</a:t>
             </a:r>
-            <a:endParaRPr lang="en-US"/>
           </a:p>
         </p:txBody>
       </p:sp>
@@ -7654,7 +7611,7 @@
           <a:lstStyle/>
           <a:p>
             <a:r>
-              <a:rPr lang="fi-FI" smtClean="0"/>
+              <a:rPr lang="fi-FI"/>
               <a:t>NTUA, G. Bakas</a:t>
             </a:r>
             <a:endParaRPr lang="en-US"/>
@@ -7685,43 +7642,43 @@
           <a:p>
             <a:pPr algn="ctr"/>
             <a:r>
-              <a:rPr lang="el-GR" dirty="0" smtClean="0"/>
+              <a:rPr lang="el-GR" dirty="0"/>
               <a:t>χ</a:t>
             </a:r>
             <a:r>
-              <a:rPr lang="en-US" dirty="0" smtClean="0"/>
+              <a:rPr lang="en-US" dirty="0"/>
               <a:t> distribution for </a:t>
             </a:r>
             <a:r>
-              <a:rPr lang="en-US" dirty="0" err="1" smtClean="0"/>
+              <a:rPr lang="en-US" dirty="0" err="1"/>
               <a:t>Mtt</a:t>
             </a:r>
             <a:r>
-              <a:rPr lang="en-US" dirty="0" smtClean="0"/>
+              <a:rPr lang="en-US" dirty="0"/>
               <a:t> sample (1000-Inf) and </a:t>
             </a:r>
             <a:r>
-              <a:rPr lang="en-US" dirty="0" err="1" smtClean="0"/>
+              <a:rPr lang="en-US" dirty="0" err="1"/>
               <a:t>Zprime</a:t>
             </a:r>
             <a:r>
-              <a:rPr lang="en-US" dirty="0" smtClean="0"/>
+              <a:rPr lang="en-US" dirty="0"/>
               <a:t> samples with M</a:t>
             </a:r>
             <a:r>
-              <a:rPr lang="en-US" baseline="-25000" dirty="0" smtClean="0"/>
+              <a:rPr lang="en-US" baseline="-25000" dirty="0"/>
               <a:t>Z’ </a:t>
             </a:r>
             <a:r>
-              <a:rPr lang="en-US" dirty="0" smtClean="0"/>
+              <a:rPr lang="en-US" dirty="0"/>
               <a:t> </a:t>
             </a:r>
             <a:r>
-              <a:rPr lang="en-US" smtClean="0"/>
+              <a:rPr lang="en-US"/>
               <a:t>= 4TeV </a:t>
             </a:r>
             <a:r>
-              <a:rPr lang="en-US" dirty="0" smtClean="0"/>
+              <a:rPr lang="en-US" dirty="0"/>
               <a:t>and different widths </a:t>
             </a:r>
             <a:endParaRPr lang="en-GB" dirty="0"/>
@@ -7804,10 +7761,9 @@
           <a:lstStyle/>
           <a:p>
             <a:r>
-              <a:rPr lang="en-US" smtClean="0"/>
+              <a:rPr lang="en-US"/>
               <a:t>1/4/2019</a:t>
             </a:r>
-            <a:endParaRPr lang="en-US"/>
           </a:p>
         </p:txBody>
       </p:sp>
@@ -7827,7 +7783,7 @@
           <a:lstStyle/>
           <a:p>
             <a:r>
-              <a:rPr lang="fi-FI" dirty="0" smtClean="0"/>
+              <a:rPr lang="fi-FI" dirty="0"/>
               <a:t>NTUA, G. Bakas</a:t>
             </a:r>
             <a:endParaRPr lang="en-US" dirty="0"/>
@@ -7857,7 +7813,7 @@
           <a:lstStyle/>
           <a:p>
             <a:r>
-              <a:rPr lang="en-US" sz="2400" u="sng" dirty="0" smtClean="0"/>
+              <a:rPr lang="en-US" sz="2400" u="sng" dirty="0"/>
               <a:t>Progress Report</a:t>
             </a:r>
             <a:endParaRPr lang="en-GB" sz="2400" u="sng" dirty="0"/>
@@ -7891,7 +7847,7 @@
               <a:buChar char="•"/>
             </a:pPr>
             <a:r>
-              <a:rPr lang="en-US" sz="1600" dirty="0" smtClean="0"/>
+              <a:rPr lang="en-US" sz="1600" dirty="0"/>
               <a:t>DCS</a:t>
             </a:r>
           </a:p>
@@ -7901,11 +7857,11 @@
               <a:buChar char="•"/>
             </a:pPr>
             <a:r>
-              <a:rPr lang="en-US" sz="1600" dirty="0" err="1" smtClean="0"/>
+              <a:rPr lang="en-US" sz="1600" dirty="0" err="1"/>
               <a:t>fwInstallationUtils</a:t>
             </a:r>
             <a:r>
-              <a:rPr lang="en-GB" sz="1600" dirty="0" smtClean="0"/>
+              <a:rPr lang="en-GB" sz="1600" dirty="0"/>
               <a:t>: </a:t>
             </a:r>
           </a:p>
@@ -7915,7 +7871,7 @@
               <a:buChar char="•"/>
             </a:pPr>
             <a:r>
-              <a:rPr lang="en-US" sz="1600" dirty="0" smtClean="0"/>
+              <a:rPr lang="en-US" sz="1600" dirty="0"/>
               <a:t>Deploy the component</a:t>
             </a:r>
           </a:p>
@@ -7925,23 +7881,15 @@
               <a:buChar char="•"/>
             </a:pPr>
             <a:r>
-              <a:rPr lang="en-US" sz="1600" dirty="0" smtClean="0"/>
-              <a:t>Changes in the database</a:t>
-            </a:r>
-            <a:r>
               <a:rPr lang="en-US" sz="1600" dirty="0"/>
-              <a:t> </a:t>
-            </a:r>
-            <a:r>
-              <a:rPr lang="en-US" sz="1600" dirty="0" smtClean="0"/>
-              <a:t>(create new tables </a:t>
-            </a:r>
-            <a:r>
-              <a:rPr lang="en-US" sz="1600" dirty="0" err="1" smtClean="0"/>
+              <a:t>Changes in the database (create new tables </a:t>
+            </a:r>
+            <a:r>
+              <a:rPr lang="en-US" sz="1600" dirty="0" err="1"/>
               <a:t>etc</a:t>
             </a:r>
             <a:r>
-              <a:rPr lang="en-US" sz="1600" dirty="0" smtClean="0"/>
+              <a:rPr lang="en-US" sz="1600" dirty="0"/>
               <a:t>)</a:t>
             </a:r>
           </a:p>
@@ -7951,7 +7899,7 @@
               <a:buChar char="•"/>
             </a:pPr>
             <a:r>
-              <a:rPr lang="en-US" sz="1600" dirty="0" smtClean="0"/>
+              <a:rPr lang="en-US" sz="1600" dirty="0"/>
               <a:t>Test that the tool works both when being operated with user credentials and when being operated without user credentials</a:t>
             </a:r>
           </a:p>
@@ -7961,7 +7909,7 @@
               <a:buChar char="•"/>
             </a:pPr>
             <a:r>
-              <a:rPr lang="en-US" sz="1600" dirty="0" smtClean="0"/>
+              <a:rPr lang="en-US" sz="1600" dirty="0"/>
               <a:t>Trying to Figure multiple scenarios that may go wrong</a:t>
             </a:r>
           </a:p>
@@ -7971,10 +7919,10 @@
               <a:buChar char="•"/>
             </a:pPr>
             <a:r>
-              <a:rPr lang="en-US" sz="1600" dirty="0" err="1" smtClean="0"/>
+              <a:rPr lang="en-US" sz="1600" dirty="0" err="1"/>
               <a:t>CMSfwInstallUtils</a:t>
             </a:r>
-            <a:endParaRPr lang="en-US" sz="1600" dirty="0" smtClean="0"/>
+            <a:endParaRPr lang="en-US" sz="1600" dirty="0"/>
           </a:p>
           <a:p>
             <a:pPr marL="1200150" lvl="2" indent="-285750">
@@ -7982,11 +7930,11 @@
               <a:buChar char="•"/>
             </a:pPr>
             <a:r>
-              <a:rPr lang="en-US" sz="1600" dirty="0" err="1" smtClean="0"/>
+              <a:rPr lang="en-US" sz="1600" dirty="0" err="1"/>
               <a:t>Conf</a:t>
             </a:r>
             <a:r>
-              <a:rPr lang="en-US" sz="1600" dirty="0" smtClean="0"/>
+              <a:rPr lang="en-US" sz="1600" dirty="0"/>
               <a:t> DB checks tool </a:t>
             </a:r>
           </a:p>
@@ -7996,11 +7944,11 @@
               <a:buChar char="•"/>
             </a:pPr>
             <a:r>
-              <a:rPr lang="en-US" sz="1600" dirty="0" smtClean="0"/>
+              <a:rPr lang="en-US" sz="1600" dirty="0"/>
               <a:t>Why it takes so long to apply checks between project and </a:t>
             </a:r>
             <a:r>
-              <a:rPr lang="en-US" sz="1600" dirty="0" err="1" smtClean="0"/>
+              <a:rPr lang="en-US" sz="1600" dirty="0" err="1"/>
               <a:t>db</a:t>
             </a:r>
             <a:endParaRPr lang="en-US" sz="1600" dirty="0"/>
@@ -8011,7 +7959,7 @@
               <a:buChar char="•"/>
             </a:pPr>
             <a:r>
-              <a:rPr lang="en-US" sz="1600" dirty="0" smtClean="0"/>
+              <a:rPr lang="en-US" sz="1600" dirty="0"/>
               <a:t>Make the tool as generic as possible</a:t>
             </a:r>
           </a:p>
@@ -8028,7 +7976,7 @@
               <a:buChar char="•"/>
             </a:pPr>
             <a:r>
-              <a:rPr lang="en-US" sz="1600" dirty="0" smtClean="0"/>
+              <a:rPr lang="en-US" sz="1600" dirty="0"/>
               <a:t>Analysis:</a:t>
             </a:r>
           </a:p>
@@ -8038,11 +7986,11 @@
               <a:buChar char="•"/>
             </a:pPr>
             <a:r>
-              <a:rPr lang="en-US" sz="1600" dirty="0" err="1" smtClean="0"/>
+              <a:rPr lang="en-US" sz="1600" dirty="0" err="1"/>
               <a:t>TTbar</a:t>
             </a:r>
             <a:r>
-              <a:rPr lang="en-US" sz="1600" dirty="0" smtClean="0"/>
+              <a:rPr lang="en-US" sz="1600" dirty="0"/>
               <a:t> Angular distributions for several mass values of Z’</a:t>
             </a:r>
           </a:p>
@@ -8052,7 +8000,7 @@
               <a:buChar char="•"/>
             </a:pPr>
             <a:r>
-              <a:rPr lang="en-US" sz="1600" dirty="0" smtClean="0"/>
+              <a:rPr lang="en-US" sz="1600" dirty="0"/>
               <a:t>Hands on 2017 MC’s. </a:t>
             </a:r>
           </a:p>
@@ -8062,15 +8010,15 @@
               <a:buChar char="•"/>
             </a:pPr>
             <a:r>
-              <a:rPr lang="en-US" sz="1600" dirty="0" smtClean="0"/>
+              <a:rPr lang="en-US" sz="1600" dirty="0"/>
               <a:t>Much more samples for the </a:t>
             </a:r>
             <a:r>
-              <a:rPr lang="en-US" sz="1600" dirty="0" err="1" smtClean="0"/>
+              <a:rPr lang="en-US" sz="1600" dirty="0" err="1"/>
               <a:t>Zprime</a:t>
             </a:r>
             <a:r>
-              <a:rPr lang="en-US" sz="1600" dirty="0" smtClean="0"/>
+              <a:rPr lang="en-US" sz="1600" dirty="0"/>
               <a:t> masses </a:t>
             </a:r>
           </a:p>
@@ -8080,15 +8028,15 @@
               <a:buChar char="•"/>
             </a:pPr>
             <a:r>
-              <a:rPr lang="en-US" sz="1600" dirty="0" smtClean="0"/>
+              <a:rPr lang="en-US" sz="1600" dirty="0"/>
               <a:t>Production of QCD and </a:t>
             </a:r>
             <a:r>
-              <a:rPr lang="en-US" sz="1600" dirty="0" err="1" smtClean="0"/>
+              <a:rPr lang="en-US" sz="1600" dirty="0" err="1"/>
               <a:t>Mtt</a:t>
             </a:r>
             <a:r>
-              <a:rPr lang="en-US" sz="1600" dirty="0" smtClean="0"/>
+              <a:rPr lang="en-US" sz="1600" dirty="0"/>
               <a:t> samples</a:t>
             </a:r>
           </a:p>
@@ -8098,7 +8046,7 @@
               <a:buChar char="•"/>
             </a:pPr>
             <a:r>
-              <a:rPr lang="en-US" sz="1600" dirty="0" smtClean="0"/>
+              <a:rPr lang="en-US" sz="1600" dirty="0"/>
               <a:t>Re-train and check outputs between 2016 and 2017</a:t>
             </a:r>
           </a:p>
@@ -8108,23 +8056,23 @@
               <a:buChar char="•"/>
             </a:pPr>
             <a:r>
-              <a:rPr lang="en-US" sz="1600" dirty="0" smtClean="0"/>
+              <a:rPr lang="en-US" sz="1600" dirty="0"/>
               <a:t>Waiting for the cross sections for the </a:t>
             </a:r>
             <a:r>
-              <a:rPr lang="en-US" sz="1600" dirty="0" err="1" smtClean="0"/>
+              <a:rPr lang="en-US" sz="1600" dirty="0" err="1"/>
               <a:t>Mtt</a:t>
             </a:r>
             <a:r>
-              <a:rPr lang="en-US" sz="1600" dirty="0" smtClean="0"/>
+              <a:rPr lang="en-US" sz="1600" dirty="0"/>
               <a:t> samples. The </a:t>
             </a:r>
             <a:r>
-              <a:rPr lang="en-US" sz="1600" dirty="0" err="1" smtClean="0"/>
+              <a:rPr lang="en-US" sz="1600" dirty="0" err="1"/>
               <a:t>XsecDB</a:t>
             </a:r>
             <a:r>
-              <a:rPr lang="en-US" sz="1600" dirty="0" smtClean="0"/>
+              <a:rPr lang="en-US" sz="1600" dirty="0"/>
               <a:t> does not include all the cross sections for the samples that I need</a:t>
             </a:r>
           </a:p>
@@ -8134,20 +8082,20 @@
               <a:buChar char="•"/>
             </a:pPr>
             <a:r>
-              <a:rPr lang="en-US" sz="1600" dirty="0" smtClean="0"/>
+              <a:rPr lang="en-US" sz="1600" dirty="0"/>
               <a:t>Deep AK8: Lisa sent an email, waiting for Working Points</a:t>
             </a:r>
           </a:p>
           <a:p>
             <a:pPr lvl="1"/>
-            <a:endParaRPr lang="en-US" sz="1600" dirty="0" smtClean="0"/>
+            <a:endParaRPr lang="en-US" sz="1600" dirty="0"/>
           </a:p>
           <a:p>
             <a:pPr marL="742950" lvl="1" indent="-285750">
               <a:buFont typeface="Arial" panose="020B0604020202020204" pitchFamily="34" charset="0"/>
               <a:buChar char="•"/>
             </a:pPr>
-            <a:endParaRPr lang="en-US" sz="1600" dirty="0" smtClean="0"/>
+            <a:endParaRPr lang="en-US" sz="1600" dirty="0"/>
           </a:p>
         </p:txBody>
       </p:sp>
@@ -8197,10 +8145,9 @@
           <a:lstStyle/>
           <a:p>
             <a:r>
-              <a:rPr lang="en-US" smtClean="0"/>
+              <a:rPr lang="en-US"/>
               <a:t>1/4/2019</a:t>
             </a:r>
-            <a:endParaRPr lang="en-US"/>
           </a:p>
         </p:txBody>
       </p:sp>
@@ -8220,7 +8167,7 @@
           <a:lstStyle/>
           <a:p>
             <a:r>
-              <a:rPr lang="fi-FI" smtClean="0"/>
+              <a:rPr lang="fi-FI"/>
               <a:t>NTUA, G. Bakas</a:t>
             </a:r>
             <a:endParaRPr lang="en-US"/>
@@ -8251,35 +8198,35 @@
           <a:p>
             <a:pPr algn="ctr"/>
             <a:r>
-              <a:rPr lang="el-GR" dirty="0" smtClean="0"/>
+              <a:rPr lang="el-GR" dirty="0"/>
               <a:t>χ</a:t>
             </a:r>
             <a:r>
-              <a:rPr lang="en-US" dirty="0" smtClean="0"/>
+              <a:rPr lang="en-US" dirty="0"/>
               <a:t> distribution for </a:t>
             </a:r>
             <a:r>
-              <a:rPr lang="en-US" dirty="0" err="1" smtClean="0"/>
+              <a:rPr lang="en-US" dirty="0" err="1"/>
               <a:t>Mtt</a:t>
             </a:r>
             <a:r>
-              <a:rPr lang="en-US" dirty="0" smtClean="0"/>
+              <a:rPr lang="en-US" dirty="0"/>
               <a:t> sample (1000-Inf) and </a:t>
             </a:r>
             <a:r>
-              <a:rPr lang="en-US" dirty="0" err="1" smtClean="0"/>
+              <a:rPr lang="en-US" dirty="0" err="1"/>
               <a:t>Zprime</a:t>
             </a:r>
             <a:r>
-              <a:rPr lang="en-US" dirty="0" smtClean="0"/>
+              <a:rPr lang="en-US" dirty="0"/>
               <a:t> samples with M</a:t>
             </a:r>
             <a:r>
-              <a:rPr lang="en-US" baseline="-25000" dirty="0" smtClean="0"/>
+              <a:rPr lang="en-US" baseline="-25000" dirty="0"/>
               <a:t>Z’ </a:t>
             </a:r>
             <a:r>
-              <a:rPr lang="en-US" dirty="0" smtClean="0"/>
+              <a:rPr lang="en-US" dirty="0"/>
               <a:t> = 5TeV and different widths </a:t>
             </a:r>
             <a:endParaRPr lang="en-GB" dirty="0"/>
@@ -8362,10 +8309,9 @@
           <a:lstStyle/>
           <a:p>
             <a:r>
-              <a:rPr lang="en-US" smtClean="0"/>
+              <a:rPr lang="en-US"/>
               <a:t>1/4/2019</a:t>
             </a:r>
-            <a:endParaRPr lang="en-US"/>
           </a:p>
         </p:txBody>
       </p:sp>
@@ -8385,7 +8331,7 @@
           <a:lstStyle/>
           <a:p>
             <a:r>
-              <a:rPr lang="fi-FI" smtClean="0"/>
+              <a:rPr lang="fi-FI"/>
               <a:t>NTUA, G. Bakas</a:t>
             </a:r>
             <a:endParaRPr lang="en-US"/>
@@ -8416,43 +8362,43 @@
           <a:p>
             <a:pPr algn="ctr"/>
             <a:r>
-              <a:rPr lang="el-GR" dirty="0" smtClean="0"/>
+              <a:rPr lang="el-GR" dirty="0"/>
               <a:t>χ</a:t>
             </a:r>
             <a:r>
-              <a:rPr lang="en-US" dirty="0" smtClean="0"/>
+              <a:rPr lang="en-US" dirty="0"/>
               <a:t> distribution for </a:t>
             </a:r>
             <a:r>
-              <a:rPr lang="en-US" dirty="0" err="1" smtClean="0"/>
+              <a:rPr lang="en-US" dirty="0" err="1"/>
               <a:t>Mtt</a:t>
             </a:r>
             <a:r>
-              <a:rPr lang="en-US" dirty="0" smtClean="0"/>
+              <a:rPr lang="en-US" dirty="0"/>
               <a:t> sample (1000-Inf) and </a:t>
             </a:r>
             <a:r>
-              <a:rPr lang="en-US" dirty="0" err="1" smtClean="0"/>
+              <a:rPr lang="en-US" dirty="0" err="1"/>
               <a:t>Zprime</a:t>
             </a:r>
             <a:r>
-              <a:rPr lang="en-US" dirty="0" smtClean="0"/>
+              <a:rPr lang="en-US" dirty="0"/>
               <a:t> samples with M</a:t>
             </a:r>
             <a:r>
-              <a:rPr lang="en-US" baseline="-25000" dirty="0" smtClean="0"/>
+              <a:rPr lang="en-US" baseline="-25000" dirty="0"/>
               <a:t>Z’ </a:t>
             </a:r>
             <a:r>
-              <a:rPr lang="en-US" dirty="0" smtClean="0"/>
+              <a:rPr lang="en-US" dirty="0"/>
               <a:t> </a:t>
             </a:r>
             <a:r>
-              <a:rPr lang="en-US" smtClean="0"/>
+              <a:rPr lang="en-US"/>
               <a:t>= 5TeV </a:t>
             </a:r>
             <a:r>
-              <a:rPr lang="en-US" dirty="0" smtClean="0"/>
+              <a:rPr lang="en-US" dirty="0"/>
               <a:t>and different widths </a:t>
             </a:r>
             <a:endParaRPr lang="en-GB" dirty="0"/>
@@ -8535,10 +8481,9 @@
           <a:lstStyle/>
           <a:p>
             <a:r>
-              <a:rPr lang="en-US" smtClean="0"/>
+              <a:rPr lang="en-US"/>
               <a:t>1/4/2019</a:t>
             </a:r>
-            <a:endParaRPr lang="en-US"/>
           </a:p>
         </p:txBody>
       </p:sp>
@@ -8558,7 +8503,7 @@
           <a:lstStyle/>
           <a:p>
             <a:r>
-              <a:rPr lang="fi-FI" smtClean="0"/>
+              <a:rPr lang="fi-FI"/>
               <a:t>NTUA, G. Bakas</a:t>
             </a:r>
             <a:endParaRPr lang="en-US"/>
@@ -8589,43 +8534,43 @@
           <a:p>
             <a:pPr algn="ctr"/>
             <a:r>
-              <a:rPr lang="el-GR" dirty="0" smtClean="0"/>
+              <a:rPr lang="el-GR" dirty="0"/>
               <a:t>χ</a:t>
             </a:r>
             <a:r>
-              <a:rPr lang="en-US" dirty="0" smtClean="0"/>
+              <a:rPr lang="en-US" dirty="0"/>
               <a:t> distribution for </a:t>
             </a:r>
             <a:r>
-              <a:rPr lang="en-US" dirty="0" err="1" smtClean="0"/>
+              <a:rPr lang="en-US" dirty="0" err="1"/>
               <a:t>Mtt</a:t>
             </a:r>
             <a:r>
-              <a:rPr lang="en-US" dirty="0" smtClean="0"/>
+              <a:rPr lang="en-US" dirty="0"/>
               <a:t> sample (1000-Inf) and </a:t>
             </a:r>
             <a:r>
-              <a:rPr lang="en-US" dirty="0" err="1" smtClean="0"/>
+              <a:rPr lang="en-US" dirty="0" err="1"/>
               <a:t>Zprime</a:t>
             </a:r>
             <a:r>
-              <a:rPr lang="en-US" dirty="0" smtClean="0"/>
+              <a:rPr lang="en-US" dirty="0"/>
               <a:t> samples with M</a:t>
             </a:r>
             <a:r>
-              <a:rPr lang="en-US" baseline="-25000" dirty="0" smtClean="0"/>
+              <a:rPr lang="en-US" baseline="-25000" dirty="0"/>
               <a:t>Z’ </a:t>
             </a:r>
             <a:r>
-              <a:rPr lang="en-US" dirty="0" smtClean="0"/>
+              <a:rPr lang="en-US" dirty="0"/>
               <a:t> </a:t>
             </a:r>
             <a:r>
-              <a:rPr lang="en-US" smtClean="0"/>
+              <a:rPr lang="en-US"/>
               <a:t>= 5TeV </a:t>
             </a:r>
             <a:r>
-              <a:rPr lang="en-US" dirty="0" smtClean="0"/>
+              <a:rPr lang="en-US" dirty="0"/>
               <a:t>and different widths </a:t>
             </a:r>
             <a:endParaRPr lang="en-GB" dirty="0"/>
@@ -8708,10 +8653,9 @@
           <a:lstStyle/>
           <a:p>
             <a:r>
-              <a:rPr lang="en-US" smtClean="0"/>
+              <a:rPr lang="en-US"/>
               <a:t>1/4/2019</a:t>
             </a:r>
-            <a:endParaRPr lang="en-US"/>
           </a:p>
         </p:txBody>
       </p:sp>
@@ -8731,7 +8675,7 @@
           <a:lstStyle/>
           <a:p>
             <a:r>
-              <a:rPr lang="fi-FI" smtClean="0"/>
+              <a:rPr lang="fi-FI"/>
               <a:t>NTUA, G. Bakas</a:t>
             </a:r>
             <a:endParaRPr lang="en-US"/>
@@ -8761,15 +8705,15 @@
           <a:lstStyle/>
           <a:p>
             <a:r>
-              <a:rPr lang="en-US" u="sng" dirty="0" smtClean="0"/>
+              <a:rPr lang="en-US" u="sng" dirty="0"/>
               <a:t>Search for top-</a:t>
             </a:r>
             <a:r>
-              <a:rPr lang="en-US" u="sng" dirty="0" err="1" smtClean="0"/>
+              <a:rPr lang="en-US" u="sng" dirty="0" err="1"/>
               <a:t>antitop</a:t>
             </a:r>
             <a:r>
-              <a:rPr lang="en-US" u="sng" dirty="0" smtClean="0"/>
+              <a:rPr lang="en-US" u="sng" dirty="0"/>
               <a:t> resonances</a:t>
             </a:r>
             <a:endParaRPr lang="en-GB" u="sng" dirty="0"/>
@@ -8803,7 +8747,7 @@
               <a:buChar char="•"/>
             </a:pPr>
             <a:r>
-              <a:rPr lang="en-US" dirty="0" smtClean="0"/>
+              <a:rPr lang="en-US" dirty="0"/>
               <a:t>Numerous extensions of the SM predict the existence of new interactions with enhanced couplings to third generation quarks, especially the top quark</a:t>
             </a:r>
           </a:p>
@@ -8813,23 +8757,23 @@
               <a:buChar char="•"/>
             </a:pPr>
             <a:r>
-              <a:rPr lang="en-US" dirty="0" smtClean="0"/>
+              <a:rPr lang="en-US" dirty="0"/>
               <a:t>The associated new particle </a:t>
             </a:r>
             <a:r>
-              <a:rPr lang="en-US" dirty="0" smtClean="0">
+              <a:rPr lang="en-US" dirty="0">
                 <a:sym typeface="Wingdings" panose="05000000000000000000" pitchFamily="2" charset="2"/>
               </a:rPr>
               <a:t> observation as a </a:t>
             </a:r>
             <a:r>
-              <a:rPr lang="en-US" dirty="0" err="1" smtClean="0">
+              <a:rPr lang="en-US" dirty="0" err="1">
                 <a:sym typeface="Wingdings" panose="05000000000000000000" pitchFamily="2" charset="2"/>
               </a:rPr>
               <a:t>ttbar</a:t>
             </a:r>
             <a:r>
-              <a:rPr lang="en-US" dirty="0" smtClean="0">
+              <a:rPr lang="en-US" dirty="0">
                 <a:sym typeface="Wingdings" panose="05000000000000000000" pitchFamily="2" charset="2"/>
               </a:rPr>
               <a:t> resonance </a:t>
@@ -8841,7 +8785,7 @@
               <a:buChar char="•"/>
             </a:pPr>
             <a:r>
-              <a:rPr lang="en-US" dirty="0" smtClean="0">
+              <a:rPr lang="en-US" dirty="0">
                 <a:sym typeface="Wingdings" panose="05000000000000000000" pitchFamily="2" charset="2"/>
               </a:rPr>
               <a:t>Examples of such resonances:</a:t>
@@ -8853,7 +8797,7 @@
               <a:buAutoNum type="arabicPeriod"/>
             </a:pPr>
             <a:r>
-              <a:rPr lang="en-US" dirty="0" smtClean="0">
+              <a:rPr lang="en-US" dirty="0">
                 <a:sym typeface="Wingdings" panose="05000000000000000000" pitchFamily="2" charset="2"/>
               </a:rPr>
               <a:t>Massive Color-singlet Z like bosons (Z’)</a:t>
@@ -8865,12 +8809,12 @@
               <a:buAutoNum type="arabicPeriod"/>
             </a:pPr>
             <a:r>
-              <a:rPr lang="en-US" dirty="0" err="1" smtClean="0">
+              <a:rPr lang="en-US" dirty="0" err="1">
                 <a:sym typeface="Wingdings" panose="05000000000000000000" pitchFamily="2" charset="2"/>
               </a:rPr>
               <a:t>Colorons</a:t>
             </a:r>
-            <a:endParaRPr lang="en-US" dirty="0" smtClean="0">
+            <a:endParaRPr lang="en-US" dirty="0">
               <a:sym typeface="Wingdings" panose="05000000000000000000" pitchFamily="2" charset="2"/>
             </a:endParaRPr>
           </a:p>
@@ -8880,12 +8824,12 @@
               <a:buAutoNum type="arabicPeriod"/>
             </a:pPr>
             <a:r>
-              <a:rPr lang="en-US" dirty="0" err="1" smtClean="0">
+              <a:rPr lang="en-US" dirty="0" err="1">
                 <a:sym typeface="Wingdings" panose="05000000000000000000" pitchFamily="2" charset="2"/>
               </a:rPr>
               <a:t>Axigluons</a:t>
             </a:r>
-            <a:endParaRPr lang="en-US" dirty="0" smtClean="0">
+            <a:endParaRPr lang="en-US" dirty="0">
               <a:sym typeface="Wingdings" panose="05000000000000000000" pitchFamily="2" charset="2"/>
             </a:endParaRPr>
           </a:p>
@@ -8895,7 +8839,7 @@
               <a:buAutoNum type="arabicPeriod"/>
             </a:pPr>
             <a:r>
-              <a:rPr lang="en-US" dirty="0" smtClean="0">
+              <a:rPr lang="en-US" dirty="0">
                 <a:sym typeface="Wingdings" panose="05000000000000000000" pitchFamily="2" charset="2"/>
               </a:rPr>
               <a:t>Heavier Higgs siblings</a:t>
@@ -8907,13 +8851,13 @@
               <a:buAutoNum type="arabicPeriod"/>
             </a:pPr>
             <a:r>
-              <a:rPr lang="en-US" dirty="0" err="1" smtClean="0">
+              <a:rPr lang="en-US" dirty="0" err="1">
                 <a:sym typeface="Wingdings" panose="05000000000000000000" pitchFamily="2" charset="2"/>
               </a:rPr>
               <a:t>Kaluza</a:t>
             </a:r>
             <a:r>
-              <a:rPr lang="en-US" dirty="0" smtClean="0">
+              <a:rPr lang="en-US" dirty="0">
                 <a:sym typeface="Wingdings" panose="05000000000000000000" pitchFamily="2" charset="2"/>
               </a:rPr>
               <a:t>-Klein excitations of gluons</a:t>
@@ -8925,7 +8869,7 @@
               <a:buAutoNum type="arabicPeriod"/>
             </a:pPr>
             <a:r>
-              <a:rPr lang="en-US" dirty="0" smtClean="0">
+              <a:rPr lang="en-US" dirty="0">
                 <a:sym typeface="Wingdings" panose="05000000000000000000" pitchFamily="2" charset="2"/>
               </a:rPr>
               <a:t>Electroweak gauge bosons</a:t>
@@ -8937,19 +8881,19 @@
               <a:buAutoNum type="arabicPeriod"/>
             </a:pPr>
             <a:r>
-              <a:rPr lang="en-US" dirty="0" smtClean="0">
+              <a:rPr lang="en-US" dirty="0">
                 <a:sym typeface="Wingdings" panose="05000000000000000000" pitchFamily="2" charset="2"/>
               </a:rPr>
               <a:t>Gravitons in various extensions of the Randall-</a:t>
             </a:r>
             <a:r>
-              <a:rPr lang="en-US" dirty="0" err="1" smtClean="0">
+              <a:rPr lang="en-US" dirty="0" err="1">
                 <a:sym typeface="Wingdings" panose="05000000000000000000" pitchFamily="2" charset="2"/>
               </a:rPr>
               <a:t>Sundrum</a:t>
             </a:r>
             <a:r>
-              <a:rPr lang="en-US" dirty="0" smtClean="0">
+              <a:rPr lang="en-US" dirty="0">
                 <a:sym typeface="Wingdings" panose="05000000000000000000" pitchFamily="2" charset="2"/>
               </a:rPr>
               <a:t> model</a:t>
@@ -8970,30 +8914,30 @@
               <a:buChar char="•"/>
             </a:pPr>
             <a:r>
-              <a:rPr lang="en-US" dirty="0" smtClean="0">
+              <a:rPr lang="en-US" dirty="0">
                 <a:sym typeface="Wingdings" panose="05000000000000000000" pitchFamily="2" charset="2"/>
               </a:rPr>
               <a:t>All of the above predict the existence of </a:t>
             </a:r>
             <a:r>
-              <a:rPr lang="en-US" dirty="0" err="1" smtClean="0">
+              <a:rPr lang="en-US" dirty="0" err="1">
                 <a:sym typeface="Wingdings" panose="05000000000000000000" pitchFamily="2" charset="2"/>
               </a:rPr>
               <a:t>TeV</a:t>
             </a:r>
             <a:r>
-              <a:rPr lang="en-US" dirty="0" smtClean="0">
+              <a:rPr lang="en-US" dirty="0">
                 <a:sym typeface="Wingdings" panose="05000000000000000000" pitchFamily="2" charset="2"/>
               </a:rPr>
               <a:t>-scale resonances  with a cross section of a few </a:t>
             </a:r>
             <a:r>
-              <a:rPr lang="en-US" dirty="0" err="1" smtClean="0">
+              <a:rPr lang="en-US" dirty="0" err="1">
                 <a:sym typeface="Wingdings" panose="05000000000000000000" pitchFamily="2" charset="2"/>
               </a:rPr>
               <a:t>pb’s</a:t>
             </a:r>
-            <a:endParaRPr lang="en-US" dirty="0" smtClean="0">
+            <a:endParaRPr lang="en-US" dirty="0">
               <a:sym typeface="Wingdings" panose="05000000000000000000" pitchFamily="2" charset="2"/>
             </a:endParaRPr>
           </a:p>
@@ -9003,31 +8947,31 @@
               <a:buChar char="•"/>
             </a:pPr>
             <a:r>
-              <a:rPr lang="en-US" dirty="0" smtClean="0">
+              <a:rPr lang="en-US" dirty="0">
                 <a:sym typeface="Wingdings" panose="05000000000000000000" pitchFamily="2" charset="2"/>
               </a:rPr>
               <a:t>Resonant </a:t>
             </a:r>
             <a:r>
-              <a:rPr lang="en-US" dirty="0" err="1" smtClean="0">
+              <a:rPr lang="en-US" dirty="0" err="1">
                 <a:sym typeface="Wingdings" panose="05000000000000000000" pitchFamily="2" charset="2"/>
               </a:rPr>
               <a:t>ttbar</a:t>
             </a:r>
             <a:r>
-              <a:rPr lang="en-US" dirty="0" smtClean="0">
+              <a:rPr lang="en-US" dirty="0">
                 <a:sym typeface="Wingdings" panose="05000000000000000000" pitchFamily="2" charset="2"/>
               </a:rPr>
               <a:t> production would be observable in the reconstructed invariant mass of the </a:t>
             </a:r>
             <a:r>
-              <a:rPr lang="en-US" dirty="0" err="1" smtClean="0">
+              <a:rPr lang="en-US" dirty="0" err="1">
                 <a:sym typeface="Wingdings" panose="05000000000000000000" pitchFamily="2" charset="2"/>
               </a:rPr>
               <a:t>ttbar</a:t>
             </a:r>
             <a:r>
-              <a:rPr lang="en-US" dirty="0" smtClean="0">
+              <a:rPr lang="en-US" dirty="0">
                 <a:sym typeface="Wingdings" panose="05000000000000000000" pitchFamily="2" charset="2"/>
               </a:rPr>
               <a:t> system</a:t>
@@ -9048,19 +8992,19 @@
               <a:buChar char="•"/>
             </a:pPr>
             <a:r>
-              <a:rPr lang="en-US" dirty="0" smtClean="0">
+              <a:rPr lang="en-US" dirty="0">
                 <a:sym typeface="Wingdings" panose="05000000000000000000" pitchFamily="2" charset="2"/>
               </a:rPr>
               <a:t>Most analyses search for peaks in the invariant </a:t>
             </a:r>
             <a:r>
-              <a:rPr lang="en-US" dirty="0" err="1" smtClean="0">
+              <a:rPr lang="en-US" dirty="0" err="1">
                 <a:sym typeface="Wingdings" panose="05000000000000000000" pitchFamily="2" charset="2"/>
               </a:rPr>
               <a:t>ttbar</a:t>
             </a:r>
             <a:r>
-              <a:rPr lang="en-US" dirty="0" smtClean="0">
+              <a:rPr lang="en-US" dirty="0">
                 <a:sym typeface="Wingdings" panose="05000000000000000000" pitchFamily="2" charset="2"/>
               </a:rPr>
               <a:t> mass</a:t>
@@ -9115,10 +9059,9 @@
           <a:lstStyle/>
           <a:p>
             <a:r>
-              <a:rPr lang="en-US" smtClean="0"/>
+              <a:rPr lang="en-US"/>
               <a:t>1/4/2019</a:t>
             </a:r>
-            <a:endParaRPr lang="en-US"/>
           </a:p>
         </p:txBody>
       </p:sp>
@@ -9138,7 +9081,7 @@
           <a:lstStyle/>
           <a:p>
             <a:r>
-              <a:rPr lang="fi-FI" smtClean="0"/>
+              <a:rPr lang="fi-FI"/>
               <a:t>NTUA, G. Bakas</a:t>
             </a:r>
             <a:endParaRPr lang="en-US"/>
@@ -9174,31 +9117,31 @@
                   <a:buChar char="•"/>
                 </a:pPr>
                 <a:r>
-                  <a:rPr lang="en-US" sz="1600" dirty="0" smtClean="0"/>
+                  <a:rPr lang="en-US" sz="1600" dirty="0"/>
                   <a:t>We employ the </a:t>
                 </a:r>
                 <a:r>
-                  <a:rPr lang="en-US" sz="1600" dirty="0" err="1" smtClean="0"/>
+                  <a:rPr lang="en-US" sz="1600" dirty="0" err="1"/>
                   <a:t>dijet</a:t>
                 </a:r>
                 <a:r>
-                  <a:rPr lang="en-US" sz="1600" dirty="0" smtClean="0"/>
+                  <a:rPr lang="en-US" sz="1600" dirty="0"/>
                   <a:t> angular variable </a:t>
                 </a:r>
                 <a:r>
-                  <a:rPr lang="el-GR" sz="1600" dirty="0" smtClean="0"/>
+                  <a:rPr lang="el-GR" sz="1600" dirty="0"/>
                   <a:t>χ </a:t>
                 </a:r>
                 <a:r>
-                  <a:rPr lang="en-US" sz="1600" dirty="0" smtClean="0"/>
+                  <a:rPr lang="en-US" sz="1600" dirty="0"/>
                   <a:t>from the </a:t>
                 </a:r>
                 <a:r>
-                  <a:rPr lang="en-US" sz="1600" dirty="0" err="1" smtClean="0"/>
+                  <a:rPr lang="en-US" sz="1600" dirty="0" err="1"/>
                   <a:t>rapidities</a:t>
                 </a:r>
                 <a:r>
-                  <a:rPr lang="en-US" sz="1600" dirty="0" smtClean="0"/>
+                  <a:rPr lang="en-US" sz="1600" dirty="0"/>
                   <a:t> of the two leading jets</a:t>
                 </a:r>
               </a:p>
@@ -9208,15 +9151,15 @@
                   <a:buChar char="•"/>
                 </a:pPr>
                 <a:r>
-                  <a:rPr lang="en-US" sz="1600" dirty="0" smtClean="0"/>
+                  <a:rPr lang="en-US" sz="1600" dirty="0"/>
                   <a:t>Why </a:t>
                 </a:r>
                 <a:r>
-                  <a:rPr lang="el-GR" sz="1600" dirty="0" smtClean="0"/>
+                  <a:rPr lang="el-GR" sz="1600" dirty="0"/>
                   <a:t>χ</a:t>
                 </a:r>
                 <a:r>
-                  <a:rPr lang="en-US" sz="1600" dirty="0" smtClean="0"/>
+                  <a:rPr lang="en-US" sz="1600" dirty="0"/>
                   <a:t>?</a:t>
                 </a:r>
               </a:p>
@@ -9226,7 +9169,7 @@
                   <a:buChar char="•"/>
                 </a:pPr>
                 <a:r>
-                  <a:rPr lang="en-US" sz="1600" dirty="0" smtClean="0"/>
+                  <a:rPr lang="en-US" sz="1600" dirty="0"/>
                   <a:t>The distributions associated with the final states produced via QCD interactions are relatively flat in comparison with the distributions of the BSM models or new particles, which typically peak at low values of x</a:t>
                 </a:r>
               </a:p>
@@ -9243,15 +9186,15 @@
                   <a:buChar char="•"/>
                 </a:pPr>
                 <a:r>
-                  <a:rPr lang="en-US" sz="1600" dirty="0" smtClean="0"/>
+                  <a:rPr lang="en-US" sz="1600" dirty="0"/>
                   <a:t>We can measure the variable </a:t>
                 </a:r>
                 <a:r>
-                  <a:rPr lang="el-GR" sz="1600" dirty="0" smtClean="0"/>
+                  <a:rPr lang="el-GR" sz="1600" dirty="0"/>
                   <a:t>χ </a:t>
                 </a:r>
                 <a:r>
-                  <a:rPr lang="en-US" sz="1600" dirty="0" smtClean="0"/>
+                  <a:rPr lang="en-US" sz="1600" dirty="0"/>
                   <a:t>in two ways </a:t>
                 </a:r>
               </a:p>
@@ -9262,16 +9205,16 @@
               <a:p>
                 <a:pPr lvl="1"/>
                 <a:r>
-                  <a:rPr lang="en-US" sz="1600" dirty="0" smtClean="0"/>
+                  <a:rPr lang="en-US" sz="1600" dirty="0"/>
                   <a:t>1. By measuring the difference of the </a:t>
                 </a:r>
                 <a:r>
-                  <a:rPr lang="en-US" sz="1600" dirty="0" err="1" smtClean="0"/>
+                  <a:rPr lang="en-US" sz="1600" dirty="0" err="1"/>
                   <a:t>rapidities</a:t>
                 </a:r>
                 <a:r>
-                  <a:rPr lang="en-US" sz="1600" dirty="0" smtClean="0"/>
-                  <a:t> of the two leading jets such as the corresponding rapidity in the ZMF is: 									   </a:t>
+                  <a:rPr lang="en-US" sz="1600" dirty="0"/>
+                  <a:t> of the two leading jets such as the corresponding rapidity in the ZMF is: 									   			      </a:t>
                 </a:r>
                 <a14:m>
                   <m:oMath xmlns:m="http://schemas.openxmlformats.org/officeDocument/2006/math">
@@ -9366,7 +9309,7 @@
                       <a:rPr lang="en-US" sz="1600" b="0" i="1" smtClean="0">
                         <a:latin typeface="Cambria Math" panose="02040503050406030204" pitchFamily="18" charset="0"/>
                       </a:rPr>
-                      <m:t>+</m:t>
+                      <m:t>−</m:t>
                     </m:r>
                     <m:sSub>
                       <m:sSubPr>
@@ -9401,7 +9344,7 @@
                     </m:r>
                   </m:oMath>
                 </a14:m>
-                <a:endParaRPr lang="en-US" sz="1600" dirty="0" smtClean="0"/>
+                <a:endParaRPr lang="en-US" sz="1600" dirty="0"/>
               </a:p>
               <a:p>
                 <a:pPr lvl="1"/>
@@ -9410,23 +9353,29 @@
               <a:p>
                 <a:pPr lvl="1"/>
                 <a:r>
-                  <a:rPr lang="el-GR" sz="1600" dirty="0" smtClean="0"/>
+                  <a:rPr lang="el-GR" sz="1600" dirty="0"/>
                   <a:t>Χ </a:t>
                 </a:r>
                 <a:r>
-                  <a:rPr lang="en-US" sz="1600" dirty="0" smtClean="0"/>
+                  <a:rPr lang="en-US" sz="1600" dirty="0"/>
                   <a:t>is defined as </a:t>
                 </a:r>
                 <a14:m>
                   <m:oMath xmlns:m="http://schemas.openxmlformats.org/officeDocument/2006/math">
                     <m:r>
                       <a:rPr lang="el-GR" sz="1600" b="0" i="1" smtClean="0">
+                        <a:solidFill>
+                          <a:srgbClr val="FF0000"/>
+                        </a:solidFill>
                         <a:latin typeface="Cambria Math" panose="02040503050406030204" pitchFamily="18" charset="0"/>
                       </a:rPr>
                       <m:t>𝜒</m:t>
                     </m:r>
                     <m:r>
                       <a:rPr lang="el-GR" sz="1600" b="0" i="1" smtClean="0">
+                        <a:solidFill>
+                          <a:srgbClr val="FF0000"/>
+                        </a:solidFill>
                         <a:latin typeface="Cambria Math" panose="02040503050406030204" pitchFamily="18" charset="0"/>
                       </a:rPr>
                       <m:t>=</m:t>
@@ -9435,6 +9384,9 @@
                       <m:sSupPr>
                         <m:ctrlPr>
                           <a:rPr lang="en-US" sz="1600" b="0" i="1" smtClean="0">
+                            <a:solidFill>
+                              <a:srgbClr val="FF0000"/>
+                            </a:solidFill>
                             <a:latin typeface="Cambria Math" panose="02040503050406030204" pitchFamily="18" charset="0"/>
                           </a:rPr>
                         </m:ctrlPr>
@@ -9442,6 +9394,9 @@
                       <m:e>
                         <m:r>
                           <a:rPr lang="en-US" sz="1600" b="0" i="1" smtClean="0">
+                            <a:solidFill>
+                              <a:srgbClr val="FF0000"/>
+                            </a:solidFill>
                             <a:latin typeface="Cambria Math" panose="02040503050406030204" pitchFamily="18" charset="0"/>
                           </a:rPr>
                           <m:t>𝑒</m:t>
@@ -9452,6 +9407,9 @@
                           <m:sSupPr>
                             <m:ctrlPr>
                               <a:rPr lang="en-US" sz="1600" b="0" i="1" smtClean="0">
+                                <a:solidFill>
+                                  <a:srgbClr val="FF0000"/>
+                                </a:solidFill>
                                 <a:latin typeface="Cambria Math" panose="02040503050406030204" pitchFamily="18" charset="0"/>
                               </a:rPr>
                             </m:ctrlPr>
@@ -9459,6 +9417,18 @@
                           <m:e>
                             <m:r>
                               <a:rPr lang="en-US" sz="1600" b="0" i="1" smtClean="0">
+                                <a:solidFill>
+                                  <a:srgbClr val="FF0000"/>
+                                </a:solidFill>
+                                <a:latin typeface="Cambria Math" panose="02040503050406030204" pitchFamily="18" charset="0"/>
+                              </a:rPr>
+                              <m:t>|</m:t>
+                            </m:r>
+                            <m:r>
+                              <a:rPr lang="en-US" sz="1600" b="0" i="1" smtClean="0">
+                                <a:solidFill>
+                                  <a:srgbClr val="FF0000"/>
+                                </a:solidFill>
                                 <a:latin typeface="Cambria Math" panose="02040503050406030204" pitchFamily="18" charset="0"/>
                               </a:rPr>
                               <m:t>𝑦</m:t>
@@ -9467,16 +9437,31 @@
                           <m:sup>
                             <m:r>
                               <a:rPr lang="en-US" sz="1600" b="0" i="1" smtClean="0">
+                                <a:solidFill>
+                                  <a:srgbClr val="FF0000"/>
+                                </a:solidFill>
                                 <a:latin typeface="Cambria Math" panose="02040503050406030204" pitchFamily="18" charset="0"/>
                               </a:rPr>
                               <m:t>∗</m:t>
                             </m:r>
                           </m:sup>
                         </m:sSup>
+                        <m:r>
+                          <a:rPr lang="en-US" sz="1600" b="0" i="1" smtClean="0">
+                            <a:solidFill>
+                              <a:srgbClr val="FF0000"/>
+                            </a:solidFill>
+                            <a:latin typeface="Cambria Math" panose="02040503050406030204" pitchFamily="18" charset="0"/>
+                          </a:rPr>
+                          <m:t>|</m:t>
+                        </m:r>
                       </m:sup>
                     </m:sSup>
                     <m:r>
                       <a:rPr lang="en-US" sz="1600" b="0" i="1" smtClean="0">
+                        <a:solidFill>
+                          <a:srgbClr val="FF0000"/>
+                        </a:solidFill>
                         <a:latin typeface="Cambria Math" panose="02040503050406030204" pitchFamily="18" charset="0"/>
                       </a:rPr>
                       <m:t>=</m:t>
@@ -9485,6 +9470,9 @@
                       <m:sSupPr>
                         <m:ctrlPr>
                           <a:rPr lang="en-US" sz="1600" b="0" i="1" smtClean="0">
+                            <a:solidFill>
+                              <a:srgbClr val="FF0000"/>
+                            </a:solidFill>
                             <a:latin typeface="Cambria Math" panose="02040503050406030204" pitchFamily="18" charset="0"/>
                           </a:rPr>
                         </m:ctrlPr>
@@ -9492,16 +9480,31 @@
                       <m:e>
                         <m:r>
                           <a:rPr lang="en-US" sz="1600" b="0" i="1" smtClean="0">
+                            <a:solidFill>
+                              <a:srgbClr val="FF0000"/>
+                            </a:solidFill>
                             <a:latin typeface="Cambria Math" panose="02040503050406030204" pitchFamily="18" charset="0"/>
                           </a:rPr>
                           <m:t>𝑒</m:t>
                         </m:r>
                       </m:e>
                       <m:sup>
+                        <m:r>
+                          <a:rPr lang="en-US" sz="1600" b="0" i="1" smtClean="0">
+                            <a:solidFill>
+                              <a:srgbClr val="FF0000"/>
+                            </a:solidFill>
+                            <a:latin typeface="Cambria Math" panose="02040503050406030204" pitchFamily="18" charset="0"/>
+                          </a:rPr>
+                          <m:t>|</m:t>
+                        </m:r>
                         <m:sSub>
                           <m:sSubPr>
                             <m:ctrlPr>
                               <a:rPr lang="en-US" sz="1600" b="0" i="1" smtClean="0">
+                                <a:solidFill>
+                                  <a:srgbClr val="FF0000"/>
+                                </a:solidFill>
                                 <a:latin typeface="Cambria Math" panose="02040503050406030204" pitchFamily="18" charset="0"/>
                               </a:rPr>
                             </m:ctrlPr>
@@ -9509,6 +9512,9 @@
                           <m:e>
                             <m:r>
                               <a:rPr lang="en-US" sz="1600" b="0" i="1" smtClean="0">
+                                <a:solidFill>
+                                  <a:srgbClr val="FF0000"/>
+                                </a:solidFill>
                                 <a:latin typeface="Cambria Math" panose="02040503050406030204" pitchFamily="18" charset="0"/>
                               </a:rPr>
                               <m:t>𝑦</m:t>
@@ -9517,6 +9523,9 @@
                           <m:sub>
                             <m:r>
                               <a:rPr lang="en-US" sz="1600" b="0" i="1" smtClean="0">
+                                <a:solidFill>
+                                  <a:srgbClr val="FF0000"/>
+                                </a:solidFill>
                                 <a:latin typeface="Cambria Math" panose="02040503050406030204" pitchFamily="18" charset="0"/>
                               </a:rPr>
                               <m:t>1</m:t>
@@ -9525,6 +9534,9 @@
                         </m:sSub>
                         <m:r>
                           <a:rPr lang="en-US" sz="1600" b="0" i="1" smtClean="0">
+                            <a:solidFill>
+                              <a:srgbClr val="FF0000"/>
+                            </a:solidFill>
                             <a:latin typeface="Cambria Math" panose="02040503050406030204" pitchFamily="18" charset="0"/>
                           </a:rPr>
                           <m:t>−</m:t>
@@ -9533,6 +9545,9 @@
                           <m:sSubPr>
                             <m:ctrlPr>
                               <a:rPr lang="en-US" sz="1600" b="0" i="1" smtClean="0">
+                                <a:solidFill>
+                                  <a:srgbClr val="FF0000"/>
+                                </a:solidFill>
                                 <a:latin typeface="Cambria Math" panose="02040503050406030204" pitchFamily="18" charset="0"/>
                               </a:rPr>
                             </m:ctrlPr>
@@ -9540,6 +9555,9 @@
                           <m:e>
                             <m:r>
                               <a:rPr lang="en-US" sz="1600" b="0" i="1" smtClean="0">
+                                <a:solidFill>
+                                  <a:srgbClr val="FF0000"/>
+                                </a:solidFill>
                                 <a:latin typeface="Cambria Math" panose="02040503050406030204" pitchFamily="18" charset="0"/>
                               </a:rPr>
                               <m:t>𝑦</m:t>
@@ -9548,42 +9566,50 @@
                           <m:sub>
                             <m:r>
                               <a:rPr lang="en-US" sz="1600" b="0" i="1" smtClean="0">
+                                <a:solidFill>
+                                  <a:srgbClr val="FF0000"/>
+                                </a:solidFill>
                                 <a:latin typeface="Cambria Math" panose="02040503050406030204" pitchFamily="18" charset="0"/>
                               </a:rPr>
                               <m:t>2</m:t>
                             </m:r>
                           </m:sub>
                         </m:sSub>
+                        <m:r>
+                          <a:rPr lang="en-US" sz="1600" b="0" i="1" smtClean="0">
+                            <a:solidFill>
+                              <a:srgbClr val="FF0000"/>
+                            </a:solidFill>
+                            <a:latin typeface="Cambria Math" panose="02040503050406030204" pitchFamily="18" charset="0"/>
+                          </a:rPr>
+                          <m:t>|</m:t>
+                        </m:r>
                       </m:sup>
                     </m:sSup>
                   </m:oMath>
                 </a14:m>
                 <a:r>
-                  <a:rPr lang="en-US" sz="1600" dirty="0" smtClean="0"/>
+                  <a:rPr lang="en-US" sz="1600" dirty="0"/>
                   <a:t> (1) and can be measured by creating the </a:t>
                 </a:r>
                 <a:r>
-                  <a:rPr lang="en-US" sz="1600" dirty="0" err="1" smtClean="0"/>
+                  <a:rPr lang="en-US" sz="1600" dirty="0" err="1"/>
                   <a:t>TLorentzVector</a:t>
                 </a:r>
                 <a:r>
-                  <a:rPr lang="en-US" sz="1600" dirty="0" smtClean="0"/>
+                  <a:rPr lang="en-US" sz="1600" dirty="0"/>
                   <a:t>, boost it to the ZMF and find the rapidity difference of the two leading jets</a:t>
                 </a:r>
               </a:p>
               <a:p>
                 <a:pPr lvl="1"/>
-                <a:endParaRPr lang="en-US" sz="1600" dirty="0" smtClean="0"/>
+                <a:endParaRPr lang="en-US" sz="1600" dirty="0"/>
               </a:p>
               <a:p>
                 <a:pPr lvl="1"/>
                 <a:r>
-                  <a:rPr lang="en-US" sz="1600" dirty="0" smtClean="0"/>
-                  <a:t>2. </a:t>
-                </a:r>
-                <a:r>
                   <a:rPr lang="en-US" sz="1600" dirty="0"/>
-                  <a:t>By measuring the scattering angle </a:t>
+                  <a:t>2. By measuring the scattering angle </a:t>
                 </a:r>
                 <a:r>
                   <a:rPr lang="el-GR" sz="1600" dirty="0"/>
@@ -9803,11 +9829,7 @@
                 </a14:m>
                 <a:r>
                   <a:rPr lang="en-US" sz="1600" dirty="0"/>
-                  <a:t>  </a:t>
-                </a:r>
-                <a:r>
-                  <a:rPr lang="en-US" sz="1600" dirty="0" smtClean="0"/>
-                  <a:t> and from (1) we can find that:</a:t>
+                  <a:t>   and from (1) we can find that:</a:t>
                 </a:r>
               </a:p>
               <a:p>
@@ -9942,32 +9964,32 @@
                     </m:oMath>
                   </m:oMathPara>
                 </a14:m>
-                <a:endParaRPr lang="en-US" sz="1600" dirty="0" smtClean="0"/>
+                <a:endParaRPr lang="en-US" sz="1600" dirty="0"/>
               </a:p>
               <a:p>
                 <a:pPr lvl="1"/>
-                <a:endParaRPr lang="en-US" sz="1600" dirty="0" smtClean="0"/>
+                <a:endParaRPr lang="en-US" sz="1600" dirty="0"/>
               </a:p>
               <a:p>
                 <a:pPr lvl="1"/>
                 <a:r>
-                  <a:rPr lang="en-US" sz="1600" dirty="0" smtClean="0"/>
+                  <a:rPr lang="en-US" sz="1600" dirty="0"/>
                   <a:t>3. Distribution of the </a:t>
                 </a:r>
                 <a:r>
-                  <a:rPr lang="el-GR" sz="1600" dirty="0" smtClean="0"/>
+                  <a:rPr lang="el-GR" sz="1600" dirty="0"/>
                   <a:t>χ </a:t>
                 </a:r>
                 <a:r>
-                  <a:rPr lang="en-US" sz="1600" dirty="0" smtClean="0"/>
+                  <a:rPr lang="en-US" sz="1600" dirty="0"/>
                   <a:t>variable for specific </a:t>
                 </a:r>
                 <a:r>
-                  <a:rPr lang="en-US" sz="1600" dirty="0" err="1" smtClean="0"/>
+                  <a:rPr lang="en-US" sz="1600" dirty="0" err="1"/>
                   <a:t>Mtt</a:t>
                 </a:r>
                 <a:r>
-                  <a:rPr lang="en-US" sz="1600" dirty="0" smtClean="0"/>
+                  <a:rPr lang="en-US" sz="1600" dirty="0"/>
                   <a:t> ranges: [1000-2500]GeV, [2500-3500]GeV, [3500-5000]GeV</a:t>
                 </a:r>
               </a:p>
@@ -9977,7 +9999,6 @@
                   <a:rPr lang="en-US" sz="1600" dirty="0"/>
                   <a:t>	</a:t>
                 </a:r>
-                <a:endParaRPr lang="en-US" sz="1600" dirty="0"/>
               </a:p>
               <a:p>
                 <a:pPr lvl="1"/>
@@ -9985,7 +10006,7 @@
               </a:p>
               <a:p>
                 <a:pPr lvl="1"/>
-                <a:endParaRPr lang="en-US" sz="1600" dirty="0" smtClean="0"/>
+                <a:endParaRPr lang="en-US" sz="1600" dirty="0"/>
               </a:p>
               <a:p>
                 <a:pPr lvl="1"/>
@@ -10028,7 +10049,7 @@
               <a:blipFill>
                 <a:blip r:embed="rId3"/>
                 <a:stretch>
-                  <a:fillRect l="-210" t="-270"/>
+                  <a:fillRect l="-109" r="-327"/>
                 </a:stretch>
               </a:blipFill>
             </p:spPr>
@@ -10037,7 +10058,7 @@
               <a:lstStyle/>
               <a:p>
                 <a:r>
-                  <a:rPr lang="en-GB">
+                  <a:rPr lang="en-US">
                     <a:noFill/>
                   </a:rPr>
                   <a:t> </a:t>
@@ -10070,7 +10091,7 @@
           <a:lstStyle/>
           <a:p>
             <a:r>
-              <a:rPr lang="en-US" u="sng" dirty="0" smtClean="0"/>
+              <a:rPr lang="en-US" u="sng" dirty="0"/>
               <a:t>Variables</a:t>
             </a:r>
             <a:endParaRPr lang="en-GB" u="sng" dirty="0"/>
@@ -10123,10 +10144,9 @@
           <a:lstStyle/>
           <a:p>
             <a:r>
-              <a:rPr lang="en-US" smtClean="0"/>
+              <a:rPr lang="en-US"/>
               <a:t>1/4/2019</a:t>
             </a:r>
-            <a:endParaRPr lang="en-US"/>
           </a:p>
         </p:txBody>
       </p:sp>
@@ -10146,7 +10166,7 @@
           <a:lstStyle/>
           <a:p>
             <a:r>
-              <a:rPr lang="fi-FI" smtClean="0"/>
+              <a:rPr lang="fi-FI"/>
               <a:t>NTUA, G. Bakas</a:t>
             </a:r>
             <a:endParaRPr lang="en-US"/>
@@ -10201,39 +10221,39 @@
           <a:p>
             <a:pPr algn="ctr"/>
             <a:r>
-              <a:rPr lang="en-US" dirty="0" err="1" smtClean="0"/>
+              <a:rPr lang="en-US" dirty="0" err="1"/>
               <a:t>M</a:t>
             </a:r>
             <a:r>
-              <a:rPr lang="en-US" baseline="-25000" dirty="0" err="1" smtClean="0"/>
+              <a:rPr lang="en-US" baseline="-25000" dirty="0" err="1"/>
               <a:t>tt</a:t>
             </a:r>
             <a:r>
-              <a:rPr lang="en-US" dirty="0" smtClean="0"/>
+              <a:rPr lang="en-US" dirty="0"/>
               <a:t> distribution for </a:t>
             </a:r>
             <a:r>
-              <a:rPr lang="en-US" dirty="0" err="1" smtClean="0"/>
+              <a:rPr lang="en-US" dirty="0" err="1"/>
               <a:t>Mtt</a:t>
             </a:r>
             <a:r>
-              <a:rPr lang="en-US" dirty="0" smtClean="0"/>
+              <a:rPr lang="en-US" dirty="0"/>
               <a:t> sample (1000-Inf) and </a:t>
             </a:r>
             <a:r>
-              <a:rPr lang="en-US" dirty="0" err="1" smtClean="0"/>
+              <a:rPr lang="en-US" dirty="0" err="1"/>
               <a:t>Zprime</a:t>
             </a:r>
             <a:r>
-              <a:rPr lang="en-US" dirty="0" smtClean="0"/>
+              <a:rPr lang="en-US" dirty="0"/>
               <a:t> samples with M</a:t>
             </a:r>
             <a:r>
-              <a:rPr lang="en-US" baseline="-25000" dirty="0" smtClean="0"/>
+              <a:rPr lang="en-US" baseline="-25000" dirty="0"/>
               <a:t>Z’ </a:t>
             </a:r>
             <a:r>
-              <a:rPr lang="en-US" dirty="0" smtClean="0"/>
+              <a:rPr lang="en-US" dirty="0"/>
               <a:t> = 2TeV and different widths </a:t>
             </a:r>
             <a:endParaRPr lang="en-GB" dirty="0"/>
@@ -10286,10 +10306,9 @@
           <a:lstStyle/>
           <a:p>
             <a:r>
-              <a:rPr lang="en-US" smtClean="0"/>
+              <a:rPr lang="en-US"/>
               <a:t>1/4/2019</a:t>
             </a:r>
-            <a:endParaRPr lang="en-US"/>
           </a:p>
         </p:txBody>
       </p:sp>
@@ -10309,7 +10328,7 @@
           <a:lstStyle/>
           <a:p>
             <a:r>
-              <a:rPr lang="fi-FI" smtClean="0"/>
+              <a:rPr lang="fi-FI"/>
               <a:t>NTUA, G. Bakas</a:t>
             </a:r>
             <a:endParaRPr lang="en-US"/>
@@ -10364,39 +10383,39 @@
           <a:p>
             <a:pPr algn="ctr"/>
             <a:r>
-              <a:rPr lang="en-US" dirty="0" err="1" smtClean="0"/>
+              <a:rPr lang="en-US" dirty="0" err="1"/>
               <a:t>M</a:t>
             </a:r>
             <a:r>
-              <a:rPr lang="en-US" baseline="-25000" dirty="0" err="1" smtClean="0"/>
+              <a:rPr lang="en-US" baseline="-25000" dirty="0" err="1"/>
               <a:t>tt</a:t>
             </a:r>
             <a:r>
-              <a:rPr lang="en-US" dirty="0" smtClean="0"/>
+              <a:rPr lang="en-US" dirty="0"/>
               <a:t> distribution for </a:t>
             </a:r>
             <a:r>
-              <a:rPr lang="en-US" dirty="0" err="1" smtClean="0"/>
+              <a:rPr lang="en-US" dirty="0" err="1"/>
               <a:t>Mtt</a:t>
             </a:r>
             <a:r>
-              <a:rPr lang="en-US" dirty="0" smtClean="0"/>
+              <a:rPr lang="en-US" dirty="0"/>
               <a:t> sample (1000-Inf) and </a:t>
             </a:r>
             <a:r>
-              <a:rPr lang="en-US" dirty="0" err="1" smtClean="0"/>
+              <a:rPr lang="en-US" dirty="0" err="1"/>
               <a:t>Zprime</a:t>
             </a:r>
             <a:r>
-              <a:rPr lang="en-US" dirty="0" smtClean="0"/>
+              <a:rPr lang="en-US" dirty="0"/>
               <a:t> samples with M</a:t>
             </a:r>
             <a:r>
-              <a:rPr lang="en-US" baseline="-25000" dirty="0" smtClean="0"/>
+              <a:rPr lang="en-US" baseline="-25000" dirty="0"/>
               <a:t>Z’ </a:t>
             </a:r>
             <a:r>
-              <a:rPr lang="en-US" dirty="0" smtClean="0"/>
+              <a:rPr lang="en-US" dirty="0"/>
               <a:t> = 2.5TeV and different widths </a:t>
             </a:r>
             <a:endParaRPr lang="en-GB" dirty="0"/>
@@ -10449,10 +10468,9 @@
           <a:lstStyle/>
           <a:p>
             <a:r>
-              <a:rPr lang="en-US" smtClean="0"/>
+              <a:rPr lang="en-US"/>
               <a:t>1/4/2019</a:t>
             </a:r>
-            <a:endParaRPr lang="en-US"/>
           </a:p>
         </p:txBody>
       </p:sp>
@@ -10472,7 +10490,7 @@
           <a:lstStyle/>
           <a:p>
             <a:r>
-              <a:rPr lang="fi-FI" smtClean="0"/>
+              <a:rPr lang="fi-FI"/>
               <a:t>NTUA, G. Bakas</a:t>
             </a:r>
             <a:endParaRPr lang="en-US"/>
@@ -10527,39 +10545,39 @@
           <a:p>
             <a:pPr algn="ctr"/>
             <a:r>
-              <a:rPr lang="en-US" dirty="0" err="1" smtClean="0"/>
+              <a:rPr lang="en-US" dirty="0" err="1"/>
               <a:t>M</a:t>
             </a:r>
             <a:r>
-              <a:rPr lang="en-US" baseline="-25000" dirty="0" err="1" smtClean="0"/>
+              <a:rPr lang="en-US" baseline="-25000" dirty="0" err="1"/>
               <a:t>tt</a:t>
             </a:r>
             <a:r>
-              <a:rPr lang="en-US" dirty="0" smtClean="0"/>
+              <a:rPr lang="en-US" dirty="0"/>
               <a:t> distribution for </a:t>
             </a:r>
             <a:r>
-              <a:rPr lang="en-US" dirty="0" err="1" smtClean="0"/>
+              <a:rPr lang="en-US" dirty="0" err="1"/>
               <a:t>Mtt</a:t>
             </a:r>
             <a:r>
-              <a:rPr lang="en-US" dirty="0" smtClean="0"/>
+              <a:rPr lang="en-US" dirty="0"/>
               <a:t> sample (1000-Inf) and </a:t>
             </a:r>
             <a:r>
-              <a:rPr lang="en-US" dirty="0" err="1" smtClean="0"/>
+              <a:rPr lang="en-US" dirty="0" err="1"/>
               <a:t>Zprime</a:t>
             </a:r>
             <a:r>
-              <a:rPr lang="en-US" dirty="0" smtClean="0"/>
+              <a:rPr lang="en-US" dirty="0"/>
               <a:t> samples with M</a:t>
             </a:r>
             <a:r>
-              <a:rPr lang="en-US" baseline="-25000" dirty="0" smtClean="0"/>
+              <a:rPr lang="en-US" baseline="-25000" dirty="0"/>
               <a:t>Z’ </a:t>
             </a:r>
             <a:r>
-              <a:rPr lang="en-US" dirty="0" smtClean="0"/>
+              <a:rPr lang="en-US" dirty="0"/>
               <a:t> = 3TeV and different widths </a:t>
             </a:r>
             <a:endParaRPr lang="en-GB" dirty="0"/>
@@ -10612,10 +10630,9 @@
           <a:lstStyle/>
           <a:p>
             <a:r>
-              <a:rPr lang="en-US" smtClean="0"/>
+              <a:rPr lang="en-US"/>
               <a:t>1/4/2019</a:t>
             </a:r>
-            <a:endParaRPr lang="en-US"/>
           </a:p>
         </p:txBody>
       </p:sp>
@@ -10635,7 +10652,7 @@
           <a:lstStyle/>
           <a:p>
             <a:r>
-              <a:rPr lang="fi-FI" smtClean="0"/>
+              <a:rPr lang="fi-FI"/>
               <a:t>NTUA, G. Bakas</a:t>
             </a:r>
             <a:endParaRPr lang="en-US"/>
@@ -10690,39 +10707,39 @@
           <a:p>
             <a:pPr algn="ctr"/>
             <a:r>
-              <a:rPr lang="en-US" dirty="0" err="1" smtClean="0"/>
+              <a:rPr lang="en-US" dirty="0" err="1"/>
               <a:t>M</a:t>
             </a:r>
             <a:r>
-              <a:rPr lang="en-US" baseline="-25000" dirty="0" err="1" smtClean="0"/>
+              <a:rPr lang="en-US" baseline="-25000" dirty="0" err="1"/>
               <a:t>tt</a:t>
             </a:r>
             <a:r>
-              <a:rPr lang="en-US" dirty="0" smtClean="0"/>
+              <a:rPr lang="en-US" dirty="0"/>
               <a:t> distribution for </a:t>
             </a:r>
             <a:r>
-              <a:rPr lang="en-US" dirty="0" err="1" smtClean="0"/>
+              <a:rPr lang="en-US" dirty="0" err="1"/>
               <a:t>Mtt</a:t>
             </a:r>
             <a:r>
-              <a:rPr lang="en-US" dirty="0" smtClean="0"/>
+              <a:rPr lang="en-US" dirty="0"/>
               <a:t> sample (1000-Inf) and </a:t>
             </a:r>
             <a:r>
-              <a:rPr lang="en-US" dirty="0" err="1" smtClean="0"/>
+              <a:rPr lang="en-US" dirty="0" err="1"/>
               <a:t>Zprime</a:t>
             </a:r>
             <a:r>
-              <a:rPr lang="en-US" dirty="0" smtClean="0"/>
+              <a:rPr lang="en-US" dirty="0"/>
               <a:t> samples with M</a:t>
             </a:r>
             <a:r>
-              <a:rPr lang="en-US" baseline="-25000" dirty="0" smtClean="0"/>
+              <a:rPr lang="en-US" baseline="-25000" dirty="0"/>
               <a:t>Z’ </a:t>
             </a:r>
             <a:r>
-              <a:rPr lang="en-US" dirty="0" smtClean="0"/>
+              <a:rPr lang="en-US" dirty="0"/>
               <a:t> = 4TeV and different widths </a:t>
             </a:r>
             <a:endParaRPr lang="en-GB" dirty="0"/>
@@ -10775,10 +10792,9 @@
           <a:lstStyle/>
           <a:p>
             <a:r>
-              <a:rPr lang="en-US" smtClean="0"/>
+              <a:rPr lang="en-US"/>
               <a:t>1/4/2019</a:t>
             </a:r>
-            <a:endParaRPr lang="en-US"/>
           </a:p>
         </p:txBody>
       </p:sp>
@@ -10798,7 +10814,7 @@
           <a:lstStyle/>
           <a:p>
             <a:r>
-              <a:rPr lang="fi-FI" smtClean="0"/>
+              <a:rPr lang="fi-FI"/>
               <a:t>NTUA, G. Bakas</a:t>
             </a:r>
             <a:endParaRPr lang="en-US"/>
@@ -10853,39 +10869,39 @@
           <a:p>
             <a:pPr algn="ctr"/>
             <a:r>
-              <a:rPr lang="en-US" dirty="0" err="1" smtClean="0"/>
+              <a:rPr lang="en-US" dirty="0" err="1"/>
               <a:t>M</a:t>
             </a:r>
             <a:r>
-              <a:rPr lang="en-US" baseline="-25000" dirty="0" err="1" smtClean="0"/>
+              <a:rPr lang="en-US" baseline="-25000" dirty="0" err="1"/>
               <a:t>tt</a:t>
             </a:r>
             <a:r>
-              <a:rPr lang="en-US" dirty="0" smtClean="0"/>
+              <a:rPr lang="en-US" dirty="0"/>
               <a:t> distribution for </a:t>
             </a:r>
             <a:r>
-              <a:rPr lang="en-US" dirty="0" err="1" smtClean="0"/>
+              <a:rPr lang="en-US" dirty="0" err="1"/>
               <a:t>Mtt</a:t>
             </a:r>
             <a:r>
-              <a:rPr lang="en-US" dirty="0" smtClean="0"/>
+              <a:rPr lang="en-US" dirty="0"/>
               <a:t> sample (1000-Inf) and </a:t>
             </a:r>
             <a:r>
-              <a:rPr lang="en-US" dirty="0" err="1" smtClean="0"/>
+              <a:rPr lang="en-US" dirty="0" err="1"/>
               <a:t>Zprime</a:t>
             </a:r>
             <a:r>
-              <a:rPr lang="en-US" dirty="0" smtClean="0"/>
+              <a:rPr lang="en-US" dirty="0"/>
               <a:t> samples with M</a:t>
             </a:r>
             <a:r>
-              <a:rPr lang="en-US" baseline="-25000" dirty="0" smtClean="0"/>
+              <a:rPr lang="en-US" baseline="-25000" dirty="0"/>
               <a:t>Z’ </a:t>
             </a:r>
             <a:r>
-              <a:rPr lang="en-US" dirty="0" smtClean="0"/>
+              <a:rPr lang="en-US" dirty="0"/>
               <a:t> = 5TeV and different widths </a:t>
             </a:r>
             <a:endParaRPr lang="en-GB" dirty="0"/>

--- a/Weekly Meetings/HEP_Angular_Distributions_Presentation_21May2019.pptx
+++ b/Weekly Meetings/HEP_Angular_Distributions_Presentation_21May2019.pptx
@@ -5,7 +5,7 @@
     <p:sldMasterId id="2147483875" r:id="rId1"/>
   </p:sldMasterIdLst>
   <p:notesMasterIdLst>
-    <p:notesMasterId r:id="rId24"/>
+    <p:notesMasterId r:id="rId37"/>
   </p:notesMasterIdLst>
   <p:sldIdLst>
     <p:sldId id="256" r:id="rId2"/>
@@ -30,6 +30,19 @@
     <p:sldId id="276" r:id="rId21"/>
     <p:sldId id="277" r:id="rId22"/>
     <p:sldId id="278" r:id="rId23"/>
+    <p:sldId id="279" r:id="rId24"/>
+    <p:sldId id="280" r:id="rId25"/>
+    <p:sldId id="281" r:id="rId26"/>
+    <p:sldId id="282" r:id="rId27"/>
+    <p:sldId id="283" r:id="rId28"/>
+    <p:sldId id="284" r:id="rId29"/>
+    <p:sldId id="285" r:id="rId30"/>
+    <p:sldId id="288" r:id="rId31"/>
+    <p:sldId id="286" r:id="rId32"/>
+    <p:sldId id="287" r:id="rId33"/>
+    <p:sldId id="289" r:id="rId34"/>
+    <p:sldId id="290" r:id="rId35"/>
+    <p:sldId id="291" r:id="rId36"/>
   </p:sldIdLst>
   <p:sldSz cx="12192000" cy="6858000"/>
   <p:notesSz cx="6858000" cy="9144000"/>
@@ -218,7 +231,7 @@
           <a:p>
             <a:fld id="{E0F3FC76-411E-494E-BBF7-54618820D3D9}" type="datetimeFigureOut">
               <a:rPr lang="en-GB" smtClean="0"/>
-              <a:t>21/05/2019</a:t>
+              <a:t>22/05/2019</a:t>
             </a:fld>
             <a:endParaRPr lang="en-GB"/>
           </a:p>
@@ -1578,6 +1591,762 @@
 </p:notes>
 </file>
 
+<file path=ppt/notesSlides/notesSlide21.xml><?xml version="1.0" encoding="utf-8"?>
+<p:notes xmlns:a="http://schemas.openxmlformats.org/drawingml/2006/main" xmlns:r="http://schemas.openxmlformats.org/officeDocument/2006/relationships" xmlns:p="http://schemas.openxmlformats.org/presentationml/2006/main">
+  <p:cSld>
+    <p:spTree>
+      <p:nvGrpSpPr>
+        <p:cNvPr id="1" name=""/>
+        <p:cNvGrpSpPr/>
+        <p:nvPr/>
+      </p:nvGrpSpPr>
+      <p:grpSpPr>
+        <a:xfrm>
+          <a:off x="0" y="0"/>
+          <a:ext cx="0" cy="0"/>
+          <a:chOff x="0" y="0"/>
+          <a:chExt cx="0" cy="0"/>
+        </a:xfrm>
+      </p:grpSpPr>
+      <p:sp>
+        <p:nvSpPr>
+          <p:cNvPr id="2" name="Slide Image Placeholder 1"/>
+          <p:cNvSpPr>
+            <a:spLocks noGrp="1" noRot="1" noChangeAspect="1"/>
+          </p:cNvSpPr>
+          <p:nvPr>
+            <p:ph type="sldImg"/>
+          </p:nvPr>
+        </p:nvSpPr>
+        <p:spPr/>
+      </p:sp>
+      <p:sp>
+        <p:nvSpPr>
+          <p:cNvPr id="3" name="Notes Placeholder 2"/>
+          <p:cNvSpPr>
+            <a:spLocks noGrp="1"/>
+          </p:cNvSpPr>
+          <p:nvPr>
+            <p:ph type="body" idx="1"/>
+          </p:nvPr>
+        </p:nvSpPr>
+        <p:spPr/>
+        <p:txBody>
+          <a:bodyPr/>
+          <a:lstStyle/>
+          <a:p>
+            <a:endParaRPr lang="en-GB" dirty="0"/>
+          </a:p>
+        </p:txBody>
+      </p:sp>
+      <p:sp>
+        <p:nvSpPr>
+          <p:cNvPr id="4" name="Slide Number Placeholder 3"/>
+          <p:cNvSpPr>
+            <a:spLocks noGrp="1"/>
+          </p:cNvSpPr>
+          <p:nvPr>
+            <p:ph type="sldNum" sz="quarter" idx="10"/>
+          </p:nvPr>
+        </p:nvSpPr>
+        <p:spPr/>
+        <p:txBody>
+          <a:bodyPr/>
+          <a:lstStyle/>
+          <a:p>
+            <a:fld id="{DDE251E9-812E-4854-B6DD-3E1C329A13AA}" type="slidenum">
+              <a:rPr lang="en-GB" smtClean="0"/>
+              <a:t>23</a:t>
+            </a:fld>
+            <a:endParaRPr lang="en-GB"/>
+          </a:p>
+        </p:txBody>
+      </p:sp>
+    </p:spTree>
+    <p:extLst>
+      <p:ext uri="{BB962C8B-B14F-4D97-AF65-F5344CB8AC3E}">
+        <p14:creationId xmlns:p14="http://schemas.microsoft.com/office/powerpoint/2010/main" val="719366545"/>
+      </p:ext>
+    </p:extLst>
+  </p:cSld>
+  <p:clrMapOvr>
+    <a:masterClrMapping/>
+  </p:clrMapOvr>
+</p:notes>
+</file>
+
+<file path=ppt/notesSlides/notesSlide22.xml><?xml version="1.0" encoding="utf-8"?>
+<p:notes xmlns:a="http://schemas.openxmlformats.org/drawingml/2006/main" xmlns:r="http://schemas.openxmlformats.org/officeDocument/2006/relationships" xmlns:p="http://schemas.openxmlformats.org/presentationml/2006/main">
+  <p:cSld>
+    <p:spTree>
+      <p:nvGrpSpPr>
+        <p:cNvPr id="1" name=""/>
+        <p:cNvGrpSpPr/>
+        <p:nvPr/>
+      </p:nvGrpSpPr>
+      <p:grpSpPr>
+        <a:xfrm>
+          <a:off x="0" y="0"/>
+          <a:ext cx="0" cy="0"/>
+          <a:chOff x="0" y="0"/>
+          <a:chExt cx="0" cy="0"/>
+        </a:xfrm>
+      </p:grpSpPr>
+      <p:sp>
+        <p:nvSpPr>
+          <p:cNvPr id="2" name="Slide Image Placeholder 1"/>
+          <p:cNvSpPr>
+            <a:spLocks noGrp="1" noRot="1" noChangeAspect="1"/>
+          </p:cNvSpPr>
+          <p:nvPr>
+            <p:ph type="sldImg"/>
+          </p:nvPr>
+        </p:nvSpPr>
+        <p:spPr/>
+      </p:sp>
+      <p:sp>
+        <p:nvSpPr>
+          <p:cNvPr id="3" name="Notes Placeholder 2"/>
+          <p:cNvSpPr>
+            <a:spLocks noGrp="1"/>
+          </p:cNvSpPr>
+          <p:nvPr>
+            <p:ph type="body" idx="1"/>
+          </p:nvPr>
+        </p:nvSpPr>
+        <p:spPr/>
+        <p:txBody>
+          <a:bodyPr/>
+          <a:lstStyle/>
+          <a:p>
+            <a:endParaRPr lang="en-GB" dirty="0"/>
+          </a:p>
+        </p:txBody>
+      </p:sp>
+      <p:sp>
+        <p:nvSpPr>
+          <p:cNvPr id="4" name="Slide Number Placeholder 3"/>
+          <p:cNvSpPr>
+            <a:spLocks noGrp="1"/>
+          </p:cNvSpPr>
+          <p:nvPr>
+            <p:ph type="sldNum" sz="quarter" idx="10"/>
+          </p:nvPr>
+        </p:nvSpPr>
+        <p:spPr/>
+        <p:txBody>
+          <a:bodyPr/>
+          <a:lstStyle/>
+          <a:p>
+            <a:fld id="{DDE251E9-812E-4854-B6DD-3E1C329A13AA}" type="slidenum">
+              <a:rPr lang="en-GB" smtClean="0"/>
+              <a:t>24</a:t>
+            </a:fld>
+            <a:endParaRPr lang="en-GB"/>
+          </a:p>
+        </p:txBody>
+      </p:sp>
+    </p:spTree>
+    <p:extLst>
+      <p:ext uri="{BB962C8B-B14F-4D97-AF65-F5344CB8AC3E}">
+        <p14:creationId xmlns:p14="http://schemas.microsoft.com/office/powerpoint/2010/main" val="3124169275"/>
+      </p:ext>
+    </p:extLst>
+  </p:cSld>
+  <p:clrMapOvr>
+    <a:masterClrMapping/>
+  </p:clrMapOvr>
+</p:notes>
+</file>
+
+<file path=ppt/notesSlides/notesSlide23.xml><?xml version="1.0" encoding="utf-8"?>
+<p:notes xmlns:a="http://schemas.openxmlformats.org/drawingml/2006/main" xmlns:r="http://schemas.openxmlformats.org/officeDocument/2006/relationships" xmlns:p="http://schemas.openxmlformats.org/presentationml/2006/main">
+  <p:cSld>
+    <p:spTree>
+      <p:nvGrpSpPr>
+        <p:cNvPr id="1" name=""/>
+        <p:cNvGrpSpPr/>
+        <p:nvPr/>
+      </p:nvGrpSpPr>
+      <p:grpSpPr>
+        <a:xfrm>
+          <a:off x="0" y="0"/>
+          <a:ext cx="0" cy="0"/>
+          <a:chOff x="0" y="0"/>
+          <a:chExt cx="0" cy="0"/>
+        </a:xfrm>
+      </p:grpSpPr>
+      <p:sp>
+        <p:nvSpPr>
+          <p:cNvPr id="2" name="Slide Image Placeholder 1"/>
+          <p:cNvSpPr>
+            <a:spLocks noGrp="1" noRot="1" noChangeAspect="1"/>
+          </p:cNvSpPr>
+          <p:nvPr>
+            <p:ph type="sldImg"/>
+          </p:nvPr>
+        </p:nvSpPr>
+        <p:spPr/>
+      </p:sp>
+      <p:sp>
+        <p:nvSpPr>
+          <p:cNvPr id="3" name="Notes Placeholder 2"/>
+          <p:cNvSpPr>
+            <a:spLocks noGrp="1"/>
+          </p:cNvSpPr>
+          <p:nvPr>
+            <p:ph type="body" idx="1"/>
+          </p:nvPr>
+        </p:nvSpPr>
+        <p:spPr/>
+        <p:txBody>
+          <a:bodyPr/>
+          <a:lstStyle/>
+          <a:p>
+            <a:endParaRPr lang="en-GB" dirty="0"/>
+          </a:p>
+        </p:txBody>
+      </p:sp>
+      <p:sp>
+        <p:nvSpPr>
+          <p:cNvPr id="4" name="Slide Number Placeholder 3"/>
+          <p:cNvSpPr>
+            <a:spLocks noGrp="1"/>
+          </p:cNvSpPr>
+          <p:nvPr>
+            <p:ph type="sldNum" sz="quarter" idx="10"/>
+          </p:nvPr>
+        </p:nvSpPr>
+        <p:spPr/>
+        <p:txBody>
+          <a:bodyPr/>
+          <a:lstStyle/>
+          <a:p>
+            <a:fld id="{DDE251E9-812E-4854-B6DD-3E1C329A13AA}" type="slidenum">
+              <a:rPr lang="en-GB" smtClean="0"/>
+              <a:t>25</a:t>
+            </a:fld>
+            <a:endParaRPr lang="en-GB"/>
+          </a:p>
+        </p:txBody>
+      </p:sp>
+    </p:spTree>
+    <p:extLst>
+      <p:ext uri="{BB962C8B-B14F-4D97-AF65-F5344CB8AC3E}">
+        <p14:creationId xmlns:p14="http://schemas.microsoft.com/office/powerpoint/2010/main" val="3330748231"/>
+      </p:ext>
+    </p:extLst>
+  </p:cSld>
+  <p:clrMapOvr>
+    <a:masterClrMapping/>
+  </p:clrMapOvr>
+</p:notes>
+</file>
+
+<file path=ppt/notesSlides/notesSlide24.xml><?xml version="1.0" encoding="utf-8"?>
+<p:notes xmlns:a="http://schemas.openxmlformats.org/drawingml/2006/main" xmlns:r="http://schemas.openxmlformats.org/officeDocument/2006/relationships" xmlns:p="http://schemas.openxmlformats.org/presentationml/2006/main">
+  <p:cSld>
+    <p:spTree>
+      <p:nvGrpSpPr>
+        <p:cNvPr id="1" name=""/>
+        <p:cNvGrpSpPr/>
+        <p:nvPr/>
+      </p:nvGrpSpPr>
+      <p:grpSpPr>
+        <a:xfrm>
+          <a:off x="0" y="0"/>
+          <a:ext cx="0" cy="0"/>
+          <a:chOff x="0" y="0"/>
+          <a:chExt cx="0" cy="0"/>
+        </a:xfrm>
+      </p:grpSpPr>
+      <p:sp>
+        <p:nvSpPr>
+          <p:cNvPr id="2" name="Slide Image Placeholder 1"/>
+          <p:cNvSpPr>
+            <a:spLocks noGrp="1" noRot="1" noChangeAspect="1"/>
+          </p:cNvSpPr>
+          <p:nvPr>
+            <p:ph type="sldImg"/>
+          </p:nvPr>
+        </p:nvSpPr>
+        <p:spPr/>
+      </p:sp>
+      <p:sp>
+        <p:nvSpPr>
+          <p:cNvPr id="3" name="Notes Placeholder 2"/>
+          <p:cNvSpPr>
+            <a:spLocks noGrp="1"/>
+          </p:cNvSpPr>
+          <p:nvPr>
+            <p:ph type="body" idx="1"/>
+          </p:nvPr>
+        </p:nvSpPr>
+        <p:spPr/>
+        <p:txBody>
+          <a:bodyPr/>
+          <a:lstStyle/>
+          <a:p>
+            <a:endParaRPr lang="en-GB" dirty="0"/>
+          </a:p>
+        </p:txBody>
+      </p:sp>
+      <p:sp>
+        <p:nvSpPr>
+          <p:cNvPr id="4" name="Slide Number Placeholder 3"/>
+          <p:cNvSpPr>
+            <a:spLocks noGrp="1"/>
+          </p:cNvSpPr>
+          <p:nvPr>
+            <p:ph type="sldNum" sz="quarter" idx="10"/>
+          </p:nvPr>
+        </p:nvSpPr>
+        <p:spPr/>
+        <p:txBody>
+          <a:bodyPr/>
+          <a:lstStyle/>
+          <a:p>
+            <a:fld id="{DDE251E9-812E-4854-B6DD-3E1C329A13AA}" type="slidenum">
+              <a:rPr lang="en-GB" smtClean="0"/>
+              <a:t>26</a:t>
+            </a:fld>
+            <a:endParaRPr lang="en-GB"/>
+          </a:p>
+        </p:txBody>
+      </p:sp>
+    </p:spTree>
+    <p:extLst>
+      <p:ext uri="{BB962C8B-B14F-4D97-AF65-F5344CB8AC3E}">
+        <p14:creationId xmlns:p14="http://schemas.microsoft.com/office/powerpoint/2010/main" val="612727303"/>
+      </p:ext>
+    </p:extLst>
+  </p:cSld>
+  <p:clrMapOvr>
+    <a:masterClrMapping/>
+  </p:clrMapOvr>
+</p:notes>
+</file>
+
+<file path=ppt/notesSlides/notesSlide25.xml><?xml version="1.0" encoding="utf-8"?>
+<p:notes xmlns:a="http://schemas.openxmlformats.org/drawingml/2006/main" xmlns:r="http://schemas.openxmlformats.org/officeDocument/2006/relationships" xmlns:p="http://schemas.openxmlformats.org/presentationml/2006/main">
+  <p:cSld>
+    <p:spTree>
+      <p:nvGrpSpPr>
+        <p:cNvPr id="1" name=""/>
+        <p:cNvGrpSpPr/>
+        <p:nvPr/>
+      </p:nvGrpSpPr>
+      <p:grpSpPr>
+        <a:xfrm>
+          <a:off x="0" y="0"/>
+          <a:ext cx="0" cy="0"/>
+          <a:chOff x="0" y="0"/>
+          <a:chExt cx="0" cy="0"/>
+        </a:xfrm>
+      </p:grpSpPr>
+      <p:sp>
+        <p:nvSpPr>
+          <p:cNvPr id="2" name="Slide Image Placeholder 1"/>
+          <p:cNvSpPr>
+            <a:spLocks noGrp="1" noRot="1" noChangeAspect="1"/>
+          </p:cNvSpPr>
+          <p:nvPr>
+            <p:ph type="sldImg"/>
+          </p:nvPr>
+        </p:nvSpPr>
+        <p:spPr/>
+      </p:sp>
+      <p:sp>
+        <p:nvSpPr>
+          <p:cNvPr id="3" name="Notes Placeholder 2"/>
+          <p:cNvSpPr>
+            <a:spLocks noGrp="1"/>
+          </p:cNvSpPr>
+          <p:nvPr>
+            <p:ph type="body" idx="1"/>
+          </p:nvPr>
+        </p:nvSpPr>
+        <p:spPr/>
+        <p:txBody>
+          <a:bodyPr/>
+          <a:lstStyle/>
+          <a:p>
+            <a:endParaRPr lang="en-GB" dirty="0"/>
+          </a:p>
+        </p:txBody>
+      </p:sp>
+      <p:sp>
+        <p:nvSpPr>
+          <p:cNvPr id="4" name="Slide Number Placeholder 3"/>
+          <p:cNvSpPr>
+            <a:spLocks noGrp="1"/>
+          </p:cNvSpPr>
+          <p:nvPr>
+            <p:ph type="sldNum" sz="quarter" idx="10"/>
+          </p:nvPr>
+        </p:nvSpPr>
+        <p:spPr/>
+        <p:txBody>
+          <a:bodyPr/>
+          <a:lstStyle/>
+          <a:p>
+            <a:fld id="{DDE251E9-812E-4854-B6DD-3E1C329A13AA}" type="slidenum">
+              <a:rPr lang="en-GB" smtClean="0"/>
+              <a:t>27</a:t>
+            </a:fld>
+            <a:endParaRPr lang="en-GB"/>
+          </a:p>
+        </p:txBody>
+      </p:sp>
+    </p:spTree>
+    <p:extLst>
+      <p:ext uri="{BB962C8B-B14F-4D97-AF65-F5344CB8AC3E}">
+        <p14:creationId xmlns:p14="http://schemas.microsoft.com/office/powerpoint/2010/main" val="3863280531"/>
+      </p:ext>
+    </p:extLst>
+  </p:cSld>
+  <p:clrMapOvr>
+    <a:masterClrMapping/>
+  </p:clrMapOvr>
+</p:notes>
+</file>
+
+<file path=ppt/notesSlides/notesSlide26.xml><?xml version="1.0" encoding="utf-8"?>
+<p:notes xmlns:a="http://schemas.openxmlformats.org/drawingml/2006/main" xmlns:r="http://schemas.openxmlformats.org/officeDocument/2006/relationships" xmlns:p="http://schemas.openxmlformats.org/presentationml/2006/main">
+  <p:cSld>
+    <p:spTree>
+      <p:nvGrpSpPr>
+        <p:cNvPr id="1" name=""/>
+        <p:cNvGrpSpPr/>
+        <p:nvPr/>
+      </p:nvGrpSpPr>
+      <p:grpSpPr>
+        <a:xfrm>
+          <a:off x="0" y="0"/>
+          <a:ext cx="0" cy="0"/>
+          <a:chOff x="0" y="0"/>
+          <a:chExt cx="0" cy="0"/>
+        </a:xfrm>
+      </p:grpSpPr>
+      <p:sp>
+        <p:nvSpPr>
+          <p:cNvPr id="2" name="Slide Image Placeholder 1"/>
+          <p:cNvSpPr>
+            <a:spLocks noGrp="1" noRot="1" noChangeAspect="1"/>
+          </p:cNvSpPr>
+          <p:nvPr>
+            <p:ph type="sldImg"/>
+          </p:nvPr>
+        </p:nvSpPr>
+        <p:spPr/>
+      </p:sp>
+      <p:sp>
+        <p:nvSpPr>
+          <p:cNvPr id="3" name="Notes Placeholder 2"/>
+          <p:cNvSpPr>
+            <a:spLocks noGrp="1"/>
+          </p:cNvSpPr>
+          <p:nvPr>
+            <p:ph type="body" idx="1"/>
+          </p:nvPr>
+        </p:nvSpPr>
+        <p:spPr/>
+        <p:txBody>
+          <a:bodyPr/>
+          <a:lstStyle/>
+          <a:p>
+            <a:endParaRPr lang="en-GB" dirty="0"/>
+          </a:p>
+        </p:txBody>
+      </p:sp>
+      <p:sp>
+        <p:nvSpPr>
+          <p:cNvPr id="4" name="Slide Number Placeholder 3"/>
+          <p:cNvSpPr>
+            <a:spLocks noGrp="1"/>
+          </p:cNvSpPr>
+          <p:nvPr>
+            <p:ph type="sldNum" sz="quarter" idx="10"/>
+          </p:nvPr>
+        </p:nvSpPr>
+        <p:spPr/>
+        <p:txBody>
+          <a:bodyPr/>
+          <a:lstStyle/>
+          <a:p>
+            <a:fld id="{DDE251E9-812E-4854-B6DD-3E1C329A13AA}" type="slidenum">
+              <a:rPr lang="en-GB" smtClean="0"/>
+              <a:t>28</a:t>
+            </a:fld>
+            <a:endParaRPr lang="en-GB"/>
+          </a:p>
+        </p:txBody>
+      </p:sp>
+    </p:spTree>
+    <p:extLst>
+      <p:ext uri="{BB962C8B-B14F-4D97-AF65-F5344CB8AC3E}">
+        <p14:creationId xmlns:p14="http://schemas.microsoft.com/office/powerpoint/2010/main" val="1671401885"/>
+      </p:ext>
+    </p:extLst>
+  </p:cSld>
+  <p:clrMapOvr>
+    <a:masterClrMapping/>
+  </p:clrMapOvr>
+</p:notes>
+</file>
+
+<file path=ppt/notesSlides/notesSlide27.xml><?xml version="1.0" encoding="utf-8"?>
+<p:notes xmlns:a="http://schemas.openxmlformats.org/drawingml/2006/main" xmlns:r="http://schemas.openxmlformats.org/officeDocument/2006/relationships" xmlns:p="http://schemas.openxmlformats.org/presentationml/2006/main">
+  <p:cSld>
+    <p:spTree>
+      <p:nvGrpSpPr>
+        <p:cNvPr id="1" name=""/>
+        <p:cNvGrpSpPr/>
+        <p:nvPr/>
+      </p:nvGrpSpPr>
+      <p:grpSpPr>
+        <a:xfrm>
+          <a:off x="0" y="0"/>
+          <a:ext cx="0" cy="0"/>
+          <a:chOff x="0" y="0"/>
+          <a:chExt cx="0" cy="0"/>
+        </a:xfrm>
+      </p:grpSpPr>
+      <p:sp>
+        <p:nvSpPr>
+          <p:cNvPr id="2" name="Slide Image Placeholder 1"/>
+          <p:cNvSpPr>
+            <a:spLocks noGrp="1" noRot="1" noChangeAspect="1"/>
+          </p:cNvSpPr>
+          <p:nvPr>
+            <p:ph type="sldImg"/>
+          </p:nvPr>
+        </p:nvSpPr>
+        <p:spPr/>
+      </p:sp>
+      <p:sp>
+        <p:nvSpPr>
+          <p:cNvPr id="3" name="Notes Placeholder 2"/>
+          <p:cNvSpPr>
+            <a:spLocks noGrp="1"/>
+          </p:cNvSpPr>
+          <p:nvPr>
+            <p:ph type="body" idx="1"/>
+          </p:nvPr>
+        </p:nvSpPr>
+        <p:spPr/>
+        <p:txBody>
+          <a:bodyPr/>
+          <a:lstStyle/>
+          <a:p>
+            <a:endParaRPr lang="en-GB" dirty="0"/>
+          </a:p>
+        </p:txBody>
+      </p:sp>
+      <p:sp>
+        <p:nvSpPr>
+          <p:cNvPr id="4" name="Slide Number Placeholder 3"/>
+          <p:cNvSpPr>
+            <a:spLocks noGrp="1"/>
+          </p:cNvSpPr>
+          <p:nvPr>
+            <p:ph type="sldNum" sz="quarter" idx="10"/>
+          </p:nvPr>
+        </p:nvSpPr>
+        <p:spPr/>
+        <p:txBody>
+          <a:bodyPr/>
+          <a:lstStyle/>
+          <a:p>
+            <a:fld id="{DDE251E9-812E-4854-B6DD-3E1C329A13AA}" type="slidenum">
+              <a:rPr lang="en-GB" smtClean="0"/>
+              <a:t>29</a:t>
+            </a:fld>
+            <a:endParaRPr lang="en-GB"/>
+          </a:p>
+        </p:txBody>
+      </p:sp>
+    </p:spTree>
+    <p:extLst>
+      <p:ext uri="{BB962C8B-B14F-4D97-AF65-F5344CB8AC3E}">
+        <p14:creationId xmlns:p14="http://schemas.microsoft.com/office/powerpoint/2010/main" val="1851313307"/>
+      </p:ext>
+    </p:extLst>
+  </p:cSld>
+  <p:clrMapOvr>
+    <a:masterClrMapping/>
+  </p:clrMapOvr>
+</p:notes>
+</file>
+
+<file path=ppt/notesSlides/notesSlide28.xml><?xml version="1.0" encoding="utf-8"?>
+<p:notes xmlns:a="http://schemas.openxmlformats.org/drawingml/2006/main" xmlns:r="http://schemas.openxmlformats.org/officeDocument/2006/relationships" xmlns:p="http://schemas.openxmlformats.org/presentationml/2006/main">
+  <p:cSld>
+    <p:spTree>
+      <p:nvGrpSpPr>
+        <p:cNvPr id="1" name=""/>
+        <p:cNvGrpSpPr/>
+        <p:nvPr/>
+      </p:nvGrpSpPr>
+      <p:grpSpPr>
+        <a:xfrm>
+          <a:off x="0" y="0"/>
+          <a:ext cx="0" cy="0"/>
+          <a:chOff x="0" y="0"/>
+          <a:chExt cx="0" cy="0"/>
+        </a:xfrm>
+      </p:grpSpPr>
+      <p:sp>
+        <p:nvSpPr>
+          <p:cNvPr id="2" name="Slide Image Placeholder 1"/>
+          <p:cNvSpPr>
+            <a:spLocks noGrp="1" noRot="1" noChangeAspect="1"/>
+          </p:cNvSpPr>
+          <p:nvPr>
+            <p:ph type="sldImg"/>
+          </p:nvPr>
+        </p:nvSpPr>
+        <p:spPr/>
+      </p:sp>
+      <p:sp>
+        <p:nvSpPr>
+          <p:cNvPr id="3" name="Notes Placeholder 2"/>
+          <p:cNvSpPr>
+            <a:spLocks noGrp="1"/>
+          </p:cNvSpPr>
+          <p:nvPr>
+            <p:ph type="body" idx="1"/>
+          </p:nvPr>
+        </p:nvSpPr>
+        <p:spPr/>
+        <p:txBody>
+          <a:bodyPr/>
+          <a:lstStyle/>
+          <a:p>
+            <a:endParaRPr lang="en-GB" dirty="0"/>
+          </a:p>
+        </p:txBody>
+      </p:sp>
+      <p:sp>
+        <p:nvSpPr>
+          <p:cNvPr id="4" name="Slide Number Placeholder 3"/>
+          <p:cNvSpPr>
+            <a:spLocks noGrp="1"/>
+          </p:cNvSpPr>
+          <p:nvPr>
+            <p:ph type="sldNum" sz="quarter" idx="10"/>
+          </p:nvPr>
+        </p:nvSpPr>
+        <p:spPr/>
+        <p:txBody>
+          <a:bodyPr/>
+          <a:lstStyle/>
+          <a:p>
+            <a:fld id="{DDE251E9-812E-4854-B6DD-3E1C329A13AA}" type="slidenum">
+              <a:rPr lang="en-GB" smtClean="0"/>
+              <a:t>30</a:t>
+            </a:fld>
+            <a:endParaRPr lang="en-GB"/>
+          </a:p>
+        </p:txBody>
+      </p:sp>
+    </p:spTree>
+    <p:extLst>
+      <p:ext uri="{BB962C8B-B14F-4D97-AF65-F5344CB8AC3E}">
+        <p14:creationId xmlns:p14="http://schemas.microsoft.com/office/powerpoint/2010/main" val="2760696623"/>
+      </p:ext>
+    </p:extLst>
+  </p:cSld>
+  <p:clrMapOvr>
+    <a:masterClrMapping/>
+  </p:clrMapOvr>
+</p:notes>
+</file>
+
+<file path=ppt/notesSlides/notesSlide29.xml><?xml version="1.0" encoding="utf-8"?>
+<p:notes xmlns:a="http://schemas.openxmlformats.org/drawingml/2006/main" xmlns:r="http://schemas.openxmlformats.org/officeDocument/2006/relationships" xmlns:p="http://schemas.openxmlformats.org/presentationml/2006/main">
+  <p:cSld>
+    <p:spTree>
+      <p:nvGrpSpPr>
+        <p:cNvPr id="1" name=""/>
+        <p:cNvGrpSpPr/>
+        <p:nvPr/>
+      </p:nvGrpSpPr>
+      <p:grpSpPr>
+        <a:xfrm>
+          <a:off x="0" y="0"/>
+          <a:ext cx="0" cy="0"/>
+          <a:chOff x="0" y="0"/>
+          <a:chExt cx="0" cy="0"/>
+        </a:xfrm>
+      </p:grpSpPr>
+      <p:sp>
+        <p:nvSpPr>
+          <p:cNvPr id="2" name="Slide Image Placeholder 1"/>
+          <p:cNvSpPr>
+            <a:spLocks noGrp="1" noRot="1" noChangeAspect="1"/>
+          </p:cNvSpPr>
+          <p:nvPr>
+            <p:ph type="sldImg"/>
+          </p:nvPr>
+        </p:nvSpPr>
+        <p:spPr/>
+      </p:sp>
+      <p:sp>
+        <p:nvSpPr>
+          <p:cNvPr id="3" name="Notes Placeholder 2"/>
+          <p:cNvSpPr>
+            <a:spLocks noGrp="1"/>
+          </p:cNvSpPr>
+          <p:nvPr>
+            <p:ph type="body" idx="1"/>
+          </p:nvPr>
+        </p:nvSpPr>
+        <p:spPr/>
+        <p:txBody>
+          <a:bodyPr/>
+          <a:lstStyle/>
+          <a:p>
+            <a:endParaRPr lang="en-GB" dirty="0"/>
+          </a:p>
+        </p:txBody>
+      </p:sp>
+      <p:sp>
+        <p:nvSpPr>
+          <p:cNvPr id="4" name="Slide Number Placeholder 3"/>
+          <p:cNvSpPr>
+            <a:spLocks noGrp="1"/>
+          </p:cNvSpPr>
+          <p:nvPr>
+            <p:ph type="sldNum" sz="quarter" idx="10"/>
+          </p:nvPr>
+        </p:nvSpPr>
+        <p:spPr/>
+        <p:txBody>
+          <a:bodyPr/>
+          <a:lstStyle/>
+          <a:p>
+            <a:fld id="{DDE251E9-812E-4854-B6DD-3E1C329A13AA}" type="slidenum">
+              <a:rPr lang="en-GB" smtClean="0"/>
+              <a:t>31</a:t>
+            </a:fld>
+            <a:endParaRPr lang="en-GB"/>
+          </a:p>
+        </p:txBody>
+      </p:sp>
+    </p:spTree>
+    <p:extLst>
+      <p:ext uri="{BB962C8B-B14F-4D97-AF65-F5344CB8AC3E}">
+        <p14:creationId xmlns:p14="http://schemas.microsoft.com/office/powerpoint/2010/main" val="1911739529"/>
+      </p:ext>
+    </p:extLst>
+  </p:cSld>
+  <p:clrMapOvr>
+    <a:masterClrMapping/>
+  </p:clrMapOvr>
+</p:notes>
+</file>
+
 <file path=ppt/notesSlides/notesSlide3.xml><?xml version="1.0" encoding="utf-8"?>
 <p:notes xmlns:a="http://schemas.openxmlformats.org/drawingml/2006/main" xmlns:r="http://schemas.openxmlformats.org/officeDocument/2006/relationships" xmlns:p="http://schemas.openxmlformats.org/presentationml/2006/main">
   <p:cSld>
@@ -1653,6 +2422,342 @@
     <p:extLst>
       <p:ext uri="{BB962C8B-B14F-4D97-AF65-F5344CB8AC3E}">
         <p14:creationId xmlns:p14="http://schemas.microsoft.com/office/powerpoint/2010/main" val="3512343676"/>
+      </p:ext>
+    </p:extLst>
+  </p:cSld>
+  <p:clrMapOvr>
+    <a:masterClrMapping/>
+  </p:clrMapOvr>
+</p:notes>
+</file>
+
+<file path=ppt/notesSlides/notesSlide30.xml><?xml version="1.0" encoding="utf-8"?>
+<p:notes xmlns:a="http://schemas.openxmlformats.org/drawingml/2006/main" xmlns:r="http://schemas.openxmlformats.org/officeDocument/2006/relationships" xmlns:p="http://schemas.openxmlformats.org/presentationml/2006/main">
+  <p:cSld>
+    <p:spTree>
+      <p:nvGrpSpPr>
+        <p:cNvPr id="1" name=""/>
+        <p:cNvGrpSpPr/>
+        <p:nvPr/>
+      </p:nvGrpSpPr>
+      <p:grpSpPr>
+        <a:xfrm>
+          <a:off x="0" y="0"/>
+          <a:ext cx="0" cy="0"/>
+          <a:chOff x="0" y="0"/>
+          <a:chExt cx="0" cy="0"/>
+        </a:xfrm>
+      </p:grpSpPr>
+      <p:sp>
+        <p:nvSpPr>
+          <p:cNvPr id="2" name="Slide Image Placeholder 1"/>
+          <p:cNvSpPr>
+            <a:spLocks noGrp="1" noRot="1" noChangeAspect="1"/>
+          </p:cNvSpPr>
+          <p:nvPr>
+            <p:ph type="sldImg"/>
+          </p:nvPr>
+        </p:nvSpPr>
+        <p:spPr/>
+      </p:sp>
+      <p:sp>
+        <p:nvSpPr>
+          <p:cNvPr id="3" name="Notes Placeholder 2"/>
+          <p:cNvSpPr>
+            <a:spLocks noGrp="1"/>
+          </p:cNvSpPr>
+          <p:nvPr>
+            <p:ph type="body" idx="1"/>
+          </p:nvPr>
+        </p:nvSpPr>
+        <p:spPr/>
+        <p:txBody>
+          <a:bodyPr/>
+          <a:lstStyle/>
+          <a:p>
+            <a:endParaRPr lang="en-GB" dirty="0"/>
+          </a:p>
+        </p:txBody>
+      </p:sp>
+      <p:sp>
+        <p:nvSpPr>
+          <p:cNvPr id="4" name="Slide Number Placeholder 3"/>
+          <p:cNvSpPr>
+            <a:spLocks noGrp="1"/>
+          </p:cNvSpPr>
+          <p:nvPr>
+            <p:ph type="sldNum" sz="quarter" idx="10"/>
+          </p:nvPr>
+        </p:nvSpPr>
+        <p:spPr/>
+        <p:txBody>
+          <a:bodyPr/>
+          <a:lstStyle/>
+          <a:p>
+            <a:fld id="{DDE251E9-812E-4854-B6DD-3E1C329A13AA}" type="slidenum">
+              <a:rPr lang="en-GB" smtClean="0"/>
+              <a:t>32</a:t>
+            </a:fld>
+            <a:endParaRPr lang="en-GB"/>
+          </a:p>
+        </p:txBody>
+      </p:sp>
+    </p:spTree>
+    <p:extLst>
+      <p:ext uri="{BB962C8B-B14F-4D97-AF65-F5344CB8AC3E}">
+        <p14:creationId xmlns:p14="http://schemas.microsoft.com/office/powerpoint/2010/main" val="2261005994"/>
+      </p:ext>
+    </p:extLst>
+  </p:cSld>
+  <p:clrMapOvr>
+    <a:masterClrMapping/>
+  </p:clrMapOvr>
+</p:notes>
+</file>
+
+<file path=ppt/notesSlides/notesSlide31.xml><?xml version="1.0" encoding="utf-8"?>
+<p:notes xmlns:a="http://schemas.openxmlformats.org/drawingml/2006/main" xmlns:r="http://schemas.openxmlformats.org/officeDocument/2006/relationships" xmlns:p="http://schemas.openxmlformats.org/presentationml/2006/main">
+  <p:cSld>
+    <p:spTree>
+      <p:nvGrpSpPr>
+        <p:cNvPr id="1" name=""/>
+        <p:cNvGrpSpPr/>
+        <p:nvPr/>
+      </p:nvGrpSpPr>
+      <p:grpSpPr>
+        <a:xfrm>
+          <a:off x="0" y="0"/>
+          <a:ext cx="0" cy="0"/>
+          <a:chOff x="0" y="0"/>
+          <a:chExt cx="0" cy="0"/>
+        </a:xfrm>
+      </p:grpSpPr>
+      <p:sp>
+        <p:nvSpPr>
+          <p:cNvPr id="2" name="Slide Image Placeholder 1"/>
+          <p:cNvSpPr>
+            <a:spLocks noGrp="1" noRot="1" noChangeAspect="1"/>
+          </p:cNvSpPr>
+          <p:nvPr>
+            <p:ph type="sldImg"/>
+          </p:nvPr>
+        </p:nvSpPr>
+        <p:spPr/>
+      </p:sp>
+      <p:sp>
+        <p:nvSpPr>
+          <p:cNvPr id="3" name="Notes Placeholder 2"/>
+          <p:cNvSpPr>
+            <a:spLocks noGrp="1"/>
+          </p:cNvSpPr>
+          <p:nvPr>
+            <p:ph type="body" idx="1"/>
+          </p:nvPr>
+        </p:nvSpPr>
+        <p:spPr/>
+        <p:txBody>
+          <a:bodyPr/>
+          <a:lstStyle/>
+          <a:p>
+            <a:endParaRPr lang="en-GB" dirty="0"/>
+          </a:p>
+        </p:txBody>
+      </p:sp>
+      <p:sp>
+        <p:nvSpPr>
+          <p:cNvPr id="4" name="Slide Number Placeholder 3"/>
+          <p:cNvSpPr>
+            <a:spLocks noGrp="1"/>
+          </p:cNvSpPr>
+          <p:nvPr>
+            <p:ph type="sldNum" sz="quarter" idx="10"/>
+          </p:nvPr>
+        </p:nvSpPr>
+        <p:spPr/>
+        <p:txBody>
+          <a:bodyPr/>
+          <a:lstStyle/>
+          <a:p>
+            <a:fld id="{DDE251E9-812E-4854-B6DD-3E1C329A13AA}" type="slidenum">
+              <a:rPr lang="en-GB" smtClean="0"/>
+              <a:t>33</a:t>
+            </a:fld>
+            <a:endParaRPr lang="en-GB"/>
+          </a:p>
+        </p:txBody>
+      </p:sp>
+    </p:spTree>
+    <p:extLst>
+      <p:ext uri="{BB962C8B-B14F-4D97-AF65-F5344CB8AC3E}">
+        <p14:creationId xmlns:p14="http://schemas.microsoft.com/office/powerpoint/2010/main" val="1700528738"/>
+      </p:ext>
+    </p:extLst>
+  </p:cSld>
+  <p:clrMapOvr>
+    <a:masterClrMapping/>
+  </p:clrMapOvr>
+</p:notes>
+</file>
+
+<file path=ppt/notesSlides/notesSlide32.xml><?xml version="1.0" encoding="utf-8"?>
+<p:notes xmlns:a="http://schemas.openxmlformats.org/drawingml/2006/main" xmlns:r="http://schemas.openxmlformats.org/officeDocument/2006/relationships" xmlns:p="http://schemas.openxmlformats.org/presentationml/2006/main">
+  <p:cSld>
+    <p:spTree>
+      <p:nvGrpSpPr>
+        <p:cNvPr id="1" name=""/>
+        <p:cNvGrpSpPr/>
+        <p:nvPr/>
+      </p:nvGrpSpPr>
+      <p:grpSpPr>
+        <a:xfrm>
+          <a:off x="0" y="0"/>
+          <a:ext cx="0" cy="0"/>
+          <a:chOff x="0" y="0"/>
+          <a:chExt cx="0" cy="0"/>
+        </a:xfrm>
+      </p:grpSpPr>
+      <p:sp>
+        <p:nvSpPr>
+          <p:cNvPr id="2" name="Slide Image Placeholder 1"/>
+          <p:cNvSpPr>
+            <a:spLocks noGrp="1" noRot="1" noChangeAspect="1"/>
+          </p:cNvSpPr>
+          <p:nvPr>
+            <p:ph type="sldImg"/>
+          </p:nvPr>
+        </p:nvSpPr>
+        <p:spPr/>
+      </p:sp>
+      <p:sp>
+        <p:nvSpPr>
+          <p:cNvPr id="3" name="Notes Placeholder 2"/>
+          <p:cNvSpPr>
+            <a:spLocks noGrp="1"/>
+          </p:cNvSpPr>
+          <p:nvPr>
+            <p:ph type="body" idx="1"/>
+          </p:nvPr>
+        </p:nvSpPr>
+        <p:spPr/>
+        <p:txBody>
+          <a:bodyPr/>
+          <a:lstStyle/>
+          <a:p>
+            <a:endParaRPr lang="en-GB" dirty="0"/>
+          </a:p>
+        </p:txBody>
+      </p:sp>
+      <p:sp>
+        <p:nvSpPr>
+          <p:cNvPr id="4" name="Slide Number Placeholder 3"/>
+          <p:cNvSpPr>
+            <a:spLocks noGrp="1"/>
+          </p:cNvSpPr>
+          <p:nvPr>
+            <p:ph type="sldNum" sz="quarter" idx="10"/>
+          </p:nvPr>
+        </p:nvSpPr>
+        <p:spPr/>
+        <p:txBody>
+          <a:bodyPr/>
+          <a:lstStyle/>
+          <a:p>
+            <a:fld id="{DDE251E9-812E-4854-B6DD-3E1C329A13AA}" type="slidenum">
+              <a:rPr lang="en-GB" smtClean="0"/>
+              <a:t>34</a:t>
+            </a:fld>
+            <a:endParaRPr lang="en-GB"/>
+          </a:p>
+        </p:txBody>
+      </p:sp>
+    </p:spTree>
+    <p:extLst>
+      <p:ext uri="{BB962C8B-B14F-4D97-AF65-F5344CB8AC3E}">
+        <p14:creationId xmlns:p14="http://schemas.microsoft.com/office/powerpoint/2010/main" val="2540835465"/>
+      </p:ext>
+    </p:extLst>
+  </p:cSld>
+  <p:clrMapOvr>
+    <a:masterClrMapping/>
+  </p:clrMapOvr>
+</p:notes>
+</file>
+
+<file path=ppt/notesSlides/notesSlide33.xml><?xml version="1.0" encoding="utf-8"?>
+<p:notes xmlns:a="http://schemas.openxmlformats.org/drawingml/2006/main" xmlns:r="http://schemas.openxmlformats.org/officeDocument/2006/relationships" xmlns:p="http://schemas.openxmlformats.org/presentationml/2006/main">
+  <p:cSld>
+    <p:spTree>
+      <p:nvGrpSpPr>
+        <p:cNvPr id="1" name=""/>
+        <p:cNvGrpSpPr/>
+        <p:nvPr/>
+      </p:nvGrpSpPr>
+      <p:grpSpPr>
+        <a:xfrm>
+          <a:off x="0" y="0"/>
+          <a:ext cx="0" cy="0"/>
+          <a:chOff x="0" y="0"/>
+          <a:chExt cx="0" cy="0"/>
+        </a:xfrm>
+      </p:grpSpPr>
+      <p:sp>
+        <p:nvSpPr>
+          <p:cNvPr id="2" name="Slide Image Placeholder 1"/>
+          <p:cNvSpPr>
+            <a:spLocks noGrp="1" noRot="1" noChangeAspect="1"/>
+          </p:cNvSpPr>
+          <p:nvPr>
+            <p:ph type="sldImg"/>
+          </p:nvPr>
+        </p:nvSpPr>
+        <p:spPr/>
+      </p:sp>
+      <p:sp>
+        <p:nvSpPr>
+          <p:cNvPr id="3" name="Notes Placeholder 2"/>
+          <p:cNvSpPr>
+            <a:spLocks noGrp="1"/>
+          </p:cNvSpPr>
+          <p:nvPr>
+            <p:ph type="body" idx="1"/>
+          </p:nvPr>
+        </p:nvSpPr>
+        <p:spPr/>
+        <p:txBody>
+          <a:bodyPr/>
+          <a:lstStyle/>
+          <a:p>
+            <a:endParaRPr lang="en-GB" dirty="0"/>
+          </a:p>
+        </p:txBody>
+      </p:sp>
+      <p:sp>
+        <p:nvSpPr>
+          <p:cNvPr id="4" name="Slide Number Placeholder 3"/>
+          <p:cNvSpPr>
+            <a:spLocks noGrp="1"/>
+          </p:cNvSpPr>
+          <p:nvPr>
+            <p:ph type="sldNum" sz="quarter" idx="10"/>
+          </p:nvPr>
+        </p:nvSpPr>
+        <p:spPr/>
+        <p:txBody>
+          <a:bodyPr/>
+          <a:lstStyle/>
+          <a:p>
+            <a:fld id="{DDE251E9-812E-4854-B6DD-3E1C329A13AA}" type="slidenum">
+              <a:rPr lang="en-GB" smtClean="0"/>
+              <a:t>35</a:t>
+            </a:fld>
+            <a:endParaRPr lang="en-GB"/>
+          </a:p>
+        </p:txBody>
+      </p:sp>
+    </p:spTree>
+    <p:extLst>
+      <p:ext uri="{BB962C8B-B14F-4D97-AF65-F5344CB8AC3E}">
+        <p14:creationId xmlns:p14="http://schemas.microsoft.com/office/powerpoint/2010/main" val="2793455099"/>
       </p:ext>
     </p:extLst>
   </p:cSld>
@@ -2390,10 +3495,11 @@
           <a:bodyPr/>
           <a:lstStyle/>
           <a:p>
-            <a:r>
-              <a:rPr lang="en-US"/>
-              <a:t>1/4/2019</a:t>
-            </a:r>
+            <a:fld id="{CFEE56F5-BA83-4F90-AF22-96514185526C}" type="datetime3">
+              <a:rPr lang="en-US" smtClean="0"/>
+              <a:t>22 May 2019</a:t>
+            </a:fld>
+            <a:endParaRPr lang="en-US"/>
           </a:p>
         </p:txBody>
       </p:sp>
@@ -2601,10 +3707,11 @@
           <a:bodyPr/>
           <a:lstStyle/>
           <a:p>
-            <a:r>
-              <a:rPr lang="en-US"/>
-              <a:t>1/4/2019</a:t>
-            </a:r>
+            <a:fld id="{A2722C43-6B27-4315-815E-C97969F4BE16}" type="datetime3">
+              <a:rPr lang="en-US" smtClean="0"/>
+              <a:t>22 May 2019</a:t>
+            </a:fld>
+            <a:endParaRPr lang="en-US"/>
           </a:p>
         </p:txBody>
       </p:sp>
@@ -2860,10 +3967,11 @@
           <a:bodyPr/>
           <a:lstStyle/>
           <a:p>
-            <a:r>
-              <a:rPr lang="en-US"/>
-              <a:t>1/4/2019</a:t>
-            </a:r>
+            <a:fld id="{86632040-3FAB-4D73-A4F4-3B6FA1CADCA9}" type="datetime3">
+              <a:rPr lang="en-US" smtClean="0"/>
+              <a:t>22 May 2019</a:t>
+            </a:fld>
+            <a:endParaRPr lang="en-US"/>
           </a:p>
         </p:txBody>
       </p:sp>
@@ -3033,10 +4141,11 @@
           <a:bodyPr/>
           <a:lstStyle/>
           <a:p>
-            <a:r>
-              <a:rPr lang="en-US"/>
-              <a:t>1/4/2019</a:t>
-            </a:r>
+            <a:fld id="{1C0FCBEA-EB63-43A8-8FB0-9B51254A0CDE}" type="datetime3">
+              <a:rPr lang="en-US" smtClean="0"/>
+              <a:t>22 May 2019</a:t>
+            </a:fld>
+            <a:endParaRPr lang="en-US"/>
           </a:p>
         </p:txBody>
       </p:sp>
@@ -3379,10 +4488,11 @@
           <a:bodyPr/>
           <a:lstStyle/>
           <a:p>
-            <a:r>
-              <a:rPr lang="en-US"/>
-              <a:t>1/4/2019</a:t>
-            </a:r>
+            <a:fld id="{3108C6B3-9C85-427D-910D-54C979BB60EF}" type="datetime3">
+              <a:rPr lang="en-US" smtClean="0"/>
+              <a:t>22 May 2019</a:t>
+            </a:fld>
+            <a:endParaRPr lang="en-US"/>
           </a:p>
         </p:txBody>
       </p:sp>
@@ -3657,10 +4767,11 @@
           <a:bodyPr/>
           <a:lstStyle/>
           <a:p>
-            <a:r>
-              <a:rPr lang="en-US"/>
-              <a:t>1/4/2019</a:t>
-            </a:r>
+            <a:fld id="{05714748-2370-49EF-826C-13EF026B6575}" type="datetime3">
+              <a:rPr lang="en-US" smtClean="0"/>
+              <a:t>22 May 2019</a:t>
+            </a:fld>
+            <a:endParaRPr lang="en-US"/>
           </a:p>
         </p:txBody>
       </p:sp>
@@ -4039,10 +5150,11 @@
           <a:bodyPr/>
           <a:lstStyle/>
           <a:p>
-            <a:r>
-              <a:rPr lang="en-US"/>
-              <a:t>1/4/2019</a:t>
-            </a:r>
+            <a:fld id="{4A4D5A37-222F-4A6C-BD5B-B9160C7DC238}" type="datetime3">
+              <a:rPr lang="en-US" smtClean="0"/>
+              <a:t>22 May 2019</a:t>
+            </a:fld>
+            <a:endParaRPr lang="en-US"/>
           </a:p>
         </p:txBody>
       </p:sp>
@@ -4160,10 +5272,11 @@
           <a:bodyPr/>
           <a:lstStyle/>
           <a:p>
-            <a:r>
-              <a:rPr lang="en-US"/>
-              <a:t>1/4/2019</a:t>
-            </a:r>
+            <a:fld id="{501BD594-8D02-48E7-A10B-9DA5CFC304D0}" type="datetime3">
+              <a:rPr lang="en-US" smtClean="0"/>
+              <a:t>22 May 2019</a:t>
+            </a:fld>
+            <a:endParaRPr lang="en-US"/>
           </a:p>
         </p:txBody>
       </p:sp>
@@ -4334,10 +5447,11 @@
           <a:bodyPr/>
           <a:lstStyle/>
           <a:p>
-            <a:r>
-              <a:rPr lang="en-US"/>
-              <a:t>1/4/2019</a:t>
-            </a:r>
+            <a:fld id="{62AC454F-E814-4A7A-A39C-DC93A39613C1}" type="datetime3">
+              <a:rPr lang="en-US" smtClean="0"/>
+              <a:t>22 May 2019</a:t>
+            </a:fld>
+            <a:endParaRPr lang="en-US"/>
           </a:p>
         </p:txBody>
       </p:sp>
@@ -4691,10 +5805,11 @@
             </a:lvl1pPr>
           </a:lstStyle>
           <a:p>
-            <a:r>
-              <a:rPr lang="en-US"/>
-              <a:t>1/4/2019</a:t>
-            </a:r>
+            <a:fld id="{E654169E-8F9A-40FA-823E-6BCC6C09D62A}" type="datetime3">
+              <a:rPr lang="en-US" smtClean="0"/>
+              <a:t>22 May 2019</a:t>
+            </a:fld>
+            <a:endParaRPr lang="en-US"/>
           </a:p>
         </p:txBody>
       </p:sp>
@@ -5071,10 +6186,11 @@
           <a:bodyPr/>
           <a:lstStyle/>
           <a:p>
-            <a:r>
-              <a:rPr lang="en-US"/>
-              <a:t>1/4/2019</a:t>
-            </a:r>
+            <a:fld id="{95CE3785-85CF-4168-BEDF-2248397460E8}" type="datetime3">
+              <a:rPr lang="en-US" smtClean="0"/>
+              <a:t>22 May 2019</a:t>
+            </a:fld>
+            <a:endParaRPr lang="en-US"/>
           </a:p>
         </p:txBody>
       </p:sp>
@@ -5361,10 +6477,11 @@
             </a:lvl1pPr>
           </a:lstStyle>
           <a:p>
-            <a:r>
-              <a:rPr lang="en-US"/>
-              <a:t>1/4/2019</a:t>
-            </a:r>
+            <a:fld id="{C4F79EA7-E4DC-42F1-962F-4DBF9F475B30}" type="datetime3">
+              <a:rPr lang="en-US" smtClean="0"/>
+              <a:t>22 May 2019</a:t>
+            </a:fld>
+            <a:endParaRPr lang="en-US"/>
           </a:p>
         </p:txBody>
       </p:sp>
@@ -5505,7 +6622,7 @@
     <p:sldLayoutId id="2147483885" r:id="rId10"/>
     <p:sldLayoutId id="2147483886" r:id="rId11"/>
   </p:sldLayoutIdLst>
-  <p:hf sldNum="0" hdr="0"/>
+  <p:hf hdr="0"/>
   <p:txStyles>
     <p:titleStyle>
       <a:lvl1pPr algn="l" defTabSz="914400" rtl="0" eaLnBrk="1" latinLnBrk="0" hangingPunct="1">
@@ -5945,6 +7062,10 @@
             <a:br>
               <a:rPr lang="en-US" sz="4500" dirty="0"/>
             </a:br>
+            <a:r>
+              <a:rPr lang="en-US" sz="4500" dirty="0"/>
+              <a:t/>
+            </a:r>
             <a:br>
               <a:rPr lang="en-US" sz="4500" dirty="0"/>
             </a:br>
@@ -6104,10 +7225,11 @@
           <a:bodyPr/>
           <a:lstStyle/>
           <a:p>
-            <a:r>
-              <a:rPr lang="en-US"/>
-              <a:t>1/4/2019</a:t>
-            </a:r>
+            <a:fld id="{51C8C0DB-2CDA-4F74-A2EC-EE3D9A2BFD1C}" type="datetime3">
+              <a:rPr lang="en-US" smtClean="0"/>
+              <a:t>22 May 2019</a:t>
+            </a:fld>
+            <a:endParaRPr lang="en-US"/>
           </a:p>
         </p:txBody>
       </p:sp>
@@ -6223,6 +7345,29 @@
           </a:prstGeom>
         </p:spPr>
       </p:pic>
+      <p:sp>
+        <p:nvSpPr>
+          <p:cNvPr id="6" name="Slide Number Placeholder 5"/>
+          <p:cNvSpPr>
+            <a:spLocks noGrp="1"/>
+          </p:cNvSpPr>
+          <p:nvPr>
+            <p:ph type="sldNum" sz="quarter" idx="12"/>
+          </p:nvPr>
+        </p:nvSpPr>
+        <p:spPr/>
+        <p:txBody>
+          <a:bodyPr/>
+          <a:lstStyle/>
+          <a:p>
+            <a:fld id="{AEEFAC8D-0A19-DC49-9F7A-4BFCAD95B105}" type="slidenum">
+              <a:rPr lang="en-US" smtClean="0"/>
+              <a:t>10</a:t>
+            </a:fld>
+            <a:endParaRPr lang="en-US"/>
+          </a:p>
+        </p:txBody>
+      </p:sp>
     </p:spTree>
     <p:extLst>
       <p:ext uri="{BB962C8B-B14F-4D97-AF65-F5344CB8AC3E}">
@@ -6268,10 +7413,11 @@
           <a:bodyPr/>
           <a:lstStyle/>
           <a:p>
-            <a:r>
-              <a:rPr lang="en-US"/>
-              <a:t>1/4/2019</a:t>
-            </a:r>
+            <a:fld id="{56F86E3B-DBC7-4C1A-88B4-EFE85F5812B6}" type="datetime3">
+              <a:rPr lang="en-US" smtClean="0"/>
+              <a:t>22 May 2019</a:t>
+            </a:fld>
+            <a:endParaRPr lang="en-US"/>
           </a:p>
         </p:txBody>
       </p:sp>
@@ -6387,6 +7533,29 @@
           </a:prstGeom>
         </p:spPr>
       </p:pic>
+      <p:sp>
+        <p:nvSpPr>
+          <p:cNvPr id="4" name="Slide Number Placeholder 3"/>
+          <p:cNvSpPr>
+            <a:spLocks noGrp="1"/>
+          </p:cNvSpPr>
+          <p:nvPr>
+            <p:ph type="sldNum" sz="quarter" idx="12"/>
+          </p:nvPr>
+        </p:nvSpPr>
+        <p:spPr/>
+        <p:txBody>
+          <a:bodyPr/>
+          <a:lstStyle/>
+          <a:p>
+            <a:fld id="{AEEFAC8D-0A19-DC49-9F7A-4BFCAD95B105}" type="slidenum">
+              <a:rPr lang="en-US" smtClean="0"/>
+              <a:t>11</a:t>
+            </a:fld>
+            <a:endParaRPr lang="en-US"/>
+          </a:p>
+        </p:txBody>
+      </p:sp>
     </p:spTree>
     <p:extLst>
       <p:ext uri="{BB962C8B-B14F-4D97-AF65-F5344CB8AC3E}">
@@ -6432,10 +7601,11 @@
           <a:bodyPr/>
           <a:lstStyle/>
           <a:p>
-            <a:r>
-              <a:rPr lang="en-US"/>
-              <a:t>1/4/2019</a:t>
-            </a:r>
+            <a:fld id="{0610462A-07B7-4201-AD5A-A190D493ADED}" type="datetime3">
+              <a:rPr lang="en-US" smtClean="0"/>
+              <a:t>22 May 2019</a:t>
+            </a:fld>
+            <a:endParaRPr lang="en-US"/>
           </a:p>
         </p:txBody>
       </p:sp>
@@ -6551,6 +7721,29 @@
           </a:prstGeom>
         </p:spPr>
       </p:pic>
+      <p:sp>
+        <p:nvSpPr>
+          <p:cNvPr id="6" name="Slide Number Placeholder 5"/>
+          <p:cNvSpPr>
+            <a:spLocks noGrp="1"/>
+          </p:cNvSpPr>
+          <p:nvPr>
+            <p:ph type="sldNum" sz="quarter" idx="12"/>
+          </p:nvPr>
+        </p:nvSpPr>
+        <p:spPr/>
+        <p:txBody>
+          <a:bodyPr/>
+          <a:lstStyle/>
+          <a:p>
+            <a:fld id="{AEEFAC8D-0A19-DC49-9F7A-4BFCAD95B105}" type="slidenum">
+              <a:rPr lang="en-US" smtClean="0"/>
+              <a:t>12</a:t>
+            </a:fld>
+            <a:endParaRPr lang="en-US"/>
+          </a:p>
+        </p:txBody>
+      </p:sp>
     </p:spTree>
     <p:extLst>
       <p:ext uri="{BB962C8B-B14F-4D97-AF65-F5344CB8AC3E}">
@@ -6596,10 +7789,11 @@
           <a:bodyPr/>
           <a:lstStyle/>
           <a:p>
-            <a:r>
-              <a:rPr lang="en-US"/>
-              <a:t>1/4/2019</a:t>
-            </a:r>
+            <a:fld id="{56EB306A-999F-42FC-A3B9-A11D509682B5}" type="datetime3">
+              <a:rPr lang="en-US" smtClean="0"/>
+              <a:t>22 May 2019</a:t>
+            </a:fld>
+            <a:endParaRPr lang="en-US"/>
           </a:p>
         </p:txBody>
       </p:sp>
@@ -6715,6 +7909,29 @@
           </a:prstGeom>
         </p:spPr>
       </p:pic>
+      <p:sp>
+        <p:nvSpPr>
+          <p:cNvPr id="4" name="Slide Number Placeholder 3"/>
+          <p:cNvSpPr>
+            <a:spLocks noGrp="1"/>
+          </p:cNvSpPr>
+          <p:nvPr>
+            <p:ph type="sldNum" sz="quarter" idx="12"/>
+          </p:nvPr>
+        </p:nvSpPr>
+        <p:spPr/>
+        <p:txBody>
+          <a:bodyPr/>
+          <a:lstStyle/>
+          <a:p>
+            <a:fld id="{AEEFAC8D-0A19-DC49-9F7A-4BFCAD95B105}" type="slidenum">
+              <a:rPr lang="en-US" smtClean="0"/>
+              <a:t>13</a:t>
+            </a:fld>
+            <a:endParaRPr lang="en-US"/>
+          </a:p>
+        </p:txBody>
+      </p:sp>
     </p:spTree>
     <p:extLst>
       <p:ext uri="{BB962C8B-B14F-4D97-AF65-F5344CB8AC3E}">
@@ -6760,10 +7977,11 @@
           <a:bodyPr/>
           <a:lstStyle/>
           <a:p>
-            <a:r>
-              <a:rPr lang="en-US"/>
-              <a:t>1/4/2019</a:t>
-            </a:r>
+            <a:fld id="{8B2CA469-D592-48DE-ABAE-9EC2584954DC}" type="datetime3">
+              <a:rPr lang="en-US" smtClean="0"/>
+              <a:t>22 May 2019</a:t>
+            </a:fld>
+            <a:endParaRPr lang="en-US"/>
           </a:p>
         </p:txBody>
       </p:sp>
@@ -6879,6 +8097,29 @@
           </a:prstGeom>
         </p:spPr>
       </p:pic>
+      <p:sp>
+        <p:nvSpPr>
+          <p:cNvPr id="6" name="Slide Number Placeholder 5"/>
+          <p:cNvSpPr>
+            <a:spLocks noGrp="1"/>
+          </p:cNvSpPr>
+          <p:nvPr>
+            <p:ph type="sldNum" sz="quarter" idx="12"/>
+          </p:nvPr>
+        </p:nvSpPr>
+        <p:spPr/>
+        <p:txBody>
+          <a:bodyPr/>
+          <a:lstStyle/>
+          <a:p>
+            <a:fld id="{AEEFAC8D-0A19-DC49-9F7A-4BFCAD95B105}" type="slidenum">
+              <a:rPr lang="en-US" smtClean="0"/>
+              <a:t>14</a:t>
+            </a:fld>
+            <a:endParaRPr lang="en-US"/>
+          </a:p>
+        </p:txBody>
+      </p:sp>
     </p:spTree>
     <p:extLst>
       <p:ext uri="{BB962C8B-B14F-4D97-AF65-F5344CB8AC3E}">
@@ -6924,10 +8165,11 @@
           <a:bodyPr/>
           <a:lstStyle/>
           <a:p>
-            <a:r>
-              <a:rPr lang="en-US"/>
-              <a:t>1/4/2019</a:t>
-            </a:r>
+            <a:fld id="{3A4656F5-14F2-408C-8A57-7921218CACE6}" type="datetime3">
+              <a:rPr lang="en-US" smtClean="0"/>
+              <a:t>22 May 2019</a:t>
+            </a:fld>
+            <a:endParaRPr lang="en-US"/>
           </a:p>
         </p:txBody>
       </p:sp>
@@ -7043,6 +8285,29 @@
           </a:prstGeom>
         </p:spPr>
       </p:pic>
+      <p:sp>
+        <p:nvSpPr>
+          <p:cNvPr id="6" name="Slide Number Placeholder 5"/>
+          <p:cNvSpPr>
+            <a:spLocks noGrp="1"/>
+          </p:cNvSpPr>
+          <p:nvPr>
+            <p:ph type="sldNum" sz="quarter" idx="12"/>
+          </p:nvPr>
+        </p:nvSpPr>
+        <p:spPr/>
+        <p:txBody>
+          <a:bodyPr/>
+          <a:lstStyle/>
+          <a:p>
+            <a:fld id="{AEEFAC8D-0A19-DC49-9F7A-4BFCAD95B105}" type="slidenum">
+              <a:rPr lang="en-US" smtClean="0"/>
+              <a:t>15</a:t>
+            </a:fld>
+            <a:endParaRPr lang="en-US"/>
+          </a:p>
+        </p:txBody>
+      </p:sp>
     </p:spTree>
     <p:extLst>
       <p:ext uri="{BB962C8B-B14F-4D97-AF65-F5344CB8AC3E}">
@@ -7088,10 +8353,11 @@
           <a:bodyPr/>
           <a:lstStyle/>
           <a:p>
-            <a:r>
-              <a:rPr lang="en-US"/>
-              <a:t>1/4/2019</a:t>
-            </a:r>
+            <a:fld id="{FF4CB9BF-9AFF-42B1-B9C2-326663184325}" type="datetime3">
+              <a:rPr lang="en-US" smtClean="0"/>
+              <a:t>22 May 2019</a:t>
+            </a:fld>
+            <a:endParaRPr lang="en-US"/>
           </a:p>
         </p:txBody>
       </p:sp>
@@ -7207,6 +8473,29 @@
           </a:prstGeom>
         </p:spPr>
       </p:pic>
+      <p:sp>
+        <p:nvSpPr>
+          <p:cNvPr id="6" name="Slide Number Placeholder 5"/>
+          <p:cNvSpPr>
+            <a:spLocks noGrp="1"/>
+          </p:cNvSpPr>
+          <p:nvPr>
+            <p:ph type="sldNum" sz="quarter" idx="12"/>
+          </p:nvPr>
+        </p:nvSpPr>
+        <p:spPr/>
+        <p:txBody>
+          <a:bodyPr/>
+          <a:lstStyle/>
+          <a:p>
+            <a:fld id="{AEEFAC8D-0A19-DC49-9F7A-4BFCAD95B105}" type="slidenum">
+              <a:rPr lang="en-US" smtClean="0"/>
+              <a:t>16</a:t>
+            </a:fld>
+            <a:endParaRPr lang="en-US"/>
+          </a:p>
+        </p:txBody>
+      </p:sp>
     </p:spTree>
     <p:extLst>
       <p:ext uri="{BB962C8B-B14F-4D97-AF65-F5344CB8AC3E}">
@@ -7252,10 +8541,11 @@
           <a:bodyPr/>
           <a:lstStyle/>
           <a:p>
-            <a:r>
-              <a:rPr lang="en-US"/>
-              <a:t>1/4/2019</a:t>
-            </a:r>
+            <a:fld id="{2836E6F4-1C8D-42A6-9FAC-BA49DB06748C}" type="datetime3">
+              <a:rPr lang="en-US" smtClean="0"/>
+              <a:t>22 May 2019</a:t>
+            </a:fld>
+            <a:endParaRPr lang="en-US"/>
           </a:p>
         </p:txBody>
       </p:sp>
@@ -7371,6 +8661,29 @@
           </a:prstGeom>
         </p:spPr>
       </p:pic>
+      <p:sp>
+        <p:nvSpPr>
+          <p:cNvPr id="4" name="Slide Number Placeholder 3"/>
+          <p:cNvSpPr>
+            <a:spLocks noGrp="1"/>
+          </p:cNvSpPr>
+          <p:nvPr>
+            <p:ph type="sldNum" sz="quarter" idx="12"/>
+          </p:nvPr>
+        </p:nvSpPr>
+        <p:spPr/>
+        <p:txBody>
+          <a:bodyPr/>
+          <a:lstStyle/>
+          <a:p>
+            <a:fld id="{AEEFAC8D-0A19-DC49-9F7A-4BFCAD95B105}" type="slidenum">
+              <a:rPr lang="en-US" smtClean="0"/>
+              <a:t>17</a:t>
+            </a:fld>
+            <a:endParaRPr lang="en-US"/>
+          </a:p>
+        </p:txBody>
+      </p:sp>
     </p:spTree>
     <p:extLst>
       <p:ext uri="{BB962C8B-B14F-4D97-AF65-F5344CB8AC3E}">
@@ -7416,10 +8729,11 @@
           <a:bodyPr/>
           <a:lstStyle/>
           <a:p>
-            <a:r>
-              <a:rPr lang="en-US"/>
-              <a:t>1/4/2019</a:t>
-            </a:r>
+            <a:fld id="{9F1446F5-0D0A-4921-A7C0-65DD43DE3872}" type="datetime3">
+              <a:rPr lang="en-US" smtClean="0"/>
+              <a:t>22 May 2019</a:t>
+            </a:fld>
+            <a:endParaRPr lang="en-US"/>
           </a:p>
         </p:txBody>
       </p:sp>
@@ -7543,6 +8857,29 @@
           </a:prstGeom>
         </p:spPr>
       </p:pic>
+      <p:sp>
+        <p:nvSpPr>
+          <p:cNvPr id="6" name="Slide Number Placeholder 5"/>
+          <p:cNvSpPr>
+            <a:spLocks noGrp="1"/>
+          </p:cNvSpPr>
+          <p:nvPr>
+            <p:ph type="sldNum" sz="quarter" idx="12"/>
+          </p:nvPr>
+        </p:nvSpPr>
+        <p:spPr/>
+        <p:txBody>
+          <a:bodyPr/>
+          <a:lstStyle/>
+          <a:p>
+            <a:fld id="{AEEFAC8D-0A19-DC49-9F7A-4BFCAD95B105}" type="slidenum">
+              <a:rPr lang="en-US" smtClean="0"/>
+              <a:t>18</a:t>
+            </a:fld>
+            <a:endParaRPr lang="en-US"/>
+          </a:p>
+        </p:txBody>
+      </p:sp>
     </p:spTree>
     <p:extLst>
       <p:ext uri="{BB962C8B-B14F-4D97-AF65-F5344CB8AC3E}">
@@ -7588,10 +8925,11 @@
           <a:bodyPr/>
           <a:lstStyle/>
           <a:p>
-            <a:r>
-              <a:rPr lang="en-US"/>
-              <a:t>1/4/2019</a:t>
-            </a:r>
+            <a:fld id="{487A6CF9-3C1A-4736-83DD-B4D3F417A73E}" type="datetime3">
+              <a:rPr lang="en-US" smtClean="0"/>
+              <a:t>22 May 2019</a:t>
+            </a:fld>
+            <a:endParaRPr lang="en-US"/>
           </a:p>
         </p:txBody>
       </p:sp>
@@ -7715,6 +9053,29 @@
           </a:prstGeom>
         </p:spPr>
       </p:pic>
+      <p:sp>
+        <p:nvSpPr>
+          <p:cNvPr id="6" name="Slide Number Placeholder 5"/>
+          <p:cNvSpPr>
+            <a:spLocks noGrp="1"/>
+          </p:cNvSpPr>
+          <p:nvPr>
+            <p:ph type="sldNum" sz="quarter" idx="12"/>
+          </p:nvPr>
+        </p:nvSpPr>
+        <p:spPr/>
+        <p:txBody>
+          <a:bodyPr/>
+          <a:lstStyle/>
+          <a:p>
+            <a:fld id="{AEEFAC8D-0A19-DC49-9F7A-4BFCAD95B105}" type="slidenum">
+              <a:rPr lang="en-US" smtClean="0"/>
+              <a:t>19</a:t>
+            </a:fld>
+            <a:endParaRPr lang="en-US"/>
+          </a:p>
+        </p:txBody>
+      </p:sp>
     </p:spTree>
     <p:extLst>
       <p:ext uri="{BB962C8B-B14F-4D97-AF65-F5344CB8AC3E}">
@@ -7760,10 +9121,11 @@
           <a:bodyPr/>
           <a:lstStyle/>
           <a:p>
-            <a:r>
-              <a:rPr lang="en-US"/>
-              <a:t>1/4/2019</a:t>
-            </a:r>
+            <a:fld id="{1255C279-E96E-4C8F-9A38-1A3E66727192}" type="datetime3">
+              <a:rPr lang="en-US" smtClean="0"/>
+              <a:t>22 May 2019</a:t>
+            </a:fld>
+            <a:endParaRPr lang="en-US"/>
           </a:p>
         </p:txBody>
       </p:sp>
@@ -8096,6 +9458,29 @@
               <a:buChar char="•"/>
             </a:pPr>
             <a:endParaRPr lang="en-US" sz="1600" dirty="0"/>
+          </a:p>
+        </p:txBody>
+      </p:sp>
+      <p:sp>
+        <p:nvSpPr>
+          <p:cNvPr id="2" name="Slide Number Placeholder 1"/>
+          <p:cNvSpPr>
+            <a:spLocks noGrp="1"/>
+          </p:cNvSpPr>
+          <p:nvPr>
+            <p:ph type="sldNum" sz="quarter" idx="12"/>
+          </p:nvPr>
+        </p:nvSpPr>
+        <p:spPr/>
+        <p:txBody>
+          <a:bodyPr/>
+          <a:lstStyle/>
+          <a:p>
+            <a:fld id="{AEEFAC8D-0A19-DC49-9F7A-4BFCAD95B105}" type="slidenum">
+              <a:rPr lang="en-US" smtClean="0"/>
+              <a:t>2</a:t>
+            </a:fld>
+            <a:endParaRPr lang="en-US"/>
           </a:p>
         </p:txBody>
       </p:sp>
@@ -8144,10 +9529,11 @@
           <a:bodyPr/>
           <a:lstStyle/>
           <a:p>
-            <a:r>
-              <a:rPr lang="en-US"/>
-              <a:t>1/4/2019</a:t>
-            </a:r>
+            <a:fld id="{3302251A-76AA-423A-8B6F-106FE52F0721}" type="datetime3">
+              <a:rPr lang="en-US" smtClean="0"/>
+              <a:t>22 May 2019</a:t>
+            </a:fld>
+            <a:endParaRPr lang="en-US"/>
           </a:p>
         </p:txBody>
       </p:sp>
@@ -8263,6 +9649,29 @@
           </a:prstGeom>
         </p:spPr>
       </p:pic>
+      <p:sp>
+        <p:nvSpPr>
+          <p:cNvPr id="4" name="Slide Number Placeholder 3"/>
+          <p:cNvSpPr>
+            <a:spLocks noGrp="1"/>
+          </p:cNvSpPr>
+          <p:nvPr>
+            <p:ph type="sldNum" sz="quarter" idx="12"/>
+          </p:nvPr>
+        </p:nvSpPr>
+        <p:spPr/>
+        <p:txBody>
+          <a:bodyPr/>
+          <a:lstStyle/>
+          <a:p>
+            <a:fld id="{AEEFAC8D-0A19-DC49-9F7A-4BFCAD95B105}" type="slidenum">
+              <a:rPr lang="en-US" smtClean="0"/>
+              <a:t>20</a:t>
+            </a:fld>
+            <a:endParaRPr lang="en-US"/>
+          </a:p>
+        </p:txBody>
+      </p:sp>
     </p:spTree>
     <p:extLst>
       <p:ext uri="{BB962C8B-B14F-4D97-AF65-F5344CB8AC3E}">
@@ -8308,10 +9717,11 @@
           <a:bodyPr/>
           <a:lstStyle/>
           <a:p>
-            <a:r>
-              <a:rPr lang="en-US"/>
-              <a:t>1/4/2019</a:t>
-            </a:r>
+            <a:fld id="{1CA74073-8C68-4B7C-938F-804AF2CE038A}" type="datetime3">
+              <a:rPr lang="en-US" smtClean="0"/>
+              <a:t>22 May 2019</a:t>
+            </a:fld>
+            <a:endParaRPr lang="en-US"/>
           </a:p>
         </p:txBody>
       </p:sp>
@@ -8435,6 +9845,29 @@
           </a:prstGeom>
         </p:spPr>
       </p:pic>
+      <p:sp>
+        <p:nvSpPr>
+          <p:cNvPr id="6" name="Slide Number Placeholder 5"/>
+          <p:cNvSpPr>
+            <a:spLocks noGrp="1"/>
+          </p:cNvSpPr>
+          <p:nvPr>
+            <p:ph type="sldNum" sz="quarter" idx="12"/>
+          </p:nvPr>
+        </p:nvSpPr>
+        <p:spPr/>
+        <p:txBody>
+          <a:bodyPr/>
+          <a:lstStyle/>
+          <a:p>
+            <a:fld id="{AEEFAC8D-0A19-DC49-9F7A-4BFCAD95B105}" type="slidenum">
+              <a:rPr lang="en-US" smtClean="0"/>
+              <a:t>21</a:t>
+            </a:fld>
+            <a:endParaRPr lang="en-US"/>
+          </a:p>
+        </p:txBody>
+      </p:sp>
     </p:spTree>
     <p:extLst>
       <p:ext uri="{BB962C8B-B14F-4D97-AF65-F5344CB8AC3E}">
@@ -8480,10 +9913,11 @@
           <a:bodyPr/>
           <a:lstStyle/>
           <a:p>
-            <a:r>
-              <a:rPr lang="en-US"/>
-              <a:t>1/4/2019</a:t>
-            </a:r>
+            <a:fld id="{D2D87A74-06E7-4D33-807F-1F22CF157499}" type="datetime3">
+              <a:rPr lang="en-US" smtClean="0"/>
+              <a:t>22 May 2019</a:t>
+            </a:fld>
+            <a:endParaRPr lang="en-US"/>
           </a:p>
         </p:txBody>
       </p:sp>
@@ -8607,10 +10041,2341 @@
           </a:prstGeom>
         </p:spPr>
       </p:pic>
+      <p:sp>
+        <p:nvSpPr>
+          <p:cNvPr id="7" name="Slide Number Placeholder 6"/>
+          <p:cNvSpPr>
+            <a:spLocks noGrp="1"/>
+          </p:cNvSpPr>
+          <p:nvPr>
+            <p:ph type="sldNum" sz="quarter" idx="12"/>
+          </p:nvPr>
+        </p:nvSpPr>
+        <p:spPr/>
+        <p:txBody>
+          <a:bodyPr/>
+          <a:lstStyle/>
+          <a:p>
+            <a:fld id="{AEEFAC8D-0A19-DC49-9F7A-4BFCAD95B105}" type="slidenum">
+              <a:rPr lang="en-US" smtClean="0"/>
+              <a:t>22</a:t>
+            </a:fld>
+            <a:endParaRPr lang="en-US"/>
+          </a:p>
+        </p:txBody>
+      </p:sp>
     </p:spTree>
     <p:extLst>
       <p:ext uri="{BB962C8B-B14F-4D97-AF65-F5344CB8AC3E}">
         <p14:creationId xmlns:p14="http://schemas.microsoft.com/office/powerpoint/2010/main" val="719688175"/>
+      </p:ext>
+    </p:extLst>
+  </p:cSld>
+  <p:clrMapOvr>
+    <a:masterClrMapping/>
+  </p:clrMapOvr>
+</p:sld>
+</file>
+
+<file path=ppt/slides/slide23.xml><?xml version="1.0" encoding="utf-8"?>
+<p:sld xmlns:a="http://schemas.openxmlformats.org/drawingml/2006/main" xmlns:r="http://schemas.openxmlformats.org/officeDocument/2006/relationships" xmlns:p="http://schemas.openxmlformats.org/presentationml/2006/main">
+  <p:cSld>
+    <p:spTree>
+      <p:nvGrpSpPr>
+        <p:cNvPr id="1" name=""/>
+        <p:cNvGrpSpPr/>
+        <p:nvPr/>
+      </p:nvGrpSpPr>
+      <p:grpSpPr>
+        <a:xfrm>
+          <a:off x="0" y="0"/>
+          <a:ext cx="0" cy="0"/>
+          <a:chOff x="0" y="0"/>
+          <a:chExt cx="0" cy="0"/>
+        </a:xfrm>
+      </p:grpSpPr>
+      <p:sp>
+        <p:nvSpPr>
+          <p:cNvPr id="2" name="Date Placeholder 1"/>
+          <p:cNvSpPr>
+            <a:spLocks noGrp="1"/>
+          </p:cNvSpPr>
+          <p:nvPr>
+            <p:ph type="dt" sz="half" idx="10"/>
+          </p:nvPr>
+        </p:nvSpPr>
+        <p:spPr/>
+        <p:txBody>
+          <a:bodyPr/>
+          <a:lstStyle/>
+          <a:p>
+            <a:fld id="{05FEB2B7-C11C-4FC7-A7C1-A497893008BD}" type="datetime3">
+              <a:rPr lang="en-US" smtClean="0"/>
+              <a:t>22 May 2019</a:t>
+            </a:fld>
+            <a:endParaRPr lang="en-US"/>
+          </a:p>
+        </p:txBody>
+      </p:sp>
+      <p:sp>
+        <p:nvSpPr>
+          <p:cNvPr id="3" name="Footer Placeholder 2"/>
+          <p:cNvSpPr>
+            <a:spLocks noGrp="1"/>
+          </p:cNvSpPr>
+          <p:nvPr>
+            <p:ph type="ftr" sz="quarter" idx="11"/>
+          </p:nvPr>
+        </p:nvSpPr>
+        <p:spPr/>
+        <p:txBody>
+          <a:bodyPr/>
+          <a:lstStyle/>
+          <a:p>
+            <a:r>
+              <a:rPr lang="fi-FI"/>
+              <a:t>NTUA, G. Bakas</a:t>
+            </a:r>
+            <a:endParaRPr lang="en-US"/>
+          </a:p>
+        </p:txBody>
+      </p:sp>
+      <p:sp>
+        <p:nvSpPr>
+          <p:cNvPr id="5" name="TextBox 4"/>
+          <p:cNvSpPr txBox="1"/>
+          <p:nvPr/>
+        </p:nvSpPr>
+        <p:spPr>
+          <a:xfrm>
+            <a:off x="233265" y="155941"/>
+            <a:ext cx="11243388" cy="369332"/>
+          </a:xfrm>
+          <a:prstGeom prst="rect">
+            <a:avLst/>
+          </a:prstGeom>
+          <a:noFill/>
+        </p:spPr>
+        <p:txBody>
+          <a:bodyPr wrap="square" rtlCol="0">
+            <a:spAutoFit/>
+          </a:bodyPr>
+          <a:lstStyle/>
+          <a:p>
+            <a:pPr algn="ctr"/>
+            <a:r>
+              <a:rPr lang="en-US" dirty="0" smtClean="0"/>
+              <a:t>|cos</a:t>
+            </a:r>
+            <a:r>
+              <a:rPr lang="el-GR" dirty="0" smtClean="0"/>
+              <a:t>θ*</a:t>
+            </a:r>
+            <a:r>
+              <a:rPr lang="en-US" dirty="0" smtClean="0"/>
+              <a:t>|</a:t>
+            </a:r>
+            <a:r>
+              <a:rPr lang="en-US" dirty="0" smtClean="0"/>
+              <a:t> </a:t>
+            </a:r>
+            <a:r>
+              <a:rPr lang="en-US" dirty="0"/>
+              <a:t>distribution for </a:t>
+            </a:r>
+            <a:r>
+              <a:rPr lang="en-US" dirty="0" err="1"/>
+              <a:t>Mtt</a:t>
+            </a:r>
+            <a:r>
+              <a:rPr lang="en-US" dirty="0"/>
+              <a:t> sample (1000-Inf) and </a:t>
+            </a:r>
+            <a:r>
+              <a:rPr lang="en-US" dirty="0" err="1"/>
+              <a:t>Zprime</a:t>
+            </a:r>
+            <a:r>
+              <a:rPr lang="en-US" dirty="0"/>
+              <a:t> samples with M</a:t>
+            </a:r>
+            <a:r>
+              <a:rPr lang="en-US" baseline="-25000" dirty="0"/>
+              <a:t>Z’ </a:t>
+            </a:r>
+            <a:r>
+              <a:rPr lang="en-US" dirty="0"/>
+              <a:t> = </a:t>
+            </a:r>
+            <a:r>
+              <a:rPr lang="en-US" dirty="0" smtClean="0"/>
+              <a:t>2TeV </a:t>
+            </a:r>
+            <a:r>
+              <a:rPr lang="en-US" dirty="0"/>
+              <a:t>and different widths </a:t>
+            </a:r>
+            <a:endParaRPr lang="en-GB" dirty="0"/>
+          </a:p>
+        </p:txBody>
+      </p:sp>
+      <p:pic>
+        <p:nvPicPr>
+          <p:cNvPr id="6" name="Picture 5"/>
+          <p:cNvPicPr>
+            <a:picLocks noChangeAspect="1"/>
+          </p:cNvPicPr>
+          <p:nvPr/>
+        </p:nvPicPr>
+        <p:blipFill>
+          <a:blip r:embed="rId3">
+            <a:extLst>
+              <a:ext uri="{28A0092B-C50C-407E-A947-70E740481C1C}">
+                <a14:useLocalDpi xmlns:a14="http://schemas.microsoft.com/office/drawing/2010/main" val="0"/>
+              </a:ext>
+            </a:extLst>
+          </a:blip>
+          <a:stretch>
+            <a:fillRect/>
+          </a:stretch>
+        </p:blipFill>
+        <p:spPr>
+          <a:xfrm>
+            <a:off x="1819275" y="700087"/>
+            <a:ext cx="8553450" cy="5457825"/>
+          </a:xfrm>
+          <a:prstGeom prst="rect">
+            <a:avLst/>
+          </a:prstGeom>
+        </p:spPr>
+      </p:pic>
+      <mc:AlternateContent xmlns:mc="http://schemas.openxmlformats.org/markup-compatibility/2006">
+        <mc:Choice xmlns:a14="http://schemas.microsoft.com/office/drawing/2010/main" Requires="a14">
+          <p:sp>
+            <p:nvSpPr>
+              <p:cNvPr id="7" name="TextBox 6"/>
+              <p:cNvSpPr txBox="1"/>
+              <p:nvPr/>
+            </p:nvSpPr>
+            <p:spPr>
+              <a:xfrm>
+                <a:off x="8920084" y="5872657"/>
+                <a:ext cx="657467" cy="215444"/>
+              </a:xfrm>
+              <a:prstGeom prst="rect">
+                <a:avLst/>
+              </a:prstGeom>
+              <a:noFill/>
+            </p:spPr>
+            <p:txBody>
+              <a:bodyPr wrap="square" lIns="0" tIns="0" rIns="0" bIns="0" rtlCol="0">
+                <a:spAutoFit/>
+              </a:bodyPr>
+              <a:lstStyle/>
+              <a:p>
+                <a14:m>
+                  <m:oMathPara xmlns:m="http://schemas.openxmlformats.org/officeDocument/2006/math">
+                    <m:oMathParaPr>
+                      <m:jc m:val="centerGroup"/>
+                    </m:oMathParaPr>
+                    <m:oMath xmlns:m="http://schemas.openxmlformats.org/officeDocument/2006/math">
+                      <m:r>
+                        <a:rPr lang="en-US" sz="1400" b="0" i="1" smtClean="0">
+                          <a:latin typeface="Cambria Math" panose="02040503050406030204" pitchFamily="18" charset="0"/>
+                        </a:rPr>
+                        <m:t>|</m:t>
+                      </m:r>
+                      <m:r>
+                        <a:rPr lang="en-US" sz="1400" b="0" i="1" smtClean="0">
+                          <a:latin typeface="Cambria Math" panose="02040503050406030204" pitchFamily="18" charset="0"/>
+                        </a:rPr>
+                        <m:t>𝑐𝑜𝑠</m:t>
+                      </m:r>
+                      <m:sSup>
+                        <m:sSupPr>
+                          <m:ctrlPr>
+                            <a:rPr lang="el-GR" sz="1400" b="0" i="1" smtClean="0">
+                              <a:latin typeface="Cambria Math" panose="02040503050406030204" pitchFamily="18" charset="0"/>
+                            </a:rPr>
+                          </m:ctrlPr>
+                        </m:sSupPr>
+                        <m:e>
+                          <m:r>
+                            <a:rPr lang="el-GR" sz="1400" b="0" i="1" smtClean="0">
+                              <a:latin typeface="Cambria Math" panose="02040503050406030204" pitchFamily="18" charset="0"/>
+                            </a:rPr>
+                            <m:t>𝜃</m:t>
+                          </m:r>
+                        </m:e>
+                        <m:sup>
+                          <m:r>
+                            <a:rPr lang="el-GR" sz="1400" b="0" i="1" smtClean="0">
+                              <a:latin typeface="Cambria Math" panose="02040503050406030204" pitchFamily="18" charset="0"/>
+                            </a:rPr>
+                            <m:t>∗</m:t>
+                          </m:r>
+                        </m:sup>
+                      </m:sSup>
+                      <m:r>
+                        <a:rPr lang="en-US" sz="1400" b="0" i="1" smtClean="0">
+                          <a:latin typeface="Cambria Math" panose="02040503050406030204" pitchFamily="18" charset="0"/>
+                        </a:rPr>
+                        <m:t>|</m:t>
+                      </m:r>
+                    </m:oMath>
+                  </m:oMathPara>
+                </a14:m>
+                <a:endParaRPr lang="en-GB" sz="1400" dirty="0"/>
+              </a:p>
+            </p:txBody>
+          </p:sp>
+        </mc:Choice>
+        <mc:Fallback>
+          <p:sp>
+            <p:nvSpPr>
+              <p:cNvPr id="7" name="TextBox 6"/>
+              <p:cNvSpPr txBox="1">
+                <a:spLocks noRot="1" noChangeAspect="1" noMove="1" noResize="1" noEditPoints="1" noAdjustHandles="1" noChangeArrowheads="1" noChangeShapeType="1" noTextEdit="1"/>
+              </p:cNvSpPr>
+              <p:nvPr/>
+            </p:nvSpPr>
+            <p:spPr>
+              <a:xfrm>
+                <a:off x="8920084" y="5872657"/>
+                <a:ext cx="657467" cy="215444"/>
+              </a:xfrm>
+              <a:prstGeom prst="rect">
+                <a:avLst/>
+              </a:prstGeom>
+              <a:blipFill>
+                <a:blip r:embed="rId4"/>
+                <a:stretch>
+                  <a:fillRect l="-3704" r="-4630" b="-30556"/>
+                </a:stretch>
+              </a:blipFill>
+            </p:spPr>
+            <p:txBody>
+              <a:bodyPr/>
+              <a:lstStyle/>
+              <a:p>
+                <a:r>
+                  <a:rPr lang="en-GB">
+                    <a:noFill/>
+                  </a:rPr>
+                  <a:t> </a:t>
+                </a:r>
+              </a:p>
+            </p:txBody>
+          </p:sp>
+        </mc:Fallback>
+      </mc:AlternateContent>
+      <p:sp>
+        <p:nvSpPr>
+          <p:cNvPr id="8" name="Slide Number Placeholder 7"/>
+          <p:cNvSpPr>
+            <a:spLocks noGrp="1"/>
+          </p:cNvSpPr>
+          <p:nvPr>
+            <p:ph type="sldNum" sz="quarter" idx="12"/>
+          </p:nvPr>
+        </p:nvSpPr>
+        <p:spPr/>
+        <p:txBody>
+          <a:bodyPr/>
+          <a:lstStyle/>
+          <a:p>
+            <a:fld id="{AEEFAC8D-0A19-DC49-9F7A-4BFCAD95B105}" type="slidenum">
+              <a:rPr lang="en-US" smtClean="0"/>
+              <a:t>23</a:t>
+            </a:fld>
+            <a:endParaRPr lang="en-US"/>
+          </a:p>
+        </p:txBody>
+      </p:sp>
+    </p:spTree>
+    <p:extLst>
+      <p:ext uri="{BB962C8B-B14F-4D97-AF65-F5344CB8AC3E}">
+        <p14:creationId xmlns:p14="http://schemas.microsoft.com/office/powerpoint/2010/main" val="836459793"/>
+      </p:ext>
+    </p:extLst>
+  </p:cSld>
+  <p:clrMapOvr>
+    <a:masterClrMapping/>
+  </p:clrMapOvr>
+</p:sld>
+</file>
+
+<file path=ppt/slides/slide24.xml><?xml version="1.0" encoding="utf-8"?>
+<p:sld xmlns:a="http://schemas.openxmlformats.org/drawingml/2006/main" xmlns:r="http://schemas.openxmlformats.org/officeDocument/2006/relationships" xmlns:p="http://schemas.openxmlformats.org/presentationml/2006/main">
+  <p:cSld>
+    <p:spTree>
+      <p:nvGrpSpPr>
+        <p:cNvPr id="1" name=""/>
+        <p:cNvGrpSpPr/>
+        <p:nvPr/>
+      </p:nvGrpSpPr>
+      <p:grpSpPr>
+        <a:xfrm>
+          <a:off x="0" y="0"/>
+          <a:ext cx="0" cy="0"/>
+          <a:chOff x="0" y="0"/>
+          <a:chExt cx="0" cy="0"/>
+        </a:xfrm>
+      </p:grpSpPr>
+      <p:sp>
+        <p:nvSpPr>
+          <p:cNvPr id="2" name="Date Placeholder 1"/>
+          <p:cNvSpPr>
+            <a:spLocks noGrp="1"/>
+          </p:cNvSpPr>
+          <p:nvPr>
+            <p:ph type="dt" sz="half" idx="10"/>
+          </p:nvPr>
+        </p:nvSpPr>
+        <p:spPr/>
+        <p:txBody>
+          <a:bodyPr/>
+          <a:lstStyle/>
+          <a:p>
+            <a:fld id="{9426022C-2B13-43A8-A43D-D17F9BD65B89}" type="datetime3">
+              <a:rPr lang="en-US" smtClean="0"/>
+              <a:t>22 May 2019</a:t>
+            </a:fld>
+            <a:endParaRPr lang="en-US"/>
+          </a:p>
+        </p:txBody>
+      </p:sp>
+      <p:sp>
+        <p:nvSpPr>
+          <p:cNvPr id="3" name="Footer Placeholder 2"/>
+          <p:cNvSpPr>
+            <a:spLocks noGrp="1"/>
+          </p:cNvSpPr>
+          <p:nvPr>
+            <p:ph type="ftr" sz="quarter" idx="11"/>
+          </p:nvPr>
+        </p:nvSpPr>
+        <p:spPr/>
+        <p:txBody>
+          <a:bodyPr/>
+          <a:lstStyle/>
+          <a:p>
+            <a:r>
+              <a:rPr lang="fi-FI"/>
+              <a:t>NTUA, G. Bakas</a:t>
+            </a:r>
+            <a:endParaRPr lang="en-US"/>
+          </a:p>
+        </p:txBody>
+      </p:sp>
+      <p:sp>
+        <p:nvSpPr>
+          <p:cNvPr id="5" name="TextBox 4"/>
+          <p:cNvSpPr txBox="1"/>
+          <p:nvPr/>
+        </p:nvSpPr>
+        <p:spPr>
+          <a:xfrm>
+            <a:off x="233265" y="155941"/>
+            <a:ext cx="11243388" cy="369332"/>
+          </a:xfrm>
+          <a:prstGeom prst="rect">
+            <a:avLst/>
+          </a:prstGeom>
+          <a:noFill/>
+        </p:spPr>
+        <p:txBody>
+          <a:bodyPr wrap="square" rtlCol="0">
+            <a:spAutoFit/>
+          </a:bodyPr>
+          <a:lstStyle/>
+          <a:p>
+            <a:pPr algn="ctr"/>
+            <a:r>
+              <a:rPr lang="en-US" dirty="0" smtClean="0"/>
+              <a:t>|cos</a:t>
+            </a:r>
+            <a:r>
+              <a:rPr lang="el-GR" dirty="0" smtClean="0"/>
+              <a:t>θ*</a:t>
+            </a:r>
+            <a:r>
+              <a:rPr lang="en-US" dirty="0" smtClean="0"/>
+              <a:t>|</a:t>
+            </a:r>
+            <a:r>
+              <a:rPr lang="en-US" dirty="0" smtClean="0"/>
+              <a:t> </a:t>
+            </a:r>
+            <a:r>
+              <a:rPr lang="en-US" dirty="0"/>
+              <a:t>distribution for </a:t>
+            </a:r>
+            <a:r>
+              <a:rPr lang="en-US" dirty="0" err="1"/>
+              <a:t>Mtt</a:t>
+            </a:r>
+            <a:r>
+              <a:rPr lang="en-US" dirty="0"/>
+              <a:t> sample (1000-Inf) and </a:t>
+            </a:r>
+            <a:r>
+              <a:rPr lang="en-US" dirty="0" err="1"/>
+              <a:t>Zprime</a:t>
+            </a:r>
+            <a:r>
+              <a:rPr lang="en-US" dirty="0"/>
+              <a:t> samples with M</a:t>
+            </a:r>
+            <a:r>
+              <a:rPr lang="en-US" baseline="-25000" dirty="0"/>
+              <a:t>Z’ </a:t>
+            </a:r>
+            <a:r>
+              <a:rPr lang="en-US" dirty="0"/>
+              <a:t> = </a:t>
+            </a:r>
+            <a:r>
+              <a:rPr lang="en-US" dirty="0" smtClean="0"/>
+              <a:t>2TeV </a:t>
+            </a:r>
+            <a:r>
+              <a:rPr lang="en-US" dirty="0"/>
+              <a:t>and different widths </a:t>
+            </a:r>
+            <a:endParaRPr lang="en-GB" dirty="0"/>
+          </a:p>
+        </p:txBody>
+      </p:sp>
+      <p:pic>
+        <p:nvPicPr>
+          <p:cNvPr id="4" name="Picture 3"/>
+          <p:cNvPicPr>
+            <a:picLocks noChangeAspect="1"/>
+          </p:cNvPicPr>
+          <p:nvPr/>
+        </p:nvPicPr>
+        <p:blipFill>
+          <a:blip r:embed="rId3">
+            <a:extLst>
+              <a:ext uri="{28A0092B-C50C-407E-A947-70E740481C1C}">
+                <a14:useLocalDpi xmlns:a14="http://schemas.microsoft.com/office/drawing/2010/main" val="0"/>
+              </a:ext>
+            </a:extLst>
+          </a:blip>
+          <a:stretch>
+            <a:fillRect/>
+          </a:stretch>
+        </p:blipFill>
+        <p:spPr>
+          <a:xfrm>
+            <a:off x="1819275" y="700087"/>
+            <a:ext cx="8553450" cy="5457825"/>
+          </a:xfrm>
+          <a:prstGeom prst="rect">
+            <a:avLst/>
+          </a:prstGeom>
+        </p:spPr>
+      </p:pic>
+      <mc:AlternateContent xmlns:mc="http://schemas.openxmlformats.org/markup-compatibility/2006">
+        <mc:Choice xmlns:a14="http://schemas.microsoft.com/office/drawing/2010/main" Requires="a14">
+          <p:sp>
+            <p:nvSpPr>
+              <p:cNvPr id="6" name="TextBox 5"/>
+              <p:cNvSpPr txBox="1"/>
+              <p:nvPr/>
+            </p:nvSpPr>
+            <p:spPr>
+              <a:xfrm>
+                <a:off x="8920084" y="5872657"/>
+                <a:ext cx="657467" cy="215444"/>
+              </a:xfrm>
+              <a:prstGeom prst="rect">
+                <a:avLst/>
+              </a:prstGeom>
+              <a:noFill/>
+            </p:spPr>
+            <p:txBody>
+              <a:bodyPr wrap="square" lIns="0" tIns="0" rIns="0" bIns="0" rtlCol="0">
+                <a:spAutoFit/>
+              </a:bodyPr>
+              <a:lstStyle/>
+              <a:p>
+                <a14:m>
+                  <m:oMathPara xmlns:m="http://schemas.openxmlformats.org/officeDocument/2006/math">
+                    <m:oMathParaPr>
+                      <m:jc m:val="centerGroup"/>
+                    </m:oMathParaPr>
+                    <m:oMath xmlns:m="http://schemas.openxmlformats.org/officeDocument/2006/math">
+                      <m:r>
+                        <a:rPr lang="en-US" sz="1400" b="0" i="1" smtClean="0">
+                          <a:latin typeface="Cambria Math" panose="02040503050406030204" pitchFamily="18" charset="0"/>
+                        </a:rPr>
+                        <m:t>|</m:t>
+                      </m:r>
+                      <m:r>
+                        <a:rPr lang="en-US" sz="1400" b="0" i="1" smtClean="0">
+                          <a:latin typeface="Cambria Math" panose="02040503050406030204" pitchFamily="18" charset="0"/>
+                        </a:rPr>
+                        <m:t>𝑐𝑜𝑠</m:t>
+                      </m:r>
+                      <m:sSup>
+                        <m:sSupPr>
+                          <m:ctrlPr>
+                            <a:rPr lang="el-GR" sz="1400" b="0" i="1" smtClean="0">
+                              <a:latin typeface="Cambria Math" panose="02040503050406030204" pitchFamily="18" charset="0"/>
+                            </a:rPr>
+                          </m:ctrlPr>
+                        </m:sSupPr>
+                        <m:e>
+                          <m:r>
+                            <a:rPr lang="el-GR" sz="1400" b="0" i="1" smtClean="0">
+                              <a:latin typeface="Cambria Math" panose="02040503050406030204" pitchFamily="18" charset="0"/>
+                            </a:rPr>
+                            <m:t>𝜃</m:t>
+                          </m:r>
+                        </m:e>
+                        <m:sup>
+                          <m:r>
+                            <a:rPr lang="el-GR" sz="1400" b="0" i="1" smtClean="0">
+                              <a:latin typeface="Cambria Math" panose="02040503050406030204" pitchFamily="18" charset="0"/>
+                            </a:rPr>
+                            <m:t>∗</m:t>
+                          </m:r>
+                        </m:sup>
+                      </m:sSup>
+                      <m:r>
+                        <a:rPr lang="en-US" sz="1400" b="0" i="1" smtClean="0">
+                          <a:latin typeface="Cambria Math" panose="02040503050406030204" pitchFamily="18" charset="0"/>
+                        </a:rPr>
+                        <m:t>|</m:t>
+                      </m:r>
+                    </m:oMath>
+                  </m:oMathPara>
+                </a14:m>
+                <a:endParaRPr lang="en-GB" sz="1400" dirty="0"/>
+              </a:p>
+            </p:txBody>
+          </p:sp>
+        </mc:Choice>
+        <mc:Fallback>
+          <p:sp>
+            <p:nvSpPr>
+              <p:cNvPr id="6" name="TextBox 5"/>
+              <p:cNvSpPr txBox="1">
+                <a:spLocks noRot="1" noChangeAspect="1" noMove="1" noResize="1" noEditPoints="1" noAdjustHandles="1" noChangeArrowheads="1" noChangeShapeType="1" noTextEdit="1"/>
+              </p:cNvSpPr>
+              <p:nvPr/>
+            </p:nvSpPr>
+            <p:spPr>
+              <a:xfrm>
+                <a:off x="8920084" y="5872657"/>
+                <a:ext cx="657467" cy="215444"/>
+              </a:xfrm>
+              <a:prstGeom prst="rect">
+                <a:avLst/>
+              </a:prstGeom>
+              <a:blipFill>
+                <a:blip r:embed="rId4"/>
+                <a:stretch>
+                  <a:fillRect l="-3704" r="-4630" b="-30556"/>
+                </a:stretch>
+              </a:blipFill>
+            </p:spPr>
+            <p:txBody>
+              <a:bodyPr/>
+              <a:lstStyle/>
+              <a:p>
+                <a:r>
+                  <a:rPr lang="en-GB">
+                    <a:noFill/>
+                  </a:rPr>
+                  <a:t> </a:t>
+                </a:r>
+              </a:p>
+            </p:txBody>
+          </p:sp>
+        </mc:Fallback>
+      </mc:AlternateContent>
+      <p:sp>
+        <p:nvSpPr>
+          <p:cNvPr id="7" name="Slide Number Placeholder 6"/>
+          <p:cNvSpPr>
+            <a:spLocks noGrp="1"/>
+          </p:cNvSpPr>
+          <p:nvPr>
+            <p:ph type="sldNum" sz="quarter" idx="12"/>
+          </p:nvPr>
+        </p:nvSpPr>
+        <p:spPr/>
+        <p:txBody>
+          <a:bodyPr/>
+          <a:lstStyle/>
+          <a:p>
+            <a:fld id="{AEEFAC8D-0A19-DC49-9F7A-4BFCAD95B105}" type="slidenum">
+              <a:rPr lang="en-US" smtClean="0"/>
+              <a:t>24</a:t>
+            </a:fld>
+            <a:endParaRPr lang="en-US"/>
+          </a:p>
+        </p:txBody>
+      </p:sp>
+    </p:spTree>
+    <p:extLst>
+      <p:ext uri="{BB962C8B-B14F-4D97-AF65-F5344CB8AC3E}">
+        <p14:creationId xmlns:p14="http://schemas.microsoft.com/office/powerpoint/2010/main" val="2440843148"/>
+      </p:ext>
+    </p:extLst>
+  </p:cSld>
+  <p:clrMapOvr>
+    <a:masterClrMapping/>
+  </p:clrMapOvr>
+</p:sld>
+</file>
+
+<file path=ppt/slides/slide25.xml><?xml version="1.0" encoding="utf-8"?>
+<p:sld xmlns:a="http://schemas.openxmlformats.org/drawingml/2006/main" xmlns:r="http://schemas.openxmlformats.org/officeDocument/2006/relationships" xmlns:p="http://schemas.openxmlformats.org/presentationml/2006/main">
+  <p:cSld>
+    <p:spTree>
+      <p:nvGrpSpPr>
+        <p:cNvPr id="1" name=""/>
+        <p:cNvGrpSpPr/>
+        <p:nvPr/>
+      </p:nvGrpSpPr>
+      <p:grpSpPr>
+        <a:xfrm>
+          <a:off x="0" y="0"/>
+          <a:ext cx="0" cy="0"/>
+          <a:chOff x="0" y="0"/>
+          <a:chExt cx="0" cy="0"/>
+        </a:xfrm>
+      </p:grpSpPr>
+      <p:sp>
+        <p:nvSpPr>
+          <p:cNvPr id="2" name="Date Placeholder 1"/>
+          <p:cNvSpPr>
+            <a:spLocks noGrp="1"/>
+          </p:cNvSpPr>
+          <p:nvPr>
+            <p:ph type="dt" sz="half" idx="10"/>
+          </p:nvPr>
+        </p:nvSpPr>
+        <p:spPr/>
+        <p:txBody>
+          <a:bodyPr/>
+          <a:lstStyle/>
+          <a:p>
+            <a:fld id="{D1892BC7-6C85-4153-BDA2-98CC8A868E16}" type="datetime3">
+              <a:rPr lang="en-US" smtClean="0"/>
+              <a:t>22 May 2019</a:t>
+            </a:fld>
+            <a:endParaRPr lang="en-US"/>
+          </a:p>
+        </p:txBody>
+      </p:sp>
+      <p:sp>
+        <p:nvSpPr>
+          <p:cNvPr id="3" name="Footer Placeholder 2"/>
+          <p:cNvSpPr>
+            <a:spLocks noGrp="1"/>
+          </p:cNvSpPr>
+          <p:nvPr>
+            <p:ph type="ftr" sz="quarter" idx="11"/>
+          </p:nvPr>
+        </p:nvSpPr>
+        <p:spPr/>
+        <p:txBody>
+          <a:bodyPr/>
+          <a:lstStyle/>
+          <a:p>
+            <a:r>
+              <a:rPr lang="fi-FI"/>
+              <a:t>NTUA, G. Bakas</a:t>
+            </a:r>
+            <a:endParaRPr lang="en-US"/>
+          </a:p>
+        </p:txBody>
+      </p:sp>
+      <p:sp>
+        <p:nvSpPr>
+          <p:cNvPr id="5" name="TextBox 4"/>
+          <p:cNvSpPr txBox="1"/>
+          <p:nvPr/>
+        </p:nvSpPr>
+        <p:spPr>
+          <a:xfrm>
+            <a:off x="233265" y="155941"/>
+            <a:ext cx="11243388" cy="369332"/>
+          </a:xfrm>
+          <a:prstGeom prst="rect">
+            <a:avLst/>
+          </a:prstGeom>
+          <a:noFill/>
+        </p:spPr>
+        <p:txBody>
+          <a:bodyPr wrap="square" rtlCol="0">
+            <a:spAutoFit/>
+          </a:bodyPr>
+          <a:lstStyle/>
+          <a:p>
+            <a:pPr algn="ctr"/>
+            <a:r>
+              <a:rPr lang="en-US" dirty="0" smtClean="0"/>
+              <a:t>|cos</a:t>
+            </a:r>
+            <a:r>
+              <a:rPr lang="el-GR" dirty="0" smtClean="0"/>
+              <a:t>θ*</a:t>
+            </a:r>
+            <a:r>
+              <a:rPr lang="en-US" dirty="0" smtClean="0"/>
+              <a:t>|</a:t>
+            </a:r>
+            <a:r>
+              <a:rPr lang="en-US" dirty="0" smtClean="0"/>
+              <a:t> </a:t>
+            </a:r>
+            <a:r>
+              <a:rPr lang="en-US" dirty="0"/>
+              <a:t>distribution for </a:t>
+            </a:r>
+            <a:r>
+              <a:rPr lang="en-US" dirty="0" err="1"/>
+              <a:t>Mtt</a:t>
+            </a:r>
+            <a:r>
+              <a:rPr lang="en-US" dirty="0"/>
+              <a:t> sample (1000-Inf) and </a:t>
+            </a:r>
+            <a:r>
+              <a:rPr lang="en-US" dirty="0" err="1"/>
+              <a:t>Zprime</a:t>
+            </a:r>
+            <a:r>
+              <a:rPr lang="en-US" dirty="0"/>
+              <a:t> samples with M</a:t>
+            </a:r>
+            <a:r>
+              <a:rPr lang="en-US" baseline="-25000" dirty="0"/>
+              <a:t>Z’ </a:t>
+            </a:r>
+            <a:r>
+              <a:rPr lang="en-US" dirty="0"/>
+              <a:t> = </a:t>
+            </a:r>
+            <a:r>
+              <a:rPr lang="en-US" dirty="0" smtClean="0"/>
+              <a:t>2.5TeV </a:t>
+            </a:r>
+            <a:r>
+              <a:rPr lang="en-US" dirty="0"/>
+              <a:t>and different widths </a:t>
+            </a:r>
+            <a:endParaRPr lang="en-GB" dirty="0"/>
+          </a:p>
+        </p:txBody>
+      </p:sp>
+      <p:pic>
+        <p:nvPicPr>
+          <p:cNvPr id="4" name="Picture 3"/>
+          <p:cNvPicPr>
+            <a:picLocks noChangeAspect="1"/>
+          </p:cNvPicPr>
+          <p:nvPr/>
+        </p:nvPicPr>
+        <p:blipFill>
+          <a:blip r:embed="rId3">
+            <a:extLst>
+              <a:ext uri="{28A0092B-C50C-407E-A947-70E740481C1C}">
+                <a14:useLocalDpi xmlns:a14="http://schemas.microsoft.com/office/drawing/2010/main" val="0"/>
+              </a:ext>
+            </a:extLst>
+          </a:blip>
+          <a:stretch>
+            <a:fillRect/>
+          </a:stretch>
+        </p:blipFill>
+        <p:spPr>
+          <a:xfrm>
+            <a:off x="1819275" y="700087"/>
+            <a:ext cx="8553450" cy="5457825"/>
+          </a:xfrm>
+          <a:prstGeom prst="rect">
+            <a:avLst/>
+          </a:prstGeom>
+        </p:spPr>
+      </p:pic>
+      <mc:AlternateContent xmlns:mc="http://schemas.openxmlformats.org/markup-compatibility/2006">
+        <mc:Choice xmlns:a14="http://schemas.microsoft.com/office/drawing/2010/main" Requires="a14">
+          <p:sp>
+            <p:nvSpPr>
+              <p:cNvPr id="6" name="TextBox 5"/>
+              <p:cNvSpPr txBox="1"/>
+              <p:nvPr/>
+            </p:nvSpPr>
+            <p:spPr>
+              <a:xfrm>
+                <a:off x="8920084" y="5872657"/>
+                <a:ext cx="657467" cy="215444"/>
+              </a:xfrm>
+              <a:prstGeom prst="rect">
+                <a:avLst/>
+              </a:prstGeom>
+              <a:noFill/>
+            </p:spPr>
+            <p:txBody>
+              <a:bodyPr wrap="square" lIns="0" tIns="0" rIns="0" bIns="0" rtlCol="0">
+                <a:spAutoFit/>
+              </a:bodyPr>
+              <a:lstStyle/>
+              <a:p>
+                <a14:m>
+                  <m:oMathPara xmlns:m="http://schemas.openxmlformats.org/officeDocument/2006/math">
+                    <m:oMathParaPr>
+                      <m:jc m:val="centerGroup"/>
+                    </m:oMathParaPr>
+                    <m:oMath xmlns:m="http://schemas.openxmlformats.org/officeDocument/2006/math">
+                      <m:r>
+                        <a:rPr lang="en-US" sz="1400" b="0" i="1" smtClean="0">
+                          <a:latin typeface="Cambria Math" panose="02040503050406030204" pitchFamily="18" charset="0"/>
+                        </a:rPr>
+                        <m:t>|</m:t>
+                      </m:r>
+                      <m:r>
+                        <a:rPr lang="en-US" sz="1400" b="0" i="1" smtClean="0">
+                          <a:latin typeface="Cambria Math" panose="02040503050406030204" pitchFamily="18" charset="0"/>
+                        </a:rPr>
+                        <m:t>𝑐𝑜𝑠</m:t>
+                      </m:r>
+                      <m:sSup>
+                        <m:sSupPr>
+                          <m:ctrlPr>
+                            <a:rPr lang="el-GR" sz="1400" b="0" i="1" smtClean="0">
+                              <a:latin typeface="Cambria Math" panose="02040503050406030204" pitchFamily="18" charset="0"/>
+                            </a:rPr>
+                          </m:ctrlPr>
+                        </m:sSupPr>
+                        <m:e>
+                          <m:r>
+                            <a:rPr lang="el-GR" sz="1400" b="0" i="1" smtClean="0">
+                              <a:latin typeface="Cambria Math" panose="02040503050406030204" pitchFamily="18" charset="0"/>
+                            </a:rPr>
+                            <m:t>𝜃</m:t>
+                          </m:r>
+                        </m:e>
+                        <m:sup>
+                          <m:r>
+                            <a:rPr lang="el-GR" sz="1400" b="0" i="1" smtClean="0">
+                              <a:latin typeface="Cambria Math" panose="02040503050406030204" pitchFamily="18" charset="0"/>
+                            </a:rPr>
+                            <m:t>∗</m:t>
+                          </m:r>
+                        </m:sup>
+                      </m:sSup>
+                      <m:r>
+                        <a:rPr lang="en-US" sz="1400" b="0" i="1" smtClean="0">
+                          <a:latin typeface="Cambria Math" panose="02040503050406030204" pitchFamily="18" charset="0"/>
+                        </a:rPr>
+                        <m:t>|</m:t>
+                      </m:r>
+                    </m:oMath>
+                  </m:oMathPara>
+                </a14:m>
+                <a:endParaRPr lang="en-GB" sz="1400" dirty="0"/>
+              </a:p>
+            </p:txBody>
+          </p:sp>
+        </mc:Choice>
+        <mc:Fallback>
+          <p:sp>
+            <p:nvSpPr>
+              <p:cNvPr id="6" name="TextBox 5"/>
+              <p:cNvSpPr txBox="1">
+                <a:spLocks noRot="1" noChangeAspect="1" noMove="1" noResize="1" noEditPoints="1" noAdjustHandles="1" noChangeArrowheads="1" noChangeShapeType="1" noTextEdit="1"/>
+              </p:cNvSpPr>
+              <p:nvPr/>
+            </p:nvSpPr>
+            <p:spPr>
+              <a:xfrm>
+                <a:off x="8920084" y="5872657"/>
+                <a:ext cx="657467" cy="215444"/>
+              </a:xfrm>
+              <a:prstGeom prst="rect">
+                <a:avLst/>
+              </a:prstGeom>
+              <a:blipFill>
+                <a:blip r:embed="rId4"/>
+                <a:stretch>
+                  <a:fillRect l="-3704" r="-4630" b="-30556"/>
+                </a:stretch>
+              </a:blipFill>
+            </p:spPr>
+            <p:txBody>
+              <a:bodyPr/>
+              <a:lstStyle/>
+              <a:p>
+                <a:r>
+                  <a:rPr lang="en-GB">
+                    <a:noFill/>
+                  </a:rPr>
+                  <a:t> </a:t>
+                </a:r>
+              </a:p>
+            </p:txBody>
+          </p:sp>
+        </mc:Fallback>
+      </mc:AlternateContent>
+      <p:sp>
+        <p:nvSpPr>
+          <p:cNvPr id="7" name="Slide Number Placeholder 6"/>
+          <p:cNvSpPr>
+            <a:spLocks noGrp="1"/>
+          </p:cNvSpPr>
+          <p:nvPr>
+            <p:ph type="sldNum" sz="quarter" idx="12"/>
+          </p:nvPr>
+        </p:nvSpPr>
+        <p:spPr/>
+        <p:txBody>
+          <a:bodyPr/>
+          <a:lstStyle/>
+          <a:p>
+            <a:fld id="{AEEFAC8D-0A19-DC49-9F7A-4BFCAD95B105}" type="slidenum">
+              <a:rPr lang="en-US" smtClean="0"/>
+              <a:t>25</a:t>
+            </a:fld>
+            <a:endParaRPr lang="en-US"/>
+          </a:p>
+        </p:txBody>
+      </p:sp>
+    </p:spTree>
+    <p:extLst>
+      <p:ext uri="{BB962C8B-B14F-4D97-AF65-F5344CB8AC3E}">
+        <p14:creationId xmlns:p14="http://schemas.microsoft.com/office/powerpoint/2010/main" val="4229951078"/>
+      </p:ext>
+    </p:extLst>
+  </p:cSld>
+  <p:clrMapOvr>
+    <a:masterClrMapping/>
+  </p:clrMapOvr>
+</p:sld>
+</file>
+
+<file path=ppt/slides/slide26.xml><?xml version="1.0" encoding="utf-8"?>
+<p:sld xmlns:a="http://schemas.openxmlformats.org/drawingml/2006/main" xmlns:r="http://schemas.openxmlformats.org/officeDocument/2006/relationships" xmlns:p="http://schemas.openxmlformats.org/presentationml/2006/main">
+  <p:cSld>
+    <p:spTree>
+      <p:nvGrpSpPr>
+        <p:cNvPr id="1" name=""/>
+        <p:cNvGrpSpPr/>
+        <p:nvPr/>
+      </p:nvGrpSpPr>
+      <p:grpSpPr>
+        <a:xfrm>
+          <a:off x="0" y="0"/>
+          <a:ext cx="0" cy="0"/>
+          <a:chOff x="0" y="0"/>
+          <a:chExt cx="0" cy="0"/>
+        </a:xfrm>
+      </p:grpSpPr>
+      <p:sp>
+        <p:nvSpPr>
+          <p:cNvPr id="2" name="Date Placeholder 1"/>
+          <p:cNvSpPr>
+            <a:spLocks noGrp="1"/>
+          </p:cNvSpPr>
+          <p:nvPr>
+            <p:ph type="dt" sz="half" idx="10"/>
+          </p:nvPr>
+        </p:nvSpPr>
+        <p:spPr/>
+        <p:txBody>
+          <a:bodyPr/>
+          <a:lstStyle/>
+          <a:p>
+            <a:fld id="{DAAF83D9-0E3D-41D5-871A-BAF73C30FA03}" type="datetime3">
+              <a:rPr lang="en-US" smtClean="0"/>
+              <a:t>22 May 2019</a:t>
+            </a:fld>
+            <a:endParaRPr lang="en-US"/>
+          </a:p>
+        </p:txBody>
+      </p:sp>
+      <p:sp>
+        <p:nvSpPr>
+          <p:cNvPr id="3" name="Footer Placeholder 2"/>
+          <p:cNvSpPr>
+            <a:spLocks noGrp="1"/>
+          </p:cNvSpPr>
+          <p:nvPr>
+            <p:ph type="ftr" sz="quarter" idx="11"/>
+          </p:nvPr>
+        </p:nvSpPr>
+        <p:spPr/>
+        <p:txBody>
+          <a:bodyPr/>
+          <a:lstStyle/>
+          <a:p>
+            <a:r>
+              <a:rPr lang="fi-FI"/>
+              <a:t>NTUA, G. Bakas</a:t>
+            </a:r>
+            <a:endParaRPr lang="en-US"/>
+          </a:p>
+        </p:txBody>
+      </p:sp>
+      <p:sp>
+        <p:nvSpPr>
+          <p:cNvPr id="5" name="TextBox 4"/>
+          <p:cNvSpPr txBox="1"/>
+          <p:nvPr/>
+        </p:nvSpPr>
+        <p:spPr>
+          <a:xfrm>
+            <a:off x="233265" y="155941"/>
+            <a:ext cx="11243388" cy="369332"/>
+          </a:xfrm>
+          <a:prstGeom prst="rect">
+            <a:avLst/>
+          </a:prstGeom>
+          <a:noFill/>
+        </p:spPr>
+        <p:txBody>
+          <a:bodyPr wrap="square" rtlCol="0">
+            <a:spAutoFit/>
+          </a:bodyPr>
+          <a:lstStyle/>
+          <a:p>
+            <a:pPr algn="ctr"/>
+            <a:r>
+              <a:rPr lang="en-US" dirty="0" smtClean="0"/>
+              <a:t>|cos</a:t>
+            </a:r>
+            <a:r>
+              <a:rPr lang="el-GR" dirty="0" smtClean="0"/>
+              <a:t>θ*</a:t>
+            </a:r>
+            <a:r>
+              <a:rPr lang="en-US" dirty="0" smtClean="0"/>
+              <a:t>|</a:t>
+            </a:r>
+            <a:r>
+              <a:rPr lang="en-US" dirty="0" smtClean="0"/>
+              <a:t> </a:t>
+            </a:r>
+            <a:r>
+              <a:rPr lang="en-US" dirty="0"/>
+              <a:t>distribution for </a:t>
+            </a:r>
+            <a:r>
+              <a:rPr lang="en-US" dirty="0" err="1"/>
+              <a:t>Mtt</a:t>
+            </a:r>
+            <a:r>
+              <a:rPr lang="en-US" dirty="0"/>
+              <a:t> sample (1000-Inf) and </a:t>
+            </a:r>
+            <a:r>
+              <a:rPr lang="en-US" dirty="0" err="1"/>
+              <a:t>Zprime</a:t>
+            </a:r>
+            <a:r>
+              <a:rPr lang="en-US" dirty="0"/>
+              <a:t> samples with M</a:t>
+            </a:r>
+            <a:r>
+              <a:rPr lang="en-US" baseline="-25000" dirty="0"/>
+              <a:t>Z’ </a:t>
+            </a:r>
+            <a:r>
+              <a:rPr lang="en-US" dirty="0"/>
+              <a:t> </a:t>
+            </a:r>
+            <a:r>
+              <a:rPr lang="en-US"/>
+              <a:t>= </a:t>
+            </a:r>
+            <a:r>
+              <a:rPr lang="en-US" smtClean="0"/>
+              <a:t>2.5TeV </a:t>
+            </a:r>
+            <a:r>
+              <a:rPr lang="en-US" dirty="0"/>
+              <a:t>and different widths </a:t>
+            </a:r>
+            <a:endParaRPr lang="en-GB" dirty="0"/>
+          </a:p>
+        </p:txBody>
+      </p:sp>
+      <p:pic>
+        <p:nvPicPr>
+          <p:cNvPr id="4" name="Picture 3"/>
+          <p:cNvPicPr>
+            <a:picLocks noChangeAspect="1"/>
+          </p:cNvPicPr>
+          <p:nvPr/>
+        </p:nvPicPr>
+        <p:blipFill>
+          <a:blip r:embed="rId3">
+            <a:extLst>
+              <a:ext uri="{28A0092B-C50C-407E-A947-70E740481C1C}">
+                <a14:useLocalDpi xmlns:a14="http://schemas.microsoft.com/office/drawing/2010/main" val="0"/>
+              </a:ext>
+            </a:extLst>
+          </a:blip>
+          <a:stretch>
+            <a:fillRect/>
+          </a:stretch>
+        </p:blipFill>
+        <p:spPr>
+          <a:xfrm>
+            <a:off x="1819275" y="700087"/>
+            <a:ext cx="8553450" cy="5457825"/>
+          </a:xfrm>
+          <a:prstGeom prst="rect">
+            <a:avLst/>
+          </a:prstGeom>
+        </p:spPr>
+      </p:pic>
+      <mc:AlternateContent xmlns:mc="http://schemas.openxmlformats.org/markup-compatibility/2006">
+        <mc:Choice xmlns:a14="http://schemas.microsoft.com/office/drawing/2010/main" Requires="a14">
+          <p:sp>
+            <p:nvSpPr>
+              <p:cNvPr id="6" name="TextBox 5"/>
+              <p:cNvSpPr txBox="1"/>
+              <p:nvPr/>
+            </p:nvSpPr>
+            <p:spPr>
+              <a:xfrm>
+                <a:off x="8920084" y="5872657"/>
+                <a:ext cx="657467" cy="215444"/>
+              </a:xfrm>
+              <a:prstGeom prst="rect">
+                <a:avLst/>
+              </a:prstGeom>
+              <a:noFill/>
+            </p:spPr>
+            <p:txBody>
+              <a:bodyPr wrap="square" lIns="0" tIns="0" rIns="0" bIns="0" rtlCol="0">
+                <a:spAutoFit/>
+              </a:bodyPr>
+              <a:lstStyle/>
+              <a:p>
+                <a14:m>
+                  <m:oMathPara xmlns:m="http://schemas.openxmlformats.org/officeDocument/2006/math">
+                    <m:oMathParaPr>
+                      <m:jc m:val="centerGroup"/>
+                    </m:oMathParaPr>
+                    <m:oMath xmlns:m="http://schemas.openxmlformats.org/officeDocument/2006/math">
+                      <m:r>
+                        <a:rPr lang="en-US" sz="1400" b="0" i="1" smtClean="0">
+                          <a:latin typeface="Cambria Math" panose="02040503050406030204" pitchFamily="18" charset="0"/>
+                        </a:rPr>
+                        <m:t>|</m:t>
+                      </m:r>
+                      <m:r>
+                        <a:rPr lang="en-US" sz="1400" b="0" i="1" smtClean="0">
+                          <a:latin typeface="Cambria Math" panose="02040503050406030204" pitchFamily="18" charset="0"/>
+                        </a:rPr>
+                        <m:t>𝑐𝑜𝑠</m:t>
+                      </m:r>
+                      <m:sSup>
+                        <m:sSupPr>
+                          <m:ctrlPr>
+                            <a:rPr lang="el-GR" sz="1400" b="0" i="1" smtClean="0">
+                              <a:latin typeface="Cambria Math" panose="02040503050406030204" pitchFamily="18" charset="0"/>
+                            </a:rPr>
+                          </m:ctrlPr>
+                        </m:sSupPr>
+                        <m:e>
+                          <m:r>
+                            <a:rPr lang="el-GR" sz="1400" b="0" i="1" smtClean="0">
+                              <a:latin typeface="Cambria Math" panose="02040503050406030204" pitchFamily="18" charset="0"/>
+                            </a:rPr>
+                            <m:t>𝜃</m:t>
+                          </m:r>
+                        </m:e>
+                        <m:sup>
+                          <m:r>
+                            <a:rPr lang="el-GR" sz="1400" b="0" i="1" smtClean="0">
+                              <a:latin typeface="Cambria Math" panose="02040503050406030204" pitchFamily="18" charset="0"/>
+                            </a:rPr>
+                            <m:t>∗</m:t>
+                          </m:r>
+                        </m:sup>
+                      </m:sSup>
+                      <m:r>
+                        <a:rPr lang="en-US" sz="1400" b="0" i="1" smtClean="0">
+                          <a:latin typeface="Cambria Math" panose="02040503050406030204" pitchFamily="18" charset="0"/>
+                        </a:rPr>
+                        <m:t>|</m:t>
+                      </m:r>
+                    </m:oMath>
+                  </m:oMathPara>
+                </a14:m>
+                <a:endParaRPr lang="en-GB" sz="1400" dirty="0"/>
+              </a:p>
+            </p:txBody>
+          </p:sp>
+        </mc:Choice>
+        <mc:Fallback>
+          <p:sp>
+            <p:nvSpPr>
+              <p:cNvPr id="6" name="TextBox 5"/>
+              <p:cNvSpPr txBox="1">
+                <a:spLocks noRot="1" noChangeAspect="1" noMove="1" noResize="1" noEditPoints="1" noAdjustHandles="1" noChangeArrowheads="1" noChangeShapeType="1" noTextEdit="1"/>
+              </p:cNvSpPr>
+              <p:nvPr/>
+            </p:nvSpPr>
+            <p:spPr>
+              <a:xfrm>
+                <a:off x="8920084" y="5872657"/>
+                <a:ext cx="657467" cy="215444"/>
+              </a:xfrm>
+              <a:prstGeom prst="rect">
+                <a:avLst/>
+              </a:prstGeom>
+              <a:blipFill>
+                <a:blip r:embed="rId4"/>
+                <a:stretch>
+                  <a:fillRect l="-3704" r="-4630" b="-30556"/>
+                </a:stretch>
+              </a:blipFill>
+            </p:spPr>
+            <p:txBody>
+              <a:bodyPr/>
+              <a:lstStyle/>
+              <a:p>
+                <a:r>
+                  <a:rPr lang="en-GB">
+                    <a:noFill/>
+                  </a:rPr>
+                  <a:t> </a:t>
+                </a:r>
+              </a:p>
+            </p:txBody>
+          </p:sp>
+        </mc:Fallback>
+      </mc:AlternateContent>
+      <p:sp>
+        <p:nvSpPr>
+          <p:cNvPr id="7" name="Slide Number Placeholder 6"/>
+          <p:cNvSpPr>
+            <a:spLocks noGrp="1"/>
+          </p:cNvSpPr>
+          <p:nvPr>
+            <p:ph type="sldNum" sz="quarter" idx="12"/>
+          </p:nvPr>
+        </p:nvSpPr>
+        <p:spPr/>
+        <p:txBody>
+          <a:bodyPr/>
+          <a:lstStyle/>
+          <a:p>
+            <a:fld id="{AEEFAC8D-0A19-DC49-9F7A-4BFCAD95B105}" type="slidenum">
+              <a:rPr lang="en-US" smtClean="0"/>
+              <a:t>26</a:t>
+            </a:fld>
+            <a:endParaRPr lang="en-US"/>
+          </a:p>
+        </p:txBody>
+      </p:sp>
+    </p:spTree>
+    <p:extLst>
+      <p:ext uri="{BB962C8B-B14F-4D97-AF65-F5344CB8AC3E}">
+        <p14:creationId xmlns:p14="http://schemas.microsoft.com/office/powerpoint/2010/main" val="105870343"/>
+      </p:ext>
+    </p:extLst>
+  </p:cSld>
+  <p:clrMapOvr>
+    <a:masterClrMapping/>
+  </p:clrMapOvr>
+</p:sld>
+</file>
+
+<file path=ppt/slides/slide27.xml><?xml version="1.0" encoding="utf-8"?>
+<p:sld xmlns:a="http://schemas.openxmlformats.org/drawingml/2006/main" xmlns:r="http://schemas.openxmlformats.org/officeDocument/2006/relationships" xmlns:p="http://schemas.openxmlformats.org/presentationml/2006/main">
+  <p:cSld>
+    <p:spTree>
+      <p:nvGrpSpPr>
+        <p:cNvPr id="1" name=""/>
+        <p:cNvGrpSpPr/>
+        <p:nvPr/>
+      </p:nvGrpSpPr>
+      <p:grpSpPr>
+        <a:xfrm>
+          <a:off x="0" y="0"/>
+          <a:ext cx="0" cy="0"/>
+          <a:chOff x="0" y="0"/>
+          <a:chExt cx="0" cy="0"/>
+        </a:xfrm>
+      </p:grpSpPr>
+      <p:sp>
+        <p:nvSpPr>
+          <p:cNvPr id="2" name="Date Placeholder 1"/>
+          <p:cNvSpPr>
+            <a:spLocks noGrp="1"/>
+          </p:cNvSpPr>
+          <p:nvPr>
+            <p:ph type="dt" sz="half" idx="10"/>
+          </p:nvPr>
+        </p:nvSpPr>
+        <p:spPr/>
+        <p:txBody>
+          <a:bodyPr/>
+          <a:lstStyle/>
+          <a:p>
+            <a:fld id="{201532D6-85AA-4409-A44C-C07395543193}" type="datetime3">
+              <a:rPr lang="en-US" smtClean="0"/>
+              <a:t>22 May 2019</a:t>
+            </a:fld>
+            <a:endParaRPr lang="en-US"/>
+          </a:p>
+        </p:txBody>
+      </p:sp>
+      <p:sp>
+        <p:nvSpPr>
+          <p:cNvPr id="3" name="Footer Placeholder 2"/>
+          <p:cNvSpPr>
+            <a:spLocks noGrp="1"/>
+          </p:cNvSpPr>
+          <p:nvPr>
+            <p:ph type="ftr" sz="quarter" idx="11"/>
+          </p:nvPr>
+        </p:nvSpPr>
+        <p:spPr/>
+        <p:txBody>
+          <a:bodyPr/>
+          <a:lstStyle/>
+          <a:p>
+            <a:r>
+              <a:rPr lang="fi-FI"/>
+              <a:t>NTUA, G. Bakas</a:t>
+            </a:r>
+            <a:endParaRPr lang="en-US"/>
+          </a:p>
+        </p:txBody>
+      </p:sp>
+      <p:sp>
+        <p:nvSpPr>
+          <p:cNvPr id="5" name="TextBox 4"/>
+          <p:cNvSpPr txBox="1"/>
+          <p:nvPr/>
+        </p:nvSpPr>
+        <p:spPr>
+          <a:xfrm>
+            <a:off x="233265" y="155941"/>
+            <a:ext cx="11243388" cy="369332"/>
+          </a:xfrm>
+          <a:prstGeom prst="rect">
+            <a:avLst/>
+          </a:prstGeom>
+          <a:noFill/>
+        </p:spPr>
+        <p:txBody>
+          <a:bodyPr wrap="square" rtlCol="0">
+            <a:spAutoFit/>
+          </a:bodyPr>
+          <a:lstStyle/>
+          <a:p>
+            <a:pPr algn="ctr"/>
+            <a:r>
+              <a:rPr lang="en-US" dirty="0" smtClean="0"/>
+              <a:t>|cos</a:t>
+            </a:r>
+            <a:r>
+              <a:rPr lang="el-GR" dirty="0" smtClean="0"/>
+              <a:t>θ*</a:t>
+            </a:r>
+            <a:r>
+              <a:rPr lang="en-US" dirty="0" smtClean="0"/>
+              <a:t>|</a:t>
+            </a:r>
+            <a:r>
+              <a:rPr lang="en-US" dirty="0" smtClean="0"/>
+              <a:t> </a:t>
+            </a:r>
+            <a:r>
+              <a:rPr lang="en-US" dirty="0"/>
+              <a:t>distribution for </a:t>
+            </a:r>
+            <a:r>
+              <a:rPr lang="en-US" dirty="0" err="1"/>
+              <a:t>Mtt</a:t>
+            </a:r>
+            <a:r>
+              <a:rPr lang="en-US" dirty="0"/>
+              <a:t> sample (1000-Inf) and </a:t>
+            </a:r>
+            <a:r>
+              <a:rPr lang="en-US" dirty="0" err="1"/>
+              <a:t>Zprime</a:t>
+            </a:r>
+            <a:r>
+              <a:rPr lang="en-US" dirty="0"/>
+              <a:t> samples with M</a:t>
+            </a:r>
+            <a:r>
+              <a:rPr lang="en-US" baseline="-25000" dirty="0"/>
+              <a:t>Z’ </a:t>
+            </a:r>
+            <a:r>
+              <a:rPr lang="en-US" dirty="0"/>
+              <a:t> = </a:t>
+            </a:r>
+            <a:r>
+              <a:rPr lang="en-US" dirty="0" smtClean="0"/>
+              <a:t>3TeV </a:t>
+            </a:r>
+            <a:r>
+              <a:rPr lang="en-US" dirty="0"/>
+              <a:t>and different widths </a:t>
+            </a:r>
+            <a:endParaRPr lang="en-GB" dirty="0"/>
+          </a:p>
+        </p:txBody>
+      </p:sp>
+      <p:pic>
+        <p:nvPicPr>
+          <p:cNvPr id="6" name="Picture 5"/>
+          <p:cNvPicPr>
+            <a:picLocks noChangeAspect="1"/>
+          </p:cNvPicPr>
+          <p:nvPr/>
+        </p:nvPicPr>
+        <p:blipFill>
+          <a:blip r:embed="rId3">
+            <a:extLst>
+              <a:ext uri="{28A0092B-C50C-407E-A947-70E740481C1C}">
+                <a14:useLocalDpi xmlns:a14="http://schemas.microsoft.com/office/drawing/2010/main" val="0"/>
+              </a:ext>
+            </a:extLst>
+          </a:blip>
+          <a:stretch>
+            <a:fillRect/>
+          </a:stretch>
+        </p:blipFill>
+        <p:spPr>
+          <a:xfrm>
+            <a:off x="1819275" y="700087"/>
+            <a:ext cx="8553450" cy="5457825"/>
+          </a:xfrm>
+          <a:prstGeom prst="rect">
+            <a:avLst/>
+          </a:prstGeom>
+        </p:spPr>
+      </p:pic>
+      <mc:AlternateContent xmlns:mc="http://schemas.openxmlformats.org/markup-compatibility/2006">
+        <mc:Choice xmlns:a14="http://schemas.microsoft.com/office/drawing/2010/main" Requires="a14">
+          <p:sp>
+            <p:nvSpPr>
+              <p:cNvPr id="7" name="TextBox 6"/>
+              <p:cNvSpPr txBox="1"/>
+              <p:nvPr/>
+            </p:nvSpPr>
+            <p:spPr>
+              <a:xfrm>
+                <a:off x="8920084" y="5872657"/>
+                <a:ext cx="657467" cy="215444"/>
+              </a:xfrm>
+              <a:prstGeom prst="rect">
+                <a:avLst/>
+              </a:prstGeom>
+              <a:noFill/>
+            </p:spPr>
+            <p:txBody>
+              <a:bodyPr wrap="square" lIns="0" tIns="0" rIns="0" bIns="0" rtlCol="0">
+                <a:spAutoFit/>
+              </a:bodyPr>
+              <a:lstStyle/>
+              <a:p>
+                <a14:m>
+                  <m:oMathPara xmlns:m="http://schemas.openxmlformats.org/officeDocument/2006/math">
+                    <m:oMathParaPr>
+                      <m:jc m:val="centerGroup"/>
+                    </m:oMathParaPr>
+                    <m:oMath xmlns:m="http://schemas.openxmlformats.org/officeDocument/2006/math">
+                      <m:r>
+                        <a:rPr lang="en-US" sz="1400" b="0" i="1" smtClean="0">
+                          <a:latin typeface="Cambria Math" panose="02040503050406030204" pitchFamily="18" charset="0"/>
+                        </a:rPr>
+                        <m:t>|</m:t>
+                      </m:r>
+                      <m:r>
+                        <a:rPr lang="en-US" sz="1400" b="0" i="1" smtClean="0">
+                          <a:latin typeface="Cambria Math" panose="02040503050406030204" pitchFamily="18" charset="0"/>
+                        </a:rPr>
+                        <m:t>𝑐𝑜𝑠</m:t>
+                      </m:r>
+                      <m:sSup>
+                        <m:sSupPr>
+                          <m:ctrlPr>
+                            <a:rPr lang="el-GR" sz="1400" b="0" i="1" smtClean="0">
+                              <a:latin typeface="Cambria Math" panose="02040503050406030204" pitchFamily="18" charset="0"/>
+                            </a:rPr>
+                          </m:ctrlPr>
+                        </m:sSupPr>
+                        <m:e>
+                          <m:r>
+                            <a:rPr lang="el-GR" sz="1400" b="0" i="1" smtClean="0">
+                              <a:latin typeface="Cambria Math" panose="02040503050406030204" pitchFamily="18" charset="0"/>
+                            </a:rPr>
+                            <m:t>𝜃</m:t>
+                          </m:r>
+                        </m:e>
+                        <m:sup>
+                          <m:r>
+                            <a:rPr lang="el-GR" sz="1400" b="0" i="1" smtClean="0">
+                              <a:latin typeface="Cambria Math" panose="02040503050406030204" pitchFamily="18" charset="0"/>
+                            </a:rPr>
+                            <m:t>∗</m:t>
+                          </m:r>
+                        </m:sup>
+                      </m:sSup>
+                      <m:r>
+                        <a:rPr lang="en-US" sz="1400" b="0" i="1" smtClean="0">
+                          <a:latin typeface="Cambria Math" panose="02040503050406030204" pitchFamily="18" charset="0"/>
+                        </a:rPr>
+                        <m:t>|</m:t>
+                      </m:r>
+                    </m:oMath>
+                  </m:oMathPara>
+                </a14:m>
+                <a:endParaRPr lang="en-GB" sz="1400" dirty="0"/>
+              </a:p>
+            </p:txBody>
+          </p:sp>
+        </mc:Choice>
+        <mc:Fallback>
+          <p:sp>
+            <p:nvSpPr>
+              <p:cNvPr id="7" name="TextBox 6"/>
+              <p:cNvSpPr txBox="1">
+                <a:spLocks noRot="1" noChangeAspect="1" noMove="1" noResize="1" noEditPoints="1" noAdjustHandles="1" noChangeArrowheads="1" noChangeShapeType="1" noTextEdit="1"/>
+              </p:cNvSpPr>
+              <p:nvPr/>
+            </p:nvSpPr>
+            <p:spPr>
+              <a:xfrm>
+                <a:off x="8920084" y="5872657"/>
+                <a:ext cx="657467" cy="215444"/>
+              </a:xfrm>
+              <a:prstGeom prst="rect">
+                <a:avLst/>
+              </a:prstGeom>
+              <a:blipFill>
+                <a:blip r:embed="rId4"/>
+                <a:stretch>
+                  <a:fillRect l="-3704" r="-4630" b="-30556"/>
+                </a:stretch>
+              </a:blipFill>
+            </p:spPr>
+            <p:txBody>
+              <a:bodyPr/>
+              <a:lstStyle/>
+              <a:p>
+                <a:r>
+                  <a:rPr lang="en-GB">
+                    <a:noFill/>
+                  </a:rPr>
+                  <a:t> </a:t>
+                </a:r>
+              </a:p>
+            </p:txBody>
+          </p:sp>
+        </mc:Fallback>
+      </mc:AlternateContent>
+      <p:sp>
+        <p:nvSpPr>
+          <p:cNvPr id="8" name="Slide Number Placeholder 7"/>
+          <p:cNvSpPr>
+            <a:spLocks noGrp="1"/>
+          </p:cNvSpPr>
+          <p:nvPr>
+            <p:ph type="sldNum" sz="quarter" idx="12"/>
+          </p:nvPr>
+        </p:nvSpPr>
+        <p:spPr/>
+        <p:txBody>
+          <a:bodyPr/>
+          <a:lstStyle/>
+          <a:p>
+            <a:fld id="{AEEFAC8D-0A19-DC49-9F7A-4BFCAD95B105}" type="slidenum">
+              <a:rPr lang="en-US" smtClean="0"/>
+              <a:t>27</a:t>
+            </a:fld>
+            <a:endParaRPr lang="en-US"/>
+          </a:p>
+        </p:txBody>
+      </p:sp>
+    </p:spTree>
+    <p:extLst>
+      <p:ext uri="{BB962C8B-B14F-4D97-AF65-F5344CB8AC3E}">
+        <p14:creationId xmlns:p14="http://schemas.microsoft.com/office/powerpoint/2010/main" val="308128504"/>
+      </p:ext>
+    </p:extLst>
+  </p:cSld>
+  <p:clrMapOvr>
+    <a:masterClrMapping/>
+  </p:clrMapOvr>
+</p:sld>
+</file>
+
+<file path=ppt/slides/slide28.xml><?xml version="1.0" encoding="utf-8"?>
+<p:sld xmlns:a="http://schemas.openxmlformats.org/drawingml/2006/main" xmlns:r="http://schemas.openxmlformats.org/officeDocument/2006/relationships" xmlns:p="http://schemas.openxmlformats.org/presentationml/2006/main">
+  <p:cSld>
+    <p:spTree>
+      <p:nvGrpSpPr>
+        <p:cNvPr id="1" name=""/>
+        <p:cNvGrpSpPr/>
+        <p:nvPr/>
+      </p:nvGrpSpPr>
+      <p:grpSpPr>
+        <a:xfrm>
+          <a:off x="0" y="0"/>
+          <a:ext cx="0" cy="0"/>
+          <a:chOff x="0" y="0"/>
+          <a:chExt cx="0" cy="0"/>
+        </a:xfrm>
+      </p:grpSpPr>
+      <p:sp>
+        <p:nvSpPr>
+          <p:cNvPr id="2" name="Date Placeholder 1"/>
+          <p:cNvSpPr>
+            <a:spLocks noGrp="1"/>
+          </p:cNvSpPr>
+          <p:nvPr>
+            <p:ph type="dt" sz="half" idx="10"/>
+          </p:nvPr>
+        </p:nvSpPr>
+        <p:spPr/>
+        <p:txBody>
+          <a:bodyPr/>
+          <a:lstStyle/>
+          <a:p>
+            <a:fld id="{31FF2A9B-07FD-4E36-AE94-157EFF0834CE}" type="datetime3">
+              <a:rPr lang="en-US" smtClean="0"/>
+              <a:t>22 May 2019</a:t>
+            </a:fld>
+            <a:endParaRPr lang="en-US"/>
+          </a:p>
+        </p:txBody>
+      </p:sp>
+      <p:sp>
+        <p:nvSpPr>
+          <p:cNvPr id="3" name="Footer Placeholder 2"/>
+          <p:cNvSpPr>
+            <a:spLocks noGrp="1"/>
+          </p:cNvSpPr>
+          <p:nvPr>
+            <p:ph type="ftr" sz="quarter" idx="11"/>
+          </p:nvPr>
+        </p:nvSpPr>
+        <p:spPr/>
+        <p:txBody>
+          <a:bodyPr/>
+          <a:lstStyle/>
+          <a:p>
+            <a:r>
+              <a:rPr lang="fi-FI"/>
+              <a:t>NTUA, G. Bakas</a:t>
+            </a:r>
+            <a:endParaRPr lang="en-US"/>
+          </a:p>
+        </p:txBody>
+      </p:sp>
+      <p:sp>
+        <p:nvSpPr>
+          <p:cNvPr id="5" name="TextBox 4"/>
+          <p:cNvSpPr txBox="1"/>
+          <p:nvPr/>
+        </p:nvSpPr>
+        <p:spPr>
+          <a:xfrm>
+            <a:off x="233265" y="155941"/>
+            <a:ext cx="11243388" cy="369332"/>
+          </a:xfrm>
+          <a:prstGeom prst="rect">
+            <a:avLst/>
+          </a:prstGeom>
+          <a:noFill/>
+        </p:spPr>
+        <p:txBody>
+          <a:bodyPr wrap="square" rtlCol="0">
+            <a:spAutoFit/>
+          </a:bodyPr>
+          <a:lstStyle/>
+          <a:p>
+            <a:pPr algn="ctr"/>
+            <a:r>
+              <a:rPr lang="en-US" dirty="0" smtClean="0"/>
+              <a:t>|cos</a:t>
+            </a:r>
+            <a:r>
+              <a:rPr lang="el-GR" dirty="0" smtClean="0"/>
+              <a:t>θ*</a:t>
+            </a:r>
+            <a:r>
+              <a:rPr lang="en-US" dirty="0" smtClean="0"/>
+              <a:t>|</a:t>
+            </a:r>
+            <a:r>
+              <a:rPr lang="en-US" dirty="0" smtClean="0"/>
+              <a:t> </a:t>
+            </a:r>
+            <a:r>
+              <a:rPr lang="en-US" dirty="0"/>
+              <a:t>distribution for </a:t>
+            </a:r>
+            <a:r>
+              <a:rPr lang="en-US" dirty="0" err="1"/>
+              <a:t>Mtt</a:t>
+            </a:r>
+            <a:r>
+              <a:rPr lang="en-US" dirty="0"/>
+              <a:t> sample (1000-Inf) and </a:t>
+            </a:r>
+            <a:r>
+              <a:rPr lang="en-US" dirty="0" err="1"/>
+              <a:t>Zprime</a:t>
+            </a:r>
+            <a:r>
+              <a:rPr lang="en-US" dirty="0"/>
+              <a:t> samples with M</a:t>
+            </a:r>
+            <a:r>
+              <a:rPr lang="en-US" baseline="-25000" dirty="0"/>
+              <a:t>Z’ </a:t>
+            </a:r>
+            <a:r>
+              <a:rPr lang="en-US" dirty="0"/>
+              <a:t> </a:t>
+            </a:r>
+            <a:r>
+              <a:rPr lang="en-US"/>
+              <a:t>= </a:t>
+            </a:r>
+            <a:r>
+              <a:rPr lang="en-US" smtClean="0"/>
+              <a:t>3TeV </a:t>
+            </a:r>
+            <a:r>
+              <a:rPr lang="en-US" dirty="0"/>
+              <a:t>and different widths </a:t>
+            </a:r>
+            <a:endParaRPr lang="en-GB" dirty="0"/>
+          </a:p>
+        </p:txBody>
+      </p:sp>
+      <p:pic>
+        <p:nvPicPr>
+          <p:cNvPr id="4" name="Picture 3"/>
+          <p:cNvPicPr>
+            <a:picLocks noChangeAspect="1"/>
+          </p:cNvPicPr>
+          <p:nvPr/>
+        </p:nvPicPr>
+        <p:blipFill>
+          <a:blip r:embed="rId3">
+            <a:extLst>
+              <a:ext uri="{28A0092B-C50C-407E-A947-70E740481C1C}">
+                <a14:useLocalDpi xmlns:a14="http://schemas.microsoft.com/office/drawing/2010/main" val="0"/>
+              </a:ext>
+            </a:extLst>
+          </a:blip>
+          <a:stretch>
+            <a:fillRect/>
+          </a:stretch>
+        </p:blipFill>
+        <p:spPr>
+          <a:xfrm>
+            <a:off x="1819275" y="700087"/>
+            <a:ext cx="8553450" cy="5457825"/>
+          </a:xfrm>
+          <a:prstGeom prst="rect">
+            <a:avLst/>
+          </a:prstGeom>
+        </p:spPr>
+      </p:pic>
+      <mc:AlternateContent xmlns:mc="http://schemas.openxmlformats.org/markup-compatibility/2006">
+        <mc:Choice xmlns:a14="http://schemas.microsoft.com/office/drawing/2010/main" Requires="a14">
+          <p:sp>
+            <p:nvSpPr>
+              <p:cNvPr id="6" name="TextBox 5"/>
+              <p:cNvSpPr txBox="1"/>
+              <p:nvPr/>
+            </p:nvSpPr>
+            <p:spPr>
+              <a:xfrm>
+                <a:off x="8920084" y="5872657"/>
+                <a:ext cx="657467" cy="215444"/>
+              </a:xfrm>
+              <a:prstGeom prst="rect">
+                <a:avLst/>
+              </a:prstGeom>
+              <a:noFill/>
+            </p:spPr>
+            <p:txBody>
+              <a:bodyPr wrap="square" lIns="0" tIns="0" rIns="0" bIns="0" rtlCol="0">
+                <a:spAutoFit/>
+              </a:bodyPr>
+              <a:lstStyle/>
+              <a:p>
+                <a14:m>
+                  <m:oMathPara xmlns:m="http://schemas.openxmlformats.org/officeDocument/2006/math">
+                    <m:oMathParaPr>
+                      <m:jc m:val="centerGroup"/>
+                    </m:oMathParaPr>
+                    <m:oMath xmlns:m="http://schemas.openxmlformats.org/officeDocument/2006/math">
+                      <m:r>
+                        <a:rPr lang="en-US" sz="1400" b="0" i="1" smtClean="0">
+                          <a:latin typeface="Cambria Math" panose="02040503050406030204" pitchFamily="18" charset="0"/>
+                        </a:rPr>
+                        <m:t>|</m:t>
+                      </m:r>
+                      <m:r>
+                        <a:rPr lang="en-US" sz="1400" b="0" i="1" smtClean="0">
+                          <a:latin typeface="Cambria Math" panose="02040503050406030204" pitchFamily="18" charset="0"/>
+                        </a:rPr>
+                        <m:t>𝑐𝑜𝑠</m:t>
+                      </m:r>
+                      <m:sSup>
+                        <m:sSupPr>
+                          <m:ctrlPr>
+                            <a:rPr lang="el-GR" sz="1400" b="0" i="1" smtClean="0">
+                              <a:latin typeface="Cambria Math" panose="02040503050406030204" pitchFamily="18" charset="0"/>
+                            </a:rPr>
+                          </m:ctrlPr>
+                        </m:sSupPr>
+                        <m:e>
+                          <m:r>
+                            <a:rPr lang="el-GR" sz="1400" b="0" i="1" smtClean="0">
+                              <a:latin typeface="Cambria Math" panose="02040503050406030204" pitchFamily="18" charset="0"/>
+                            </a:rPr>
+                            <m:t>𝜃</m:t>
+                          </m:r>
+                        </m:e>
+                        <m:sup>
+                          <m:r>
+                            <a:rPr lang="el-GR" sz="1400" b="0" i="1" smtClean="0">
+                              <a:latin typeface="Cambria Math" panose="02040503050406030204" pitchFamily="18" charset="0"/>
+                            </a:rPr>
+                            <m:t>∗</m:t>
+                          </m:r>
+                        </m:sup>
+                      </m:sSup>
+                      <m:r>
+                        <a:rPr lang="en-US" sz="1400" b="0" i="1" smtClean="0">
+                          <a:latin typeface="Cambria Math" panose="02040503050406030204" pitchFamily="18" charset="0"/>
+                        </a:rPr>
+                        <m:t>|</m:t>
+                      </m:r>
+                    </m:oMath>
+                  </m:oMathPara>
+                </a14:m>
+                <a:endParaRPr lang="en-GB" sz="1400" dirty="0"/>
+              </a:p>
+            </p:txBody>
+          </p:sp>
+        </mc:Choice>
+        <mc:Fallback>
+          <p:sp>
+            <p:nvSpPr>
+              <p:cNvPr id="6" name="TextBox 5"/>
+              <p:cNvSpPr txBox="1">
+                <a:spLocks noRot="1" noChangeAspect="1" noMove="1" noResize="1" noEditPoints="1" noAdjustHandles="1" noChangeArrowheads="1" noChangeShapeType="1" noTextEdit="1"/>
+              </p:cNvSpPr>
+              <p:nvPr/>
+            </p:nvSpPr>
+            <p:spPr>
+              <a:xfrm>
+                <a:off x="8920084" y="5872657"/>
+                <a:ext cx="657467" cy="215444"/>
+              </a:xfrm>
+              <a:prstGeom prst="rect">
+                <a:avLst/>
+              </a:prstGeom>
+              <a:blipFill>
+                <a:blip r:embed="rId4"/>
+                <a:stretch>
+                  <a:fillRect l="-3704" r="-4630" b="-30556"/>
+                </a:stretch>
+              </a:blipFill>
+            </p:spPr>
+            <p:txBody>
+              <a:bodyPr/>
+              <a:lstStyle/>
+              <a:p>
+                <a:r>
+                  <a:rPr lang="en-GB">
+                    <a:noFill/>
+                  </a:rPr>
+                  <a:t> </a:t>
+                </a:r>
+              </a:p>
+            </p:txBody>
+          </p:sp>
+        </mc:Fallback>
+      </mc:AlternateContent>
+      <p:sp>
+        <p:nvSpPr>
+          <p:cNvPr id="7" name="Slide Number Placeholder 6"/>
+          <p:cNvSpPr>
+            <a:spLocks noGrp="1"/>
+          </p:cNvSpPr>
+          <p:nvPr>
+            <p:ph type="sldNum" sz="quarter" idx="12"/>
+          </p:nvPr>
+        </p:nvSpPr>
+        <p:spPr/>
+        <p:txBody>
+          <a:bodyPr/>
+          <a:lstStyle/>
+          <a:p>
+            <a:fld id="{AEEFAC8D-0A19-DC49-9F7A-4BFCAD95B105}" type="slidenum">
+              <a:rPr lang="en-US" smtClean="0"/>
+              <a:t>28</a:t>
+            </a:fld>
+            <a:endParaRPr lang="en-US"/>
+          </a:p>
+        </p:txBody>
+      </p:sp>
+    </p:spTree>
+    <p:extLst>
+      <p:ext uri="{BB962C8B-B14F-4D97-AF65-F5344CB8AC3E}">
+        <p14:creationId xmlns:p14="http://schemas.microsoft.com/office/powerpoint/2010/main" val="96046266"/>
+      </p:ext>
+    </p:extLst>
+  </p:cSld>
+  <p:clrMapOvr>
+    <a:masterClrMapping/>
+  </p:clrMapOvr>
+</p:sld>
+</file>
+
+<file path=ppt/slides/slide29.xml><?xml version="1.0" encoding="utf-8"?>
+<p:sld xmlns:a="http://schemas.openxmlformats.org/drawingml/2006/main" xmlns:r="http://schemas.openxmlformats.org/officeDocument/2006/relationships" xmlns:p="http://schemas.openxmlformats.org/presentationml/2006/main">
+  <p:cSld>
+    <p:spTree>
+      <p:nvGrpSpPr>
+        <p:cNvPr id="1" name=""/>
+        <p:cNvGrpSpPr/>
+        <p:nvPr/>
+      </p:nvGrpSpPr>
+      <p:grpSpPr>
+        <a:xfrm>
+          <a:off x="0" y="0"/>
+          <a:ext cx="0" cy="0"/>
+          <a:chOff x="0" y="0"/>
+          <a:chExt cx="0" cy="0"/>
+        </a:xfrm>
+      </p:grpSpPr>
+      <p:sp>
+        <p:nvSpPr>
+          <p:cNvPr id="2" name="Date Placeholder 1"/>
+          <p:cNvSpPr>
+            <a:spLocks noGrp="1"/>
+          </p:cNvSpPr>
+          <p:nvPr>
+            <p:ph type="dt" sz="half" idx="10"/>
+          </p:nvPr>
+        </p:nvSpPr>
+        <p:spPr/>
+        <p:txBody>
+          <a:bodyPr/>
+          <a:lstStyle/>
+          <a:p>
+            <a:fld id="{C57B6CFD-29BD-4C42-97A9-BFFD9B2D4820}" type="datetime3">
+              <a:rPr lang="en-US" smtClean="0"/>
+              <a:t>22 May 2019</a:t>
+            </a:fld>
+            <a:endParaRPr lang="en-US"/>
+          </a:p>
+        </p:txBody>
+      </p:sp>
+      <p:sp>
+        <p:nvSpPr>
+          <p:cNvPr id="3" name="Footer Placeholder 2"/>
+          <p:cNvSpPr>
+            <a:spLocks noGrp="1"/>
+          </p:cNvSpPr>
+          <p:nvPr>
+            <p:ph type="ftr" sz="quarter" idx="11"/>
+          </p:nvPr>
+        </p:nvSpPr>
+        <p:spPr/>
+        <p:txBody>
+          <a:bodyPr/>
+          <a:lstStyle/>
+          <a:p>
+            <a:r>
+              <a:rPr lang="fi-FI"/>
+              <a:t>NTUA, G. Bakas</a:t>
+            </a:r>
+            <a:endParaRPr lang="en-US"/>
+          </a:p>
+        </p:txBody>
+      </p:sp>
+      <p:sp>
+        <p:nvSpPr>
+          <p:cNvPr id="5" name="TextBox 4"/>
+          <p:cNvSpPr txBox="1"/>
+          <p:nvPr/>
+        </p:nvSpPr>
+        <p:spPr>
+          <a:xfrm>
+            <a:off x="233265" y="155941"/>
+            <a:ext cx="11243388" cy="369332"/>
+          </a:xfrm>
+          <a:prstGeom prst="rect">
+            <a:avLst/>
+          </a:prstGeom>
+          <a:noFill/>
+        </p:spPr>
+        <p:txBody>
+          <a:bodyPr wrap="square" rtlCol="0">
+            <a:spAutoFit/>
+          </a:bodyPr>
+          <a:lstStyle/>
+          <a:p>
+            <a:pPr algn="ctr"/>
+            <a:r>
+              <a:rPr lang="en-US" dirty="0" smtClean="0"/>
+              <a:t>|cos</a:t>
+            </a:r>
+            <a:r>
+              <a:rPr lang="el-GR" dirty="0" smtClean="0"/>
+              <a:t>θ*</a:t>
+            </a:r>
+            <a:r>
+              <a:rPr lang="en-US" dirty="0" smtClean="0"/>
+              <a:t>|</a:t>
+            </a:r>
+            <a:r>
+              <a:rPr lang="en-US" dirty="0" smtClean="0"/>
+              <a:t> </a:t>
+            </a:r>
+            <a:r>
+              <a:rPr lang="en-US" dirty="0"/>
+              <a:t>distribution for </a:t>
+            </a:r>
+            <a:r>
+              <a:rPr lang="en-US" dirty="0" err="1"/>
+              <a:t>Mtt</a:t>
+            </a:r>
+            <a:r>
+              <a:rPr lang="en-US" dirty="0"/>
+              <a:t> sample (1000-Inf) and </a:t>
+            </a:r>
+            <a:r>
+              <a:rPr lang="en-US" dirty="0" err="1"/>
+              <a:t>Zprime</a:t>
+            </a:r>
+            <a:r>
+              <a:rPr lang="en-US" dirty="0"/>
+              <a:t> samples with M</a:t>
+            </a:r>
+            <a:r>
+              <a:rPr lang="en-US" baseline="-25000" dirty="0"/>
+              <a:t>Z’ </a:t>
+            </a:r>
+            <a:r>
+              <a:rPr lang="en-US" dirty="0"/>
+              <a:t> </a:t>
+            </a:r>
+            <a:r>
+              <a:rPr lang="en-US"/>
+              <a:t>= </a:t>
+            </a:r>
+            <a:r>
+              <a:rPr lang="en-US" smtClean="0"/>
+              <a:t>3TeV </a:t>
+            </a:r>
+            <a:r>
+              <a:rPr lang="en-US" dirty="0"/>
+              <a:t>and different widths </a:t>
+            </a:r>
+            <a:endParaRPr lang="en-GB" dirty="0"/>
+          </a:p>
+        </p:txBody>
+      </p:sp>
+      <p:pic>
+        <p:nvPicPr>
+          <p:cNvPr id="4" name="Picture 3"/>
+          <p:cNvPicPr>
+            <a:picLocks noChangeAspect="1"/>
+          </p:cNvPicPr>
+          <p:nvPr/>
+        </p:nvPicPr>
+        <p:blipFill>
+          <a:blip r:embed="rId3">
+            <a:extLst>
+              <a:ext uri="{28A0092B-C50C-407E-A947-70E740481C1C}">
+                <a14:useLocalDpi xmlns:a14="http://schemas.microsoft.com/office/drawing/2010/main" val="0"/>
+              </a:ext>
+            </a:extLst>
+          </a:blip>
+          <a:stretch>
+            <a:fillRect/>
+          </a:stretch>
+        </p:blipFill>
+        <p:spPr>
+          <a:xfrm>
+            <a:off x="1819275" y="700087"/>
+            <a:ext cx="8553450" cy="5457825"/>
+          </a:xfrm>
+          <a:prstGeom prst="rect">
+            <a:avLst/>
+          </a:prstGeom>
+        </p:spPr>
+      </p:pic>
+      <mc:AlternateContent xmlns:mc="http://schemas.openxmlformats.org/markup-compatibility/2006">
+        <mc:Choice xmlns:a14="http://schemas.microsoft.com/office/drawing/2010/main" Requires="a14">
+          <p:sp>
+            <p:nvSpPr>
+              <p:cNvPr id="6" name="TextBox 5"/>
+              <p:cNvSpPr txBox="1"/>
+              <p:nvPr/>
+            </p:nvSpPr>
+            <p:spPr>
+              <a:xfrm>
+                <a:off x="8920084" y="5872657"/>
+                <a:ext cx="657467" cy="215444"/>
+              </a:xfrm>
+              <a:prstGeom prst="rect">
+                <a:avLst/>
+              </a:prstGeom>
+              <a:noFill/>
+            </p:spPr>
+            <p:txBody>
+              <a:bodyPr wrap="square" lIns="0" tIns="0" rIns="0" bIns="0" rtlCol="0">
+                <a:spAutoFit/>
+              </a:bodyPr>
+              <a:lstStyle/>
+              <a:p>
+                <a14:m>
+                  <m:oMathPara xmlns:m="http://schemas.openxmlformats.org/officeDocument/2006/math">
+                    <m:oMathParaPr>
+                      <m:jc m:val="centerGroup"/>
+                    </m:oMathParaPr>
+                    <m:oMath xmlns:m="http://schemas.openxmlformats.org/officeDocument/2006/math">
+                      <m:r>
+                        <a:rPr lang="en-US" sz="1400" b="0" i="1" smtClean="0">
+                          <a:latin typeface="Cambria Math" panose="02040503050406030204" pitchFamily="18" charset="0"/>
+                        </a:rPr>
+                        <m:t>|</m:t>
+                      </m:r>
+                      <m:r>
+                        <a:rPr lang="en-US" sz="1400" b="0" i="1" smtClean="0">
+                          <a:latin typeface="Cambria Math" panose="02040503050406030204" pitchFamily="18" charset="0"/>
+                        </a:rPr>
+                        <m:t>𝑐𝑜𝑠</m:t>
+                      </m:r>
+                      <m:sSup>
+                        <m:sSupPr>
+                          <m:ctrlPr>
+                            <a:rPr lang="el-GR" sz="1400" b="0" i="1" smtClean="0">
+                              <a:latin typeface="Cambria Math" panose="02040503050406030204" pitchFamily="18" charset="0"/>
+                            </a:rPr>
+                          </m:ctrlPr>
+                        </m:sSupPr>
+                        <m:e>
+                          <m:r>
+                            <a:rPr lang="el-GR" sz="1400" b="0" i="1" smtClean="0">
+                              <a:latin typeface="Cambria Math" panose="02040503050406030204" pitchFamily="18" charset="0"/>
+                            </a:rPr>
+                            <m:t>𝜃</m:t>
+                          </m:r>
+                        </m:e>
+                        <m:sup>
+                          <m:r>
+                            <a:rPr lang="el-GR" sz="1400" b="0" i="1" smtClean="0">
+                              <a:latin typeface="Cambria Math" panose="02040503050406030204" pitchFamily="18" charset="0"/>
+                            </a:rPr>
+                            <m:t>∗</m:t>
+                          </m:r>
+                        </m:sup>
+                      </m:sSup>
+                      <m:r>
+                        <a:rPr lang="en-US" sz="1400" b="0" i="1" smtClean="0">
+                          <a:latin typeface="Cambria Math" panose="02040503050406030204" pitchFamily="18" charset="0"/>
+                        </a:rPr>
+                        <m:t>|</m:t>
+                      </m:r>
+                    </m:oMath>
+                  </m:oMathPara>
+                </a14:m>
+                <a:endParaRPr lang="en-GB" sz="1400" dirty="0"/>
+              </a:p>
+            </p:txBody>
+          </p:sp>
+        </mc:Choice>
+        <mc:Fallback>
+          <p:sp>
+            <p:nvSpPr>
+              <p:cNvPr id="6" name="TextBox 5"/>
+              <p:cNvSpPr txBox="1">
+                <a:spLocks noRot="1" noChangeAspect="1" noMove="1" noResize="1" noEditPoints="1" noAdjustHandles="1" noChangeArrowheads="1" noChangeShapeType="1" noTextEdit="1"/>
+              </p:cNvSpPr>
+              <p:nvPr/>
+            </p:nvSpPr>
+            <p:spPr>
+              <a:xfrm>
+                <a:off x="8920084" y="5872657"/>
+                <a:ext cx="657467" cy="215444"/>
+              </a:xfrm>
+              <a:prstGeom prst="rect">
+                <a:avLst/>
+              </a:prstGeom>
+              <a:blipFill>
+                <a:blip r:embed="rId4"/>
+                <a:stretch>
+                  <a:fillRect l="-3704" r="-4630" b="-30556"/>
+                </a:stretch>
+              </a:blipFill>
+            </p:spPr>
+            <p:txBody>
+              <a:bodyPr/>
+              <a:lstStyle/>
+              <a:p>
+                <a:r>
+                  <a:rPr lang="en-GB">
+                    <a:noFill/>
+                  </a:rPr>
+                  <a:t> </a:t>
+                </a:r>
+              </a:p>
+            </p:txBody>
+          </p:sp>
+        </mc:Fallback>
+      </mc:AlternateContent>
+      <p:sp>
+        <p:nvSpPr>
+          <p:cNvPr id="7" name="Slide Number Placeholder 6"/>
+          <p:cNvSpPr>
+            <a:spLocks noGrp="1"/>
+          </p:cNvSpPr>
+          <p:nvPr>
+            <p:ph type="sldNum" sz="quarter" idx="12"/>
+          </p:nvPr>
+        </p:nvSpPr>
+        <p:spPr/>
+        <p:txBody>
+          <a:bodyPr/>
+          <a:lstStyle/>
+          <a:p>
+            <a:fld id="{AEEFAC8D-0A19-DC49-9F7A-4BFCAD95B105}" type="slidenum">
+              <a:rPr lang="en-US" smtClean="0"/>
+              <a:t>29</a:t>
+            </a:fld>
+            <a:endParaRPr lang="en-US"/>
+          </a:p>
+        </p:txBody>
+      </p:sp>
+    </p:spTree>
+    <p:extLst>
+      <p:ext uri="{BB962C8B-B14F-4D97-AF65-F5344CB8AC3E}">
+        <p14:creationId xmlns:p14="http://schemas.microsoft.com/office/powerpoint/2010/main" val="212255461"/>
       </p:ext>
     </p:extLst>
   </p:cSld>
@@ -8652,10 +12417,11 @@
           <a:bodyPr/>
           <a:lstStyle/>
           <a:p>
-            <a:r>
-              <a:rPr lang="en-US"/>
-              <a:t>1/4/2019</a:t>
-            </a:r>
+            <a:fld id="{C8974BEE-2AE5-4BF9-ABAD-D137F7DA7F7B}" type="datetime3">
+              <a:rPr lang="en-US" smtClean="0"/>
+              <a:t>22 May 2019</a:t>
+            </a:fld>
+            <a:endParaRPr lang="en-US"/>
           </a:p>
         </p:txBody>
       </p:sp>
@@ -9013,10 +12779,2029 @@
           </a:p>
         </p:txBody>
       </p:sp>
+      <p:sp>
+        <p:nvSpPr>
+          <p:cNvPr id="2" name="Slide Number Placeholder 1"/>
+          <p:cNvSpPr>
+            <a:spLocks noGrp="1"/>
+          </p:cNvSpPr>
+          <p:nvPr>
+            <p:ph type="sldNum" sz="quarter" idx="12"/>
+          </p:nvPr>
+        </p:nvSpPr>
+        <p:spPr/>
+        <p:txBody>
+          <a:bodyPr/>
+          <a:lstStyle/>
+          <a:p>
+            <a:fld id="{AEEFAC8D-0A19-DC49-9F7A-4BFCAD95B105}" type="slidenum">
+              <a:rPr lang="en-US" smtClean="0"/>
+              <a:t>3</a:t>
+            </a:fld>
+            <a:endParaRPr lang="en-US"/>
+          </a:p>
+        </p:txBody>
+      </p:sp>
     </p:spTree>
     <p:extLst>
       <p:ext uri="{BB962C8B-B14F-4D97-AF65-F5344CB8AC3E}">
         <p14:creationId xmlns:p14="http://schemas.microsoft.com/office/powerpoint/2010/main" val="290509387"/>
+      </p:ext>
+    </p:extLst>
+  </p:cSld>
+  <p:clrMapOvr>
+    <a:masterClrMapping/>
+  </p:clrMapOvr>
+</p:sld>
+</file>
+
+<file path=ppt/slides/slide30.xml><?xml version="1.0" encoding="utf-8"?>
+<p:sld xmlns:a="http://schemas.openxmlformats.org/drawingml/2006/main" xmlns:r="http://schemas.openxmlformats.org/officeDocument/2006/relationships" xmlns:p="http://schemas.openxmlformats.org/presentationml/2006/main">
+  <p:cSld>
+    <p:spTree>
+      <p:nvGrpSpPr>
+        <p:cNvPr id="1" name=""/>
+        <p:cNvGrpSpPr/>
+        <p:nvPr/>
+      </p:nvGrpSpPr>
+      <p:grpSpPr>
+        <a:xfrm>
+          <a:off x="0" y="0"/>
+          <a:ext cx="0" cy="0"/>
+          <a:chOff x="0" y="0"/>
+          <a:chExt cx="0" cy="0"/>
+        </a:xfrm>
+      </p:grpSpPr>
+      <p:sp>
+        <p:nvSpPr>
+          <p:cNvPr id="2" name="Date Placeholder 1"/>
+          <p:cNvSpPr>
+            <a:spLocks noGrp="1"/>
+          </p:cNvSpPr>
+          <p:nvPr>
+            <p:ph type="dt" sz="half" idx="10"/>
+          </p:nvPr>
+        </p:nvSpPr>
+        <p:spPr/>
+        <p:txBody>
+          <a:bodyPr/>
+          <a:lstStyle/>
+          <a:p>
+            <a:fld id="{5D90B603-4798-42DD-8307-8E674F3816E7}" type="datetime3">
+              <a:rPr lang="en-US" smtClean="0"/>
+              <a:t>22 May 2019</a:t>
+            </a:fld>
+            <a:endParaRPr lang="en-US"/>
+          </a:p>
+        </p:txBody>
+      </p:sp>
+      <p:sp>
+        <p:nvSpPr>
+          <p:cNvPr id="3" name="Footer Placeholder 2"/>
+          <p:cNvSpPr>
+            <a:spLocks noGrp="1"/>
+          </p:cNvSpPr>
+          <p:nvPr>
+            <p:ph type="ftr" sz="quarter" idx="11"/>
+          </p:nvPr>
+        </p:nvSpPr>
+        <p:spPr/>
+        <p:txBody>
+          <a:bodyPr/>
+          <a:lstStyle/>
+          <a:p>
+            <a:r>
+              <a:rPr lang="fi-FI"/>
+              <a:t>NTUA, G. Bakas</a:t>
+            </a:r>
+            <a:endParaRPr lang="en-US"/>
+          </a:p>
+        </p:txBody>
+      </p:sp>
+      <p:sp>
+        <p:nvSpPr>
+          <p:cNvPr id="5" name="TextBox 4"/>
+          <p:cNvSpPr txBox="1"/>
+          <p:nvPr/>
+        </p:nvSpPr>
+        <p:spPr>
+          <a:xfrm>
+            <a:off x="233265" y="155941"/>
+            <a:ext cx="11243388" cy="369332"/>
+          </a:xfrm>
+          <a:prstGeom prst="rect">
+            <a:avLst/>
+          </a:prstGeom>
+          <a:noFill/>
+        </p:spPr>
+        <p:txBody>
+          <a:bodyPr wrap="square" rtlCol="0">
+            <a:spAutoFit/>
+          </a:bodyPr>
+          <a:lstStyle/>
+          <a:p>
+            <a:pPr algn="ctr"/>
+            <a:r>
+              <a:rPr lang="en-US" dirty="0" smtClean="0"/>
+              <a:t>|cos</a:t>
+            </a:r>
+            <a:r>
+              <a:rPr lang="el-GR" dirty="0" smtClean="0"/>
+              <a:t>θ*</a:t>
+            </a:r>
+            <a:r>
+              <a:rPr lang="en-US" dirty="0" smtClean="0"/>
+              <a:t>|</a:t>
+            </a:r>
+            <a:r>
+              <a:rPr lang="en-US" dirty="0" smtClean="0"/>
+              <a:t> </a:t>
+            </a:r>
+            <a:r>
+              <a:rPr lang="en-US" dirty="0"/>
+              <a:t>distribution for </a:t>
+            </a:r>
+            <a:r>
+              <a:rPr lang="en-US" dirty="0" err="1"/>
+              <a:t>Mtt</a:t>
+            </a:r>
+            <a:r>
+              <a:rPr lang="en-US" dirty="0"/>
+              <a:t> sample (1000-Inf) and </a:t>
+            </a:r>
+            <a:r>
+              <a:rPr lang="en-US" dirty="0" err="1"/>
+              <a:t>Zprime</a:t>
+            </a:r>
+            <a:r>
+              <a:rPr lang="en-US" dirty="0"/>
+              <a:t> samples with M</a:t>
+            </a:r>
+            <a:r>
+              <a:rPr lang="en-US" baseline="-25000" dirty="0"/>
+              <a:t>Z’ </a:t>
+            </a:r>
+            <a:r>
+              <a:rPr lang="en-US" dirty="0"/>
+              <a:t> </a:t>
+            </a:r>
+            <a:r>
+              <a:rPr lang="en-US"/>
+              <a:t>= </a:t>
+            </a:r>
+            <a:r>
+              <a:rPr lang="en-US"/>
+              <a:t>4</a:t>
+            </a:r>
+            <a:r>
+              <a:rPr lang="en-US" smtClean="0"/>
+              <a:t>TeV </a:t>
+            </a:r>
+            <a:r>
+              <a:rPr lang="en-US" dirty="0"/>
+              <a:t>and different widths </a:t>
+            </a:r>
+            <a:endParaRPr lang="en-GB" dirty="0"/>
+          </a:p>
+        </p:txBody>
+      </p:sp>
+      <p:pic>
+        <p:nvPicPr>
+          <p:cNvPr id="4" name="Picture 3"/>
+          <p:cNvPicPr>
+            <a:picLocks noChangeAspect="1"/>
+          </p:cNvPicPr>
+          <p:nvPr/>
+        </p:nvPicPr>
+        <p:blipFill>
+          <a:blip r:embed="rId3">
+            <a:extLst>
+              <a:ext uri="{28A0092B-C50C-407E-A947-70E740481C1C}">
+                <a14:useLocalDpi xmlns:a14="http://schemas.microsoft.com/office/drawing/2010/main" val="0"/>
+              </a:ext>
+            </a:extLst>
+          </a:blip>
+          <a:stretch>
+            <a:fillRect/>
+          </a:stretch>
+        </p:blipFill>
+        <p:spPr>
+          <a:xfrm>
+            <a:off x="1819275" y="700087"/>
+            <a:ext cx="8553450" cy="5457825"/>
+          </a:xfrm>
+          <a:prstGeom prst="rect">
+            <a:avLst/>
+          </a:prstGeom>
+        </p:spPr>
+      </p:pic>
+      <mc:AlternateContent xmlns:mc="http://schemas.openxmlformats.org/markup-compatibility/2006">
+        <mc:Choice xmlns:a14="http://schemas.microsoft.com/office/drawing/2010/main" Requires="a14">
+          <p:sp>
+            <p:nvSpPr>
+              <p:cNvPr id="6" name="TextBox 5"/>
+              <p:cNvSpPr txBox="1"/>
+              <p:nvPr/>
+            </p:nvSpPr>
+            <p:spPr>
+              <a:xfrm>
+                <a:off x="8920084" y="5872657"/>
+                <a:ext cx="657467" cy="215444"/>
+              </a:xfrm>
+              <a:prstGeom prst="rect">
+                <a:avLst/>
+              </a:prstGeom>
+              <a:noFill/>
+            </p:spPr>
+            <p:txBody>
+              <a:bodyPr wrap="square" lIns="0" tIns="0" rIns="0" bIns="0" rtlCol="0">
+                <a:spAutoFit/>
+              </a:bodyPr>
+              <a:lstStyle/>
+              <a:p>
+                <a14:m>
+                  <m:oMathPara xmlns:m="http://schemas.openxmlformats.org/officeDocument/2006/math">
+                    <m:oMathParaPr>
+                      <m:jc m:val="centerGroup"/>
+                    </m:oMathParaPr>
+                    <m:oMath xmlns:m="http://schemas.openxmlformats.org/officeDocument/2006/math">
+                      <m:r>
+                        <a:rPr lang="en-US" sz="1400" b="0" i="1" smtClean="0">
+                          <a:latin typeface="Cambria Math" panose="02040503050406030204" pitchFamily="18" charset="0"/>
+                        </a:rPr>
+                        <m:t>|</m:t>
+                      </m:r>
+                      <m:r>
+                        <a:rPr lang="en-US" sz="1400" b="0" i="1" smtClean="0">
+                          <a:latin typeface="Cambria Math" panose="02040503050406030204" pitchFamily="18" charset="0"/>
+                        </a:rPr>
+                        <m:t>𝑐𝑜𝑠</m:t>
+                      </m:r>
+                      <m:sSup>
+                        <m:sSupPr>
+                          <m:ctrlPr>
+                            <a:rPr lang="el-GR" sz="1400" b="0" i="1" smtClean="0">
+                              <a:latin typeface="Cambria Math" panose="02040503050406030204" pitchFamily="18" charset="0"/>
+                            </a:rPr>
+                          </m:ctrlPr>
+                        </m:sSupPr>
+                        <m:e>
+                          <m:r>
+                            <a:rPr lang="el-GR" sz="1400" b="0" i="1" smtClean="0">
+                              <a:latin typeface="Cambria Math" panose="02040503050406030204" pitchFamily="18" charset="0"/>
+                            </a:rPr>
+                            <m:t>𝜃</m:t>
+                          </m:r>
+                        </m:e>
+                        <m:sup>
+                          <m:r>
+                            <a:rPr lang="el-GR" sz="1400" b="0" i="1" smtClean="0">
+                              <a:latin typeface="Cambria Math" panose="02040503050406030204" pitchFamily="18" charset="0"/>
+                            </a:rPr>
+                            <m:t>∗</m:t>
+                          </m:r>
+                        </m:sup>
+                      </m:sSup>
+                      <m:r>
+                        <a:rPr lang="en-US" sz="1400" b="0" i="1" smtClean="0">
+                          <a:latin typeface="Cambria Math" panose="02040503050406030204" pitchFamily="18" charset="0"/>
+                        </a:rPr>
+                        <m:t>|</m:t>
+                      </m:r>
+                    </m:oMath>
+                  </m:oMathPara>
+                </a14:m>
+                <a:endParaRPr lang="en-GB" sz="1400" dirty="0"/>
+              </a:p>
+            </p:txBody>
+          </p:sp>
+        </mc:Choice>
+        <mc:Fallback>
+          <p:sp>
+            <p:nvSpPr>
+              <p:cNvPr id="6" name="TextBox 5"/>
+              <p:cNvSpPr txBox="1">
+                <a:spLocks noRot="1" noChangeAspect="1" noMove="1" noResize="1" noEditPoints="1" noAdjustHandles="1" noChangeArrowheads="1" noChangeShapeType="1" noTextEdit="1"/>
+              </p:cNvSpPr>
+              <p:nvPr/>
+            </p:nvSpPr>
+            <p:spPr>
+              <a:xfrm>
+                <a:off x="8920084" y="5872657"/>
+                <a:ext cx="657467" cy="215444"/>
+              </a:xfrm>
+              <a:prstGeom prst="rect">
+                <a:avLst/>
+              </a:prstGeom>
+              <a:blipFill>
+                <a:blip r:embed="rId4"/>
+                <a:stretch>
+                  <a:fillRect l="-3704" r="-4630" b="-30556"/>
+                </a:stretch>
+              </a:blipFill>
+            </p:spPr>
+            <p:txBody>
+              <a:bodyPr/>
+              <a:lstStyle/>
+              <a:p>
+                <a:r>
+                  <a:rPr lang="en-GB">
+                    <a:noFill/>
+                  </a:rPr>
+                  <a:t> </a:t>
+                </a:r>
+              </a:p>
+            </p:txBody>
+          </p:sp>
+        </mc:Fallback>
+      </mc:AlternateContent>
+      <p:sp>
+        <p:nvSpPr>
+          <p:cNvPr id="7" name="Slide Number Placeholder 6"/>
+          <p:cNvSpPr>
+            <a:spLocks noGrp="1"/>
+          </p:cNvSpPr>
+          <p:nvPr>
+            <p:ph type="sldNum" sz="quarter" idx="12"/>
+          </p:nvPr>
+        </p:nvSpPr>
+        <p:spPr/>
+        <p:txBody>
+          <a:bodyPr/>
+          <a:lstStyle/>
+          <a:p>
+            <a:fld id="{AEEFAC8D-0A19-DC49-9F7A-4BFCAD95B105}" type="slidenum">
+              <a:rPr lang="en-US" smtClean="0"/>
+              <a:t>30</a:t>
+            </a:fld>
+            <a:endParaRPr lang="en-US"/>
+          </a:p>
+        </p:txBody>
+      </p:sp>
+    </p:spTree>
+    <p:extLst>
+      <p:ext uri="{BB962C8B-B14F-4D97-AF65-F5344CB8AC3E}">
+        <p14:creationId xmlns:p14="http://schemas.microsoft.com/office/powerpoint/2010/main" val="2764985641"/>
+      </p:ext>
+    </p:extLst>
+  </p:cSld>
+  <p:clrMapOvr>
+    <a:masterClrMapping/>
+  </p:clrMapOvr>
+</p:sld>
+</file>
+
+<file path=ppt/slides/slide31.xml><?xml version="1.0" encoding="utf-8"?>
+<p:sld xmlns:a="http://schemas.openxmlformats.org/drawingml/2006/main" xmlns:r="http://schemas.openxmlformats.org/officeDocument/2006/relationships" xmlns:p="http://schemas.openxmlformats.org/presentationml/2006/main">
+  <p:cSld>
+    <p:spTree>
+      <p:nvGrpSpPr>
+        <p:cNvPr id="1" name=""/>
+        <p:cNvGrpSpPr/>
+        <p:nvPr/>
+      </p:nvGrpSpPr>
+      <p:grpSpPr>
+        <a:xfrm>
+          <a:off x="0" y="0"/>
+          <a:ext cx="0" cy="0"/>
+          <a:chOff x="0" y="0"/>
+          <a:chExt cx="0" cy="0"/>
+        </a:xfrm>
+      </p:grpSpPr>
+      <p:sp>
+        <p:nvSpPr>
+          <p:cNvPr id="2" name="Date Placeholder 1"/>
+          <p:cNvSpPr>
+            <a:spLocks noGrp="1"/>
+          </p:cNvSpPr>
+          <p:nvPr>
+            <p:ph type="dt" sz="half" idx="10"/>
+          </p:nvPr>
+        </p:nvSpPr>
+        <p:spPr/>
+        <p:txBody>
+          <a:bodyPr/>
+          <a:lstStyle/>
+          <a:p>
+            <a:fld id="{E0B41BBD-6C64-46A1-BF19-9D7580299EA3}" type="datetime3">
+              <a:rPr lang="en-US" smtClean="0"/>
+              <a:t>22 May 2019</a:t>
+            </a:fld>
+            <a:endParaRPr lang="en-US"/>
+          </a:p>
+        </p:txBody>
+      </p:sp>
+      <p:sp>
+        <p:nvSpPr>
+          <p:cNvPr id="3" name="Footer Placeholder 2"/>
+          <p:cNvSpPr>
+            <a:spLocks noGrp="1"/>
+          </p:cNvSpPr>
+          <p:nvPr>
+            <p:ph type="ftr" sz="quarter" idx="11"/>
+          </p:nvPr>
+        </p:nvSpPr>
+        <p:spPr/>
+        <p:txBody>
+          <a:bodyPr/>
+          <a:lstStyle/>
+          <a:p>
+            <a:r>
+              <a:rPr lang="fi-FI"/>
+              <a:t>NTUA, G. Bakas</a:t>
+            </a:r>
+            <a:endParaRPr lang="en-US"/>
+          </a:p>
+        </p:txBody>
+      </p:sp>
+      <p:sp>
+        <p:nvSpPr>
+          <p:cNvPr id="5" name="TextBox 4"/>
+          <p:cNvSpPr txBox="1"/>
+          <p:nvPr/>
+        </p:nvSpPr>
+        <p:spPr>
+          <a:xfrm>
+            <a:off x="233265" y="155941"/>
+            <a:ext cx="11243388" cy="369332"/>
+          </a:xfrm>
+          <a:prstGeom prst="rect">
+            <a:avLst/>
+          </a:prstGeom>
+          <a:noFill/>
+        </p:spPr>
+        <p:txBody>
+          <a:bodyPr wrap="square" rtlCol="0">
+            <a:spAutoFit/>
+          </a:bodyPr>
+          <a:lstStyle/>
+          <a:p>
+            <a:pPr algn="ctr"/>
+            <a:r>
+              <a:rPr lang="en-US" dirty="0" smtClean="0"/>
+              <a:t>|cos</a:t>
+            </a:r>
+            <a:r>
+              <a:rPr lang="el-GR" dirty="0" smtClean="0"/>
+              <a:t>θ*</a:t>
+            </a:r>
+            <a:r>
+              <a:rPr lang="en-US" dirty="0" smtClean="0"/>
+              <a:t>|</a:t>
+            </a:r>
+            <a:r>
+              <a:rPr lang="en-US" dirty="0" smtClean="0"/>
+              <a:t> </a:t>
+            </a:r>
+            <a:r>
+              <a:rPr lang="en-US" dirty="0"/>
+              <a:t>distribution for </a:t>
+            </a:r>
+            <a:r>
+              <a:rPr lang="en-US" dirty="0" err="1"/>
+              <a:t>Mtt</a:t>
+            </a:r>
+            <a:r>
+              <a:rPr lang="en-US" dirty="0"/>
+              <a:t> sample (1000-Inf) and </a:t>
+            </a:r>
+            <a:r>
+              <a:rPr lang="en-US" dirty="0" err="1"/>
+              <a:t>Zprime</a:t>
+            </a:r>
+            <a:r>
+              <a:rPr lang="en-US" dirty="0"/>
+              <a:t> samples with M</a:t>
+            </a:r>
+            <a:r>
+              <a:rPr lang="en-US" baseline="-25000" dirty="0"/>
+              <a:t>Z’ </a:t>
+            </a:r>
+            <a:r>
+              <a:rPr lang="en-US" dirty="0"/>
+              <a:t> = </a:t>
+            </a:r>
+            <a:r>
+              <a:rPr lang="en-US" dirty="0"/>
+              <a:t>4</a:t>
+            </a:r>
+            <a:r>
+              <a:rPr lang="en-US" dirty="0" smtClean="0"/>
+              <a:t>TeV </a:t>
+            </a:r>
+            <a:r>
+              <a:rPr lang="en-US" dirty="0"/>
+              <a:t>and different widths </a:t>
+            </a:r>
+            <a:endParaRPr lang="en-GB" dirty="0"/>
+          </a:p>
+        </p:txBody>
+      </p:sp>
+      <p:pic>
+        <p:nvPicPr>
+          <p:cNvPr id="6" name="Picture 5"/>
+          <p:cNvPicPr>
+            <a:picLocks noChangeAspect="1"/>
+          </p:cNvPicPr>
+          <p:nvPr/>
+        </p:nvPicPr>
+        <p:blipFill>
+          <a:blip r:embed="rId3">
+            <a:extLst>
+              <a:ext uri="{28A0092B-C50C-407E-A947-70E740481C1C}">
+                <a14:useLocalDpi xmlns:a14="http://schemas.microsoft.com/office/drawing/2010/main" val="0"/>
+              </a:ext>
+            </a:extLst>
+          </a:blip>
+          <a:stretch>
+            <a:fillRect/>
+          </a:stretch>
+        </p:blipFill>
+        <p:spPr>
+          <a:xfrm>
+            <a:off x="1819275" y="700087"/>
+            <a:ext cx="8553450" cy="5457825"/>
+          </a:xfrm>
+          <a:prstGeom prst="rect">
+            <a:avLst/>
+          </a:prstGeom>
+        </p:spPr>
+      </p:pic>
+      <mc:AlternateContent xmlns:mc="http://schemas.openxmlformats.org/markup-compatibility/2006">
+        <mc:Choice xmlns:a14="http://schemas.microsoft.com/office/drawing/2010/main" Requires="a14">
+          <p:sp>
+            <p:nvSpPr>
+              <p:cNvPr id="7" name="TextBox 6"/>
+              <p:cNvSpPr txBox="1"/>
+              <p:nvPr/>
+            </p:nvSpPr>
+            <p:spPr>
+              <a:xfrm>
+                <a:off x="8920084" y="5872657"/>
+                <a:ext cx="657467" cy="215444"/>
+              </a:xfrm>
+              <a:prstGeom prst="rect">
+                <a:avLst/>
+              </a:prstGeom>
+              <a:noFill/>
+            </p:spPr>
+            <p:txBody>
+              <a:bodyPr wrap="square" lIns="0" tIns="0" rIns="0" bIns="0" rtlCol="0">
+                <a:spAutoFit/>
+              </a:bodyPr>
+              <a:lstStyle/>
+              <a:p>
+                <a14:m>
+                  <m:oMathPara xmlns:m="http://schemas.openxmlformats.org/officeDocument/2006/math">
+                    <m:oMathParaPr>
+                      <m:jc m:val="centerGroup"/>
+                    </m:oMathParaPr>
+                    <m:oMath xmlns:m="http://schemas.openxmlformats.org/officeDocument/2006/math">
+                      <m:r>
+                        <a:rPr lang="en-US" sz="1400" b="0" i="1" smtClean="0">
+                          <a:latin typeface="Cambria Math" panose="02040503050406030204" pitchFamily="18" charset="0"/>
+                        </a:rPr>
+                        <m:t>|</m:t>
+                      </m:r>
+                      <m:r>
+                        <a:rPr lang="en-US" sz="1400" b="0" i="1" smtClean="0">
+                          <a:latin typeface="Cambria Math" panose="02040503050406030204" pitchFamily="18" charset="0"/>
+                        </a:rPr>
+                        <m:t>𝑐𝑜𝑠</m:t>
+                      </m:r>
+                      <m:sSup>
+                        <m:sSupPr>
+                          <m:ctrlPr>
+                            <a:rPr lang="el-GR" sz="1400" b="0" i="1" smtClean="0">
+                              <a:latin typeface="Cambria Math" panose="02040503050406030204" pitchFamily="18" charset="0"/>
+                            </a:rPr>
+                          </m:ctrlPr>
+                        </m:sSupPr>
+                        <m:e>
+                          <m:r>
+                            <a:rPr lang="el-GR" sz="1400" b="0" i="1" smtClean="0">
+                              <a:latin typeface="Cambria Math" panose="02040503050406030204" pitchFamily="18" charset="0"/>
+                            </a:rPr>
+                            <m:t>𝜃</m:t>
+                          </m:r>
+                        </m:e>
+                        <m:sup>
+                          <m:r>
+                            <a:rPr lang="el-GR" sz="1400" b="0" i="1" smtClean="0">
+                              <a:latin typeface="Cambria Math" panose="02040503050406030204" pitchFamily="18" charset="0"/>
+                            </a:rPr>
+                            <m:t>∗</m:t>
+                          </m:r>
+                        </m:sup>
+                      </m:sSup>
+                      <m:r>
+                        <a:rPr lang="en-US" sz="1400" b="0" i="1" smtClean="0">
+                          <a:latin typeface="Cambria Math" panose="02040503050406030204" pitchFamily="18" charset="0"/>
+                        </a:rPr>
+                        <m:t>|</m:t>
+                      </m:r>
+                    </m:oMath>
+                  </m:oMathPara>
+                </a14:m>
+                <a:endParaRPr lang="en-GB" sz="1400" dirty="0"/>
+              </a:p>
+            </p:txBody>
+          </p:sp>
+        </mc:Choice>
+        <mc:Fallback>
+          <p:sp>
+            <p:nvSpPr>
+              <p:cNvPr id="7" name="TextBox 6"/>
+              <p:cNvSpPr txBox="1">
+                <a:spLocks noRot="1" noChangeAspect="1" noMove="1" noResize="1" noEditPoints="1" noAdjustHandles="1" noChangeArrowheads="1" noChangeShapeType="1" noTextEdit="1"/>
+              </p:cNvSpPr>
+              <p:nvPr/>
+            </p:nvSpPr>
+            <p:spPr>
+              <a:xfrm>
+                <a:off x="8920084" y="5872657"/>
+                <a:ext cx="657467" cy="215444"/>
+              </a:xfrm>
+              <a:prstGeom prst="rect">
+                <a:avLst/>
+              </a:prstGeom>
+              <a:blipFill>
+                <a:blip r:embed="rId4"/>
+                <a:stretch>
+                  <a:fillRect l="-3704" r="-4630" b="-30556"/>
+                </a:stretch>
+              </a:blipFill>
+            </p:spPr>
+            <p:txBody>
+              <a:bodyPr/>
+              <a:lstStyle/>
+              <a:p>
+                <a:r>
+                  <a:rPr lang="en-GB">
+                    <a:noFill/>
+                  </a:rPr>
+                  <a:t> </a:t>
+                </a:r>
+              </a:p>
+            </p:txBody>
+          </p:sp>
+        </mc:Fallback>
+      </mc:AlternateContent>
+      <p:sp>
+        <p:nvSpPr>
+          <p:cNvPr id="8" name="Slide Number Placeholder 7"/>
+          <p:cNvSpPr>
+            <a:spLocks noGrp="1"/>
+          </p:cNvSpPr>
+          <p:nvPr>
+            <p:ph type="sldNum" sz="quarter" idx="12"/>
+          </p:nvPr>
+        </p:nvSpPr>
+        <p:spPr/>
+        <p:txBody>
+          <a:bodyPr/>
+          <a:lstStyle/>
+          <a:p>
+            <a:fld id="{AEEFAC8D-0A19-DC49-9F7A-4BFCAD95B105}" type="slidenum">
+              <a:rPr lang="en-US" smtClean="0"/>
+              <a:t>31</a:t>
+            </a:fld>
+            <a:endParaRPr lang="en-US"/>
+          </a:p>
+        </p:txBody>
+      </p:sp>
+    </p:spTree>
+    <p:extLst>
+      <p:ext uri="{BB962C8B-B14F-4D97-AF65-F5344CB8AC3E}">
+        <p14:creationId xmlns:p14="http://schemas.microsoft.com/office/powerpoint/2010/main" val="4172189471"/>
+      </p:ext>
+    </p:extLst>
+  </p:cSld>
+  <p:clrMapOvr>
+    <a:masterClrMapping/>
+  </p:clrMapOvr>
+</p:sld>
+</file>
+
+<file path=ppt/slides/slide32.xml><?xml version="1.0" encoding="utf-8"?>
+<p:sld xmlns:a="http://schemas.openxmlformats.org/drawingml/2006/main" xmlns:r="http://schemas.openxmlformats.org/officeDocument/2006/relationships" xmlns:p="http://schemas.openxmlformats.org/presentationml/2006/main">
+  <p:cSld>
+    <p:spTree>
+      <p:nvGrpSpPr>
+        <p:cNvPr id="1" name=""/>
+        <p:cNvGrpSpPr/>
+        <p:nvPr/>
+      </p:nvGrpSpPr>
+      <p:grpSpPr>
+        <a:xfrm>
+          <a:off x="0" y="0"/>
+          <a:ext cx="0" cy="0"/>
+          <a:chOff x="0" y="0"/>
+          <a:chExt cx="0" cy="0"/>
+        </a:xfrm>
+      </p:grpSpPr>
+      <p:sp>
+        <p:nvSpPr>
+          <p:cNvPr id="2" name="Date Placeholder 1"/>
+          <p:cNvSpPr>
+            <a:spLocks noGrp="1"/>
+          </p:cNvSpPr>
+          <p:nvPr>
+            <p:ph type="dt" sz="half" idx="10"/>
+          </p:nvPr>
+        </p:nvSpPr>
+        <p:spPr/>
+        <p:txBody>
+          <a:bodyPr/>
+          <a:lstStyle/>
+          <a:p>
+            <a:fld id="{54506A4B-DEEA-4675-8707-E35E23385827}" type="datetime3">
+              <a:rPr lang="en-US" smtClean="0"/>
+              <a:t>22 May 2019</a:t>
+            </a:fld>
+            <a:endParaRPr lang="en-US"/>
+          </a:p>
+        </p:txBody>
+      </p:sp>
+      <p:sp>
+        <p:nvSpPr>
+          <p:cNvPr id="3" name="Footer Placeholder 2"/>
+          <p:cNvSpPr>
+            <a:spLocks noGrp="1"/>
+          </p:cNvSpPr>
+          <p:nvPr>
+            <p:ph type="ftr" sz="quarter" idx="11"/>
+          </p:nvPr>
+        </p:nvSpPr>
+        <p:spPr/>
+        <p:txBody>
+          <a:bodyPr/>
+          <a:lstStyle/>
+          <a:p>
+            <a:r>
+              <a:rPr lang="fi-FI"/>
+              <a:t>NTUA, G. Bakas</a:t>
+            </a:r>
+            <a:endParaRPr lang="en-US"/>
+          </a:p>
+        </p:txBody>
+      </p:sp>
+      <p:sp>
+        <p:nvSpPr>
+          <p:cNvPr id="5" name="TextBox 4"/>
+          <p:cNvSpPr txBox="1"/>
+          <p:nvPr/>
+        </p:nvSpPr>
+        <p:spPr>
+          <a:xfrm>
+            <a:off x="233265" y="155941"/>
+            <a:ext cx="11243388" cy="369332"/>
+          </a:xfrm>
+          <a:prstGeom prst="rect">
+            <a:avLst/>
+          </a:prstGeom>
+          <a:noFill/>
+        </p:spPr>
+        <p:txBody>
+          <a:bodyPr wrap="square" rtlCol="0">
+            <a:spAutoFit/>
+          </a:bodyPr>
+          <a:lstStyle/>
+          <a:p>
+            <a:pPr algn="ctr"/>
+            <a:r>
+              <a:rPr lang="en-US" dirty="0" smtClean="0"/>
+              <a:t>|cos</a:t>
+            </a:r>
+            <a:r>
+              <a:rPr lang="el-GR" dirty="0" smtClean="0"/>
+              <a:t>θ*</a:t>
+            </a:r>
+            <a:r>
+              <a:rPr lang="en-US" dirty="0" smtClean="0"/>
+              <a:t>|</a:t>
+            </a:r>
+            <a:r>
+              <a:rPr lang="en-US" dirty="0" smtClean="0"/>
+              <a:t> </a:t>
+            </a:r>
+            <a:r>
+              <a:rPr lang="en-US" dirty="0"/>
+              <a:t>distribution for </a:t>
+            </a:r>
+            <a:r>
+              <a:rPr lang="en-US" dirty="0" err="1"/>
+              <a:t>Mtt</a:t>
+            </a:r>
+            <a:r>
+              <a:rPr lang="en-US" dirty="0"/>
+              <a:t> sample (1000-Inf) and </a:t>
+            </a:r>
+            <a:r>
+              <a:rPr lang="en-US" dirty="0" err="1"/>
+              <a:t>Zprime</a:t>
+            </a:r>
+            <a:r>
+              <a:rPr lang="en-US" dirty="0"/>
+              <a:t> samples with M</a:t>
+            </a:r>
+            <a:r>
+              <a:rPr lang="en-US" baseline="-25000" dirty="0"/>
+              <a:t>Z’ </a:t>
+            </a:r>
+            <a:r>
+              <a:rPr lang="en-US" dirty="0"/>
+              <a:t> </a:t>
+            </a:r>
+            <a:r>
+              <a:rPr lang="en-US"/>
+              <a:t>= </a:t>
+            </a:r>
+            <a:r>
+              <a:rPr lang="en-US"/>
+              <a:t>4</a:t>
+            </a:r>
+            <a:r>
+              <a:rPr lang="en-US" smtClean="0"/>
+              <a:t>TeV </a:t>
+            </a:r>
+            <a:r>
+              <a:rPr lang="en-US" dirty="0"/>
+              <a:t>and different widths </a:t>
+            </a:r>
+            <a:endParaRPr lang="en-GB" dirty="0"/>
+          </a:p>
+        </p:txBody>
+      </p:sp>
+      <p:pic>
+        <p:nvPicPr>
+          <p:cNvPr id="4" name="Picture 3"/>
+          <p:cNvPicPr>
+            <a:picLocks noChangeAspect="1"/>
+          </p:cNvPicPr>
+          <p:nvPr/>
+        </p:nvPicPr>
+        <p:blipFill>
+          <a:blip r:embed="rId3">
+            <a:extLst>
+              <a:ext uri="{28A0092B-C50C-407E-A947-70E740481C1C}">
+                <a14:useLocalDpi xmlns:a14="http://schemas.microsoft.com/office/drawing/2010/main" val="0"/>
+              </a:ext>
+            </a:extLst>
+          </a:blip>
+          <a:stretch>
+            <a:fillRect/>
+          </a:stretch>
+        </p:blipFill>
+        <p:spPr>
+          <a:xfrm>
+            <a:off x="1819275" y="700087"/>
+            <a:ext cx="8553450" cy="5457825"/>
+          </a:xfrm>
+          <a:prstGeom prst="rect">
+            <a:avLst/>
+          </a:prstGeom>
+        </p:spPr>
+      </p:pic>
+      <mc:AlternateContent xmlns:mc="http://schemas.openxmlformats.org/markup-compatibility/2006">
+        <mc:Choice xmlns:a14="http://schemas.microsoft.com/office/drawing/2010/main" Requires="a14">
+          <p:sp>
+            <p:nvSpPr>
+              <p:cNvPr id="6" name="TextBox 5"/>
+              <p:cNvSpPr txBox="1"/>
+              <p:nvPr/>
+            </p:nvSpPr>
+            <p:spPr>
+              <a:xfrm>
+                <a:off x="8920084" y="5872657"/>
+                <a:ext cx="657467" cy="215444"/>
+              </a:xfrm>
+              <a:prstGeom prst="rect">
+                <a:avLst/>
+              </a:prstGeom>
+              <a:noFill/>
+            </p:spPr>
+            <p:txBody>
+              <a:bodyPr wrap="square" lIns="0" tIns="0" rIns="0" bIns="0" rtlCol="0">
+                <a:spAutoFit/>
+              </a:bodyPr>
+              <a:lstStyle/>
+              <a:p>
+                <a14:m>
+                  <m:oMathPara xmlns:m="http://schemas.openxmlformats.org/officeDocument/2006/math">
+                    <m:oMathParaPr>
+                      <m:jc m:val="centerGroup"/>
+                    </m:oMathParaPr>
+                    <m:oMath xmlns:m="http://schemas.openxmlformats.org/officeDocument/2006/math">
+                      <m:r>
+                        <a:rPr lang="en-US" sz="1400" b="0" i="1" smtClean="0">
+                          <a:latin typeface="Cambria Math" panose="02040503050406030204" pitchFamily="18" charset="0"/>
+                        </a:rPr>
+                        <m:t>|</m:t>
+                      </m:r>
+                      <m:r>
+                        <a:rPr lang="en-US" sz="1400" b="0" i="1" smtClean="0">
+                          <a:latin typeface="Cambria Math" panose="02040503050406030204" pitchFamily="18" charset="0"/>
+                        </a:rPr>
+                        <m:t>𝑐𝑜𝑠</m:t>
+                      </m:r>
+                      <m:sSup>
+                        <m:sSupPr>
+                          <m:ctrlPr>
+                            <a:rPr lang="el-GR" sz="1400" b="0" i="1" smtClean="0">
+                              <a:latin typeface="Cambria Math" panose="02040503050406030204" pitchFamily="18" charset="0"/>
+                            </a:rPr>
+                          </m:ctrlPr>
+                        </m:sSupPr>
+                        <m:e>
+                          <m:r>
+                            <a:rPr lang="el-GR" sz="1400" b="0" i="1" smtClean="0">
+                              <a:latin typeface="Cambria Math" panose="02040503050406030204" pitchFamily="18" charset="0"/>
+                            </a:rPr>
+                            <m:t>𝜃</m:t>
+                          </m:r>
+                        </m:e>
+                        <m:sup>
+                          <m:r>
+                            <a:rPr lang="el-GR" sz="1400" b="0" i="1" smtClean="0">
+                              <a:latin typeface="Cambria Math" panose="02040503050406030204" pitchFamily="18" charset="0"/>
+                            </a:rPr>
+                            <m:t>∗</m:t>
+                          </m:r>
+                        </m:sup>
+                      </m:sSup>
+                      <m:r>
+                        <a:rPr lang="en-US" sz="1400" b="0" i="1" smtClean="0">
+                          <a:latin typeface="Cambria Math" panose="02040503050406030204" pitchFamily="18" charset="0"/>
+                        </a:rPr>
+                        <m:t>|</m:t>
+                      </m:r>
+                    </m:oMath>
+                  </m:oMathPara>
+                </a14:m>
+                <a:endParaRPr lang="en-GB" sz="1400" dirty="0"/>
+              </a:p>
+            </p:txBody>
+          </p:sp>
+        </mc:Choice>
+        <mc:Fallback>
+          <p:sp>
+            <p:nvSpPr>
+              <p:cNvPr id="6" name="TextBox 5"/>
+              <p:cNvSpPr txBox="1">
+                <a:spLocks noRot="1" noChangeAspect="1" noMove="1" noResize="1" noEditPoints="1" noAdjustHandles="1" noChangeArrowheads="1" noChangeShapeType="1" noTextEdit="1"/>
+              </p:cNvSpPr>
+              <p:nvPr/>
+            </p:nvSpPr>
+            <p:spPr>
+              <a:xfrm>
+                <a:off x="8920084" y="5872657"/>
+                <a:ext cx="657467" cy="215444"/>
+              </a:xfrm>
+              <a:prstGeom prst="rect">
+                <a:avLst/>
+              </a:prstGeom>
+              <a:blipFill>
+                <a:blip r:embed="rId4"/>
+                <a:stretch>
+                  <a:fillRect l="-3704" r="-4630" b="-30556"/>
+                </a:stretch>
+              </a:blipFill>
+            </p:spPr>
+            <p:txBody>
+              <a:bodyPr/>
+              <a:lstStyle/>
+              <a:p>
+                <a:r>
+                  <a:rPr lang="en-GB">
+                    <a:noFill/>
+                  </a:rPr>
+                  <a:t> </a:t>
+                </a:r>
+              </a:p>
+            </p:txBody>
+          </p:sp>
+        </mc:Fallback>
+      </mc:AlternateContent>
+      <p:sp>
+        <p:nvSpPr>
+          <p:cNvPr id="7" name="Slide Number Placeholder 6"/>
+          <p:cNvSpPr>
+            <a:spLocks noGrp="1"/>
+          </p:cNvSpPr>
+          <p:nvPr>
+            <p:ph type="sldNum" sz="quarter" idx="12"/>
+          </p:nvPr>
+        </p:nvSpPr>
+        <p:spPr/>
+        <p:txBody>
+          <a:bodyPr/>
+          <a:lstStyle/>
+          <a:p>
+            <a:fld id="{AEEFAC8D-0A19-DC49-9F7A-4BFCAD95B105}" type="slidenum">
+              <a:rPr lang="en-US" smtClean="0"/>
+              <a:t>32</a:t>
+            </a:fld>
+            <a:endParaRPr lang="en-US"/>
+          </a:p>
+        </p:txBody>
+      </p:sp>
+    </p:spTree>
+    <p:extLst>
+      <p:ext uri="{BB962C8B-B14F-4D97-AF65-F5344CB8AC3E}">
+        <p14:creationId xmlns:p14="http://schemas.microsoft.com/office/powerpoint/2010/main" val="2564618901"/>
+      </p:ext>
+    </p:extLst>
+  </p:cSld>
+  <p:clrMapOvr>
+    <a:masterClrMapping/>
+  </p:clrMapOvr>
+</p:sld>
+</file>
+
+<file path=ppt/slides/slide33.xml><?xml version="1.0" encoding="utf-8"?>
+<p:sld xmlns:a="http://schemas.openxmlformats.org/drawingml/2006/main" xmlns:r="http://schemas.openxmlformats.org/officeDocument/2006/relationships" xmlns:p="http://schemas.openxmlformats.org/presentationml/2006/main">
+  <p:cSld>
+    <p:spTree>
+      <p:nvGrpSpPr>
+        <p:cNvPr id="1" name=""/>
+        <p:cNvGrpSpPr/>
+        <p:nvPr/>
+      </p:nvGrpSpPr>
+      <p:grpSpPr>
+        <a:xfrm>
+          <a:off x="0" y="0"/>
+          <a:ext cx="0" cy="0"/>
+          <a:chOff x="0" y="0"/>
+          <a:chExt cx="0" cy="0"/>
+        </a:xfrm>
+      </p:grpSpPr>
+      <p:sp>
+        <p:nvSpPr>
+          <p:cNvPr id="2" name="Date Placeholder 1"/>
+          <p:cNvSpPr>
+            <a:spLocks noGrp="1"/>
+          </p:cNvSpPr>
+          <p:nvPr>
+            <p:ph type="dt" sz="half" idx="10"/>
+          </p:nvPr>
+        </p:nvSpPr>
+        <p:spPr/>
+        <p:txBody>
+          <a:bodyPr/>
+          <a:lstStyle/>
+          <a:p>
+            <a:fld id="{19AE5B34-BA08-4526-87D4-C6B426E33711}" type="datetime3">
+              <a:rPr lang="en-US" smtClean="0"/>
+              <a:t>22 May 2019</a:t>
+            </a:fld>
+            <a:endParaRPr lang="en-US"/>
+          </a:p>
+        </p:txBody>
+      </p:sp>
+      <p:sp>
+        <p:nvSpPr>
+          <p:cNvPr id="3" name="Footer Placeholder 2"/>
+          <p:cNvSpPr>
+            <a:spLocks noGrp="1"/>
+          </p:cNvSpPr>
+          <p:nvPr>
+            <p:ph type="ftr" sz="quarter" idx="11"/>
+          </p:nvPr>
+        </p:nvSpPr>
+        <p:spPr/>
+        <p:txBody>
+          <a:bodyPr/>
+          <a:lstStyle/>
+          <a:p>
+            <a:r>
+              <a:rPr lang="fi-FI"/>
+              <a:t>NTUA, G. Bakas</a:t>
+            </a:r>
+            <a:endParaRPr lang="en-US"/>
+          </a:p>
+        </p:txBody>
+      </p:sp>
+      <p:sp>
+        <p:nvSpPr>
+          <p:cNvPr id="5" name="TextBox 4"/>
+          <p:cNvSpPr txBox="1"/>
+          <p:nvPr/>
+        </p:nvSpPr>
+        <p:spPr>
+          <a:xfrm>
+            <a:off x="233265" y="155941"/>
+            <a:ext cx="11243388" cy="369332"/>
+          </a:xfrm>
+          <a:prstGeom prst="rect">
+            <a:avLst/>
+          </a:prstGeom>
+          <a:noFill/>
+        </p:spPr>
+        <p:txBody>
+          <a:bodyPr wrap="square" rtlCol="0">
+            <a:spAutoFit/>
+          </a:bodyPr>
+          <a:lstStyle/>
+          <a:p>
+            <a:pPr algn="ctr"/>
+            <a:r>
+              <a:rPr lang="en-US" dirty="0" smtClean="0"/>
+              <a:t>|cos</a:t>
+            </a:r>
+            <a:r>
+              <a:rPr lang="el-GR" dirty="0" smtClean="0"/>
+              <a:t>θ*</a:t>
+            </a:r>
+            <a:r>
+              <a:rPr lang="en-US" dirty="0" smtClean="0"/>
+              <a:t>|</a:t>
+            </a:r>
+            <a:r>
+              <a:rPr lang="en-US" dirty="0" smtClean="0"/>
+              <a:t> </a:t>
+            </a:r>
+            <a:r>
+              <a:rPr lang="en-US" dirty="0"/>
+              <a:t>distribution for </a:t>
+            </a:r>
+            <a:r>
+              <a:rPr lang="en-US" dirty="0" err="1"/>
+              <a:t>Mtt</a:t>
+            </a:r>
+            <a:r>
+              <a:rPr lang="en-US" dirty="0"/>
+              <a:t> sample (1000-Inf) and </a:t>
+            </a:r>
+            <a:r>
+              <a:rPr lang="en-US" dirty="0" err="1"/>
+              <a:t>Zprime</a:t>
+            </a:r>
+            <a:r>
+              <a:rPr lang="en-US" dirty="0"/>
+              <a:t> samples with M</a:t>
+            </a:r>
+            <a:r>
+              <a:rPr lang="en-US" baseline="-25000" dirty="0"/>
+              <a:t>Z’ </a:t>
+            </a:r>
+            <a:r>
+              <a:rPr lang="en-US" dirty="0"/>
+              <a:t> = </a:t>
+            </a:r>
+            <a:r>
+              <a:rPr lang="en-US" dirty="0" smtClean="0"/>
+              <a:t>5TeV </a:t>
+            </a:r>
+            <a:r>
+              <a:rPr lang="en-US" dirty="0"/>
+              <a:t>and different widths </a:t>
+            </a:r>
+            <a:endParaRPr lang="en-GB" dirty="0"/>
+          </a:p>
+        </p:txBody>
+      </p:sp>
+      <p:pic>
+        <p:nvPicPr>
+          <p:cNvPr id="6" name="Picture 5"/>
+          <p:cNvPicPr>
+            <a:picLocks noChangeAspect="1"/>
+          </p:cNvPicPr>
+          <p:nvPr/>
+        </p:nvPicPr>
+        <p:blipFill>
+          <a:blip r:embed="rId3">
+            <a:extLst>
+              <a:ext uri="{28A0092B-C50C-407E-A947-70E740481C1C}">
+                <a14:useLocalDpi xmlns:a14="http://schemas.microsoft.com/office/drawing/2010/main" val="0"/>
+              </a:ext>
+            </a:extLst>
+          </a:blip>
+          <a:stretch>
+            <a:fillRect/>
+          </a:stretch>
+        </p:blipFill>
+        <p:spPr>
+          <a:xfrm>
+            <a:off x="1819275" y="700087"/>
+            <a:ext cx="8553450" cy="5457825"/>
+          </a:xfrm>
+          <a:prstGeom prst="rect">
+            <a:avLst/>
+          </a:prstGeom>
+        </p:spPr>
+      </p:pic>
+      <mc:AlternateContent xmlns:mc="http://schemas.openxmlformats.org/markup-compatibility/2006">
+        <mc:Choice xmlns:a14="http://schemas.microsoft.com/office/drawing/2010/main" Requires="a14">
+          <p:sp>
+            <p:nvSpPr>
+              <p:cNvPr id="7" name="TextBox 6"/>
+              <p:cNvSpPr txBox="1"/>
+              <p:nvPr/>
+            </p:nvSpPr>
+            <p:spPr>
+              <a:xfrm>
+                <a:off x="8920084" y="5872657"/>
+                <a:ext cx="657467" cy="215444"/>
+              </a:xfrm>
+              <a:prstGeom prst="rect">
+                <a:avLst/>
+              </a:prstGeom>
+              <a:noFill/>
+            </p:spPr>
+            <p:txBody>
+              <a:bodyPr wrap="square" lIns="0" tIns="0" rIns="0" bIns="0" rtlCol="0">
+                <a:spAutoFit/>
+              </a:bodyPr>
+              <a:lstStyle/>
+              <a:p>
+                <a14:m>
+                  <m:oMathPara xmlns:m="http://schemas.openxmlformats.org/officeDocument/2006/math">
+                    <m:oMathParaPr>
+                      <m:jc m:val="centerGroup"/>
+                    </m:oMathParaPr>
+                    <m:oMath xmlns:m="http://schemas.openxmlformats.org/officeDocument/2006/math">
+                      <m:r>
+                        <a:rPr lang="en-US" sz="1400" b="0" i="1" smtClean="0">
+                          <a:latin typeface="Cambria Math" panose="02040503050406030204" pitchFamily="18" charset="0"/>
+                        </a:rPr>
+                        <m:t>|</m:t>
+                      </m:r>
+                      <m:r>
+                        <a:rPr lang="en-US" sz="1400" b="0" i="1" smtClean="0">
+                          <a:latin typeface="Cambria Math" panose="02040503050406030204" pitchFamily="18" charset="0"/>
+                        </a:rPr>
+                        <m:t>𝑐𝑜𝑠</m:t>
+                      </m:r>
+                      <m:sSup>
+                        <m:sSupPr>
+                          <m:ctrlPr>
+                            <a:rPr lang="el-GR" sz="1400" b="0" i="1" smtClean="0">
+                              <a:latin typeface="Cambria Math" panose="02040503050406030204" pitchFamily="18" charset="0"/>
+                            </a:rPr>
+                          </m:ctrlPr>
+                        </m:sSupPr>
+                        <m:e>
+                          <m:r>
+                            <a:rPr lang="el-GR" sz="1400" b="0" i="1" smtClean="0">
+                              <a:latin typeface="Cambria Math" panose="02040503050406030204" pitchFamily="18" charset="0"/>
+                            </a:rPr>
+                            <m:t>𝜃</m:t>
+                          </m:r>
+                        </m:e>
+                        <m:sup>
+                          <m:r>
+                            <a:rPr lang="el-GR" sz="1400" b="0" i="1" smtClean="0">
+                              <a:latin typeface="Cambria Math" panose="02040503050406030204" pitchFamily="18" charset="0"/>
+                            </a:rPr>
+                            <m:t>∗</m:t>
+                          </m:r>
+                        </m:sup>
+                      </m:sSup>
+                      <m:r>
+                        <a:rPr lang="en-US" sz="1400" b="0" i="1" smtClean="0">
+                          <a:latin typeface="Cambria Math" panose="02040503050406030204" pitchFamily="18" charset="0"/>
+                        </a:rPr>
+                        <m:t>|</m:t>
+                      </m:r>
+                    </m:oMath>
+                  </m:oMathPara>
+                </a14:m>
+                <a:endParaRPr lang="en-GB" sz="1400" dirty="0"/>
+              </a:p>
+            </p:txBody>
+          </p:sp>
+        </mc:Choice>
+        <mc:Fallback>
+          <p:sp>
+            <p:nvSpPr>
+              <p:cNvPr id="7" name="TextBox 6"/>
+              <p:cNvSpPr txBox="1">
+                <a:spLocks noRot="1" noChangeAspect="1" noMove="1" noResize="1" noEditPoints="1" noAdjustHandles="1" noChangeArrowheads="1" noChangeShapeType="1" noTextEdit="1"/>
+              </p:cNvSpPr>
+              <p:nvPr/>
+            </p:nvSpPr>
+            <p:spPr>
+              <a:xfrm>
+                <a:off x="8920084" y="5872657"/>
+                <a:ext cx="657467" cy="215444"/>
+              </a:xfrm>
+              <a:prstGeom prst="rect">
+                <a:avLst/>
+              </a:prstGeom>
+              <a:blipFill>
+                <a:blip r:embed="rId4"/>
+                <a:stretch>
+                  <a:fillRect l="-3704" r="-4630" b="-30556"/>
+                </a:stretch>
+              </a:blipFill>
+            </p:spPr>
+            <p:txBody>
+              <a:bodyPr/>
+              <a:lstStyle/>
+              <a:p>
+                <a:r>
+                  <a:rPr lang="en-GB">
+                    <a:noFill/>
+                  </a:rPr>
+                  <a:t> </a:t>
+                </a:r>
+              </a:p>
+            </p:txBody>
+          </p:sp>
+        </mc:Fallback>
+      </mc:AlternateContent>
+      <p:sp>
+        <p:nvSpPr>
+          <p:cNvPr id="8" name="Slide Number Placeholder 7"/>
+          <p:cNvSpPr>
+            <a:spLocks noGrp="1"/>
+          </p:cNvSpPr>
+          <p:nvPr>
+            <p:ph type="sldNum" sz="quarter" idx="12"/>
+          </p:nvPr>
+        </p:nvSpPr>
+        <p:spPr/>
+        <p:txBody>
+          <a:bodyPr/>
+          <a:lstStyle/>
+          <a:p>
+            <a:fld id="{AEEFAC8D-0A19-DC49-9F7A-4BFCAD95B105}" type="slidenum">
+              <a:rPr lang="en-US" smtClean="0"/>
+              <a:t>33</a:t>
+            </a:fld>
+            <a:endParaRPr lang="en-US"/>
+          </a:p>
+        </p:txBody>
+      </p:sp>
+    </p:spTree>
+    <p:extLst>
+      <p:ext uri="{BB962C8B-B14F-4D97-AF65-F5344CB8AC3E}">
+        <p14:creationId xmlns:p14="http://schemas.microsoft.com/office/powerpoint/2010/main" val="2573124294"/>
+      </p:ext>
+    </p:extLst>
+  </p:cSld>
+  <p:clrMapOvr>
+    <a:masterClrMapping/>
+  </p:clrMapOvr>
+</p:sld>
+</file>
+
+<file path=ppt/slides/slide34.xml><?xml version="1.0" encoding="utf-8"?>
+<p:sld xmlns:a="http://schemas.openxmlformats.org/drawingml/2006/main" xmlns:r="http://schemas.openxmlformats.org/officeDocument/2006/relationships" xmlns:p="http://schemas.openxmlformats.org/presentationml/2006/main">
+  <p:cSld>
+    <p:spTree>
+      <p:nvGrpSpPr>
+        <p:cNvPr id="1" name=""/>
+        <p:cNvGrpSpPr/>
+        <p:nvPr/>
+      </p:nvGrpSpPr>
+      <p:grpSpPr>
+        <a:xfrm>
+          <a:off x="0" y="0"/>
+          <a:ext cx="0" cy="0"/>
+          <a:chOff x="0" y="0"/>
+          <a:chExt cx="0" cy="0"/>
+        </a:xfrm>
+      </p:grpSpPr>
+      <p:sp>
+        <p:nvSpPr>
+          <p:cNvPr id="2" name="Date Placeholder 1"/>
+          <p:cNvSpPr>
+            <a:spLocks noGrp="1"/>
+          </p:cNvSpPr>
+          <p:nvPr>
+            <p:ph type="dt" sz="half" idx="10"/>
+          </p:nvPr>
+        </p:nvSpPr>
+        <p:spPr/>
+        <p:txBody>
+          <a:bodyPr/>
+          <a:lstStyle/>
+          <a:p>
+            <a:fld id="{D1ECCC8B-8E42-4063-BB54-EDDF2D696DA7}" type="datetime3">
+              <a:rPr lang="en-US" smtClean="0"/>
+              <a:t>22 May 2019</a:t>
+            </a:fld>
+            <a:endParaRPr lang="en-US"/>
+          </a:p>
+        </p:txBody>
+      </p:sp>
+      <p:sp>
+        <p:nvSpPr>
+          <p:cNvPr id="3" name="Footer Placeholder 2"/>
+          <p:cNvSpPr>
+            <a:spLocks noGrp="1"/>
+          </p:cNvSpPr>
+          <p:nvPr>
+            <p:ph type="ftr" sz="quarter" idx="11"/>
+          </p:nvPr>
+        </p:nvSpPr>
+        <p:spPr/>
+        <p:txBody>
+          <a:bodyPr/>
+          <a:lstStyle/>
+          <a:p>
+            <a:r>
+              <a:rPr lang="fi-FI"/>
+              <a:t>NTUA, G. Bakas</a:t>
+            </a:r>
+            <a:endParaRPr lang="en-US"/>
+          </a:p>
+        </p:txBody>
+      </p:sp>
+      <p:sp>
+        <p:nvSpPr>
+          <p:cNvPr id="5" name="TextBox 4"/>
+          <p:cNvSpPr txBox="1"/>
+          <p:nvPr/>
+        </p:nvSpPr>
+        <p:spPr>
+          <a:xfrm>
+            <a:off x="233265" y="155941"/>
+            <a:ext cx="11243388" cy="369332"/>
+          </a:xfrm>
+          <a:prstGeom prst="rect">
+            <a:avLst/>
+          </a:prstGeom>
+          <a:noFill/>
+        </p:spPr>
+        <p:txBody>
+          <a:bodyPr wrap="square" rtlCol="0">
+            <a:spAutoFit/>
+          </a:bodyPr>
+          <a:lstStyle/>
+          <a:p>
+            <a:pPr algn="ctr"/>
+            <a:r>
+              <a:rPr lang="en-US" dirty="0" smtClean="0"/>
+              <a:t>|cos</a:t>
+            </a:r>
+            <a:r>
+              <a:rPr lang="el-GR" dirty="0" smtClean="0"/>
+              <a:t>θ*</a:t>
+            </a:r>
+            <a:r>
+              <a:rPr lang="en-US" dirty="0" smtClean="0"/>
+              <a:t>|</a:t>
+            </a:r>
+            <a:r>
+              <a:rPr lang="en-US" dirty="0" smtClean="0"/>
+              <a:t> </a:t>
+            </a:r>
+            <a:r>
+              <a:rPr lang="en-US" dirty="0"/>
+              <a:t>distribution for </a:t>
+            </a:r>
+            <a:r>
+              <a:rPr lang="en-US" dirty="0" err="1"/>
+              <a:t>Mtt</a:t>
+            </a:r>
+            <a:r>
+              <a:rPr lang="en-US" dirty="0"/>
+              <a:t> sample (1000-Inf) and </a:t>
+            </a:r>
+            <a:r>
+              <a:rPr lang="en-US" dirty="0" err="1"/>
+              <a:t>Zprime</a:t>
+            </a:r>
+            <a:r>
+              <a:rPr lang="en-US" dirty="0"/>
+              <a:t> samples with M</a:t>
+            </a:r>
+            <a:r>
+              <a:rPr lang="en-US" baseline="-25000" dirty="0"/>
+              <a:t>Z’ </a:t>
+            </a:r>
+            <a:r>
+              <a:rPr lang="en-US" dirty="0"/>
+              <a:t> </a:t>
+            </a:r>
+            <a:r>
+              <a:rPr lang="en-US"/>
+              <a:t>= </a:t>
+            </a:r>
+            <a:r>
+              <a:rPr lang="en-US" smtClean="0"/>
+              <a:t>5TeV </a:t>
+            </a:r>
+            <a:r>
+              <a:rPr lang="en-US" dirty="0"/>
+              <a:t>and different widths </a:t>
+            </a:r>
+            <a:endParaRPr lang="en-GB" dirty="0"/>
+          </a:p>
+        </p:txBody>
+      </p:sp>
+      <p:pic>
+        <p:nvPicPr>
+          <p:cNvPr id="4" name="Picture 3"/>
+          <p:cNvPicPr>
+            <a:picLocks noChangeAspect="1"/>
+          </p:cNvPicPr>
+          <p:nvPr/>
+        </p:nvPicPr>
+        <p:blipFill>
+          <a:blip r:embed="rId3">
+            <a:extLst>
+              <a:ext uri="{28A0092B-C50C-407E-A947-70E740481C1C}">
+                <a14:useLocalDpi xmlns:a14="http://schemas.microsoft.com/office/drawing/2010/main" val="0"/>
+              </a:ext>
+            </a:extLst>
+          </a:blip>
+          <a:stretch>
+            <a:fillRect/>
+          </a:stretch>
+        </p:blipFill>
+        <p:spPr>
+          <a:xfrm>
+            <a:off x="1819275" y="700087"/>
+            <a:ext cx="8553450" cy="5457825"/>
+          </a:xfrm>
+          <a:prstGeom prst="rect">
+            <a:avLst/>
+          </a:prstGeom>
+        </p:spPr>
+      </p:pic>
+      <mc:AlternateContent xmlns:mc="http://schemas.openxmlformats.org/markup-compatibility/2006">
+        <mc:Choice xmlns:a14="http://schemas.microsoft.com/office/drawing/2010/main" Requires="a14">
+          <p:sp>
+            <p:nvSpPr>
+              <p:cNvPr id="6" name="TextBox 5"/>
+              <p:cNvSpPr txBox="1"/>
+              <p:nvPr/>
+            </p:nvSpPr>
+            <p:spPr>
+              <a:xfrm>
+                <a:off x="8920084" y="5872657"/>
+                <a:ext cx="657467" cy="215444"/>
+              </a:xfrm>
+              <a:prstGeom prst="rect">
+                <a:avLst/>
+              </a:prstGeom>
+              <a:noFill/>
+            </p:spPr>
+            <p:txBody>
+              <a:bodyPr wrap="square" lIns="0" tIns="0" rIns="0" bIns="0" rtlCol="0">
+                <a:spAutoFit/>
+              </a:bodyPr>
+              <a:lstStyle/>
+              <a:p>
+                <a14:m>
+                  <m:oMathPara xmlns:m="http://schemas.openxmlformats.org/officeDocument/2006/math">
+                    <m:oMathParaPr>
+                      <m:jc m:val="centerGroup"/>
+                    </m:oMathParaPr>
+                    <m:oMath xmlns:m="http://schemas.openxmlformats.org/officeDocument/2006/math">
+                      <m:r>
+                        <a:rPr lang="en-US" sz="1400" b="0" i="1" smtClean="0">
+                          <a:latin typeface="Cambria Math" panose="02040503050406030204" pitchFamily="18" charset="0"/>
+                        </a:rPr>
+                        <m:t>|</m:t>
+                      </m:r>
+                      <m:r>
+                        <a:rPr lang="en-US" sz="1400" b="0" i="1" smtClean="0">
+                          <a:latin typeface="Cambria Math" panose="02040503050406030204" pitchFamily="18" charset="0"/>
+                        </a:rPr>
+                        <m:t>𝑐𝑜𝑠</m:t>
+                      </m:r>
+                      <m:sSup>
+                        <m:sSupPr>
+                          <m:ctrlPr>
+                            <a:rPr lang="el-GR" sz="1400" b="0" i="1" smtClean="0">
+                              <a:latin typeface="Cambria Math" panose="02040503050406030204" pitchFamily="18" charset="0"/>
+                            </a:rPr>
+                          </m:ctrlPr>
+                        </m:sSupPr>
+                        <m:e>
+                          <m:r>
+                            <a:rPr lang="el-GR" sz="1400" b="0" i="1" smtClean="0">
+                              <a:latin typeface="Cambria Math" panose="02040503050406030204" pitchFamily="18" charset="0"/>
+                            </a:rPr>
+                            <m:t>𝜃</m:t>
+                          </m:r>
+                        </m:e>
+                        <m:sup>
+                          <m:r>
+                            <a:rPr lang="el-GR" sz="1400" b="0" i="1" smtClean="0">
+                              <a:latin typeface="Cambria Math" panose="02040503050406030204" pitchFamily="18" charset="0"/>
+                            </a:rPr>
+                            <m:t>∗</m:t>
+                          </m:r>
+                        </m:sup>
+                      </m:sSup>
+                      <m:r>
+                        <a:rPr lang="en-US" sz="1400" b="0" i="1" smtClean="0">
+                          <a:latin typeface="Cambria Math" panose="02040503050406030204" pitchFamily="18" charset="0"/>
+                        </a:rPr>
+                        <m:t>|</m:t>
+                      </m:r>
+                    </m:oMath>
+                  </m:oMathPara>
+                </a14:m>
+                <a:endParaRPr lang="en-GB" sz="1400" dirty="0"/>
+              </a:p>
+            </p:txBody>
+          </p:sp>
+        </mc:Choice>
+        <mc:Fallback>
+          <p:sp>
+            <p:nvSpPr>
+              <p:cNvPr id="6" name="TextBox 5"/>
+              <p:cNvSpPr txBox="1">
+                <a:spLocks noRot="1" noChangeAspect="1" noMove="1" noResize="1" noEditPoints="1" noAdjustHandles="1" noChangeArrowheads="1" noChangeShapeType="1" noTextEdit="1"/>
+              </p:cNvSpPr>
+              <p:nvPr/>
+            </p:nvSpPr>
+            <p:spPr>
+              <a:xfrm>
+                <a:off x="8920084" y="5872657"/>
+                <a:ext cx="657467" cy="215444"/>
+              </a:xfrm>
+              <a:prstGeom prst="rect">
+                <a:avLst/>
+              </a:prstGeom>
+              <a:blipFill>
+                <a:blip r:embed="rId4"/>
+                <a:stretch>
+                  <a:fillRect l="-3704" r="-4630" b="-30556"/>
+                </a:stretch>
+              </a:blipFill>
+            </p:spPr>
+            <p:txBody>
+              <a:bodyPr/>
+              <a:lstStyle/>
+              <a:p>
+                <a:r>
+                  <a:rPr lang="en-GB">
+                    <a:noFill/>
+                  </a:rPr>
+                  <a:t> </a:t>
+                </a:r>
+              </a:p>
+            </p:txBody>
+          </p:sp>
+        </mc:Fallback>
+      </mc:AlternateContent>
+      <p:sp>
+        <p:nvSpPr>
+          <p:cNvPr id="7" name="Slide Number Placeholder 6"/>
+          <p:cNvSpPr>
+            <a:spLocks noGrp="1"/>
+          </p:cNvSpPr>
+          <p:nvPr>
+            <p:ph type="sldNum" sz="quarter" idx="12"/>
+          </p:nvPr>
+        </p:nvSpPr>
+        <p:spPr/>
+        <p:txBody>
+          <a:bodyPr/>
+          <a:lstStyle/>
+          <a:p>
+            <a:fld id="{AEEFAC8D-0A19-DC49-9F7A-4BFCAD95B105}" type="slidenum">
+              <a:rPr lang="en-US" smtClean="0"/>
+              <a:t>34</a:t>
+            </a:fld>
+            <a:endParaRPr lang="en-US"/>
+          </a:p>
+        </p:txBody>
+      </p:sp>
+    </p:spTree>
+    <p:extLst>
+      <p:ext uri="{BB962C8B-B14F-4D97-AF65-F5344CB8AC3E}">
+        <p14:creationId xmlns:p14="http://schemas.microsoft.com/office/powerpoint/2010/main" val="1826052707"/>
+      </p:ext>
+    </p:extLst>
+  </p:cSld>
+  <p:clrMapOvr>
+    <a:masterClrMapping/>
+  </p:clrMapOvr>
+</p:sld>
+</file>
+
+<file path=ppt/slides/slide35.xml><?xml version="1.0" encoding="utf-8"?>
+<p:sld xmlns:a="http://schemas.openxmlformats.org/drawingml/2006/main" xmlns:r="http://schemas.openxmlformats.org/officeDocument/2006/relationships" xmlns:p="http://schemas.openxmlformats.org/presentationml/2006/main">
+  <p:cSld>
+    <p:spTree>
+      <p:nvGrpSpPr>
+        <p:cNvPr id="1" name=""/>
+        <p:cNvGrpSpPr/>
+        <p:nvPr/>
+      </p:nvGrpSpPr>
+      <p:grpSpPr>
+        <a:xfrm>
+          <a:off x="0" y="0"/>
+          <a:ext cx="0" cy="0"/>
+          <a:chOff x="0" y="0"/>
+          <a:chExt cx="0" cy="0"/>
+        </a:xfrm>
+      </p:grpSpPr>
+      <p:sp>
+        <p:nvSpPr>
+          <p:cNvPr id="2" name="Date Placeholder 1"/>
+          <p:cNvSpPr>
+            <a:spLocks noGrp="1"/>
+          </p:cNvSpPr>
+          <p:nvPr>
+            <p:ph type="dt" sz="half" idx="10"/>
+          </p:nvPr>
+        </p:nvSpPr>
+        <p:spPr/>
+        <p:txBody>
+          <a:bodyPr/>
+          <a:lstStyle/>
+          <a:p>
+            <a:fld id="{55291AB7-EA38-45CA-930F-BF5E272AFAF7}" type="datetime3">
+              <a:rPr lang="en-US" smtClean="0"/>
+              <a:t>22 May 2019</a:t>
+            </a:fld>
+            <a:endParaRPr lang="en-US"/>
+          </a:p>
+        </p:txBody>
+      </p:sp>
+      <p:sp>
+        <p:nvSpPr>
+          <p:cNvPr id="3" name="Footer Placeholder 2"/>
+          <p:cNvSpPr>
+            <a:spLocks noGrp="1"/>
+          </p:cNvSpPr>
+          <p:nvPr>
+            <p:ph type="ftr" sz="quarter" idx="11"/>
+          </p:nvPr>
+        </p:nvSpPr>
+        <p:spPr/>
+        <p:txBody>
+          <a:bodyPr/>
+          <a:lstStyle/>
+          <a:p>
+            <a:r>
+              <a:rPr lang="fi-FI"/>
+              <a:t>NTUA, G. Bakas</a:t>
+            </a:r>
+            <a:endParaRPr lang="en-US"/>
+          </a:p>
+        </p:txBody>
+      </p:sp>
+      <p:sp>
+        <p:nvSpPr>
+          <p:cNvPr id="5" name="TextBox 4"/>
+          <p:cNvSpPr txBox="1"/>
+          <p:nvPr/>
+        </p:nvSpPr>
+        <p:spPr>
+          <a:xfrm>
+            <a:off x="233265" y="155941"/>
+            <a:ext cx="11243388" cy="369332"/>
+          </a:xfrm>
+          <a:prstGeom prst="rect">
+            <a:avLst/>
+          </a:prstGeom>
+          <a:noFill/>
+        </p:spPr>
+        <p:txBody>
+          <a:bodyPr wrap="square" rtlCol="0">
+            <a:spAutoFit/>
+          </a:bodyPr>
+          <a:lstStyle/>
+          <a:p>
+            <a:pPr algn="ctr"/>
+            <a:r>
+              <a:rPr lang="en-US" dirty="0" smtClean="0"/>
+              <a:t>|cos</a:t>
+            </a:r>
+            <a:r>
+              <a:rPr lang="el-GR" dirty="0" smtClean="0"/>
+              <a:t>θ*</a:t>
+            </a:r>
+            <a:r>
+              <a:rPr lang="en-US" dirty="0" smtClean="0"/>
+              <a:t>|</a:t>
+            </a:r>
+            <a:r>
+              <a:rPr lang="en-US" dirty="0" smtClean="0"/>
+              <a:t> </a:t>
+            </a:r>
+            <a:r>
+              <a:rPr lang="en-US" dirty="0"/>
+              <a:t>distribution for </a:t>
+            </a:r>
+            <a:r>
+              <a:rPr lang="en-US" dirty="0" err="1"/>
+              <a:t>Mtt</a:t>
+            </a:r>
+            <a:r>
+              <a:rPr lang="en-US" dirty="0"/>
+              <a:t> sample (1000-Inf) and </a:t>
+            </a:r>
+            <a:r>
+              <a:rPr lang="en-US" dirty="0" err="1"/>
+              <a:t>Zprime</a:t>
+            </a:r>
+            <a:r>
+              <a:rPr lang="en-US" dirty="0"/>
+              <a:t> samples with M</a:t>
+            </a:r>
+            <a:r>
+              <a:rPr lang="en-US" baseline="-25000" dirty="0"/>
+              <a:t>Z’ </a:t>
+            </a:r>
+            <a:r>
+              <a:rPr lang="en-US" dirty="0"/>
+              <a:t> </a:t>
+            </a:r>
+            <a:r>
+              <a:rPr lang="en-US"/>
+              <a:t>= </a:t>
+            </a:r>
+            <a:r>
+              <a:rPr lang="en-US" smtClean="0"/>
+              <a:t>5TeV </a:t>
+            </a:r>
+            <a:r>
+              <a:rPr lang="en-US" dirty="0"/>
+              <a:t>and different widths </a:t>
+            </a:r>
+            <a:endParaRPr lang="en-GB" dirty="0"/>
+          </a:p>
+        </p:txBody>
+      </p:sp>
+      <p:pic>
+        <p:nvPicPr>
+          <p:cNvPr id="4" name="Picture 3"/>
+          <p:cNvPicPr>
+            <a:picLocks noChangeAspect="1"/>
+          </p:cNvPicPr>
+          <p:nvPr/>
+        </p:nvPicPr>
+        <p:blipFill>
+          <a:blip r:embed="rId3">
+            <a:extLst>
+              <a:ext uri="{28A0092B-C50C-407E-A947-70E740481C1C}">
+                <a14:useLocalDpi xmlns:a14="http://schemas.microsoft.com/office/drawing/2010/main" val="0"/>
+              </a:ext>
+            </a:extLst>
+          </a:blip>
+          <a:stretch>
+            <a:fillRect/>
+          </a:stretch>
+        </p:blipFill>
+        <p:spPr>
+          <a:xfrm>
+            <a:off x="1819275" y="700087"/>
+            <a:ext cx="8553450" cy="5457825"/>
+          </a:xfrm>
+          <a:prstGeom prst="rect">
+            <a:avLst/>
+          </a:prstGeom>
+        </p:spPr>
+      </p:pic>
+      <mc:AlternateContent xmlns:mc="http://schemas.openxmlformats.org/markup-compatibility/2006">
+        <mc:Choice xmlns:a14="http://schemas.microsoft.com/office/drawing/2010/main" Requires="a14">
+          <p:sp>
+            <p:nvSpPr>
+              <p:cNvPr id="6" name="TextBox 5"/>
+              <p:cNvSpPr txBox="1"/>
+              <p:nvPr/>
+            </p:nvSpPr>
+            <p:spPr>
+              <a:xfrm>
+                <a:off x="8920084" y="5872657"/>
+                <a:ext cx="657467" cy="215444"/>
+              </a:xfrm>
+              <a:prstGeom prst="rect">
+                <a:avLst/>
+              </a:prstGeom>
+              <a:noFill/>
+            </p:spPr>
+            <p:txBody>
+              <a:bodyPr wrap="square" lIns="0" tIns="0" rIns="0" bIns="0" rtlCol="0">
+                <a:spAutoFit/>
+              </a:bodyPr>
+              <a:lstStyle/>
+              <a:p>
+                <a14:m>
+                  <m:oMathPara xmlns:m="http://schemas.openxmlformats.org/officeDocument/2006/math">
+                    <m:oMathParaPr>
+                      <m:jc m:val="centerGroup"/>
+                    </m:oMathParaPr>
+                    <m:oMath xmlns:m="http://schemas.openxmlformats.org/officeDocument/2006/math">
+                      <m:r>
+                        <a:rPr lang="en-US" sz="1400" b="0" i="1" smtClean="0">
+                          <a:latin typeface="Cambria Math" panose="02040503050406030204" pitchFamily="18" charset="0"/>
+                        </a:rPr>
+                        <m:t>|</m:t>
+                      </m:r>
+                      <m:r>
+                        <a:rPr lang="en-US" sz="1400" b="0" i="1" smtClean="0">
+                          <a:latin typeface="Cambria Math" panose="02040503050406030204" pitchFamily="18" charset="0"/>
+                        </a:rPr>
+                        <m:t>𝑐𝑜𝑠</m:t>
+                      </m:r>
+                      <m:sSup>
+                        <m:sSupPr>
+                          <m:ctrlPr>
+                            <a:rPr lang="el-GR" sz="1400" b="0" i="1" smtClean="0">
+                              <a:latin typeface="Cambria Math" panose="02040503050406030204" pitchFamily="18" charset="0"/>
+                            </a:rPr>
+                          </m:ctrlPr>
+                        </m:sSupPr>
+                        <m:e>
+                          <m:r>
+                            <a:rPr lang="el-GR" sz="1400" b="0" i="1" smtClean="0">
+                              <a:latin typeface="Cambria Math" panose="02040503050406030204" pitchFamily="18" charset="0"/>
+                            </a:rPr>
+                            <m:t>𝜃</m:t>
+                          </m:r>
+                        </m:e>
+                        <m:sup>
+                          <m:r>
+                            <a:rPr lang="el-GR" sz="1400" b="0" i="1" smtClean="0">
+                              <a:latin typeface="Cambria Math" panose="02040503050406030204" pitchFamily="18" charset="0"/>
+                            </a:rPr>
+                            <m:t>∗</m:t>
+                          </m:r>
+                        </m:sup>
+                      </m:sSup>
+                      <m:r>
+                        <a:rPr lang="en-US" sz="1400" b="0" i="1" smtClean="0">
+                          <a:latin typeface="Cambria Math" panose="02040503050406030204" pitchFamily="18" charset="0"/>
+                        </a:rPr>
+                        <m:t>|</m:t>
+                      </m:r>
+                    </m:oMath>
+                  </m:oMathPara>
+                </a14:m>
+                <a:endParaRPr lang="en-GB" sz="1400" dirty="0"/>
+              </a:p>
+            </p:txBody>
+          </p:sp>
+        </mc:Choice>
+        <mc:Fallback>
+          <p:sp>
+            <p:nvSpPr>
+              <p:cNvPr id="6" name="TextBox 5"/>
+              <p:cNvSpPr txBox="1">
+                <a:spLocks noRot="1" noChangeAspect="1" noMove="1" noResize="1" noEditPoints="1" noAdjustHandles="1" noChangeArrowheads="1" noChangeShapeType="1" noTextEdit="1"/>
+              </p:cNvSpPr>
+              <p:nvPr/>
+            </p:nvSpPr>
+            <p:spPr>
+              <a:xfrm>
+                <a:off x="8920084" y="5872657"/>
+                <a:ext cx="657467" cy="215444"/>
+              </a:xfrm>
+              <a:prstGeom prst="rect">
+                <a:avLst/>
+              </a:prstGeom>
+              <a:blipFill>
+                <a:blip r:embed="rId4"/>
+                <a:stretch>
+                  <a:fillRect l="-3704" r="-4630" b="-30556"/>
+                </a:stretch>
+              </a:blipFill>
+            </p:spPr>
+            <p:txBody>
+              <a:bodyPr/>
+              <a:lstStyle/>
+              <a:p>
+                <a:r>
+                  <a:rPr lang="en-GB">
+                    <a:noFill/>
+                  </a:rPr>
+                  <a:t> </a:t>
+                </a:r>
+              </a:p>
+            </p:txBody>
+          </p:sp>
+        </mc:Fallback>
+      </mc:AlternateContent>
+      <p:sp>
+        <p:nvSpPr>
+          <p:cNvPr id="7" name="Slide Number Placeholder 6"/>
+          <p:cNvSpPr>
+            <a:spLocks noGrp="1"/>
+          </p:cNvSpPr>
+          <p:nvPr>
+            <p:ph type="sldNum" sz="quarter" idx="12"/>
+          </p:nvPr>
+        </p:nvSpPr>
+        <p:spPr/>
+        <p:txBody>
+          <a:bodyPr/>
+          <a:lstStyle/>
+          <a:p>
+            <a:fld id="{AEEFAC8D-0A19-DC49-9F7A-4BFCAD95B105}" type="slidenum">
+              <a:rPr lang="en-US" smtClean="0"/>
+              <a:t>35</a:t>
+            </a:fld>
+            <a:endParaRPr lang="en-US"/>
+          </a:p>
+        </p:txBody>
+      </p:sp>
+    </p:spTree>
+    <p:extLst>
+      <p:ext uri="{BB962C8B-B14F-4D97-AF65-F5344CB8AC3E}">
+        <p14:creationId xmlns:p14="http://schemas.microsoft.com/office/powerpoint/2010/main" val="654125106"/>
       </p:ext>
     </p:extLst>
   </p:cSld>
@@ -9058,10 +14843,11 @@
           <a:bodyPr/>
           <a:lstStyle/>
           <a:p>
-            <a:r>
-              <a:rPr lang="en-US"/>
-              <a:t>1/4/2019</a:t>
-            </a:r>
+            <a:fld id="{DB335FCA-2B7C-4AF7-B090-09F64A54D6B8}" type="datetime3">
+              <a:rPr lang="en-US" smtClean="0"/>
+              <a:t>22 May 2019</a:t>
+            </a:fld>
+            <a:endParaRPr lang="en-US"/>
           </a:p>
         </p:txBody>
       </p:sp>
@@ -9088,8 +14874,8 @@
           </a:p>
         </p:txBody>
       </p:sp>
-      <mc:AlternateContent xmlns:mc="http://schemas.openxmlformats.org/markup-compatibility/2006">
-        <mc:Choice xmlns:a14="http://schemas.microsoft.com/office/drawing/2010/main" Requires="a14">
+      <mc:AlternateContent xmlns:mc="http://schemas.openxmlformats.org/markup-compatibility/2006" xmlns:a14="http://schemas.microsoft.com/office/drawing/2010/main">
+        <mc:Choice Requires="a14">
           <p:sp>
             <p:nvSpPr>
               <p:cNvPr id="4" name="TextBox 3"/>
@@ -10029,7 +15815,7 @@
             </p:txBody>
           </p:sp>
         </mc:Choice>
-        <mc:Fallback>
+        <mc:Fallback xmlns="">
           <p:sp>
             <p:nvSpPr>
               <p:cNvPr id="4" name="TextBox 3"/>
@@ -10098,6 +15884,29 @@
           </a:p>
         </p:txBody>
       </p:sp>
+      <p:sp>
+        <p:nvSpPr>
+          <p:cNvPr id="6" name="Slide Number Placeholder 5"/>
+          <p:cNvSpPr>
+            <a:spLocks noGrp="1"/>
+          </p:cNvSpPr>
+          <p:nvPr>
+            <p:ph type="sldNum" sz="quarter" idx="12"/>
+          </p:nvPr>
+        </p:nvSpPr>
+        <p:spPr/>
+        <p:txBody>
+          <a:bodyPr/>
+          <a:lstStyle/>
+          <a:p>
+            <a:fld id="{AEEFAC8D-0A19-DC49-9F7A-4BFCAD95B105}" type="slidenum">
+              <a:rPr lang="en-US" smtClean="0"/>
+              <a:t>4</a:t>
+            </a:fld>
+            <a:endParaRPr lang="en-US"/>
+          </a:p>
+        </p:txBody>
+      </p:sp>
     </p:spTree>
     <p:extLst>
       <p:ext uri="{BB962C8B-B14F-4D97-AF65-F5344CB8AC3E}">
@@ -10143,10 +15952,11 @@
           <a:bodyPr/>
           <a:lstStyle/>
           <a:p>
-            <a:r>
-              <a:rPr lang="en-US"/>
-              <a:t>1/4/2019</a:t>
-            </a:r>
+            <a:fld id="{0E3BD051-79DF-422D-9B8D-B1B5D33ACEE0}" type="datetime3">
+              <a:rPr lang="en-US" smtClean="0"/>
+              <a:t>22 May 2019</a:t>
+            </a:fld>
+            <a:endParaRPr lang="en-US"/>
           </a:p>
         </p:txBody>
       </p:sp>
@@ -10257,6 +16067,29 @@
               <a:t> = 2TeV and different widths </a:t>
             </a:r>
             <a:endParaRPr lang="en-GB" dirty="0"/>
+          </a:p>
+        </p:txBody>
+      </p:sp>
+      <p:sp>
+        <p:nvSpPr>
+          <p:cNvPr id="6" name="Slide Number Placeholder 5"/>
+          <p:cNvSpPr>
+            <a:spLocks noGrp="1"/>
+          </p:cNvSpPr>
+          <p:nvPr>
+            <p:ph type="sldNum" sz="quarter" idx="12"/>
+          </p:nvPr>
+        </p:nvSpPr>
+        <p:spPr/>
+        <p:txBody>
+          <a:bodyPr/>
+          <a:lstStyle/>
+          <a:p>
+            <a:fld id="{AEEFAC8D-0A19-DC49-9F7A-4BFCAD95B105}" type="slidenum">
+              <a:rPr lang="en-US" smtClean="0"/>
+              <a:t>5</a:t>
+            </a:fld>
+            <a:endParaRPr lang="en-US"/>
           </a:p>
         </p:txBody>
       </p:sp>
@@ -10305,10 +16138,11 @@
           <a:bodyPr/>
           <a:lstStyle/>
           <a:p>
-            <a:r>
-              <a:rPr lang="en-US"/>
-              <a:t>1/4/2019</a:t>
-            </a:r>
+            <a:fld id="{5808B9A8-E8DD-46B3-A4C7-DD14777C5FEB}" type="datetime3">
+              <a:rPr lang="en-US" smtClean="0"/>
+              <a:t>22 May 2019</a:t>
+            </a:fld>
+            <a:endParaRPr lang="en-US"/>
           </a:p>
         </p:txBody>
       </p:sp>
@@ -10419,6 +16253,29 @@
               <a:t> = 2.5TeV and different widths </a:t>
             </a:r>
             <a:endParaRPr lang="en-GB" dirty="0"/>
+          </a:p>
+        </p:txBody>
+      </p:sp>
+      <p:sp>
+        <p:nvSpPr>
+          <p:cNvPr id="4" name="Slide Number Placeholder 3"/>
+          <p:cNvSpPr>
+            <a:spLocks noGrp="1"/>
+          </p:cNvSpPr>
+          <p:nvPr>
+            <p:ph type="sldNum" sz="quarter" idx="12"/>
+          </p:nvPr>
+        </p:nvSpPr>
+        <p:spPr/>
+        <p:txBody>
+          <a:bodyPr/>
+          <a:lstStyle/>
+          <a:p>
+            <a:fld id="{AEEFAC8D-0A19-DC49-9F7A-4BFCAD95B105}" type="slidenum">
+              <a:rPr lang="en-US" smtClean="0"/>
+              <a:t>6</a:t>
+            </a:fld>
+            <a:endParaRPr lang="en-US"/>
           </a:p>
         </p:txBody>
       </p:sp>
@@ -10467,10 +16324,11 @@
           <a:bodyPr/>
           <a:lstStyle/>
           <a:p>
-            <a:r>
-              <a:rPr lang="en-US"/>
-              <a:t>1/4/2019</a:t>
-            </a:r>
+            <a:fld id="{0BC29A73-3AB4-471C-8A4B-B14D4FE01988}" type="datetime3">
+              <a:rPr lang="en-US" smtClean="0"/>
+              <a:t>22 May 2019</a:t>
+            </a:fld>
+            <a:endParaRPr lang="en-US"/>
           </a:p>
         </p:txBody>
       </p:sp>
@@ -10581,6 +16439,29 @@
               <a:t> = 3TeV and different widths </a:t>
             </a:r>
             <a:endParaRPr lang="en-GB" dirty="0"/>
+          </a:p>
+        </p:txBody>
+      </p:sp>
+      <p:sp>
+        <p:nvSpPr>
+          <p:cNvPr id="5" name="Slide Number Placeholder 4"/>
+          <p:cNvSpPr>
+            <a:spLocks noGrp="1"/>
+          </p:cNvSpPr>
+          <p:nvPr>
+            <p:ph type="sldNum" sz="quarter" idx="12"/>
+          </p:nvPr>
+        </p:nvSpPr>
+        <p:spPr/>
+        <p:txBody>
+          <a:bodyPr/>
+          <a:lstStyle/>
+          <a:p>
+            <a:fld id="{AEEFAC8D-0A19-DC49-9F7A-4BFCAD95B105}" type="slidenum">
+              <a:rPr lang="en-US" smtClean="0"/>
+              <a:t>7</a:t>
+            </a:fld>
+            <a:endParaRPr lang="en-US"/>
           </a:p>
         </p:txBody>
       </p:sp>
@@ -10629,10 +16510,11 @@
           <a:bodyPr/>
           <a:lstStyle/>
           <a:p>
-            <a:r>
-              <a:rPr lang="en-US"/>
-              <a:t>1/4/2019</a:t>
-            </a:r>
+            <a:fld id="{28167D2B-6191-4564-A272-37AFADB55DF6}" type="datetime3">
+              <a:rPr lang="en-US" smtClean="0"/>
+              <a:t>22 May 2019</a:t>
+            </a:fld>
+            <a:endParaRPr lang="en-US"/>
           </a:p>
         </p:txBody>
       </p:sp>
@@ -10743,6 +16625,29 @@
               <a:t> = 4TeV and different widths </a:t>
             </a:r>
             <a:endParaRPr lang="en-GB" dirty="0"/>
+          </a:p>
+        </p:txBody>
+      </p:sp>
+      <p:sp>
+        <p:nvSpPr>
+          <p:cNvPr id="4" name="Slide Number Placeholder 3"/>
+          <p:cNvSpPr>
+            <a:spLocks noGrp="1"/>
+          </p:cNvSpPr>
+          <p:nvPr>
+            <p:ph type="sldNum" sz="quarter" idx="12"/>
+          </p:nvPr>
+        </p:nvSpPr>
+        <p:spPr/>
+        <p:txBody>
+          <a:bodyPr/>
+          <a:lstStyle/>
+          <a:p>
+            <a:fld id="{AEEFAC8D-0A19-DC49-9F7A-4BFCAD95B105}" type="slidenum">
+              <a:rPr lang="en-US" smtClean="0"/>
+              <a:t>8</a:t>
+            </a:fld>
+            <a:endParaRPr lang="en-US"/>
           </a:p>
         </p:txBody>
       </p:sp>
@@ -10791,10 +16696,11 @@
           <a:bodyPr/>
           <a:lstStyle/>
           <a:p>
-            <a:r>
-              <a:rPr lang="en-US"/>
-              <a:t>1/4/2019</a:t>
-            </a:r>
+            <a:fld id="{93FE4497-A658-450D-ABB7-CEA35A8D0319}" type="datetime3">
+              <a:rPr lang="en-US" smtClean="0"/>
+              <a:t>22 May 2019</a:t>
+            </a:fld>
+            <a:endParaRPr lang="en-US"/>
           </a:p>
         </p:txBody>
       </p:sp>
@@ -10905,6 +16811,29 @@
               <a:t> = 5TeV and different widths </a:t>
             </a:r>
             <a:endParaRPr lang="en-GB" dirty="0"/>
+          </a:p>
+        </p:txBody>
+      </p:sp>
+      <p:sp>
+        <p:nvSpPr>
+          <p:cNvPr id="4" name="Slide Number Placeholder 3"/>
+          <p:cNvSpPr>
+            <a:spLocks noGrp="1"/>
+          </p:cNvSpPr>
+          <p:nvPr>
+            <p:ph type="sldNum" sz="quarter" idx="12"/>
+          </p:nvPr>
+        </p:nvSpPr>
+        <p:spPr/>
+        <p:txBody>
+          <a:bodyPr/>
+          <a:lstStyle/>
+          <a:p>
+            <a:fld id="{AEEFAC8D-0A19-DC49-9F7A-4BFCAD95B105}" type="slidenum">
+              <a:rPr lang="en-US" smtClean="0"/>
+              <a:t>9</a:t>
+            </a:fld>
+            <a:endParaRPr lang="en-US"/>
           </a:p>
         </p:txBody>
       </p:sp>
